--- a/Presentation_Projet.pptx
+++ b/Presentation_Projet.pptx
@@ -5,7 +5,7 @@
     <p:sldMasterId id="2147483648" r:id="rId4"/>
   </p:sldMasterIdLst>
   <p:notesMasterIdLst>
-    <p:notesMasterId r:id="rId28"/>
+    <p:notesMasterId r:id="rId27"/>
   </p:notesMasterIdLst>
   <p:sldIdLst>
     <p:sldId id="256" r:id="rId5"/>
@@ -13,24 +13,23 @@
     <p:sldId id="266" r:id="rId7"/>
     <p:sldId id="267" r:id="rId8"/>
     <p:sldId id="264" r:id="rId9"/>
-    <p:sldId id="268" r:id="rId10"/>
-    <p:sldId id="262" r:id="rId11"/>
-    <p:sldId id="287" r:id="rId12"/>
-    <p:sldId id="285" r:id="rId13"/>
-    <p:sldId id="288" r:id="rId14"/>
-    <p:sldId id="286" r:id="rId15"/>
-    <p:sldId id="289" r:id="rId16"/>
-    <p:sldId id="291" r:id="rId17"/>
-    <p:sldId id="290" r:id="rId18"/>
-    <p:sldId id="281" r:id="rId19"/>
-    <p:sldId id="280" r:id="rId20"/>
-    <p:sldId id="270" r:id="rId21"/>
-    <p:sldId id="274" r:id="rId22"/>
-    <p:sldId id="277" r:id="rId23"/>
-    <p:sldId id="279" r:id="rId24"/>
-    <p:sldId id="278" r:id="rId25"/>
-    <p:sldId id="283" r:id="rId26"/>
-    <p:sldId id="282" r:id="rId27"/>
+    <p:sldId id="262" r:id="rId10"/>
+    <p:sldId id="287" r:id="rId11"/>
+    <p:sldId id="285" r:id="rId12"/>
+    <p:sldId id="288" r:id="rId13"/>
+    <p:sldId id="286" r:id="rId14"/>
+    <p:sldId id="289" r:id="rId15"/>
+    <p:sldId id="291" r:id="rId16"/>
+    <p:sldId id="290" r:id="rId17"/>
+    <p:sldId id="281" r:id="rId18"/>
+    <p:sldId id="280" r:id="rId19"/>
+    <p:sldId id="270" r:id="rId20"/>
+    <p:sldId id="274" r:id="rId21"/>
+    <p:sldId id="277" r:id="rId22"/>
+    <p:sldId id="279" r:id="rId23"/>
+    <p:sldId id="278" r:id="rId24"/>
+    <p:sldId id="283" r:id="rId25"/>
+    <p:sldId id="282" r:id="rId26"/>
   </p:sldIdLst>
   <p:sldSz cx="12192000" cy="6858000"/>
   <p:notesSz cx="6858000" cy="9144000"/>
@@ -955,7 +954,7 @@
 <file path=ppt/charts/chart1.xml><?xml version="1.0" encoding="utf-8"?>
 <c:chartSpace xmlns:c="http://schemas.openxmlformats.org/drawingml/2006/chart" xmlns:a="http://schemas.openxmlformats.org/drawingml/2006/main" xmlns:r="http://schemas.openxmlformats.org/officeDocument/2006/relationships" xmlns:c16r2="http://schemas.microsoft.com/office/drawing/2015/06/chart">
   <c:date1904 val="0"/>
-  <c:lang val="en-US"/>
+  <c:lang val="fr-FR"/>
   <c:roundedCorners val="0"/>
   <mc:AlternateContent xmlns:mc="http://schemas.openxmlformats.org/markup-compatibility/2006">
     <mc:Choice xmlns:c14="http://schemas.microsoft.com/office/drawing/2007/8/2/chart" Requires="c14">
@@ -2081,7 +2080,7 @@
                   <a:cs typeface="+mn-cs"/>
                 </a:defRPr>
               </a:pPr>
-              <a:endParaRPr lang="en-US"/>
+              <a:endParaRPr lang="fr-FR"/>
             </a:p>
           </c:txPr>
         </c:title>
@@ -2119,7 +2118,7 @@
                 <a:cs typeface="+mn-cs"/>
               </a:defRPr>
             </a:pPr>
-            <a:endParaRPr lang="en-US"/>
+            <a:endParaRPr lang="fr-FR"/>
           </a:p>
         </c:txPr>
         <c:crossAx val="477271791"/>
@@ -2203,7 +2202,7 @@
                   <a:cs typeface="+mn-cs"/>
                 </a:defRPr>
               </a:pPr>
-              <a:endParaRPr lang="en-US"/>
+              <a:endParaRPr lang="fr-FR"/>
             </a:p>
           </c:txPr>
         </c:title>
@@ -2241,7 +2240,7 @@
                 <a:cs typeface="+mn-cs"/>
               </a:defRPr>
             </a:pPr>
-            <a:endParaRPr lang="en-US"/>
+            <a:endParaRPr lang="fr-FR"/>
           </a:p>
         </c:txPr>
         <c:crossAx val="477280911"/>
@@ -2293,7 +2292,7 @@
               <a:cs typeface="+mn-cs"/>
             </a:defRPr>
           </a:pPr>
-          <a:endParaRPr lang="en-US"/>
+          <a:endParaRPr lang="fr-FR"/>
         </a:p>
       </c:txPr>
     </c:legend>
@@ -2322,7 +2321,7 @@
       <a:pPr>
         <a:defRPr/>
       </a:pPr>
-      <a:endParaRPr lang="en-US"/>
+      <a:endParaRPr lang="fr-FR"/>
     </a:p>
   </c:txPr>
   <c:externalData r:id="rId3">
@@ -2334,7 +2333,7 @@
 <file path=ppt/charts/chart2.xml><?xml version="1.0" encoding="utf-8"?>
 <c:chartSpace xmlns:c="http://schemas.openxmlformats.org/drawingml/2006/chart" xmlns:a="http://schemas.openxmlformats.org/drawingml/2006/main" xmlns:r="http://schemas.openxmlformats.org/officeDocument/2006/relationships" xmlns:c16r2="http://schemas.microsoft.com/office/drawing/2015/06/chart">
   <c:date1904 val="0"/>
-  <c:lang val="en-US"/>
+  <c:lang val="fr-FR"/>
   <c:roundedCorners val="0"/>
   <mc:AlternateContent xmlns:mc="http://schemas.openxmlformats.org/markup-compatibility/2006">
     <mc:Choice xmlns:c14="http://schemas.microsoft.com/office/drawing/2007/8/2/chart" Requires="c14">
@@ -2409,7 +2408,7 @@
               <a:cs typeface="+mn-cs"/>
             </a:defRPr>
           </a:pPr>
-          <a:endParaRPr lang="en-US"/>
+          <a:endParaRPr lang="fr-FR"/>
         </a:p>
       </c:txPr>
     </c:title>
@@ -2488,7 +2487,7 @@
                 <a:lstStyle/>
                 <a:p>
                   <a:pPr>
-                    <a:defRPr sz="900" b="0" i="0" u="none" strike="noStrike" kern="1200" baseline="0">
+                    <a:defRPr sz="1500" b="0" i="0" u="none" strike="noStrike" kern="1200" baseline="0">
                       <a:solidFill>
                         <a:schemeClr val="tx1">
                           <a:lumMod val="65000"/>
@@ -2500,7 +2499,7 @@
                       <a:cs typeface="+mn-cs"/>
                     </a:defRPr>
                   </a:pPr>
-                  <a:endParaRPr lang="en-US"/>
+                  <a:endParaRPr lang="fr-FR"/>
                 </a:p>
               </c:txPr>
             </c:trendlineLbl>
@@ -2643,7 +2642,7 @@
                             <a:cs typeface="+mn-cs"/>
                           </a:defRPr>
                         </a:pPr>
-                        <a:endParaRPr lang="en-US"/>
+                        <a:endParaRPr lang="fr-FR"/>
                       </a:p>
                     </c:txPr>
                   </c:trendlineLbl>
@@ -2785,7 +2784,7 @@
                   <a:cs typeface="+mn-cs"/>
                 </a:defRPr>
               </a:pPr>
-              <a:endParaRPr lang="en-US"/>
+              <a:endParaRPr lang="fr-FR"/>
             </a:p>
           </c:txPr>
         </c:title>
@@ -2823,7 +2822,7 @@
                 <a:cs typeface="+mn-cs"/>
               </a:defRPr>
             </a:pPr>
-            <a:endParaRPr lang="en-US"/>
+            <a:endParaRPr lang="fr-FR"/>
           </a:p>
         </c:txPr>
         <c:crossAx val="1420657695"/>
@@ -2907,7 +2906,7 @@
                   <a:cs typeface="+mn-cs"/>
                 </a:defRPr>
               </a:pPr>
-              <a:endParaRPr lang="en-US"/>
+              <a:endParaRPr lang="fr-FR"/>
             </a:p>
           </c:txPr>
         </c:title>
@@ -2945,7 +2944,7 @@
                 <a:cs typeface="+mn-cs"/>
               </a:defRPr>
             </a:pPr>
-            <a:endParaRPr lang="en-US"/>
+            <a:endParaRPr lang="fr-FR"/>
           </a:p>
         </c:txPr>
         <c:crossAx val="1911372511"/>
@@ -2985,7 +2984,7 @@
       <a:pPr>
         <a:defRPr/>
       </a:pPr>
-      <a:endParaRPr lang="en-US"/>
+      <a:endParaRPr lang="fr-FR"/>
     </a:p>
   </c:txPr>
   <c:externalData r:id="rId3">
@@ -2997,7 +2996,7 @@
 <file path=ppt/charts/chart3.xml><?xml version="1.0" encoding="utf-8"?>
 <c:chartSpace xmlns:c="http://schemas.openxmlformats.org/drawingml/2006/chart" xmlns:a="http://schemas.openxmlformats.org/drawingml/2006/main" xmlns:r="http://schemas.openxmlformats.org/officeDocument/2006/relationships" xmlns:c16r2="http://schemas.microsoft.com/office/drawing/2015/06/chart">
   <c:date1904 val="0"/>
-  <c:lang val="en-US"/>
+  <c:lang val="fr-FR"/>
   <c:roundedCorners val="0"/>
   <mc:AlternateContent xmlns:mc="http://schemas.openxmlformats.org/markup-compatibility/2006">
     <mc:Choice xmlns:c14="http://schemas.microsoft.com/office/drawing/2007/8/2/chart" Requires="c14">
@@ -3064,7 +3063,7 @@
               <a:cs typeface="+mn-cs"/>
             </a:defRPr>
           </a:pPr>
-          <a:endParaRPr lang="en-US"/>
+          <a:endParaRPr lang="fr-FR"/>
         </a:p>
       </c:txPr>
     </c:title>
@@ -3141,7 +3140,7 @@
                       <a:cs typeface="+mn-cs"/>
                     </a:defRPr>
                   </a:pPr>
-                  <a:endParaRPr lang="en-US"/>
+                  <a:endParaRPr lang="fr-FR"/>
                 </a:p>
               </c:txPr>
             </c:trendlineLbl>
@@ -3286,7 +3285,7 @@
                 <a:cs typeface="+mn-cs"/>
               </a:defRPr>
             </a:pPr>
-            <a:endParaRPr lang="en-US"/>
+            <a:endParaRPr lang="fr-FR"/>
           </a:p>
         </c:txPr>
         <c:crossAx val="642880048"/>
@@ -3349,7 +3348,7 @@
                 <a:cs typeface="+mn-cs"/>
               </a:defRPr>
             </a:pPr>
-            <a:endParaRPr lang="en-US"/>
+            <a:endParaRPr lang="fr-FR"/>
           </a:p>
         </c:txPr>
         <c:crossAx val="642881968"/>
@@ -3389,7 +3388,7 @@
       <a:pPr>
         <a:defRPr/>
       </a:pPr>
-      <a:endParaRPr lang="en-US"/>
+      <a:endParaRPr lang="fr-FR"/>
     </a:p>
   </c:txPr>
   <c:externalData r:id="rId3">
@@ -3401,7 +3400,7 @@
 <file path=ppt/charts/chart4.xml><?xml version="1.0" encoding="utf-8"?>
 <c:chartSpace xmlns:c="http://schemas.openxmlformats.org/drawingml/2006/chart" xmlns:a="http://schemas.openxmlformats.org/drawingml/2006/main" xmlns:r="http://schemas.openxmlformats.org/officeDocument/2006/relationships" xmlns:c16r2="http://schemas.microsoft.com/office/drawing/2015/06/chart">
   <c:date1904 val="0"/>
-  <c:lang val="en-US"/>
+  <c:lang val="fr-FR"/>
   <c:roundedCorners val="0"/>
   <mc:AlternateContent xmlns:mc="http://schemas.openxmlformats.org/markup-compatibility/2006">
     <mc:Choice xmlns:c14="http://schemas.microsoft.com/office/drawing/2007/8/2/chart" Requires="c14">
@@ -4162,7 +4161,7 @@
                   <a:cs typeface="+mn-cs"/>
                 </a:defRPr>
               </a:pPr>
-              <a:endParaRPr lang="en-US"/>
+              <a:endParaRPr lang="fr-FR"/>
             </a:p>
           </c:txPr>
         </c:title>
@@ -4200,7 +4199,7 @@
                 <a:cs typeface="+mn-cs"/>
               </a:defRPr>
             </a:pPr>
-            <a:endParaRPr lang="en-US"/>
+            <a:endParaRPr lang="fr-FR"/>
           </a:p>
         </c:txPr>
         <c:crossAx val="1457253920"/>
@@ -4280,7 +4279,7 @@
                   <a:cs typeface="+mn-cs"/>
                 </a:defRPr>
               </a:pPr>
-              <a:endParaRPr lang="en-US"/>
+              <a:endParaRPr lang="fr-FR"/>
             </a:p>
           </c:txPr>
         </c:title>
@@ -4318,7 +4317,7 @@
                 <a:cs typeface="+mn-cs"/>
               </a:defRPr>
             </a:pPr>
-            <a:endParaRPr lang="en-US"/>
+            <a:endParaRPr lang="fr-FR"/>
           </a:p>
         </c:txPr>
         <c:crossAx val="1457258720"/>
@@ -4358,7 +4357,7 @@
       <a:pPr>
         <a:defRPr/>
       </a:pPr>
-      <a:endParaRPr lang="en-US"/>
+      <a:endParaRPr lang="fr-FR"/>
     </a:p>
   </c:txPr>
   <c:externalData r:id="rId3">
@@ -4370,7 +4369,7 @@
 <file path=ppt/charts/chart5.xml><?xml version="1.0" encoding="utf-8"?>
 <c:chartSpace xmlns:c="http://schemas.openxmlformats.org/drawingml/2006/chart" xmlns:a="http://schemas.openxmlformats.org/drawingml/2006/main" xmlns:r="http://schemas.openxmlformats.org/officeDocument/2006/relationships" xmlns:c16r2="http://schemas.microsoft.com/office/drawing/2015/06/chart">
   <c:date1904 val="0"/>
-  <c:lang val="en-US"/>
+  <c:lang val="fr-FR"/>
   <c:roundedCorners val="0"/>
   <mc:AlternateContent xmlns:mc="http://schemas.openxmlformats.org/markup-compatibility/2006">
     <mc:Choice xmlns:c14="http://schemas.microsoft.com/office/drawing/2007/8/2/chart" Requires="c14">
@@ -5143,7 +5142,7 @@
                   <a:cs typeface="+mn-cs"/>
                 </a:defRPr>
               </a:pPr>
-              <a:endParaRPr lang="en-US"/>
+              <a:endParaRPr lang="fr-FR"/>
             </a:p>
           </c:txPr>
         </c:title>
@@ -5181,7 +5180,7 @@
                 <a:cs typeface="+mn-cs"/>
               </a:defRPr>
             </a:pPr>
-            <a:endParaRPr lang="en-US"/>
+            <a:endParaRPr lang="fr-FR"/>
           </a:p>
         </c:txPr>
         <c:crossAx val="2041938592"/>
@@ -5261,7 +5260,7 @@
                   <a:cs typeface="+mn-cs"/>
                 </a:defRPr>
               </a:pPr>
-              <a:endParaRPr lang="en-US"/>
+              <a:endParaRPr lang="fr-FR"/>
             </a:p>
           </c:txPr>
         </c:title>
@@ -5299,7 +5298,7 @@
                 <a:cs typeface="+mn-cs"/>
               </a:defRPr>
             </a:pPr>
-            <a:endParaRPr lang="en-US"/>
+            <a:endParaRPr lang="fr-FR"/>
           </a:p>
         </c:txPr>
         <c:crossAx val="2041944352"/>
@@ -5339,7 +5338,7 @@
       <a:pPr>
         <a:defRPr/>
       </a:pPr>
-      <a:endParaRPr lang="en-US"/>
+      <a:endParaRPr lang="fr-FR"/>
     </a:p>
   </c:txPr>
   <c:externalData r:id="rId3">
@@ -5351,7 +5350,7 @@
 <file path=ppt/charts/chart6.xml><?xml version="1.0" encoding="utf-8"?>
 <c:chartSpace xmlns:c="http://schemas.openxmlformats.org/drawingml/2006/chart" xmlns:a="http://schemas.openxmlformats.org/drawingml/2006/main" xmlns:r="http://schemas.openxmlformats.org/officeDocument/2006/relationships" xmlns:c16r2="http://schemas.microsoft.com/office/drawing/2015/06/chart">
   <c:date1904 val="0"/>
-  <c:lang val="en-US"/>
+  <c:lang val="fr-FR"/>
   <c:roundedCorners val="0"/>
   <mc:AlternateContent xmlns:mc="http://schemas.openxmlformats.org/markup-compatibility/2006">
     <mc:Choice xmlns:c14="http://schemas.microsoft.com/office/drawing/2007/8/2/chart" Requires="c14">
@@ -6158,7 +6157,7 @@
                   <a:cs typeface="+mn-cs"/>
                 </a:defRPr>
               </a:pPr>
-              <a:endParaRPr lang="en-US"/>
+              <a:endParaRPr lang="fr-FR"/>
             </a:p>
           </c:txPr>
         </c:title>
@@ -6196,7 +6195,7 @@
                 <a:cs typeface="+mn-cs"/>
               </a:defRPr>
             </a:pPr>
-            <a:endParaRPr lang="en-US"/>
+            <a:endParaRPr lang="fr-FR"/>
           </a:p>
         </c:txPr>
         <c:crossAx val="2041041472"/>
@@ -6276,7 +6275,7 @@
                   <a:cs typeface="+mn-cs"/>
                 </a:defRPr>
               </a:pPr>
-              <a:endParaRPr lang="en-US"/>
+              <a:endParaRPr lang="fr-FR"/>
             </a:p>
           </c:txPr>
         </c:title>
@@ -6314,7 +6313,7 @@
                 <a:cs typeface="+mn-cs"/>
               </a:defRPr>
             </a:pPr>
-            <a:endParaRPr lang="en-US"/>
+            <a:endParaRPr lang="fr-FR"/>
           </a:p>
         </c:txPr>
         <c:crossAx val="2041040032"/>
@@ -6354,7 +6353,7 @@
       <a:pPr>
         <a:defRPr/>
       </a:pPr>
-      <a:endParaRPr lang="en-US"/>
+      <a:endParaRPr lang="fr-FR"/>
     </a:p>
   </c:txPr>
   <c:externalData r:id="rId3">
@@ -6366,7 +6365,7 @@
 <file path=ppt/charts/chart7.xml><?xml version="1.0" encoding="utf-8"?>
 <c:chartSpace xmlns:c="http://schemas.openxmlformats.org/drawingml/2006/chart" xmlns:a="http://schemas.openxmlformats.org/drawingml/2006/main" xmlns:r="http://schemas.openxmlformats.org/officeDocument/2006/relationships" xmlns:c16r2="http://schemas.microsoft.com/office/drawing/2015/06/chart">
   <c:date1904 val="0"/>
-  <c:lang val="en-US"/>
+  <c:lang val="fr-FR"/>
   <c:roundedCorners val="0"/>
   <mc:AlternateContent xmlns:mc="http://schemas.openxmlformats.org/markup-compatibility/2006">
     <mc:Choice xmlns:c14="http://schemas.microsoft.com/office/drawing/2007/8/2/chart" Requires="c14">
@@ -6614,7 +6613,7 @@
                   <a:cs typeface="+mn-cs"/>
                 </a:defRPr>
               </a:pPr>
-              <a:endParaRPr lang="en-US"/>
+              <a:endParaRPr lang="fr-FR"/>
             </a:p>
           </c:txPr>
         </c:title>
@@ -6652,7 +6651,7 @@
                 <a:cs typeface="+mn-cs"/>
               </a:defRPr>
             </a:pPr>
-            <a:endParaRPr lang="en-US"/>
+            <a:endParaRPr lang="fr-FR"/>
           </a:p>
         </c:txPr>
         <c:crossAx val="1632011967"/>
@@ -6692,7 +6691,7 @@
       <a:pPr>
         <a:defRPr/>
       </a:pPr>
-      <a:endParaRPr lang="en-US"/>
+      <a:endParaRPr lang="fr-FR"/>
     </a:p>
   </c:txPr>
   <c:externalData r:id="rId3">
@@ -10600,8 +10599,8 @@
       <pc:docMk xmlns:pc="http://schemas.microsoft.com/office/powerpoint/2013/main/command"/>
       <pc:sldMk xmlns:pc="http://schemas.microsoft.com/office/powerpoint/2013/main/command" cId="1200750332" sldId="262"/>
       <ac:spMk id="3" creationId="{57846E6E-541E-C380-2EC3-91AF5BEE61F6}"/>
-      <ac:txMk cp="413" len="347">
-        <ac:context len="934" hash="2870726881"/>
+      <ac:txMk cp="0">
+        <ac:context len="323" hash="1464792153"/>
       </ac:txMk>
     </ac:txMkLst>
     <p188:pos x="10506075" y="2002400"/>
@@ -10630,7 +10629,6 @@
         <ac:context len="828" hash="3614477621"/>
       </ac:txMk>
     </ac:txMkLst>
-    <p188:pos x="6266996" y="3947369"/>
     <p188:replyLst>
       <p188:reply id="{4D2E3173-7F5B-494D-9B6F-EC70F917A23F}" authorId="{E68F2F47-82E5-2BC7-0FEC-4F4EC863DDC3}" created="2024-04-11T03:56:20.273">
         <p188:txBody>
@@ -10912,7 +10910,7 @@
           <a:p>
             <a:fld id="{603E9730-38DB-4F77-A139-6CE923099591}" type="slidenum">
               <a:rPr lang="en-CA" smtClean="0"/>
-              <a:t>‹#›</a:t>
+              <a:t>‹N°›</a:t>
             </a:fld>
             <a:endParaRPr lang="en-CA"/>
           </a:p>
@@ -11224,7 +11222,7 @@
           <a:p>
             <a:fld id="{4BD3201E-7DF8-462B-AC18-61E63795AE0D}" type="slidenum">
               <a:rPr lang="en-CA" smtClean="0"/>
-              <a:t>‹#›</a:t>
+              <a:t>‹N°›</a:t>
             </a:fld>
             <a:endParaRPr lang="en-CA"/>
           </a:p>
@@ -11424,7 +11422,7 @@
           <a:p>
             <a:fld id="{4BD3201E-7DF8-462B-AC18-61E63795AE0D}" type="slidenum">
               <a:rPr lang="en-CA" smtClean="0"/>
-              <a:t>‹#›</a:t>
+              <a:t>‹N°›</a:t>
             </a:fld>
             <a:endParaRPr lang="en-CA"/>
           </a:p>
@@ -11634,7 +11632,7 @@
           <a:p>
             <a:fld id="{4BD3201E-7DF8-462B-AC18-61E63795AE0D}" type="slidenum">
               <a:rPr lang="en-CA" smtClean="0"/>
-              <a:t>‹#›</a:t>
+              <a:t>‹N°›</a:t>
             </a:fld>
             <a:endParaRPr lang="en-CA"/>
           </a:p>
@@ -11834,7 +11832,7 @@
           <a:p>
             <a:fld id="{4BD3201E-7DF8-462B-AC18-61E63795AE0D}" type="slidenum">
               <a:rPr lang="en-CA" smtClean="0"/>
-              <a:t>‹#›</a:t>
+              <a:t>‹N°›</a:t>
             </a:fld>
             <a:endParaRPr lang="en-CA"/>
           </a:p>
@@ -12110,7 +12108,7 @@
           <a:p>
             <a:fld id="{4BD3201E-7DF8-462B-AC18-61E63795AE0D}" type="slidenum">
               <a:rPr lang="en-CA" smtClean="0"/>
-              <a:t>‹#›</a:t>
+              <a:t>‹N°›</a:t>
             </a:fld>
             <a:endParaRPr lang="en-CA"/>
           </a:p>
@@ -12378,7 +12376,7 @@
           <a:p>
             <a:fld id="{4BD3201E-7DF8-462B-AC18-61E63795AE0D}" type="slidenum">
               <a:rPr lang="en-CA" smtClean="0"/>
-              <a:t>‹#›</a:t>
+              <a:t>‹N°›</a:t>
             </a:fld>
             <a:endParaRPr lang="en-CA"/>
           </a:p>
@@ -12793,7 +12791,7 @@
           <a:p>
             <a:fld id="{4BD3201E-7DF8-462B-AC18-61E63795AE0D}" type="slidenum">
               <a:rPr lang="en-CA" smtClean="0"/>
-              <a:t>‹#›</a:t>
+              <a:t>‹N°›</a:t>
             </a:fld>
             <a:endParaRPr lang="en-CA"/>
           </a:p>
@@ -12935,7 +12933,7 @@
           <a:p>
             <a:fld id="{4BD3201E-7DF8-462B-AC18-61E63795AE0D}" type="slidenum">
               <a:rPr lang="en-CA" smtClean="0"/>
-              <a:t>‹#›</a:t>
+              <a:t>‹N°›</a:t>
             </a:fld>
             <a:endParaRPr lang="en-CA"/>
           </a:p>
@@ -13048,7 +13046,7 @@
           <a:p>
             <a:fld id="{4BD3201E-7DF8-462B-AC18-61E63795AE0D}" type="slidenum">
               <a:rPr lang="en-CA" smtClean="0"/>
-              <a:t>‹#›</a:t>
+              <a:t>‹N°›</a:t>
             </a:fld>
             <a:endParaRPr lang="en-CA"/>
           </a:p>
@@ -13361,7 +13359,7 @@
           <a:p>
             <a:fld id="{4BD3201E-7DF8-462B-AC18-61E63795AE0D}" type="slidenum">
               <a:rPr lang="en-CA" smtClean="0"/>
-              <a:t>‹#›</a:t>
+              <a:t>‹N°›</a:t>
             </a:fld>
             <a:endParaRPr lang="en-CA"/>
           </a:p>
@@ -13650,7 +13648,7 @@
           <a:p>
             <a:fld id="{4BD3201E-7DF8-462B-AC18-61E63795AE0D}" type="slidenum">
               <a:rPr lang="en-CA" smtClean="0"/>
-              <a:t>‹#›</a:t>
+              <a:t>‹N°›</a:t>
             </a:fld>
             <a:endParaRPr lang="en-CA"/>
           </a:p>
@@ -13929,7 +13927,7 @@
           <a:p>
             <a:fld id="{4BD3201E-7DF8-462B-AC18-61E63795AE0D}" type="slidenum">
               <a:rPr lang="en-CA" smtClean="0"/>
-              <a:t>‹#›</a:t>
+              <a:t>‹N°›</a:t>
             </a:fld>
             <a:endParaRPr lang="en-CA"/>
           </a:p>
@@ -14702,353 +14700,6 @@
           <a:lstStyle/>
           <a:p>
             <a:r>
-              <a:rPr lang="fr-FR" sz="3000" dirty="0"/>
-              <a:t>Vérification de code</a:t>
-            </a:r>
-            <a:endParaRPr lang="en-CA" sz="3000" dirty="0"/>
-          </a:p>
-        </p:txBody>
-      </p:sp>
-      <mc:AlternateContent xmlns:mc="http://schemas.openxmlformats.org/markup-compatibility/2006" xmlns:a14="http://schemas.microsoft.com/office/drawing/2010/main">
-        <mc:Choice Requires="a14">
-          <p:sp>
-            <p:nvSpPr>
-              <p:cNvPr id="3" name="Content Placeholder 2">
-                <a:extLst>
-                  <a:ext uri="{FF2B5EF4-FFF2-40B4-BE49-F238E27FC236}">
-                    <a16:creationId xmlns:a16="http://schemas.microsoft.com/office/drawing/2014/main" id="{57846E6E-541E-C380-2EC3-91AF5BEE61F6}"/>
-                  </a:ext>
-                </a:extLst>
-              </p:cNvPr>
-              <p:cNvSpPr>
-                <a:spLocks noGrp="1"/>
-              </p:cNvSpPr>
-              <p:nvPr>
-                <p:ph idx="1"/>
-              </p:nvPr>
-            </p:nvSpPr>
-            <p:spPr>
-              <a:xfrm>
-                <a:off x="838200" y="1150374"/>
-                <a:ext cx="10515600" cy="5342501"/>
-              </a:xfrm>
-            </p:spPr>
-            <p:txBody>
-              <a:bodyPr>
-                <a:normAutofit/>
-              </a:bodyPr>
-              <a:lstStyle/>
-              <a:p>
-                <a:pPr marL="0" indent="0" algn="just">
-                  <a:buNone/>
-                </a:pPr>
-                <a:r>
-                  <a:rPr lang="fr-CA" sz="1800" dirty="0"/>
-                  <a:t>Tout d’abord il faut garder à l’esprit que l’erreur de discrétisation en éléments finis converge en O(h</a:t>
-                </a:r>
-                <a:r>
-                  <a:rPr lang="fr-CA" sz="1800" baseline="30000" dirty="0"/>
-                  <a:t>p+1</a:t>
-                </a:r>
-                <a:r>
-                  <a:rPr lang="fr-CA" sz="1800" dirty="0"/>
-                  <a:t>) avec l’erreur L2, p étant l’ordre de la fonction de forme utilisée.</a:t>
-                </a:r>
-              </a:p>
-              <a:p>
-                <a:pPr marL="0" indent="0" algn="just">
-                  <a:buNone/>
-                </a:pPr>
-                <a:r>
-                  <a:rPr lang="fr-CA" sz="1800" dirty="0"/>
-                  <a:t>Dans notre cas, </a:t>
-                </a:r>
-                <a:r>
-                  <a:rPr lang="fr-CA" sz="1800" dirty="0" err="1"/>
-                  <a:t>SimCenter</a:t>
-                </a:r>
-                <a:r>
-                  <a:rPr lang="fr-CA" sz="1800" dirty="0"/>
-                  <a:t> utilise des éléments linéaires donc l’ordre formel attendu est de </a:t>
-                </a:r>
-                <a:r>
-                  <a:rPr lang="fr-CA" sz="1800" i="1" dirty="0"/>
-                  <a:t>p</a:t>
-                </a:r>
-                <a:r>
-                  <a:rPr lang="fr-CA" sz="1800" i="1" baseline="-25000" dirty="0"/>
-                  <a:t>f</a:t>
-                </a:r>
-                <a:r>
-                  <a:rPr lang="fr-CA" sz="1800" i="1" dirty="0"/>
-                  <a:t>=2.</a:t>
-                </a:r>
-                <a:r>
-                  <a:rPr lang="fr-CA" sz="1800" dirty="0"/>
-                  <a:t> Cependant, il est possible d’observer sur l’analyse de convergence faite plus haut que l’ordre observée est de </a:t>
-                </a:r>
-                <a14:m>
-                  <m:oMath xmlns:m="http://schemas.openxmlformats.org/officeDocument/2006/math">
-                    <m:acc>
-                      <m:accPr>
-                        <m:chr m:val="̂"/>
-                        <m:ctrlPr>
-                          <a:rPr lang="fr-CA" sz="1800" i="1" smtClean="0">
-                            <a:latin typeface="Cambria Math" panose="02040503050406030204" pitchFamily="18" charset="0"/>
-                          </a:rPr>
-                        </m:ctrlPr>
-                      </m:accPr>
-                      <m:e>
-                        <m:r>
-                          <a:rPr lang="fr-FR" sz="1800" b="0" i="1" smtClean="0">
-                            <a:latin typeface="Cambria Math" panose="02040503050406030204" pitchFamily="18" charset="0"/>
-                          </a:rPr>
-                          <m:t>𝑝</m:t>
-                        </m:r>
-                      </m:e>
-                    </m:acc>
-                    <m:r>
-                      <a:rPr lang="fr-FR" sz="1800" b="0" i="1" smtClean="0">
-                        <a:latin typeface="Cambria Math" panose="02040503050406030204" pitchFamily="18" charset="0"/>
-                      </a:rPr>
-                      <m:t>=</m:t>
-                    </m:r>
-                  </m:oMath>
-                </a14:m>
-                <a:r>
-                  <a:rPr lang="fr-CA" sz="1800" dirty="0"/>
-                  <a:t>1.75.</a:t>
-                </a:r>
-              </a:p>
-              <a:p>
-                <a:pPr marL="0" indent="0" algn="just">
-                  <a:buNone/>
-                </a:pPr>
-                <a:r>
-                  <a:rPr lang="fr-CA" sz="1800" dirty="0"/>
-                  <a:t>De plus, la qualité de la régression n’est pas à remettre en question puisque le coefficient de régression dans ce cas est tel que R</a:t>
-                </a:r>
-                <a:r>
-                  <a:rPr lang="fr-CA" sz="1800" baseline="30000" dirty="0"/>
-                  <a:t>2</a:t>
-                </a:r>
-                <a:r>
-                  <a:rPr lang="fr-CA" sz="1800" dirty="0"/>
-                  <a:t>=0.9938 même si les valeurs oscillent de part et d’autre de la courbe de régression.</a:t>
-                </a:r>
-              </a:p>
-              <a:p>
-                <a:pPr marL="0" indent="0" algn="just">
-                  <a:buNone/>
-                </a:pPr>
-                <a:r>
-                  <a:rPr lang="fr-CA" sz="1800" dirty="0"/>
-                  <a:t>Donc cet écart entre les deux ordres ne peut pas être expliqué par la régression mais peut l’être par les hypothèses faites sur par la formulation des poutres d’Euler et la formulation des poutres de Timoshenko qui sont incompatibles. Cela revient à dire que c’est incorrect de comparer les résultats de </a:t>
-                </a:r>
-                <a:r>
-                  <a:rPr lang="fr-CA" sz="1800" dirty="0" err="1"/>
-                  <a:t>SimCenter</a:t>
-                </a:r>
-                <a:r>
-                  <a:rPr lang="fr-CA" sz="1800" dirty="0"/>
-                  <a:t> avec les résultats analytiques d’une poutre d’Euler conventionnelle.</a:t>
-                </a:r>
-              </a:p>
-              <a:p>
-                <a:pPr marL="0" indent="0" algn="just">
-                  <a:buNone/>
-                </a:pPr>
-                <a:endParaRPr lang="fr-CA" sz="1800" dirty="0"/>
-              </a:p>
-            </p:txBody>
-          </p:sp>
-        </mc:Choice>
-        <mc:Fallback xmlns="">
-          <p:sp>
-            <p:nvSpPr>
-              <p:cNvPr id="3" name="Content Placeholder 2">
-                <a:extLst>
-                  <a:ext uri="{FF2B5EF4-FFF2-40B4-BE49-F238E27FC236}">
-                    <a16:creationId xmlns:a16="http://schemas.microsoft.com/office/drawing/2014/main" id="{57846E6E-541E-C380-2EC3-91AF5BEE61F6}"/>
-                  </a:ext>
-                </a:extLst>
-              </p:cNvPr>
-              <p:cNvSpPr>
-                <a:spLocks noGrp="1" noRot="1" noChangeAspect="1" noMove="1" noResize="1" noEditPoints="1" noAdjustHandles="1" noChangeArrowheads="1" noChangeShapeType="1" noTextEdit="1"/>
-              </p:cNvSpPr>
-              <p:nvPr>
-                <p:ph idx="1"/>
-              </p:nvPr>
-            </p:nvSpPr>
-            <p:spPr>
-              <a:xfrm>
-                <a:off x="838200" y="1150374"/>
-                <a:ext cx="10515600" cy="5342501"/>
-              </a:xfrm>
-              <a:blipFill>
-                <a:blip r:embed="rId2"/>
-                <a:stretch>
-                  <a:fillRect l="-522" t="-1142" r="-464"/>
-                </a:stretch>
-              </a:blipFill>
-            </p:spPr>
-            <p:txBody>
-              <a:bodyPr/>
-              <a:lstStyle/>
-              <a:p>
-                <a:r>
-                  <a:rPr lang="en-CA">
-                    <a:noFill/>
-                  </a:rPr>
-                  <a:t> </a:t>
-                </a:r>
-              </a:p>
-            </p:txBody>
-          </p:sp>
-        </mc:Fallback>
-      </mc:AlternateContent>
-      <p:sp>
-        <p:nvSpPr>
-          <p:cNvPr id="4" name="Slide Number Placeholder 3">
-            <a:extLst>
-              <a:ext uri="{FF2B5EF4-FFF2-40B4-BE49-F238E27FC236}">
-                <a16:creationId xmlns:a16="http://schemas.microsoft.com/office/drawing/2014/main" id="{B38F592B-53CF-0FFE-D64B-347489E071F6}"/>
-              </a:ext>
-            </a:extLst>
-          </p:cNvPr>
-          <p:cNvSpPr>
-            <a:spLocks noGrp="1"/>
-          </p:cNvSpPr>
-          <p:nvPr>
-            <p:ph type="sldNum" sz="quarter" idx="12"/>
-          </p:nvPr>
-        </p:nvSpPr>
-        <p:spPr/>
-        <p:txBody>
-          <a:bodyPr/>
-          <a:lstStyle/>
-          <a:p>
-            <a:fld id="{4BD3201E-7DF8-462B-AC18-61E63795AE0D}" type="slidenum">
-              <a:rPr lang="en-CA" smtClean="0"/>
-              <a:t>10</a:t>
-            </a:fld>
-            <a:endParaRPr lang="en-CA"/>
-          </a:p>
-        </p:txBody>
-      </p:sp>
-      <p:sp>
-        <p:nvSpPr>
-          <p:cNvPr id="5" name="Rectangle 4">
-            <a:extLst>
-              <a:ext uri="{FF2B5EF4-FFF2-40B4-BE49-F238E27FC236}">
-                <a16:creationId xmlns:a16="http://schemas.microsoft.com/office/drawing/2014/main" id="{9BB7D0A8-FC31-AB5E-1C26-E3FAF9D0B9E2}"/>
-              </a:ext>
-            </a:extLst>
-          </p:cNvPr>
-          <p:cNvSpPr/>
-          <p:nvPr/>
-        </p:nvSpPr>
-        <p:spPr>
-          <a:xfrm>
-            <a:off x="0" y="365125"/>
-            <a:ext cx="678427" cy="556649"/>
-          </a:xfrm>
-          <a:prstGeom prst="rect">
-            <a:avLst/>
-          </a:prstGeom>
-          <a:solidFill>
-            <a:schemeClr val="accent2">
-              <a:lumMod val="75000"/>
-            </a:schemeClr>
-          </a:solidFill>
-          <a:ln>
-            <a:noFill/>
-          </a:ln>
-        </p:spPr>
-        <p:style>
-          <a:lnRef idx="2">
-            <a:schemeClr val="accent1">
-              <a:shade val="15000"/>
-            </a:schemeClr>
-          </a:lnRef>
-          <a:fillRef idx="1">
-            <a:schemeClr val="accent1"/>
-          </a:fillRef>
-          <a:effectRef idx="0">
-            <a:schemeClr val="accent1"/>
-          </a:effectRef>
-          <a:fontRef idx="minor">
-            <a:schemeClr val="lt1"/>
-          </a:fontRef>
-        </p:style>
-        <p:txBody>
-          <a:bodyPr rtlCol="0" anchor="ctr"/>
-          <a:lstStyle/>
-          <a:p>
-            <a:pPr algn="ctr"/>
-            <a:endParaRPr lang="en-CA"/>
-          </a:p>
-        </p:txBody>
-      </p:sp>
-    </p:spTree>
-    <p:extLst>
-      <p:ext uri="{BB962C8B-B14F-4D97-AF65-F5344CB8AC3E}">
-        <p14:creationId xmlns:p14="http://schemas.microsoft.com/office/powerpoint/2010/main" val="1689215659"/>
-      </p:ext>
-    </p:extLst>
-  </p:cSld>
-  <p:clrMapOvr>
-    <a:masterClrMapping/>
-  </p:clrMapOvr>
-</p:sld>
-</file>
-
-<file path=ppt/slides/slide11.xml><?xml version="1.0" encoding="utf-8"?>
-<p:sld xmlns:a="http://schemas.openxmlformats.org/drawingml/2006/main" xmlns:r="http://schemas.openxmlformats.org/officeDocument/2006/relationships" xmlns:p="http://schemas.openxmlformats.org/presentationml/2006/main">
-  <p:cSld>
-    <p:spTree>
-      <p:nvGrpSpPr>
-        <p:cNvPr id="1" name=""/>
-        <p:cNvGrpSpPr/>
-        <p:nvPr/>
-      </p:nvGrpSpPr>
-      <p:grpSpPr>
-        <a:xfrm>
-          <a:off x="0" y="0"/>
-          <a:ext cx="0" cy="0"/>
-          <a:chOff x="0" y="0"/>
-          <a:chExt cx="0" cy="0"/>
-        </a:xfrm>
-      </p:grpSpPr>
-      <p:sp>
-        <p:nvSpPr>
-          <p:cNvPr id="2" name="Title 1">
-            <a:extLst>
-              <a:ext uri="{FF2B5EF4-FFF2-40B4-BE49-F238E27FC236}">
-                <a16:creationId xmlns:a16="http://schemas.microsoft.com/office/drawing/2014/main" id="{E0220718-7085-48D6-FCCC-6D486EF513A7}"/>
-              </a:ext>
-            </a:extLst>
-          </p:cNvPr>
-          <p:cNvSpPr>
-            <a:spLocks noGrp="1"/>
-          </p:cNvSpPr>
-          <p:nvPr>
-            <p:ph type="title"/>
-          </p:nvPr>
-        </p:nvSpPr>
-        <p:spPr>
-          <a:xfrm>
-            <a:off x="838200" y="365125"/>
-            <a:ext cx="9308690" cy="706591"/>
-          </a:xfrm>
-        </p:spPr>
-        <p:txBody>
-          <a:bodyPr>
-            <a:normAutofit/>
-          </a:bodyPr>
-          <a:lstStyle/>
-          <a:p>
-            <a:r>
               <a:rPr lang="fr-FR" sz="3000"/>
               <a:t>Vérification de code</a:t>
             </a:r>
@@ -15084,23 +14735,15 @@
           </a:bodyPr>
           <a:lstStyle/>
           <a:p>
-            <a:pPr marL="0" indent="0" algn="just">
-              <a:buNone/>
-            </a:pPr>
+            <a:pPr algn="just"/>
             <a:r>
               <a:rPr lang="fr-CA" sz="1800" dirty="0"/>
-              <a:t>On note aussi que malgré le fait d’avoir imposé un encastrement à l’extrémité inférieure de la poutre, ce qui devrait se traduire </a:t>
+              <a:t>Observation : Malgré le fait d’avoir imposé un encastrement à l’extrémité inférieure de la poutre, ce qui devrait se traduire </a:t>
             </a:r>
             <a:r>
               <a:rPr lang="fr-FR" sz="1800" dirty="0"/>
-              <a:t>par un angle nul au premier élément, cette condition ne peut pas être respectée par des éléments linéaires car ils ont un seul degré de liberté par nœud (le déplacement). Comme on peut le voir à la figure 4, le déplacement est nul à la base de la poutre mais l’angle ne l’est pas. Ceci introduit une erreur entre les nœuds dû à l'interpolation.</a:t>
-            </a:r>
-            <a:endParaRPr lang="fr-CA" sz="1800" dirty="0"/>
-          </a:p>
-          <a:p>
-            <a:pPr marL="0" indent="0" algn="just">
-              <a:buNone/>
-            </a:pPr>
+              <a:t>par un angle nul au premier élément, cette condition ne peut pas être respectée par des éléments linéaires</a:t>
+            </a:r>
             <a:endParaRPr lang="en-CA" sz="1800" dirty="0">
               <a:highlight>
                 <a:srgbClr val="FFFF00"/>
@@ -15228,7 +14871,7 @@
           <a:p>
             <a:fld id="{4BD3201E-7DF8-462B-AC18-61E63795AE0D}" type="slidenum">
               <a:rPr lang="en-CA" smtClean="0"/>
-              <a:t>11</a:t>
+              <a:t>10</a:t>
             </a:fld>
             <a:endParaRPr lang="en-CA"/>
           </a:p>
@@ -15301,7 +14944,7 @@
 </p:sld>
 </file>
 
-<file path=ppt/slides/slide12.xml><?xml version="1.0" encoding="utf-8"?>
+<file path=ppt/slides/slide11.xml><?xml version="1.0" encoding="utf-8"?>
 <p:sld xmlns:a="http://schemas.openxmlformats.org/drawingml/2006/main" xmlns:r="http://schemas.openxmlformats.org/officeDocument/2006/relationships" xmlns:p="http://schemas.openxmlformats.org/presentationml/2006/main">
   <p:cSld>
     <p:spTree>
@@ -15892,7 +15535,7 @@
           <a:p>
             <a:fld id="{4BD3201E-7DF8-462B-AC18-61E63795AE0D}" type="slidenum">
               <a:rPr lang="en-CA" smtClean="0"/>
-              <a:t>12</a:t>
+              <a:t>11</a:t>
             </a:fld>
             <a:endParaRPr lang="en-CA"/>
           </a:p>
@@ -15965,7 +15608,7 @@
 </p:sld>
 </file>
 
-<file path=ppt/slides/slide13.xml><?xml version="1.0" encoding="utf-8"?>
+<file path=ppt/slides/slide12.xml><?xml version="1.0" encoding="utf-8"?>
 <p:sld xmlns:a="http://schemas.openxmlformats.org/drawingml/2006/main" xmlns:r="http://schemas.openxmlformats.org/officeDocument/2006/relationships" xmlns:p="http://schemas.openxmlformats.org/presentationml/2006/main">
   <p:cSld>
     <p:spTree>
@@ -16966,7 +16609,7 @@
           <a:p>
             <a:fld id="{4BD3201E-7DF8-462B-AC18-61E63795AE0D}" type="slidenum">
               <a:rPr lang="en-CA" smtClean="0"/>
-              <a:t>13</a:t>
+              <a:t>12</a:t>
             </a:fld>
             <a:endParaRPr lang="en-CA"/>
           </a:p>
@@ -17039,7 +16682,7 @@
 </p:sld>
 </file>
 
-<file path=ppt/slides/slide14.xml><?xml version="1.0" encoding="utf-8"?>
+<file path=ppt/slides/slide13.xml><?xml version="1.0" encoding="utf-8"?>
 <p:sld xmlns:a="http://schemas.openxmlformats.org/drawingml/2006/main" xmlns:r="http://schemas.openxmlformats.org/officeDocument/2006/relationships" xmlns:p="http://schemas.openxmlformats.org/presentationml/2006/main">
   <p:cSld>
     <p:spTree>
@@ -17331,7 +16974,7 @@
           <a:p>
             <a:fld id="{4BD3201E-7DF8-462B-AC18-61E63795AE0D}" type="slidenum">
               <a:rPr lang="en-CA" smtClean="0"/>
-              <a:t>14</a:t>
+              <a:t>13</a:t>
             </a:fld>
             <a:endParaRPr lang="en-CA"/>
           </a:p>
@@ -17404,7 +17047,7 @@
 </p:sld>
 </file>
 
-<file path=ppt/slides/slide15.xml><?xml version="1.0" encoding="utf-8"?>
+<file path=ppt/slides/slide14.xml><?xml version="1.0" encoding="utf-8"?>
 <p:sld xmlns:a="http://schemas.openxmlformats.org/drawingml/2006/main" xmlns:r="http://schemas.openxmlformats.org/officeDocument/2006/relationships" xmlns:p="http://schemas.openxmlformats.org/presentationml/2006/main">
   <p:cSld>
     <p:spTree>
@@ -17457,8 +17100,8 @@
           </a:p>
         </p:txBody>
       </p:sp>
-      <mc:AlternateContent xmlns:mc="http://schemas.openxmlformats.org/markup-compatibility/2006" xmlns:a14="http://schemas.microsoft.com/office/drawing/2010/main">
-        <mc:Choice Requires="a14">
+      <mc:AlternateContent xmlns:mc="http://schemas.openxmlformats.org/markup-compatibility/2006">
+        <mc:Choice xmlns:a14="http://schemas.microsoft.com/office/drawing/2010/main" Requires="a14">
           <p:sp>
             <p:nvSpPr>
               <p:cNvPr id="3" name="Content Placeholder 2">
@@ -17483,40 +17126,41 @@
             </p:spPr>
             <p:txBody>
               <a:bodyPr>
-                <a:normAutofit fontScale="92500" lnSpcReduction="10000"/>
+                <a:normAutofit/>
               </a:bodyPr>
               <a:lstStyle/>
               <a:p>
-                <a:pPr marL="0" indent="0" algn="just">
+                <a:pPr algn="just">
                   <a:lnSpc>
                     <a:spcPct val="110000"/>
                   </a:lnSpc>
-                  <a:buNone/>
                 </a:pPr>
                 <a:r>
                   <a:rPr lang="fr-CA" sz="1800" dirty="0"/>
-                  <a:t>Afin d’effectuer la vérification de solution et trouver la meilleure solution ou donner un intervalle d’incertitude sur la solution, il faut commencer par établir l’ordre de convergence observée pour le cas de la partie lombaire de la colonne vertébrale. On fixe la donnée d’entrée à F=150N pour effectuer la vérification.</a:t>
+                  <a:t>Donnée d’entrée  F à 150N pour effectuer la vérification.</a:t>
                 </a:r>
               </a:p>
               <a:p>
-                <a:pPr marL="0" indent="0" algn="just">
+                <a:pPr algn="just">
                   <a:lnSpc>
                     <a:spcPct val="110000"/>
                   </a:lnSpc>
-                  <a:buNone/>
                 </a:pPr>
                 <a:r>
                   <a:rPr lang="fr-CA" sz="1800" dirty="0"/>
-                  <a:t>Pour cela, l’utilisation de l’équation de Richardson combinée à trois maillages, avec un raffinement d’un facteur r sera nécessaire car elle aboutit à la relation suivante:</a:t>
+                  <a:t>Raffinement de maillage par un facteur r = 10. </a:t>
                 </a:r>
               </a:p>
               <a:p>
-                <a:pPr marL="0" indent="0" algn="just">
+                <a:pPr algn="just">
                   <a:lnSpc>
-                    <a:spcPct val="110000"/>
+                    <a:spcPct val="100000"/>
                   </a:lnSpc>
-                  <a:buNone/>
                 </a:pPr>
+                <a:r>
+                  <a:rPr lang="fr-CA" sz="1800" dirty="0"/>
+                  <a:t> Équation de Richardson combinée à trois maillage </a:t>
+                </a:r>
                 <a14:m>
                   <m:oMath xmlns:m="http://schemas.openxmlformats.org/officeDocument/2006/math">
                     <m:acc>
@@ -17546,7 +17190,7 @@
                     <m:f>
                       <m:fPr>
                         <m:ctrlPr>
-                          <a:rPr lang="fr-FR" sz="1800" b="0" i="1" smtClean="0">
+                          <a:rPr lang="fr-FR" sz="1800" i="1">
                             <a:latin typeface="Cambria Math" panose="02040503050406030204" pitchFamily="18" charset="0"/>
                           </a:rPr>
                         </m:ctrlPr>
@@ -17556,13 +17200,13 @@
                           <m:rPr>
                             <m:sty m:val="p"/>
                           </m:rPr>
-                          <a:rPr lang="fr-FR" sz="1800" b="0" i="0" smtClean="0">
+                          <a:rPr lang="fr-FR" sz="1800">
                             <a:latin typeface="Cambria Math" panose="02040503050406030204" pitchFamily="18" charset="0"/>
                           </a:rPr>
                           <m:t>ln</m:t>
                         </m:r>
                         <m:r>
-                          <a:rPr lang="fr-FR" sz="1800" b="0" i="1" smtClean="0">
+                          <a:rPr lang="fr-FR" sz="1800" i="1">
                             <a:latin typeface="Cambria Math" panose="02040503050406030204" pitchFamily="18" charset="0"/>
                           </a:rPr>
                           <m:t>⁡</m:t>
@@ -17570,7 +17214,7 @@
                         <m:d>
                           <m:dPr>
                             <m:ctrlPr>
-                              <a:rPr lang="fr-FR" sz="1800" b="0" i="1" smtClean="0">
+                              <a:rPr lang="fr-FR" sz="1800" i="1">
                                 <a:latin typeface="Cambria Math" panose="02040503050406030204" pitchFamily="18" charset="0"/>
                               </a:rPr>
                             </m:ctrlPr>
@@ -17709,25 +17353,25 @@
                           <m:rPr>
                             <m:sty m:val="p"/>
                           </m:rPr>
-                          <a:rPr lang="fr-FR" sz="1800" b="0" i="0" smtClean="0">
+                          <a:rPr lang="fr-FR" sz="1800">
                             <a:latin typeface="Cambria Math" panose="02040503050406030204" pitchFamily="18" charset="0"/>
                           </a:rPr>
                           <m:t>ln</m:t>
                         </m:r>
                         <m:r>
-                          <a:rPr lang="fr-FR" sz="1800" b="0" i="1" smtClean="0">
+                          <a:rPr lang="fr-FR" sz="1800" i="1">
                             <a:latin typeface="Cambria Math" panose="02040503050406030204" pitchFamily="18" charset="0"/>
                           </a:rPr>
                           <m:t>⁡(</m:t>
                         </m:r>
                         <m:r>
-                          <a:rPr lang="fr-FR" sz="1800" b="0" i="1" smtClean="0">
+                          <a:rPr lang="fr-FR" sz="1800" i="1">
                             <a:latin typeface="Cambria Math" panose="02040503050406030204" pitchFamily="18" charset="0"/>
                           </a:rPr>
                           <m:t>𝑟</m:t>
                         </m:r>
                         <m:r>
-                          <a:rPr lang="fr-FR" sz="1800" b="0" i="1" smtClean="0">
+                          <a:rPr lang="fr-FR" sz="1800" i="1">
                             <a:latin typeface="Cambria Math" panose="02040503050406030204" pitchFamily="18" charset="0"/>
                           </a:rPr>
                           <m:t>)</m:t>
@@ -17738,156 +17382,15 @@
                 </a14:m>
                 <a:r>
                   <a:rPr lang="fr-CA" sz="1800" dirty="0"/>
-                  <a:t>                        (1) </a:t>
+                  <a:t>                           </a:t>
                 </a:r>
               </a:p>
               <a:p>
-                <a:pPr marL="0" indent="0" algn="just">
-                  <a:lnSpc>
-                    <a:spcPct val="110000"/>
-                  </a:lnSpc>
-                  <a:buNone/>
-                </a:pPr>
-                <a:r>
-                  <a:rPr lang="fr-CA" sz="1800" dirty="0"/>
-                  <a:t>avec </a:t>
-                </a:r>
-                <a14:m>
-                  <m:oMath xmlns:m="http://schemas.openxmlformats.org/officeDocument/2006/math">
-                    <m:sSub>
-                      <m:sSubPr>
-                        <m:ctrlPr>
-                          <a:rPr lang="fr-FR" sz="1800" i="1">
-                            <a:latin typeface="Cambria Math" panose="02040503050406030204" pitchFamily="18" charset="0"/>
-                          </a:rPr>
-                        </m:ctrlPr>
-                      </m:sSubPr>
-                      <m:e>
-                        <m:r>
-                          <a:rPr lang="fr-FR" sz="1800" i="1">
-                            <a:latin typeface="Cambria Math" panose="02040503050406030204" pitchFamily="18" charset="0"/>
-                          </a:rPr>
-                          <m:t>𝑓</m:t>
-                        </m:r>
-                      </m:e>
-                      <m:sub>
-                        <m:r>
-                          <a:rPr lang="fr-FR" sz="1800" i="1">
-                            <a:latin typeface="Cambria Math" panose="02040503050406030204" pitchFamily="18" charset="0"/>
-                          </a:rPr>
-                          <m:t>3</m:t>
-                        </m:r>
-                      </m:sub>
-                    </m:sSub>
-                  </m:oMath>
-                </a14:m>
-                <a:r>
-                  <a:rPr lang="fr-CA" sz="1800" dirty="0"/>
-                  <a:t>,</a:t>
-                </a:r>
-                <a:r>
-                  <a:rPr lang="fr-FR" sz="1800" dirty="0"/>
-                  <a:t> </a:t>
-                </a:r>
-                <a14:m>
-                  <m:oMath xmlns:m="http://schemas.openxmlformats.org/officeDocument/2006/math">
-                    <m:sSub>
-                      <m:sSubPr>
-                        <m:ctrlPr>
-                          <a:rPr lang="fr-FR" sz="1800" i="1">
-                            <a:latin typeface="Cambria Math" panose="02040503050406030204" pitchFamily="18" charset="0"/>
-                          </a:rPr>
-                        </m:ctrlPr>
-                      </m:sSubPr>
-                      <m:e>
-                        <m:r>
-                          <a:rPr lang="fr-FR" sz="1800" i="1">
-                            <a:latin typeface="Cambria Math" panose="02040503050406030204" pitchFamily="18" charset="0"/>
-                          </a:rPr>
-                          <m:t>𝑓</m:t>
-                        </m:r>
-                      </m:e>
-                      <m:sub>
-                        <m:r>
-                          <a:rPr lang="fr-FR" sz="1800" b="0" i="1" smtClean="0">
-                            <a:latin typeface="Cambria Math" panose="02040503050406030204" pitchFamily="18" charset="0"/>
-                          </a:rPr>
-                          <m:t>2</m:t>
-                        </m:r>
-                      </m:sub>
-                    </m:sSub>
-                    <m:r>
-                      <a:rPr lang="fr-FR" sz="1800" b="0" i="1" smtClean="0">
-                        <a:latin typeface="Cambria Math" panose="02040503050406030204" pitchFamily="18" charset="0"/>
-                      </a:rPr>
-                      <m:t> </m:t>
-                    </m:r>
-                    <m:r>
-                      <a:rPr lang="fr-FR" sz="1800" b="0" i="1" smtClean="0">
-                        <a:latin typeface="Cambria Math" panose="02040503050406030204" pitchFamily="18" charset="0"/>
-                      </a:rPr>
-                      <m:t>𝑒𝑡</m:t>
-                    </m:r>
-                    <m:sSub>
-                      <m:sSubPr>
-                        <m:ctrlPr>
-                          <a:rPr lang="fr-FR" sz="1800" i="1">
-                            <a:latin typeface="Cambria Math" panose="02040503050406030204" pitchFamily="18" charset="0"/>
-                          </a:rPr>
-                        </m:ctrlPr>
-                      </m:sSubPr>
-                      <m:e>
-                        <m:r>
-                          <a:rPr lang="fr-FR" sz="1800" i="1">
-                            <a:latin typeface="Cambria Math" panose="02040503050406030204" pitchFamily="18" charset="0"/>
-                          </a:rPr>
-                          <m:t>𝑓</m:t>
-                        </m:r>
-                      </m:e>
-                      <m:sub>
-                        <m:r>
-                          <a:rPr lang="fr-FR" sz="1800" b="0" i="1" smtClean="0">
-                            <a:latin typeface="Cambria Math" panose="02040503050406030204" pitchFamily="18" charset="0"/>
-                          </a:rPr>
-                          <m:t>1</m:t>
-                        </m:r>
-                      </m:sub>
-                    </m:sSub>
-                  </m:oMath>
-                </a14:m>
-                <a:r>
-                  <a:rPr lang="fr-CA" sz="1800" dirty="0"/>
-                  <a:t> qui représentent respectivement la réponse du système en termes de déplacement postérieur de la vertèbre L1 pour des maillages de plus en plus fins, et </a:t>
-                </a:r>
-                <a:r>
-                  <a:rPr lang="fr-CA" sz="1800" i="1" dirty="0"/>
-                  <a:t>r=10</a:t>
-                </a:r>
-                <a:r>
-                  <a:rPr lang="fr-CA" sz="1800" dirty="0"/>
-                  <a:t>.</a:t>
-                </a:r>
-              </a:p>
-              <a:p>
-                <a:pPr marL="0" indent="0" algn="just">
+                <a:pPr algn="just">
                   <a:lnSpc>
                     <a:spcPct val="100000"/>
                   </a:lnSpc>
-                  <a:buNone/>
                 </a:pPr>
-                <a:endParaRPr lang="fr-CA" sz="1800" dirty="0"/>
-              </a:p>
-              <a:p>
-                <a:pPr marL="0" indent="0" algn="just">
-                  <a:lnSpc>
-                    <a:spcPct val="100000"/>
-                  </a:lnSpc>
-                  <a:buNone/>
-                </a:pPr>
-                <a:r>
-                  <a:rPr lang="fr-CA" sz="1800" dirty="0"/>
-                  <a:t>                                                                                          	Grâce à l’équation (1) et aux données du tableau 3 (les 3 						dernières lignes) il est possible d’estimer que </a:t>
-                </a:r>
                 <a14:m>
                   <m:oMath xmlns:m="http://schemas.openxmlformats.org/officeDocument/2006/math">
                     <m:acc>
@@ -17914,59 +17417,11 @@
                       </a:rPr>
                       <m:t>=2.055</m:t>
                     </m:r>
-                  </m:oMath>
-                </a14:m>
-                <a:endParaRPr lang="fr-CA" sz="1800" dirty="0"/>
-              </a:p>
-              <a:p>
-                <a:pPr marL="0" indent="0" algn="just">
-                  <a:lnSpc>
-                    <a:spcPct val="100000"/>
-                  </a:lnSpc>
-                  <a:buNone/>
-                </a:pPr>
-                <a:r>
-                  <a:rPr lang="fr-CA" sz="1800" dirty="0"/>
-                  <a:t>                                                                                         	Cette valeur est attendue puisque l’ordre formel</a:t>
-                </a:r>
-                <a14:m>
-                  <m:oMath xmlns:m="http://schemas.openxmlformats.org/officeDocument/2006/math">
-                    <m:sSub>
-                      <m:sSubPr>
-                        <m:ctrlPr>
-                          <a:rPr lang="fr-CA" sz="1800" i="1" smtClean="0">
-                            <a:latin typeface="Cambria Math" panose="02040503050406030204" pitchFamily="18" charset="0"/>
-                          </a:rPr>
-                        </m:ctrlPr>
-                      </m:sSubPr>
-                      <m:e>
-                        <m:r>
-                          <a:rPr lang="fr-FR" sz="1800" b="0" i="1" smtClean="0">
-                            <a:latin typeface="Cambria Math" panose="02040503050406030204" pitchFamily="18" charset="0"/>
-                          </a:rPr>
-                          <m:t> </m:t>
-                        </m:r>
-                        <m:r>
-                          <a:rPr lang="fr-FR" sz="1800" b="0" i="1" smtClean="0">
-                            <a:latin typeface="Cambria Math" panose="02040503050406030204" pitchFamily="18" charset="0"/>
-                          </a:rPr>
-                          <m:t>𝑝</m:t>
-                        </m:r>
-                      </m:e>
-                      <m:sub>
-                        <m:r>
-                          <a:rPr lang="fr-FR" sz="1800" b="0" i="1" smtClean="0">
-                            <a:latin typeface="Cambria Math" panose="02040503050406030204" pitchFamily="18" charset="0"/>
-                          </a:rPr>
-                          <m:t>𝑓</m:t>
-                        </m:r>
-                      </m:sub>
-                    </m:sSub>
                     <m:r>
-                      <a:rPr lang="en-CA" sz="1800" b="0" i="1" smtClean="0">
+                      <a:rPr lang="fr-FR" sz="1800" b="0" i="0" smtClean="0">
                         <a:latin typeface="Cambria Math" panose="02040503050406030204" pitchFamily="18" charset="0"/>
                       </a:rPr>
-                      <m:t>=2</m:t>
+                      <m:t> </m:t>
                     </m:r>
                   </m:oMath>
                 </a14:m>
@@ -18000,10 +17455,7 @@
                   </a:lnSpc>
                   <a:buNone/>
                 </a:pPr>
-                <a:r>
-                  <a:rPr lang="fr-CA" sz="1800" dirty="0"/>
-                  <a:t>h</a:t>
-                </a:r>
+                <a:endParaRPr lang="fr-CA" sz="1800" dirty="0"/>
               </a:p>
               <a:p>
                 <a:pPr marL="0" indent="0" algn="just">
@@ -18017,7 +17469,7 @@
             </p:txBody>
           </p:sp>
         </mc:Choice>
-        <mc:Fallback xmlns="">
+        <mc:Fallback>
           <p:sp>
             <p:nvSpPr>
               <p:cNvPr id="3" name="Content Placeholder 2">
@@ -18042,7 +17494,7 @@
               <a:blipFill>
                 <a:blip r:embed="rId2"/>
                 <a:stretch>
-                  <a:fillRect l="-406" t="-342" r="-348"/>
+                  <a:fillRect l="-406" t="-342"/>
                 </a:stretch>
               </a:blipFill>
             </p:spPr>
@@ -18051,7 +17503,7 @@
               <a:lstStyle/>
               <a:p>
                 <a:r>
-                  <a:rPr lang="en-CA">
+                  <a:rPr lang="fr-FR">
                     <a:noFill/>
                   </a:rPr>
                   <a:t> </a:t>
@@ -18076,14 +17528,14 @@
           <p:nvPr>
             <p:extLst>
               <p:ext uri="{D42A27DB-BD31-4B8C-83A1-F6EECF244321}">
-                <p14:modId xmlns:p14="http://schemas.microsoft.com/office/powerpoint/2010/main" val="672787777"/>
+                <p14:modId xmlns:p14="http://schemas.microsoft.com/office/powerpoint/2010/main" val="2729998987"/>
               </p:ext>
             </p:extLst>
           </p:nvPr>
         </p:nvGraphicFramePr>
         <p:xfrm>
-          <a:off x="838200" y="4321732"/>
-          <a:ext cx="4038600" cy="2113935"/>
+          <a:off x="3473245" y="3821624"/>
+          <a:ext cx="4038600" cy="2315951"/>
         </p:xfrm>
         <a:graphic>
           <a:graphicData uri="http://schemas.openxmlformats.org/drawingml/2006/table">
@@ -18107,7 +17559,7 @@
                   </a:extLst>
                 </a:gridCol>
               </a:tblGrid>
-              <a:tr h="422787">
+              <a:tr h="624803">
                 <a:tc>
                   <a:txBody>
                     <a:bodyPr/>
@@ -18406,7 +17858,7 @@
         </p:nvSpPr>
         <p:spPr>
           <a:xfrm>
-            <a:off x="838200" y="4071449"/>
+            <a:off x="3473245" y="3544625"/>
             <a:ext cx="4038600" cy="276999"/>
           </a:xfrm>
           <a:prstGeom prst="rect">
@@ -18471,7 +17923,7 @@
           <a:p>
             <a:fld id="{4BD3201E-7DF8-462B-AC18-61E63795AE0D}" type="slidenum">
               <a:rPr lang="en-CA" smtClean="0"/>
-              <a:t>15</a:t>
+              <a:t>14</a:t>
             </a:fld>
             <a:endParaRPr lang="en-CA"/>
           </a:p>
@@ -18542,7 +17994,7 @@
 </p:sld>
 </file>
 
-<file path=ppt/slides/slide16.xml><?xml version="1.0" encoding="utf-8"?>
+<file path=ppt/slides/slide15.xml><?xml version="1.0" encoding="utf-8"?>
 <p:sld xmlns:a="http://schemas.openxmlformats.org/drawingml/2006/main" xmlns:r="http://schemas.openxmlformats.org/officeDocument/2006/relationships" xmlns:p="http://schemas.openxmlformats.org/presentationml/2006/main">
   <p:cSld>
     <p:spTree>
@@ -18595,8 +18047,8 @@
           </a:p>
         </p:txBody>
       </p:sp>
-      <mc:AlternateContent xmlns:mc="http://schemas.openxmlformats.org/markup-compatibility/2006" xmlns:a14="http://schemas.microsoft.com/office/drawing/2010/main">
-        <mc:Choice Requires="a14">
+      <mc:AlternateContent xmlns:mc="http://schemas.openxmlformats.org/markup-compatibility/2006">
+        <mc:Choice xmlns:a14="http://schemas.microsoft.com/office/drawing/2010/main" Requires="a14">
           <p:sp>
             <p:nvSpPr>
               <p:cNvPr id="3" name="Content Placeholder 2">
@@ -18625,86 +18077,16 @@
               </a:bodyPr>
               <a:lstStyle/>
               <a:p>
-                <a:pPr marL="0" indent="0" algn="just">
+                <a:pPr algn="just">
                   <a:lnSpc>
                     <a:spcPct val="100000"/>
                   </a:lnSpc>
-                  <a:buNone/>
                 </a:pPr>
                 <a:r>
-                  <a:rPr lang="fr-CA" sz="1600" dirty="0">
+                  <a:rPr lang="fr-FR" sz="1800" dirty="0">
                     <a:latin typeface="Aptos "/>
                   </a:rPr>
-                  <a:t>Avec </a:t>
-                </a:r>
-                <a14:m>
-                  <m:oMath xmlns:m="http://schemas.openxmlformats.org/officeDocument/2006/math">
-                    <m:acc>
-                      <m:accPr>
-                        <m:chr m:val="̂"/>
-                        <m:ctrlPr>
-                          <a:rPr lang="fr-CA" sz="1600" i="1">
-                            <a:latin typeface="Cambria Math" panose="02040503050406030204" pitchFamily="18" charset="0"/>
-                          </a:rPr>
-                        </m:ctrlPr>
-                      </m:accPr>
-                      <m:e>
-                        <m:r>
-                          <a:rPr lang="fr-FR" sz="1600" i="1">
-                            <a:latin typeface="Cambria Math" panose="02040503050406030204" pitchFamily="18" charset="0"/>
-                          </a:rPr>
-                          <m:t>𝑝</m:t>
-                        </m:r>
-                      </m:e>
-                    </m:acc>
-                  </m:oMath>
-                </a14:m>
-                <a:r>
-                  <a:rPr lang="fr-CA" sz="1600" dirty="0">
-                    <a:latin typeface="Aptos "/>
-                  </a:rPr>
-                  <a:t> et </a:t>
-                </a:r>
-                <a14:m>
-                  <m:oMath xmlns:m="http://schemas.openxmlformats.org/officeDocument/2006/math">
-                    <m:sSub>
-                      <m:sSubPr>
-                        <m:ctrlPr>
-                          <a:rPr lang="fr-CA" sz="1600" i="1">
-                            <a:latin typeface="Cambria Math" panose="02040503050406030204" pitchFamily="18" charset="0"/>
-                          </a:rPr>
-                        </m:ctrlPr>
-                      </m:sSubPr>
-                      <m:e>
-                        <m:r>
-                          <a:rPr lang="fr-FR" sz="1600" i="1">
-                            <a:latin typeface="Cambria Math" panose="02040503050406030204" pitchFamily="18" charset="0"/>
-                          </a:rPr>
-                          <m:t>𝑝</m:t>
-                        </m:r>
-                      </m:e>
-                      <m:sub>
-                        <m:r>
-                          <a:rPr lang="fr-FR" sz="1600" i="1">
-                            <a:latin typeface="Cambria Math" panose="02040503050406030204" pitchFamily="18" charset="0"/>
-                          </a:rPr>
-                          <m:t>𝑓</m:t>
-                        </m:r>
-                      </m:sub>
-                    </m:sSub>
-                    <m:r>
-                      <a:rPr lang="en-CA" sz="1600" b="0" i="0" smtClean="0">
-                        <a:latin typeface="Cambria Math" panose="02040503050406030204" pitchFamily="18" charset="0"/>
-                      </a:rPr>
-                      <m:t>, </m:t>
-                    </m:r>
-                  </m:oMath>
-                </a14:m>
-                <a:r>
-                  <a:rPr lang="fr-CA" sz="1600" dirty="0">
-                    <a:latin typeface="Aptos "/>
-                  </a:rPr>
-                  <a:t>il est maintenant possible de calculer l’écart relatif entre les ordres formel et observé pour estimer l’erreur ou son intervalle d’incertitude. On trouve: </a:t>
+                  <a:t>Ecart entre l’ordre formel et l’ordre observé </a:t>
                 </a:r>
                 <a14:m>
                   <m:oMath xmlns:m="http://schemas.openxmlformats.org/officeDocument/2006/math">
@@ -18713,7 +18095,7 @@
                         <m:begChr m:val="|"/>
                         <m:endChr m:val="|"/>
                         <m:ctrlPr>
-                          <a:rPr lang="fr-CA" sz="1600" i="1">
+                          <a:rPr lang="fr-CA" sz="1800" i="1">
                             <a:latin typeface="Cambria Math" panose="02040503050406030204" pitchFamily="18" charset="0"/>
                           </a:rPr>
                         </m:ctrlPr>
@@ -18722,7 +18104,7 @@
                         <m:f>
                           <m:fPr>
                             <m:ctrlPr>
-                              <a:rPr lang="fr-CA" sz="1600" i="1">
+                              <a:rPr lang="fr-CA" sz="1800" i="1">
                                 <a:latin typeface="Cambria Math" panose="02040503050406030204" pitchFamily="18" charset="0"/>
                               </a:rPr>
                             </m:ctrlPr>
@@ -18731,14 +18113,14 @@
                             <m:sSub>
                               <m:sSubPr>
                                 <m:ctrlPr>
-                                  <a:rPr lang="fr-CA" sz="1600" i="1">
+                                  <a:rPr lang="fr-CA" sz="1800" i="1">
                                     <a:latin typeface="Cambria Math" panose="02040503050406030204" pitchFamily="18" charset="0"/>
                                   </a:rPr>
                                 </m:ctrlPr>
                               </m:sSubPr>
                               <m:e>
                                 <m:r>
-                                  <a:rPr lang="fr-FR" sz="1600" i="1">
+                                  <a:rPr lang="fr-FR" sz="1800" i="1">
                                     <a:latin typeface="Cambria Math" panose="02040503050406030204" pitchFamily="18" charset="0"/>
                                   </a:rPr>
                                   <m:t>𝑝</m:t>
@@ -18746,7 +18128,7 @@
                               </m:e>
                               <m:sub>
                                 <m:r>
-                                  <a:rPr lang="fr-FR" sz="1600" i="1">
+                                  <a:rPr lang="fr-FR" sz="1800" i="1">
                                     <a:latin typeface="Cambria Math" panose="02040503050406030204" pitchFamily="18" charset="0"/>
                                   </a:rPr>
                                   <m:t>𝑓</m:t>
@@ -18754,7 +18136,7 @@
                               </m:sub>
                             </m:sSub>
                             <m:r>
-                              <a:rPr lang="fr-FR" sz="1600" i="1">
+                              <a:rPr lang="fr-FR" sz="1800" i="1">
                                 <a:latin typeface="Cambria Math" panose="02040503050406030204" pitchFamily="18" charset="0"/>
                               </a:rPr>
                               <m:t>−</m:t>
@@ -18763,14 +18145,14 @@
                               <m:accPr>
                                 <m:chr m:val="̂"/>
                                 <m:ctrlPr>
-                                  <a:rPr lang="fr-CA" sz="1600" i="1">
+                                  <a:rPr lang="fr-CA" sz="1800" i="1">
                                     <a:latin typeface="Cambria Math" panose="02040503050406030204" pitchFamily="18" charset="0"/>
                                   </a:rPr>
                                 </m:ctrlPr>
                               </m:accPr>
                               <m:e>
                                 <m:r>
-                                  <a:rPr lang="fr-FR" sz="1600" i="1">
+                                  <a:rPr lang="fr-FR" sz="1800" i="1">
                                     <a:latin typeface="Cambria Math" panose="02040503050406030204" pitchFamily="18" charset="0"/>
                                   </a:rPr>
                                   <m:t>𝑝</m:t>
@@ -18780,7 +18162,7 @@
                           </m:num>
                           <m:den>
                             <m:r>
-                              <a:rPr lang="fr-FR" sz="1600" i="1">
+                              <a:rPr lang="fr-FR" sz="1800" i="1">
                                 <a:latin typeface="Cambria Math" panose="02040503050406030204" pitchFamily="18" charset="0"/>
                               </a:rPr>
                               <m:t>𝑝</m:t>
@@ -18790,7 +18172,7 @@
                       </m:e>
                     </m:d>
                     <m:r>
-                      <a:rPr lang="fr-FR" sz="1600" i="1">
+                      <a:rPr lang="fr-FR" sz="1800" i="1">
                         <a:latin typeface="Cambria Math" panose="02040503050406030204" pitchFamily="18" charset="0"/>
                       </a:rPr>
                       <m:t>=3%</m:t>
@@ -18798,36 +18180,10 @@
                   </m:oMath>
                 </a14:m>
                 <a:r>
-                  <a:rPr lang="fr-CA" sz="1600" dirty="0">
+                  <a:rPr lang="fr-CA" sz="1800" dirty="0">
                     <a:latin typeface="Aptos "/>
                   </a:rPr>
                   <a:t>. </a:t>
-                </a:r>
-              </a:p>
-              <a:p>
-                <a:pPr marL="0" indent="0" algn="just">
-                  <a:lnSpc>
-                    <a:spcPct val="100000"/>
-                  </a:lnSpc>
-                  <a:buNone/>
-                </a:pPr>
-                <a:r>
-                  <a:rPr lang="fr-CA" sz="1600" dirty="0">
-                    <a:latin typeface="Aptos "/>
-                  </a:rPr>
-                  <a:t>Cet écart étant &lt;10% mais aussi proche de 1, les deux méthodes (l’extrapolation de Richardson et le </a:t>
-                </a:r>
-                <a:r>
-                  <a:rPr lang="fr-CA" sz="1600" dirty="0" err="1">
-                    <a:latin typeface="Aptos "/>
-                  </a:rPr>
-                  <a:t>Grid</a:t>
-                </a:r>
-                <a:r>
-                  <a:rPr lang="fr-CA" sz="1600" dirty="0">
-                    <a:latin typeface="Aptos "/>
-                  </a:rPr>
-                  <a:t> Convergence Index (GCI)) ont été tentées avant de conclure.</a:t>
                 </a:r>
               </a:p>
               <a:p>
@@ -18837,27 +18193,29 @@
                   </a:lnSpc>
                 </a:pPr>
                 <a:r>
-                  <a:rPr lang="fr-CA" sz="1600" dirty="0">
+                  <a:rPr lang="fr-CA" sz="1800" dirty="0">
                     <a:latin typeface="Aptos "/>
                   </a:rPr>
-                  <a:t>La méthode du GCI a </a:t>
+                  <a:t>Étape 1: GCI</a:t>
                 </a:r>
-                <a:r>
-                  <a:rPr lang="fr-FR" sz="1600" dirty="0">
-                    <a:latin typeface="Aptos "/>
-                  </a:rPr>
-                  <a:t>été utilisée en premier essai pour quantifier l’incertitude sur la solution obtenue, tel que </a:t>
-                </a:r>
+              </a:p>
+              <a:p>
+                <a:pPr marL="0" indent="0" algn="ctr">
+                  <a:lnSpc>
+                    <a:spcPct val="100000"/>
+                  </a:lnSpc>
+                  <a:buNone/>
+                </a:pPr>
                 <a14:m>
                   <m:oMath xmlns:m="http://schemas.openxmlformats.org/officeDocument/2006/math">
                     <m:r>
-                      <a:rPr lang="fr-FR" sz="1600" i="1">
+                      <a:rPr lang="fr-FR" sz="1800" i="1">
                         <a:latin typeface="Cambria Math" panose="02040503050406030204" pitchFamily="18" charset="0"/>
                       </a:rPr>
                       <m:t>𝑓</m:t>
                     </m:r>
                     <m:r>
-                      <a:rPr lang="fr-FR" sz="1600" i="1">
+                      <a:rPr lang="fr-FR" sz="1800" i="1">
                         <a:latin typeface="Cambria Math" panose="02040503050406030204" pitchFamily="18" charset="0"/>
                       </a:rPr>
                       <m:t>=</m:t>
@@ -18865,14 +18223,14 @@
                     <m:sSub>
                       <m:sSubPr>
                         <m:ctrlPr>
-                          <a:rPr lang="fr-CA" sz="1600" i="1">
+                          <a:rPr lang="fr-CA" sz="1800" i="1">
                             <a:latin typeface="Cambria Math" panose="02040503050406030204" pitchFamily="18" charset="0"/>
                           </a:rPr>
                         </m:ctrlPr>
                       </m:sSubPr>
                       <m:e>
                         <m:r>
-                          <a:rPr lang="fr-FR" sz="1600" i="1">
+                          <a:rPr lang="fr-FR" sz="1800" i="1">
                             <a:latin typeface="Cambria Math" panose="02040503050406030204" pitchFamily="18" charset="0"/>
                           </a:rPr>
                           <m:t>𝑓</m:t>
@@ -18880,7 +18238,7 @@
                       </m:e>
                       <m:sub>
                         <m:r>
-                          <a:rPr lang="fr-FR" sz="1600" i="1">
+                          <a:rPr lang="fr-FR" sz="1800" i="1">
                             <a:latin typeface="Cambria Math" panose="02040503050406030204" pitchFamily="18" charset="0"/>
                           </a:rPr>
                           <m:t>h</m:t>
@@ -18888,7 +18246,7 @@
                       </m:sub>
                     </m:sSub>
                     <m:r>
-                      <a:rPr lang="fr-FR" sz="1600" i="1">
+                      <a:rPr lang="fr-FR" sz="1800" i="1">
                         <a:latin typeface="Cambria Math" panose="02040503050406030204" pitchFamily="18" charset="0"/>
                       </a:rPr>
                       <m:t>±</m:t>
@@ -18896,7 +18254,7 @@
                     <m:f>
                       <m:fPr>
                         <m:ctrlPr>
-                          <a:rPr lang="fr-CA" sz="1600" i="1">
+                          <a:rPr lang="fr-CA" sz="1800" i="1">
                             <a:latin typeface="Cambria Math" panose="02040503050406030204" pitchFamily="18" charset="0"/>
                           </a:rPr>
                         </m:ctrlPr>
@@ -18905,14 +18263,14 @@
                         <m:sSub>
                           <m:sSubPr>
                             <m:ctrlPr>
-                              <a:rPr lang="fr-CA" sz="1600" i="1">
+                              <a:rPr lang="fr-CA" sz="1800" i="1">
                                 <a:latin typeface="Cambria Math" panose="02040503050406030204" pitchFamily="18" charset="0"/>
                               </a:rPr>
                             </m:ctrlPr>
                           </m:sSubPr>
                           <m:e>
                             <m:r>
-                              <a:rPr lang="fr-FR" sz="1600" i="1">
+                              <a:rPr lang="fr-FR" sz="1800" i="1">
                                 <a:latin typeface="Cambria Math" panose="02040503050406030204" pitchFamily="18" charset="0"/>
                               </a:rPr>
                               <m:t>𝐹</m:t>
@@ -18920,7 +18278,7 @@
                           </m:e>
                           <m:sub>
                             <m:r>
-                              <a:rPr lang="fr-FR" sz="1600" i="1">
+                              <a:rPr lang="fr-FR" sz="1800" i="1">
                                 <a:latin typeface="Cambria Math" panose="02040503050406030204" pitchFamily="18" charset="0"/>
                               </a:rPr>
                               <m:t>𝑆</m:t>
@@ -18932,14 +18290,14 @@
                         <m:sSup>
                           <m:sSupPr>
                             <m:ctrlPr>
-                              <a:rPr lang="fr-CA" sz="1600" i="1">
+                              <a:rPr lang="fr-CA" sz="1800" i="1">
                                 <a:latin typeface="Cambria Math" panose="02040503050406030204" pitchFamily="18" charset="0"/>
                               </a:rPr>
                             </m:ctrlPr>
                           </m:sSupPr>
                           <m:e>
                             <m:r>
-                              <a:rPr lang="fr-FR" sz="1600" i="1">
+                              <a:rPr lang="fr-FR" sz="1800" i="1">
                                 <a:latin typeface="Cambria Math" panose="02040503050406030204" pitchFamily="18" charset="0"/>
                               </a:rPr>
                               <m:t>𝑟</m:t>
@@ -18949,14 +18307,14 @@
                             <m:sSub>
                               <m:sSubPr>
                                 <m:ctrlPr>
-                                  <a:rPr lang="fr-CA" sz="1600" i="1">
+                                  <a:rPr lang="fr-CA" sz="1800" i="1">
                                     <a:latin typeface="Cambria Math" panose="02040503050406030204" pitchFamily="18" charset="0"/>
                                   </a:rPr>
                                 </m:ctrlPr>
                               </m:sSubPr>
                               <m:e>
                                 <m:r>
-                                  <a:rPr lang="fr-FR" sz="1600" i="1">
+                                  <a:rPr lang="fr-FR" sz="1800" i="1">
                                     <a:latin typeface="Cambria Math" panose="02040503050406030204" pitchFamily="18" charset="0"/>
                                   </a:rPr>
                                   <m:t>𝑝</m:t>
@@ -18964,7 +18322,7 @@
                               </m:e>
                               <m:sub>
                                 <m:r>
-                                  <a:rPr lang="fr-FR" sz="1600" i="1">
+                                  <a:rPr lang="fr-FR" sz="1800" i="1">
                                     <a:latin typeface="Cambria Math" panose="02040503050406030204" pitchFamily="18" charset="0"/>
                                   </a:rPr>
                                   <m:t>𝑓</m:t>
@@ -18974,7 +18332,7 @@
                           </m:sup>
                         </m:sSup>
                         <m:r>
-                          <a:rPr lang="fr-FR" sz="1600" i="1">
+                          <a:rPr lang="fr-FR" sz="1800" i="1">
                             <a:latin typeface="Cambria Math" panose="02040503050406030204" pitchFamily="18" charset="0"/>
                           </a:rPr>
                           <m:t>−1</m:t>
@@ -18986,7 +18344,7 @@
                         <m:begChr m:val="|"/>
                         <m:endChr m:val="|"/>
                         <m:ctrlPr>
-                          <a:rPr lang="fr-CA" sz="1600" i="1">
+                          <a:rPr lang="fr-CA" sz="1800" i="1">
                             <a:latin typeface="Cambria Math" panose="02040503050406030204" pitchFamily="18" charset="0"/>
                           </a:rPr>
                         </m:ctrlPr>
@@ -18995,14 +18353,14 @@
                         <m:sSub>
                           <m:sSubPr>
                             <m:ctrlPr>
-                              <a:rPr lang="fr-CA" sz="1600" i="1">
+                              <a:rPr lang="fr-CA" sz="1800" i="1">
                                 <a:latin typeface="Cambria Math" panose="02040503050406030204" pitchFamily="18" charset="0"/>
                               </a:rPr>
                             </m:ctrlPr>
                           </m:sSubPr>
                           <m:e>
                             <m:r>
-                              <a:rPr lang="fr-FR" sz="1600" i="1">
+                              <a:rPr lang="fr-FR" sz="1800" i="1">
                                 <a:latin typeface="Cambria Math" panose="02040503050406030204" pitchFamily="18" charset="0"/>
                               </a:rPr>
                               <m:t>𝑓</m:t>
@@ -19010,7 +18368,7 @@
                           </m:e>
                           <m:sub>
                             <m:r>
-                              <a:rPr lang="fr-FR" sz="1600" i="1">
+                              <a:rPr lang="fr-FR" sz="1800" i="1">
                                 <a:latin typeface="Cambria Math" panose="02040503050406030204" pitchFamily="18" charset="0"/>
                               </a:rPr>
                               <m:t>h</m:t>
@@ -19018,7 +18376,7 @@
                           </m:sub>
                         </m:sSub>
                         <m:r>
-                          <a:rPr lang="fr-FR" sz="1600" i="1">
+                          <a:rPr lang="fr-FR" sz="1800" i="1">
                             <a:latin typeface="Cambria Math" panose="02040503050406030204" pitchFamily="18" charset="0"/>
                           </a:rPr>
                           <m:t>−</m:t>
@@ -19026,14 +18384,14 @@
                         <m:sSub>
                           <m:sSubPr>
                             <m:ctrlPr>
-                              <a:rPr lang="fr-CA" sz="1600" i="1">
+                              <a:rPr lang="fr-CA" sz="1800" i="1">
                                 <a:latin typeface="Cambria Math" panose="02040503050406030204" pitchFamily="18" charset="0"/>
                               </a:rPr>
                             </m:ctrlPr>
                           </m:sSubPr>
                           <m:e>
                             <m:r>
-                              <a:rPr lang="fr-FR" sz="1600" i="1">
+                              <a:rPr lang="fr-FR" sz="1800" i="1">
                                 <a:latin typeface="Cambria Math" panose="02040503050406030204" pitchFamily="18" charset="0"/>
                               </a:rPr>
                               <m:t>𝑓</m:t>
@@ -19041,7 +18399,7 @@
                           </m:e>
                           <m:sub>
                             <m:r>
-                              <a:rPr lang="fr-FR" sz="1600" i="1">
+                              <a:rPr lang="fr-FR" sz="1800" i="1">
                                 <a:latin typeface="Cambria Math" panose="02040503050406030204" pitchFamily="18" charset="0"/>
                               </a:rPr>
                               <m:t>𝑟h</m:t>
@@ -19053,120 +18411,12 @@
                   </m:oMath>
                 </a14:m>
                 <a:r>
-                  <a:rPr lang="fr-FR" sz="1600" dirty="0">
+                  <a:rPr lang="fr-FR" sz="1800" dirty="0">
                     <a:latin typeface="Aptos "/>
                   </a:rPr>
                   <a:t> </a:t>
                 </a:r>
-                <a:r>
-                  <a:rPr lang="fr-CA" sz="1600" dirty="0">
-                    <a:latin typeface="Aptos "/>
-                  </a:rPr>
-                  <a:t>.</a:t>
-                </a:r>
-              </a:p>
-              <a:p>
-                <a:pPr marL="0" indent="0" algn="just">
-                  <a:lnSpc>
-                    <a:spcPct val="100000"/>
-                  </a:lnSpc>
-                  <a:buNone/>
-                </a:pPr>
-                <a:r>
-                  <a:rPr lang="fr-CA" sz="1600" dirty="0">
-                    <a:latin typeface="Aptos "/>
-                  </a:rPr>
-                  <a:t>Dans notre cas l’écart relativement faible entre l’ordre formel et observé a permis de d’opter pour un faible facteur de sécurité </a:t>
-                </a:r>
-                <a14:m>
-                  <m:oMath xmlns:m="http://schemas.openxmlformats.org/officeDocument/2006/math">
-                    <m:sSub>
-                      <m:sSubPr>
-                        <m:ctrlPr>
-                          <a:rPr lang="fr-CA" sz="1600" i="1">
-                            <a:latin typeface="Cambria Math" panose="02040503050406030204" pitchFamily="18" charset="0"/>
-                          </a:rPr>
-                        </m:ctrlPr>
-                      </m:sSubPr>
-                      <m:e>
-                        <m:r>
-                          <a:rPr lang="fr-FR" sz="1600" i="1">
-                            <a:latin typeface="Cambria Math" panose="02040503050406030204" pitchFamily="18" charset="0"/>
-                          </a:rPr>
-                          <m:t>𝐹</m:t>
-                        </m:r>
-                      </m:e>
-                      <m:sub>
-                        <m:r>
-                          <a:rPr lang="fr-FR" sz="1600" i="1">
-                            <a:latin typeface="Cambria Math" panose="02040503050406030204" pitchFamily="18" charset="0"/>
-                          </a:rPr>
-                          <m:t>𝑆</m:t>
-                        </m:r>
-                      </m:sub>
-                    </m:sSub>
-                  </m:oMath>
-                </a14:m>
-                <a:r>
-                  <a:rPr lang="fr-CA" sz="1600" dirty="0">
-                    <a:latin typeface="Aptos "/>
-                  </a:rPr>
-                  <a:t>=1,25. Ainsi, on obtient l’intervalle: </a:t>
-                </a:r>
-                <a14:m>
-                  <m:oMath xmlns:m="http://schemas.openxmlformats.org/officeDocument/2006/math">
-                    <m:r>
-                      <a:rPr lang="fr-FR" sz="1600" i="1">
-                        <a:latin typeface="Cambria Math" panose="02040503050406030204" pitchFamily="18" charset="0"/>
-                      </a:rPr>
-                      <m:t>𝑓</m:t>
-                    </m:r>
-                    <m:r>
-                      <a:rPr lang="fr-FR" sz="1600" i="1">
-                        <a:latin typeface="Cambria Math" panose="02040503050406030204" pitchFamily="18" charset="0"/>
-                      </a:rPr>
-                      <m:t>=41,54970169±2,399 . </m:t>
-                    </m:r>
-                    <m:sSup>
-                      <m:sSupPr>
-                        <m:ctrlPr>
-                          <a:rPr lang="en-CA" sz="1600" b="0" i="1" smtClean="0">
-                            <a:latin typeface="Cambria Math" panose="02040503050406030204" pitchFamily="18" charset="0"/>
-                          </a:rPr>
-                        </m:ctrlPr>
-                      </m:sSupPr>
-                      <m:e>
-                        <m:r>
-                          <a:rPr lang="en-CA" sz="1600" b="0" i="1" smtClean="0">
-                            <a:latin typeface="Cambria Math" panose="02040503050406030204" pitchFamily="18" charset="0"/>
-                          </a:rPr>
-                          <m:t>10</m:t>
-                        </m:r>
-                      </m:e>
-                      <m:sup>
-                        <m:r>
-                          <a:rPr lang="en-CA" sz="1600" b="0" i="1" smtClean="0">
-                            <a:latin typeface="Cambria Math" panose="02040503050406030204" pitchFamily="18" charset="0"/>
-                          </a:rPr>
-                          <m:t>−7</m:t>
-                        </m:r>
-                      </m:sup>
-                    </m:sSup>
-                    <m:r>
-                      <a:rPr lang="en-CA" sz="1600" b="0" i="1" smtClean="0">
-                        <a:latin typeface="Cambria Math" panose="02040503050406030204" pitchFamily="18" charset="0"/>
-                      </a:rPr>
-                      <m:t>𝑚</m:t>
-                    </m:r>
-                    <m:r>
-                      <a:rPr lang="en-CA" sz="1600" b="0" i="1" smtClean="0">
-                        <a:latin typeface="Cambria Math" panose="02040503050406030204" pitchFamily="18" charset="0"/>
-                      </a:rPr>
-                      <m:t>.</m:t>
-                    </m:r>
-                  </m:oMath>
-                </a14:m>
-                <a:endParaRPr lang="en-CA" sz="1600" b="0" dirty="0">
+                <a:endParaRPr lang="fr-CA" sz="1800" dirty="0">
                   <a:latin typeface="Aptos "/>
                 </a:endParaRPr>
               </a:p>
@@ -19177,7 +18427,126 @@
                   </a:lnSpc>
                   <a:buNone/>
                 </a:pPr>
-                <a:endParaRPr lang="en-CA" sz="1600" b="0" dirty="0">
+                <a:r>
+                  <a:rPr lang="fr-CA" sz="1800" dirty="0">
+                    <a:latin typeface="Aptos "/>
+                  </a:rPr>
+                  <a:t>Dans notre cas l’écart relativement faible entre l’ordre formel et observé a permis de d’opter pour un faible facteur de sécurité </a:t>
+                </a:r>
+                <a14:m>
+                  <m:oMath xmlns:m="http://schemas.openxmlformats.org/officeDocument/2006/math">
+                    <m:sSub>
+                      <m:sSubPr>
+                        <m:ctrlPr>
+                          <a:rPr lang="fr-CA" sz="1800" i="1">
+                            <a:latin typeface="Cambria Math" panose="02040503050406030204" pitchFamily="18" charset="0"/>
+                          </a:rPr>
+                        </m:ctrlPr>
+                      </m:sSubPr>
+                      <m:e>
+                        <m:r>
+                          <a:rPr lang="fr-FR" sz="1800" i="1">
+                            <a:latin typeface="Cambria Math" panose="02040503050406030204" pitchFamily="18" charset="0"/>
+                          </a:rPr>
+                          <m:t>𝐹</m:t>
+                        </m:r>
+                      </m:e>
+                      <m:sub>
+                        <m:r>
+                          <a:rPr lang="fr-FR" sz="1800" i="1">
+                            <a:latin typeface="Cambria Math" panose="02040503050406030204" pitchFamily="18" charset="0"/>
+                          </a:rPr>
+                          <m:t>𝑆</m:t>
+                        </m:r>
+                      </m:sub>
+                    </m:sSub>
+                  </m:oMath>
+                </a14:m>
+                <a:r>
+                  <a:rPr lang="fr-CA" sz="1800" dirty="0">
+                    <a:latin typeface="Aptos "/>
+                  </a:rPr>
+                  <a:t>=1,25. Ainsi, on obtient l’intervalle:</a:t>
+                </a:r>
+              </a:p>
+              <a:p>
+                <a:pPr marL="0" indent="0" algn="ctr">
+                  <a:lnSpc>
+                    <a:spcPct val="100000"/>
+                  </a:lnSpc>
+                  <a:buNone/>
+                </a:pPr>
+                <a:r>
+                  <a:rPr lang="fr-CA" sz="1800" dirty="0">
+                    <a:latin typeface="Aptos "/>
+                  </a:rPr>
+                  <a:t> </a:t>
+                </a:r>
+                <a14:m>
+                  <m:oMath xmlns:m="http://schemas.openxmlformats.org/officeDocument/2006/math">
+                    <m:r>
+                      <a:rPr lang="fr-FR" sz="1800" i="1">
+                        <a:latin typeface="Cambria Math" panose="02040503050406030204" pitchFamily="18" charset="0"/>
+                      </a:rPr>
+                      <m:t>𝑓</m:t>
+                    </m:r>
+                    <m:r>
+                      <a:rPr lang="fr-FR" sz="1800" i="1">
+                        <a:latin typeface="Cambria Math" panose="02040503050406030204" pitchFamily="18" charset="0"/>
+                      </a:rPr>
+                      <m:t>=41,54970169±2,399 . </m:t>
+                    </m:r>
+                    <m:sSup>
+                      <m:sSupPr>
+                        <m:ctrlPr>
+                          <a:rPr lang="en-CA" sz="1800" b="0" i="1" smtClean="0">
+                            <a:latin typeface="Cambria Math" panose="02040503050406030204" pitchFamily="18" charset="0"/>
+                          </a:rPr>
+                        </m:ctrlPr>
+                      </m:sSupPr>
+                      <m:e>
+                        <m:r>
+                          <a:rPr lang="en-CA" sz="1800" b="0" i="1" smtClean="0">
+                            <a:latin typeface="Cambria Math" panose="02040503050406030204" pitchFamily="18" charset="0"/>
+                          </a:rPr>
+                          <m:t>10</m:t>
+                        </m:r>
+                      </m:e>
+                      <m:sup>
+                        <m:r>
+                          <a:rPr lang="en-CA" sz="1800" b="0" i="1" smtClean="0">
+                            <a:latin typeface="Cambria Math" panose="02040503050406030204" pitchFamily="18" charset="0"/>
+                          </a:rPr>
+                          <m:t>−7</m:t>
+                        </m:r>
+                      </m:sup>
+                    </m:sSup>
+                    <m:r>
+                      <a:rPr lang="en-CA" sz="1800" b="0" i="1" smtClean="0">
+                        <a:latin typeface="Cambria Math" panose="02040503050406030204" pitchFamily="18" charset="0"/>
+                      </a:rPr>
+                      <m:t>𝑚</m:t>
+                    </m:r>
+                    <m:r>
+                      <a:rPr lang="en-CA" sz="1800" b="0" i="1" smtClean="0">
+                        <a:latin typeface="Cambria Math" panose="02040503050406030204" pitchFamily="18" charset="0"/>
+                      </a:rPr>
+                      <m:t>.</m:t>
+                    </m:r>
+                  </m:oMath>
+                </a14:m>
+                <a:endParaRPr lang="en-CA" sz="1800" b="0" dirty="0">
+                  <a:latin typeface="Aptos "/>
+                </a:endParaRPr>
+              </a:p>
+              <a:p>
+                <a:pPr marL="0" indent="0" algn="just">
+                  <a:lnSpc>
+                    <a:spcPct val="100000"/>
+                  </a:lnSpc>
+                  <a:buNone/>
+                </a:pPr>
+                <a:endParaRPr lang="en-CA" sz="1800" b="0" dirty="0">
                   <a:latin typeface="Aptos "/>
                 </a:endParaRPr>
               </a:p>
@@ -19188,12 +18557,12 @@
                   </a:lnSpc>
                 </a:pPr>
                 <a:r>
-                  <a:rPr lang="fr-CA" sz="1600" dirty="0">
+                  <a:rPr lang="fr-CA" sz="1800" dirty="0">
                     <a:latin typeface="Aptos "/>
                   </a:rPr>
-                  <a:t>L’intervalle d’incertitude est donc très restreint (ordre e-7) et permet donc d’opter pour la méthode d’extrapolation de Richardson qui fournit une solution améliorée et sans incertitudes.</a:t>
+                  <a:t>Étape 2: Extrapolation de Richardson</a:t>
                 </a:r>
-                <a:endParaRPr lang="fr-CA" sz="1600" strike="sngStrike" dirty="0">
+                <a:endParaRPr lang="fr-CA" sz="1800" strike="sngStrike" dirty="0">
                   <a:latin typeface="Aptos "/>
                 </a:endParaRPr>
               </a:p>
@@ -19211,13 +18580,13 @@
                     </m:oMathParaPr>
                     <m:oMath xmlns:m="http://schemas.openxmlformats.org/officeDocument/2006/math">
                       <m:r>
-                        <a:rPr lang="fr-FR" sz="1600">
+                        <a:rPr lang="fr-FR" sz="1800">
                           <a:latin typeface="Cambria Math" panose="02040503050406030204" pitchFamily="18" charset="0"/>
                         </a:rPr>
                         <m:t>𝑓</m:t>
                       </m:r>
                       <m:r>
-                        <a:rPr lang="fr-FR" sz="1600">
+                        <a:rPr lang="fr-FR" sz="1800">
                           <a:latin typeface="Cambria Math" panose="02040503050406030204" pitchFamily="18" charset="0"/>
                         </a:rPr>
                         <m:t>=</m:t>
@@ -19225,14 +18594,14 @@
                       <m:sSub>
                         <m:sSubPr>
                           <m:ctrlPr>
-                            <a:rPr lang="fr-CA" sz="1600" i="1">
+                            <a:rPr lang="fr-CA" sz="1800" i="1">
                               <a:latin typeface="Cambria Math" panose="02040503050406030204" pitchFamily="18" charset="0"/>
                             </a:rPr>
                           </m:ctrlPr>
                         </m:sSubPr>
                         <m:e>
                           <m:r>
-                            <a:rPr lang="fr-FR" sz="1600">
+                            <a:rPr lang="fr-FR" sz="1800">
                               <a:latin typeface="Cambria Math" panose="02040503050406030204" pitchFamily="18" charset="0"/>
                             </a:rPr>
                             <m:t>𝑓</m:t>
@@ -19240,7 +18609,7 @@
                         </m:e>
                         <m:sub>
                           <m:r>
-                            <a:rPr lang="fr-FR" sz="1600">
+                            <a:rPr lang="fr-FR" sz="1800">
                               <a:latin typeface="Cambria Math" panose="02040503050406030204" pitchFamily="18" charset="0"/>
                             </a:rPr>
                             <m:t>h</m:t>
@@ -19248,7 +18617,7 @@
                         </m:sub>
                       </m:sSub>
                       <m:r>
-                        <a:rPr lang="fr-FR" sz="1600">
+                        <a:rPr lang="fr-FR" sz="1800">
                           <a:latin typeface="Cambria Math" panose="02040503050406030204" pitchFamily="18" charset="0"/>
                         </a:rPr>
                         <m:t>+</m:t>
@@ -19256,7 +18625,7 @@
                       <m:f>
                         <m:fPr>
                           <m:ctrlPr>
-                            <a:rPr lang="fr-CA" sz="1600" i="1">
+                            <a:rPr lang="fr-CA" sz="1800" i="1">
                               <a:latin typeface="Cambria Math" panose="02040503050406030204" pitchFamily="18" charset="0"/>
                             </a:rPr>
                           </m:ctrlPr>
@@ -19265,14 +18634,14 @@
                           <m:sSub>
                             <m:sSubPr>
                               <m:ctrlPr>
-                                <a:rPr lang="fr-CA" sz="1600" i="1">
+                                <a:rPr lang="fr-CA" sz="1800" i="1">
                                   <a:latin typeface="Cambria Math" panose="02040503050406030204" pitchFamily="18" charset="0"/>
                                 </a:rPr>
                               </m:ctrlPr>
                             </m:sSubPr>
                             <m:e>
                               <m:r>
-                                <a:rPr lang="fr-FR" sz="1600">
+                                <a:rPr lang="fr-FR" sz="1800">
                                   <a:latin typeface="Cambria Math" panose="02040503050406030204" pitchFamily="18" charset="0"/>
                                 </a:rPr>
                                 <m:t>𝑓</m:t>
@@ -19280,7 +18649,7 @@
                             </m:e>
                             <m:sub>
                               <m:r>
-                                <a:rPr lang="fr-FR" sz="1600">
+                                <a:rPr lang="fr-FR" sz="1800">
                                   <a:latin typeface="Cambria Math" panose="02040503050406030204" pitchFamily="18" charset="0"/>
                                 </a:rPr>
                                 <m:t>h</m:t>
@@ -19288,7 +18657,7 @@
                             </m:sub>
                           </m:sSub>
                           <m:r>
-                            <a:rPr lang="fr-FR" sz="1600">
+                            <a:rPr lang="fr-FR" sz="1800">
                               <a:latin typeface="Cambria Math" panose="02040503050406030204" pitchFamily="18" charset="0"/>
                             </a:rPr>
                             <m:t>−</m:t>
@@ -19296,14 +18665,14 @@
                           <m:sSub>
                             <m:sSubPr>
                               <m:ctrlPr>
-                                <a:rPr lang="fr-CA" sz="1600" i="1">
+                                <a:rPr lang="fr-CA" sz="1800" i="1">
                                   <a:latin typeface="Cambria Math" panose="02040503050406030204" pitchFamily="18" charset="0"/>
                                 </a:rPr>
                               </m:ctrlPr>
                             </m:sSubPr>
                             <m:e>
                               <m:r>
-                                <a:rPr lang="fr-FR" sz="1600">
+                                <a:rPr lang="fr-FR" sz="1800">
                                   <a:latin typeface="Cambria Math" panose="02040503050406030204" pitchFamily="18" charset="0"/>
                                 </a:rPr>
                                 <m:t>𝑓</m:t>
@@ -19311,7 +18680,7 @@
                             </m:e>
                             <m:sub>
                               <m:r>
-                                <a:rPr lang="fr-FR" sz="1600">
+                                <a:rPr lang="fr-FR" sz="1800">
                                   <a:latin typeface="Cambria Math" panose="02040503050406030204" pitchFamily="18" charset="0"/>
                                 </a:rPr>
                                 <m:t>𝑟h</m:t>
@@ -19323,14 +18692,14 @@
                           <m:sSup>
                             <m:sSupPr>
                               <m:ctrlPr>
-                                <a:rPr lang="fr-CA" sz="1600" i="1">
+                                <a:rPr lang="fr-CA" sz="1800" i="1">
                                   <a:latin typeface="Cambria Math" panose="02040503050406030204" pitchFamily="18" charset="0"/>
                                 </a:rPr>
                               </m:ctrlPr>
                             </m:sSupPr>
                             <m:e>
                               <m:r>
-                                <a:rPr lang="fr-FR" sz="1600">
+                                <a:rPr lang="fr-FR" sz="1800">
                                   <a:latin typeface="Cambria Math" panose="02040503050406030204" pitchFamily="18" charset="0"/>
                                 </a:rPr>
                                 <m:t>𝑟</m:t>
@@ -19340,14 +18709,14 @@
                               <m:sSub>
                                 <m:sSubPr>
                                   <m:ctrlPr>
-                                    <a:rPr lang="fr-CA" sz="1600" i="1">
+                                    <a:rPr lang="fr-CA" sz="1800" i="1">
                                       <a:latin typeface="Cambria Math" panose="02040503050406030204" pitchFamily="18" charset="0"/>
                                     </a:rPr>
                                   </m:ctrlPr>
                                 </m:sSubPr>
                                 <m:e>
                                   <m:r>
-                                    <a:rPr lang="fr-FR" sz="1600">
+                                    <a:rPr lang="fr-FR" sz="1800">
                                       <a:latin typeface="Cambria Math" panose="02040503050406030204" pitchFamily="18" charset="0"/>
                                     </a:rPr>
                                     <m:t>𝑝</m:t>
@@ -19355,7 +18724,7 @@
                                 </m:e>
                                 <m:sub>
                                   <m:r>
-                                    <a:rPr lang="fr-FR" sz="1600">
+                                    <a:rPr lang="fr-FR" sz="1800">
                                       <a:latin typeface="Cambria Math" panose="02040503050406030204" pitchFamily="18" charset="0"/>
                                     </a:rPr>
                                     <m:t>𝑓</m:t>
@@ -19365,7 +18734,7 @@
                             </m:sup>
                           </m:sSup>
                           <m:r>
-                            <a:rPr lang="fr-FR" sz="1600">
+                            <a:rPr lang="fr-FR" sz="1800">
                               <a:latin typeface="Cambria Math" panose="02040503050406030204" pitchFamily="18" charset="0"/>
                             </a:rPr>
                             <m:t>−1</m:t>
@@ -19373,7 +18742,7 @@
                         </m:den>
                       </m:f>
                       <m:r>
-                        <a:rPr lang="en-CA" sz="1600">
+                        <a:rPr lang="en-CA" sz="1800">
                           <a:latin typeface="Cambria Math" panose="02040503050406030204" pitchFamily="18" charset="0"/>
                         </a:rPr>
                         <m:t>=</m:t>
@@ -19382,13 +18751,13 @@
                         <m:rPr>
                           <m:nor/>
                         </m:rPr>
-                        <a:rPr lang="fr-CA" sz="1600">
+                        <a:rPr lang="fr-CA" sz="1800">
                           <a:latin typeface="Cambria Math" panose="02040503050406030204" pitchFamily="18" charset="0"/>
                         </a:rPr>
                         <m:t>41,54970188</m:t>
                       </m:r>
                       <m:r>
-                        <a:rPr lang="en-CA" sz="1600">
+                        <a:rPr lang="en-CA" sz="1800">
                           <a:latin typeface="Cambria Math" panose="02040503050406030204" pitchFamily="18" charset="0"/>
                         </a:rPr>
                         <m:t>𝑚</m:t>
@@ -19396,7 +18765,18 @@
                     </m:oMath>
                   </m:oMathPara>
                 </a14:m>
-                <a:endParaRPr lang="en-CA" sz="1600" dirty="0">
+                <a:endParaRPr lang="en-CA" sz="1800" dirty="0">
+                  <a:latin typeface="Cambria Math" panose="02040503050406030204" pitchFamily="18" charset="0"/>
+                </a:endParaRPr>
+              </a:p>
+              <a:p>
+                <a:pPr marL="0" indent="0" algn="just">
+                  <a:lnSpc>
+                    <a:spcPct val="100000"/>
+                  </a:lnSpc>
+                  <a:buNone/>
+                </a:pPr>
+                <a:endParaRPr lang="en-CA" sz="1800" dirty="0">
                   <a:latin typeface="Cambria Math" panose="02040503050406030204" pitchFamily="18" charset="0"/>
                 </a:endParaRPr>
               </a:p>
@@ -19408,7 +18788,7 @@
                   <a:buNone/>
                 </a:pPr>
                 <a:r>
-                  <a:rPr lang="fr-CA" sz="1600" dirty="0">
+                  <a:rPr lang="fr-CA" sz="1800" dirty="0">
                     <a:latin typeface="Aptos "/>
                   </a:rPr>
                   <a:t>Dans ce cas, l’erreur numérique </a:t>
@@ -19418,14 +18798,14 @@
                     <m:sSub>
                       <m:sSubPr>
                         <m:ctrlPr>
-                          <a:rPr lang="fr-CA" sz="1600" i="1">
+                          <a:rPr lang="fr-CA" sz="1800" i="1">
                             <a:latin typeface="Cambria Math" panose="02040503050406030204" pitchFamily="18" charset="0"/>
                           </a:rPr>
                         </m:ctrlPr>
                       </m:sSubPr>
                       <m:e>
                         <m:r>
-                          <a:rPr lang="fr-FR" sz="1600" i="1">
+                          <a:rPr lang="fr-FR" sz="1800" i="1">
                             <a:latin typeface="Cambria Math" panose="02040503050406030204" pitchFamily="18" charset="0"/>
                           </a:rPr>
                           <m:t>𝑈</m:t>
@@ -19433,7 +18813,7 @@
                       </m:e>
                       <m:sub>
                         <m:r>
-                          <a:rPr lang="fr-FR" sz="1600" i="1">
+                          <a:rPr lang="fr-FR" sz="1800" i="1">
                             <a:latin typeface="Cambria Math" panose="02040503050406030204" pitchFamily="18" charset="0"/>
                           </a:rPr>
                           <m:t>𝑛𝑢𝑚</m:t>
@@ -19441,7 +18821,7 @@
                       </m:sub>
                     </m:sSub>
                     <m:r>
-                      <a:rPr lang="fr-FR" sz="1600" i="1">
+                      <a:rPr lang="fr-FR" sz="1800" i="1">
                         <a:latin typeface="Cambria Math" panose="02040503050406030204" pitchFamily="18" charset="0"/>
                       </a:rPr>
                       <m:t>=0</m:t>
@@ -19449,7 +18829,7 @@
                   </m:oMath>
                 </a14:m>
                 <a:r>
-                  <a:rPr lang="fr-CA" sz="1600" dirty="0">
+                  <a:rPr lang="fr-CA" sz="1800" dirty="0">
                     <a:latin typeface="Aptos "/>
                   </a:rPr>
                   <a:t>. Cette valeur de </a:t>
@@ -19459,14 +18839,14 @@
                     <m:sSub>
                       <m:sSubPr>
                         <m:ctrlPr>
-                          <a:rPr lang="fr-CA" sz="1600" i="1">
+                          <a:rPr lang="fr-CA" sz="1800" i="1">
                             <a:latin typeface="Cambria Math" panose="02040503050406030204" pitchFamily="18" charset="0"/>
                           </a:rPr>
                         </m:ctrlPr>
                       </m:sSubPr>
                       <m:e>
                         <m:r>
-                          <a:rPr lang="fr-FR" sz="1600" i="1">
+                          <a:rPr lang="fr-FR" sz="1800" i="1">
                             <a:latin typeface="Cambria Math" panose="02040503050406030204" pitchFamily="18" charset="0"/>
                           </a:rPr>
                           <m:t>𝑈</m:t>
@@ -19474,7 +18854,7 @@
                       </m:e>
                       <m:sub>
                         <m:r>
-                          <a:rPr lang="fr-FR" sz="1600" i="1">
+                          <a:rPr lang="fr-FR" sz="1800" i="1">
                             <a:latin typeface="Cambria Math" panose="02040503050406030204" pitchFamily="18" charset="0"/>
                           </a:rPr>
                           <m:t>𝑛𝑢𝑚</m:t>
@@ -19484,7 +18864,7 @@
                   </m:oMath>
                 </a14:m>
                 <a:r>
-                  <a:rPr lang="fr-CA" sz="1600" dirty="0">
+                  <a:rPr lang="fr-CA" sz="1800" dirty="0">
                     <a:latin typeface="Aptos "/>
                   </a:rPr>
                   <a:t> intervient par la suite dans le calcul de l’incertitude sur l’erreur du modèle.</a:t>
@@ -19496,7 +18876,7 @@
             </p:txBody>
           </p:sp>
         </mc:Choice>
-        <mc:Fallback xmlns="">
+        <mc:Fallback>
           <p:sp>
             <p:nvSpPr>
               <p:cNvPr id="3" name="Content Placeholder 2">
@@ -19521,7 +18901,7 @@
               <a:blipFill>
                 <a:blip r:embed="rId2"/>
                 <a:stretch>
-                  <a:fillRect l="-348" t="-228" r="-290"/>
+                  <a:fillRect l="-522" r="-464"/>
                 </a:stretch>
               </a:blipFill>
             </p:spPr>
@@ -19530,7 +18910,7 @@
               <a:lstStyle/>
               <a:p>
                 <a:r>
-                  <a:rPr lang="en-CA">
+                  <a:rPr lang="fr-FR">
                     <a:noFill/>
                   </a:rPr>
                   <a:t> </a:t>
@@ -19563,7 +18943,7 @@
           <a:p>
             <a:fld id="{4BD3201E-7DF8-462B-AC18-61E63795AE0D}" type="slidenum">
               <a:rPr lang="en-CA" smtClean="0"/>
-              <a:t>16</a:t>
+              <a:t>15</a:t>
             </a:fld>
             <a:endParaRPr lang="en-CA"/>
           </a:p>
@@ -19634,7 +19014,7 @@
 </p:sld>
 </file>
 
-<file path=ppt/slides/slide17.xml><?xml version="1.0" encoding="utf-8"?>
+<file path=ppt/slides/slide16.xml><?xml version="1.0" encoding="utf-8"?>
 <p:sld xmlns:a="http://schemas.openxmlformats.org/drawingml/2006/main" xmlns:r="http://schemas.openxmlformats.org/officeDocument/2006/relationships" xmlns:p="http://schemas.openxmlformats.org/presentationml/2006/main">
   <p:cSld>
     <p:spTree>
@@ -19687,8 +19067,8 @@
           </a:p>
         </p:txBody>
       </p:sp>
-      <mc:AlternateContent xmlns:mc="http://schemas.openxmlformats.org/markup-compatibility/2006">
-        <mc:Choice xmlns:a14="http://schemas.microsoft.com/office/drawing/2010/main" Requires="a14">
+      <mc:AlternateContent xmlns:mc="http://schemas.openxmlformats.org/markup-compatibility/2006" xmlns:a14="http://schemas.microsoft.com/office/drawing/2010/main">
+        <mc:Choice Requires="a14">
           <p:sp>
             <p:nvSpPr>
               <p:cNvPr id="3" name="Content Placeholder 2">
@@ -19982,7 +19362,7 @@
             </p:txBody>
           </p:sp>
         </mc:Choice>
-        <mc:Fallback>
+        <mc:Fallback xmlns="">
           <p:sp>
             <p:nvSpPr>
               <p:cNvPr id="3" name="Content Placeholder 2">
@@ -20049,7 +19429,7 @@
           <a:p>
             <a:fld id="{4BD3201E-7DF8-462B-AC18-61E63795AE0D}" type="slidenum">
               <a:rPr lang="en-CA" smtClean="0"/>
-              <a:t>17</a:t>
+              <a:t>16</a:t>
             </a:fld>
             <a:endParaRPr lang="en-CA"/>
           </a:p>
@@ -20117,7 +19497,7 @@
 </p:sld>
 </file>
 
-<file path=ppt/slides/slide18.xml><?xml version="1.0" encoding="utf-8"?>
+<file path=ppt/slides/slide17.xml><?xml version="1.0" encoding="utf-8"?>
 <p:sld xmlns:a="http://schemas.openxmlformats.org/drawingml/2006/main" xmlns:r="http://schemas.openxmlformats.org/officeDocument/2006/relationships" xmlns:p="http://schemas.openxmlformats.org/presentationml/2006/main">
   <p:cSld>
     <p:spTree>
@@ -20620,7 +20000,7 @@
           <a:p>
             <a:fld id="{4BD3201E-7DF8-462B-AC18-61E63795AE0D}" type="slidenum">
               <a:rPr lang="en-CA" smtClean="0"/>
-              <a:t>18</a:t>
+              <a:t>17</a:t>
             </a:fld>
             <a:endParaRPr lang="en-CA"/>
           </a:p>
@@ -20688,7 +20068,7 @@
 </p:sld>
 </file>
 
-<file path=ppt/slides/slide19.xml><?xml version="1.0" encoding="utf-8"?>
+<file path=ppt/slides/slide18.xml><?xml version="1.0" encoding="utf-8"?>
 <p:sld xmlns:a="http://schemas.openxmlformats.org/drawingml/2006/main" xmlns:r="http://schemas.openxmlformats.org/officeDocument/2006/relationships" xmlns:p="http://schemas.openxmlformats.org/presentationml/2006/main">
   <p:cSld>
     <p:spTree>
@@ -20741,8 +20121,8 @@
           </a:p>
         </p:txBody>
       </p:sp>
-      <mc:AlternateContent xmlns:mc="http://schemas.openxmlformats.org/markup-compatibility/2006">
-        <mc:Choice xmlns:a14="http://schemas.microsoft.com/office/drawing/2010/main" Requires="a14">
+      <mc:AlternateContent xmlns:mc="http://schemas.openxmlformats.org/markup-compatibility/2006" xmlns:a14="http://schemas.microsoft.com/office/drawing/2010/main">
+        <mc:Choice Requires="a14">
           <p:sp>
             <p:nvSpPr>
               <p:cNvPr id="3" name="Content Placeholder 2">
@@ -21474,7 +20854,7 @@
             </p:txBody>
           </p:sp>
         </mc:Choice>
-        <mc:Fallback>
+        <mc:Fallback xmlns="">
           <p:sp>
             <p:nvSpPr>
               <p:cNvPr id="3" name="Content Placeholder 2">
@@ -21541,7 +20921,7 @@
           <a:p>
             <a:fld id="{4BD3201E-7DF8-462B-AC18-61E63795AE0D}" type="slidenum">
               <a:rPr lang="en-CA" smtClean="0"/>
-              <a:t>19</a:t>
+              <a:t>18</a:t>
             </a:fld>
             <a:endParaRPr lang="en-CA"/>
           </a:p>
@@ -21609,376 +20989,7 @@
 </p:sld>
 </file>
 
-<file path=ppt/slides/slide2.xml><?xml version="1.0" encoding="utf-8"?>
-<p:sld xmlns:a="http://schemas.openxmlformats.org/drawingml/2006/main" xmlns:r="http://schemas.openxmlformats.org/officeDocument/2006/relationships" xmlns:p="http://schemas.openxmlformats.org/presentationml/2006/main">
-  <p:cSld>
-    <p:spTree>
-      <p:nvGrpSpPr>
-        <p:cNvPr id="1" name=""/>
-        <p:cNvGrpSpPr/>
-        <p:nvPr/>
-      </p:nvGrpSpPr>
-      <p:grpSpPr>
-        <a:xfrm>
-          <a:off x="0" y="0"/>
-          <a:ext cx="0" cy="0"/>
-          <a:chOff x="0" y="0"/>
-          <a:chExt cx="0" cy="0"/>
-        </a:xfrm>
-      </p:grpSpPr>
-      <p:sp>
-        <p:nvSpPr>
-          <p:cNvPr id="3" name="Content Placeholder 2">
-            <a:extLst>
-              <a:ext uri="{FF2B5EF4-FFF2-40B4-BE49-F238E27FC236}">
-                <a16:creationId xmlns:a16="http://schemas.microsoft.com/office/drawing/2014/main" id="{57846E6E-541E-C380-2EC3-91AF5BEE61F6}"/>
-              </a:ext>
-            </a:extLst>
-          </p:cNvPr>
-          <p:cNvSpPr>
-            <a:spLocks noGrp="1"/>
-          </p:cNvSpPr>
-          <p:nvPr>
-            <p:ph idx="1"/>
-          </p:nvPr>
-        </p:nvSpPr>
-        <p:spPr>
-          <a:xfrm>
-            <a:off x="838200" y="1140544"/>
-            <a:ext cx="10515600" cy="5154407"/>
-          </a:xfrm>
-        </p:spPr>
-        <p:txBody>
-          <a:bodyPr vert="horz" lIns="91440" tIns="45720" rIns="91440" bIns="45720" rtlCol="0" anchor="t">
-            <a:normAutofit fontScale="92500" lnSpcReduction="10000"/>
-          </a:bodyPr>
-          <a:lstStyle/>
-          <a:p>
-            <a:pPr marL="0" indent="0" algn="just">
-              <a:lnSpc>
-                <a:spcPct val="100000"/>
-              </a:lnSpc>
-              <a:buNone/>
-            </a:pPr>
-            <a:r>
-              <a:rPr lang="fr-CA" sz="1600" dirty="0"/>
-              <a:t>Le présent rapport couvre le processus de vérification et de validation d’un modèle d’éléments finis modélisant la section lombaire d’une colonne vertébrale.</a:t>
-            </a:r>
-          </a:p>
-          <a:p>
-            <a:pPr marL="0" indent="0" algn="just">
-              <a:lnSpc>
-                <a:spcPct val="100000"/>
-              </a:lnSpc>
-              <a:buNone/>
-            </a:pPr>
-            <a:r>
-              <a:rPr lang="fr-CA" sz="1600" dirty="0"/>
-              <a:t>Le modèle a été conçu dans le cadre du PI3 d’un des membres de l’équipe, et est basé sur des données expérimentales tirées des articles scientifiques </a:t>
-            </a:r>
-            <a:r>
-              <a:rPr lang="fr-FR" sz="1600" i="1" dirty="0"/>
-              <a:t>«</a:t>
-            </a:r>
-            <a:r>
-              <a:rPr lang="en-US" sz="1600" i="1" dirty="0"/>
-              <a:t> Stability of the human spine in neutral postures </a:t>
-            </a:r>
-            <a:r>
-              <a:rPr lang="fr-FR" sz="1600" i="1" dirty="0"/>
-              <a:t>» </a:t>
-            </a:r>
-            <a:r>
-              <a:rPr lang="fr-FR" sz="1600" dirty="0"/>
-              <a:t>(Kiefer et al., 1997)</a:t>
-            </a:r>
-            <a:r>
-              <a:rPr lang="fr-CA" sz="1600" dirty="0"/>
-              <a:t> et </a:t>
-            </a:r>
-            <a:r>
-              <a:rPr lang="fr-CA" sz="1600" i="1" dirty="0"/>
-              <a:t>« </a:t>
-            </a:r>
-            <a:r>
-              <a:rPr lang="en-US" sz="1600" i="1" dirty="0"/>
-              <a:t>Load-bearing and stress analysis of the human spine under a novel wrapping compression loading</a:t>
-            </a:r>
-            <a:r>
-              <a:rPr lang="fr-FR" sz="1600" i="1" dirty="0"/>
-              <a:t> »</a:t>
-            </a:r>
-            <a:r>
-              <a:rPr lang="en-US" sz="1600" i="1" dirty="0"/>
-              <a:t> </a:t>
-            </a:r>
-            <a:r>
-              <a:rPr lang="en-CA" sz="1600" dirty="0"/>
-              <a:t>(Shirazi-</a:t>
-            </a:r>
-            <a:r>
-              <a:rPr lang="en-CA" sz="1600" dirty="0" err="1"/>
-              <a:t>Adl</a:t>
-            </a:r>
-            <a:r>
-              <a:rPr lang="en-CA" sz="1600" dirty="0"/>
-              <a:t> &amp; Parnianpour, 2000), </a:t>
-            </a:r>
-            <a:r>
-              <a:rPr lang="fr-CA" sz="1600" dirty="0"/>
-              <a:t>ainsi que sur des données géométriques et propriétés physiques (coordonnées spatiales, sections, rigidités) issues des recherches personnelles de Prof. Aboulfazl Shirazi-Adl. Pour des raisons de confidentialité, ce fichier ne sera pas publié sur GitHub mais il peut être disponible sur demande.</a:t>
-            </a:r>
-          </a:p>
-          <a:p>
-            <a:pPr marL="0" indent="0" algn="just">
-              <a:lnSpc>
-                <a:spcPct val="100000"/>
-              </a:lnSpc>
-              <a:buNone/>
-            </a:pPr>
-            <a:r>
-              <a:rPr lang="fr-CA" sz="1600" dirty="0"/>
-              <a:t>En guise de validation lors du PI3, le membre de l’équipe avait simplement comparé visuellement l’allure et les ordres de grandeur des réponses obtenues par son modèle avec les courbes Force-Déplacement postérieur tirés des articles scientifiques de référence. Le projet final de MEC8211 est ainsi l’occasion idéale pour appliquer les acquis du cours et mettre à l’épreuve la validité de son modèle.</a:t>
-            </a:r>
-          </a:p>
-          <a:p>
-            <a:pPr marL="0" indent="0">
-              <a:lnSpc>
-                <a:spcPct val="100000"/>
-              </a:lnSpc>
-              <a:buNone/>
-            </a:pPr>
-            <a:r>
-              <a:rPr lang="fr-CA" sz="1600" dirty="0"/>
-              <a:t>Les étapes de V&amp;V entreprises consistent en ce qui suit:</a:t>
-            </a:r>
-          </a:p>
-          <a:p>
-            <a:pPr marL="342900" indent="-342900">
-              <a:lnSpc>
-                <a:spcPct val="100000"/>
-              </a:lnSpc>
-              <a:buFont typeface="+mj-lt"/>
-              <a:buAutoNum type="arabicPeriod"/>
-            </a:pPr>
-            <a:r>
-              <a:rPr lang="fr-CA" sz="1600" dirty="0"/>
-              <a:t>Présentation du modèle mathématique</a:t>
-            </a:r>
-          </a:p>
-          <a:p>
-            <a:pPr marL="342900" indent="-342900">
-              <a:lnSpc>
-                <a:spcPct val="100000"/>
-              </a:lnSpc>
-              <a:buFont typeface="+mj-lt"/>
-              <a:buAutoNum type="arabicPeriod"/>
-            </a:pPr>
-            <a:r>
-              <a:rPr lang="fr-CA" sz="1600" dirty="0"/>
-              <a:t>Description de la discrétisation choisie</a:t>
-            </a:r>
-          </a:p>
-          <a:p>
-            <a:pPr marL="342900" indent="-342900">
-              <a:lnSpc>
-                <a:spcPct val="100000"/>
-              </a:lnSpc>
-              <a:buFont typeface="+mj-lt"/>
-              <a:buAutoNum type="arabicPeriod"/>
-            </a:pPr>
-            <a:r>
-              <a:rPr lang="fr-CA" sz="1600" dirty="0"/>
-              <a:t>Vérification de code</a:t>
-            </a:r>
-          </a:p>
-          <a:p>
-            <a:pPr marL="342900" indent="-342900">
-              <a:lnSpc>
-                <a:spcPct val="100000"/>
-              </a:lnSpc>
-              <a:buFont typeface="+mj-lt"/>
-              <a:buAutoNum type="arabicPeriod"/>
-            </a:pPr>
-            <a:r>
-              <a:rPr lang="fr-CA" sz="1600" dirty="0"/>
-              <a:t>Vérification de solution</a:t>
-            </a:r>
-          </a:p>
-          <a:p>
-            <a:pPr marL="342900" indent="-342900">
-              <a:lnSpc>
-                <a:spcPct val="100000"/>
-              </a:lnSpc>
-              <a:buFont typeface="+mj-lt"/>
-              <a:buAutoNum type="arabicPeriod"/>
-            </a:pPr>
-            <a:r>
-              <a:rPr lang="fr-CA" sz="1600" dirty="0"/>
-              <a:t>Propagation des incertitudes</a:t>
-            </a:r>
-          </a:p>
-          <a:p>
-            <a:pPr marL="342900" indent="-342900">
-              <a:lnSpc>
-                <a:spcPct val="100000"/>
-              </a:lnSpc>
-              <a:buFont typeface="+mj-lt"/>
-              <a:buAutoNum type="arabicPeriod"/>
-            </a:pPr>
-            <a:r>
-              <a:rPr lang="fr-CA" sz="1600" dirty="0"/>
-              <a:t>Validation</a:t>
-            </a:r>
-          </a:p>
-          <a:p>
-            <a:pPr marL="0" indent="0">
-              <a:lnSpc>
-                <a:spcPct val="100000"/>
-              </a:lnSpc>
-              <a:buNone/>
-            </a:pPr>
-            <a:endParaRPr lang="fr-CA" sz="1600" dirty="0"/>
-          </a:p>
-          <a:p>
-            <a:pPr marL="0" indent="0">
-              <a:buNone/>
-            </a:pPr>
-            <a:endParaRPr lang="en-CA" sz="1800" dirty="0"/>
-          </a:p>
-        </p:txBody>
-      </p:sp>
-      <p:sp>
-        <p:nvSpPr>
-          <p:cNvPr id="8" name="Title 1">
-            <a:extLst>
-              <a:ext uri="{FF2B5EF4-FFF2-40B4-BE49-F238E27FC236}">
-                <a16:creationId xmlns:a16="http://schemas.microsoft.com/office/drawing/2014/main" id="{131056D3-4217-EA50-3282-5A33501AC195}"/>
-              </a:ext>
-            </a:extLst>
-          </p:cNvPr>
-          <p:cNvSpPr>
-            <a:spLocks noGrp="1"/>
-          </p:cNvSpPr>
-          <p:nvPr>
-            <p:ph type="title"/>
-          </p:nvPr>
-        </p:nvSpPr>
-        <p:spPr>
-          <a:xfrm>
-            <a:off x="838200" y="365125"/>
-            <a:ext cx="9308690" cy="706591"/>
-          </a:xfrm>
-        </p:spPr>
-        <p:txBody>
-          <a:bodyPr>
-            <a:normAutofit/>
-          </a:bodyPr>
-          <a:lstStyle/>
-          <a:p>
-            <a:r>
-              <a:rPr lang="fr-FR" sz="3000" dirty="0"/>
-              <a:t>Introduction et mise en contexte</a:t>
-            </a:r>
-            <a:endParaRPr lang="en-CA" sz="3000" dirty="0"/>
-          </a:p>
-        </p:txBody>
-      </p:sp>
-      <p:sp>
-        <p:nvSpPr>
-          <p:cNvPr id="2" name="Slide Number Placeholder 1">
-            <a:extLst>
-              <a:ext uri="{FF2B5EF4-FFF2-40B4-BE49-F238E27FC236}">
-                <a16:creationId xmlns:a16="http://schemas.microsoft.com/office/drawing/2014/main" id="{4AA6C504-4B4D-1025-26A2-022591258F2E}"/>
-              </a:ext>
-            </a:extLst>
-          </p:cNvPr>
-          <p:cNvSpPr>
-            <a:spLocks noGrp="1"/>
-          </p:cNvSpPr>
-          <p:nvPr>
-            <p:ph type="sldNum" sz="quarter" idx="12"/>
-          </p:nvPr>
-        </p:nvSpPr>
-        <p:spPr/>
-        <p:txBody>
-          <a:bodyPr/>
-          <a:lstStyle/>
-          <a:p>
-            <a:fld id="{4BD3201E-7DF8-462B-AC18-61E63795AE0D}" type="slidenum">
-              <a:rPr lang="en-CA" smtClean="0"/>
-              <a:t>2</a:t>
-            </a:fld>
-            <a:endParaRPr lang="en-CA"/>
-          </a:p>
-        </p:txBody>
-      </p:sp>
-      <p:sp>
-        <p:nvSpPr>
-          <p:cNvPr id="4" name="Rectangle 3">
-            <a:extLst>
-              <a:ext uri="{FF2B5EF4-FFF2-40B4-BE49-F238E27FC236}">
-                <a16:creationId xmlns:a16="http://schemas.microsoft.com/office/drawing/2014/main" id="{D8F2C039-DBEA-E380-9132-AADB09E1E84C}"/>
-              </a:ext>
-            </a:extLst>
-          </p:cNvPr>
-          <p:cNvSpPr/>
-          <p:nvPr/>
-        </p:nvSpPr>
-        <p:spPr>
-          <a:xfrm>
-            <a:off x="0" y="365125"/>
-            <a:ext cx="678427" cy="556649"/>
-          </a:xfrm>
-          <a:prstGeom prst="rect">
-            <a:avLst/>
-          </a:prstGeom>
-          <a:solidFill>
-            <a:schemeClr val="accent6"/>
-          </a:solidFill>
-          <a:ln>
-            <a:noFill/>
-          </a:ln>
-        </p:spPr>
-        <p:style>
-          <a:lnRef idx="2">
-            <a:schemeClr val="accent1">
-              <a:shade val="15000"/>
-            </a:schemeClr>
-          </a:lnRef>
-          <a:fillRef idx="1">
-            <a:schemeClr val="accent1"/>
-          </a:fillRef>
-          <a:effectRef idx="0">
-            <a:schemeClr val="accent1"/>
-          </a:effectRef>
-          <a:fontRef idx="minor">
-            <a:schemeClr val="lt1"/>
-          </a:fontRef>
-        </p:style>
-        <p:txBody>
-          <a:bodyPr rtlCol="0" anchor="ctr"/>
-          <a:lstStyle/>
-          <a:p>
-            <a:pPr algn="ctr"/>
-            <a:endParaRPr lang="en-CA"/>
-          </a:p>
-        </p:txBody>
-      </p:sp>
-    </p:spTree>
-    <p:extLst>
-      <p:ext uri="{BB962C8B-B14F-4D97-AF65-F5344CB8AC3E}">
-        <p14:creationId xmlns:p14="http://schemas.microsoft.com/office/powerpoint/2010/main" val="2767786287"/>
-      </p:ext>
-    </p:extLst>
-  </p:cSld>
-  <p:clrMapOvr>
-    <a:masterClrMapping/>
-  </p:clrMapOvr>
-</p:sld>
-</file>
-
-<file path=ppt/slides/slide20.xml><?xml version="1.0" encoding="utf-8"?>
+<file path=ppt/slides/slide19.xml><?xml version="1.0" encoding="utf-8"?>
 <p:sld xmlns:a="http://schemas.openxmlformats.org/drawingml/2006/main" xmlns:r="http://schemas.openxmlformats.org/officeDocument/2006/relationships" xmlns:p="http://schemas.openxmlformats.org/presentationml/2006/main">
   <p:cSld>
     <p:spTree>
@@ -22031,8 +21042,8 @@
           </a:p>
         </p:txBody>
       </p:sp>
-      <mc:AlternateContent xmlns:mc="http://schemas.openxmlformats.org/markup-compatibility/2006">
-        <mc:Choice xmlns:a14="http://schemas.microsoft.com/office/drawing/2010/main" Requires="a14">
+      <mc:AlternateContent xmlns:mc="http://schemas.openxmlformats.org/markup-compatibility/2006" xmlns:a14="http://schemas.microsoft.com/office/drawing/2010/main">
+        <mc:Choice Requires="a14">
           <p:sp>
             <p:nvSpPr>
               <p:cNvPr id="3" name="Content Placeholder 2">
@@ -22630,7 +21641,7 @@
             </p:txBody>
           </p:sp>
         </mc:Choice>
-        <mc:Fallback>
+        <mc:Fallback xmlns="">
           <p:sp>
             <p:nvSpPr>
               <p:cNvPr id="3" name="Content Placeholder 2">
@@ -22820,8 +21831,8 @@
           </a:p>
         </p:txBody>
       </p:sp>
-      <mc:AlternateContent xmlns:mc="http://schemas.openxmlformats.org/markup-compatibility/2006">
-        <mc:Choice xmlns:a14="http://schemas.microsoft.com/office/drawing/2010/main" Requires="a14">
+      <mc:AlternateContent xmlns:mc="http://schemas.openxmlformats.org/markup-compatibility/2006" xmlns:a14="http://schemas.microsoft.com/office/drawing/2010/main">
+        <mc:Choice Requires="a14">
           <p:sp>
             <p:nvSpPr>
               <p:cNvPr id="8" name="TextBox 7">
@@ -23066,7 +22077,7 @@
             </p:txBody>
           </p:sp>
         </mc:Choice>
-        <mc:Fallback>
+        <mc:Fallback xmlns="">
           <p:sp>
             <p:nvSpPr>
               <p:cNvPr id="8" name="TextBox 7">
@@ -23134,7 +22145,7 @@
           <a:p>
             <a:fld id="{4BD3201E-7DF8-462B-AC18-61E63795AE0D}" type="slidenum">
               <a:rPr lang="en-CA" smtClean="0"/>
-              <a:t>20</a:t>
+              <a:t>19</a:t>
             </a:fld>
             <a:endParaRPr lang="en-CA"/>
           </a:p>
@@ -23202,7 +22213,376 @@
 </p:sld>
 </file>
 
-<file path=ppt/slides/slide21.xml><?xml version="1.0" encoding="utf-8"?>
+<file path=ppt/slides/slide2.xml><?xml version="1.0" encoding="utf-8"?>
+<p:sld xmlns:a="http://schemas.openxmlformats.org/drawingml/2006/main" xmlns:r="http://schemas.openxmlformats.org/officeDocument/2006/relationships" xmlns:p="http://schemas.openxmlformats.org/presentationml/2006/main">
+  <p:cSld>
+    <p:spTree>
+      <p:nvGrpSpPr>
+        <p:cNvPr id="1" name=""/>
+        <p:cNvGrpSpPr/>
+        <p:nvPr/>
+      </p:nvGrpSpPr>
+      <p:grpSpPr>
+        <a:xfrm>
+          <a:off x="0" y="0"/>
+          <a:ext cx="0" cy="0"/>
+          <a:chOff x="0" y="0"/>
+          <a:chExt cx="0" cy="0"/>
+        </a:xfrm>
+      </p:grpSpPr>
+      <p:sp>
+        <p:nvSpPr>
+          <p:cNvPr id="3" name="Content Placeholder 2">
+            <a:extLst>
+              <a:ext uri="{FF2B5EF4-FFF2-40B4-BE49-F238E27FC236}">
+                <a16:creationId xmlns:a16="http://schemas.microsoft.com/office/drawing/2014/main" id="{57846E6E-541E-C380-2EC3-91AF5BEE61F6}"/>
+              </a:ext>
+            </a:extLst>
+          </p:cNvPr>
+          <p:cNvSpPr>
+            <a:spLocks noGrp="1"/>
+          </p:cNvSpPr>
+          <p:nvPr>
+            <p:ph idx="1"/>
+          </p:nvPr>
+        </p:nvSpPr>
+        <p:spPr>
+          <a:xfrm>
+            <a:off x="838200" y="1140544"/>
+            <a:ext cx="10515600" cy="5154407"/>
+          </a:xfrm>
+        </p:spPr>
+        <p:txBody>
+          <a:bodyPr vert="horz" lIns="91440" tIns="45720" rIns="91440" bIns="45720" rtlCol="0" anchor="t">
+            <a:normAutofit fontScale="92500" lnSpcReduction="10000"/>
+          </a:bodyPr>
+          <a:lstStyle/>
+          <a:p>
+            <a:pPr marL="0" indent="0" algn="just">
+              <a:lnSpc>
+                <a:spcPct val="100000"/>
+              </a:lnSpc>
+              <a:buNone/>
+            </a:pPr>
+            <a:r>
+              <a:rPr lang="fr-CA" sz="1600" dirty="0"/>
+              <a:t>Le présent rapport couvre le processus de vérification et de validation d’un modèle d’éléments finis modélisant la section lombaire d’une colonne vertébrale.</a:t>
+            </a:r>
+          </a:p>
+          <a:p>
+            <a:pPr marL="0" indent="0" algn="just">
+              <a:lnSpc>
+                <a:spcPct val="100000"/>
+              </a:lnSpc>
+              <a:buNone/>
+            </a:pPr>
+            <a:r>
+              <a:rPr lang="fr-CA" sz="1600" dirty="0"/>
+              <a:t>Le modèle a été conçu dans le cadre du PI3 d’un des membres de l’équipe, et est basé sur des données expérimentales tirées des articles scientifiques </a:t>
+            </a:r>
+            <a:r>
+              <a:rPr lang="fr-FR" sz="1600" i="1" dirty="0"/>
+              <a:t>«</a:t>
+            </a:r>
+            <a:r>
+              <a:rPr lang="en-US" sz="1600" i="1" dirty="0"/>
+              <a:t> Stability of the human spine in neutral postures </a:t>
+            </a:r>
+            <a:r>
+              <a:rPr lang="fr-FR" sz="1600" i="1" dirty="0"/>
+              <a:t>» </a:t>
+            </a:r>
+            <a:r>
+              <a:rPr lang="fr-FR" sz="1600" dirty="0"/>
+              <a:t>(Kiefer et al., 1997)</a:t>
+            </a:r>
+            <a:r>
+              <a:rPr lang="fr-CA" sz="1600" dirty="0"/>
+              <a:t> et </a:t>
+            </a:r>
+            <a:r>
+              <a:rPr lang="fr-CA" sz="1600" i="1" dirty="0"/>
+              <a:t>« </a:t>
+            </a:r>
+            <a:r>
+              <a:rPr lang="en-US" sz="1600" i="1" dirty="0"/>
+              <a:t>Load-bearing and stress analysis of the human spine under a novel wrapping compression loading</a:t>
+            </a:r>
+            <a:r>
+              <a:rPr lang="fr-FR" sz="1600" i="1" dirty="0"/>
+              <a:t> »</a:t>
+            </a:r>
+            <a:r>
+              <a:rPr lang="en-US" sz="1600" i="1" dirty="0"/>
+              <a:t> </a:t>
+            </a:r>
+            <a:r>
+              <a:rPr lang="en-CA" sz="1600" dirty="0"/>
+              <a:t>(Shirazi-</a:t>
+            </a:r>
+            <a:r>
+              <a:rPr lang="en-CA" sz="1600" dirty="0" err="1"/>
+              <a:t>Adl</a:t>
+            </a:r>
+            <a:r>
+              <a:rPr lang="en-CA" sz="1600" dirty="0"/>
+              <a:t> &amp; Parnianpour, 2000), </a:t>
+            </a:r>
+            <a:r>
+              <a:rPr lang="fr-CA" sz="1600" dirty="0"/>
+              <a:t>ainsi que sur des données géométriques et propriétés physiques (coordonnées spatiales, sections, rigidités) issues des recherches personnelles de Prof. Aboulfazl Shirazi-Adl. Pour des raisons de confidentialité, ce fichier ne sera pas publié sur GitHub mais il peut être disponible sur demande.</a:t>
+            </a:r>
+          </a:p>
+          <a:p>
+            <a:pPr marL="0" indent="0" algn="just">
+              <a:lnSpc>
+                <a:spcPct val="100000"/>
+              </a:lnSpc>
+              <a:buNone/>
+            </a:pPr>
+            <a:r>
+              <a:rPr lang="fr-CA" sz="1600" dirty="0"/>
+              <a:t>En guise de validation lors du PI3, le membre de l’équipe avait simplement comparé visuellement l’allure et les ordres de grandeur des réponses obtenues par son modèle avec les courbes Force-Déplacement postérieur tirés des articles scientifiques de référence. Le projet final de MEC8211 est ainsi l’occasion idéale pour appliquer les acquis du cours et mettre à l’épreuve la validité de son modèle.</a:t>
+            </a:r>
+          </a:p>
+          <a:p>
+            <a:pPr marL="0" indent="0">
+              <a:lnSpc>
+                <a:spcPct val="100000"/>
+              </a:lnSpc>
+              <a:buNone/>
+            </a:pPr>
+            <a:r>
+              <a:rPr lang="fr-CA" sz="1600" dirty="0"/>
+              <a:t>Les étapes de V&amp;V entreprises consistent en ce qui suit:</a:t>
+            </a:r>
+          </a:p>
+          <a:p>
+            <a:pPr marL="342900" indent="-342900">
+              <a:lnSpc>
+                <a:spcPct val="100000"/>
+              </a:lnSpc>
+              <a:buFont typeface="+mj-lt"/>
+              <a:buAutoNum type="arabicPeriod"/>
+            </a:pPr>
+            <a:r>
+              <a:rPr lang="fr-CA" sz="1600" dirty="0"/>
+              <a:t>Présentation du modèle mathématique</a:t>
+            </a:r>
+          </a:p>
+          <a:p>
+            <a:pPr marL="342900" indent="-342900">
+              <a:lnSpc>
+                <a:spcPct val="100000"/>
+              </a:lnSpc>
+              <a:buFont typeface="+mj-lt"/>
+              <a:buAutoNum type="arabicPeriod"/>
+            </a:pPr>
+            <a:r>
+              <a:rPr lang="fr-CA" sz="1600" dirty="0"/>
+              <a:t>Description de la discrétisation choisie</a:t>
+            </a:r>
+          </a:p>
+          <a:p>
+            <a:pPr marL="342900" indent="-342900">
+              <a:lnSpc>
+                <a:spcPct val="100000"/>
+              </a:lnSpc>
+              <a:buFont typeface="+mj-lt"/>
+              <a:buAutoNum type="arabicPeriod"/>
+            </a:pPr>
+            <a:r>
+              <a:rPr lang="fr-CA" sz="1600" dirty="0"/>
+              <a:t>Vérification de code</a:t>
+            </a:r>
+          </a:p>
+          <a:p>
+            <a:pPr marL="342900" indent="-342900">
+              <a:lnSpc>
+                <a:spcPct val="100000"/>
+              </a:lnSpc>
+              <a:buFont typeface="+mj-lt"/>
+              <a:buAutoNum type="arabicPeriod"/>
+            </a:pPr>
+            <a:r>
+              <a:rPr lang="fr-CA" sz="1600" dirty="0"/>
+              <a:t>Vérification de solution</a:t>
+            </a:r>
+          </a:p>
+          <a:p>
+            <a:pPr marL="342900" indent="-342900">
+              <a:lnSpc>
+                <a:spcPct val="100000"/>
+              </a:lnSpc>
+              <a:buFont typeface="+mj-lt"/>
+              <a:buAutoNum type="arabicPeriod"/>
+            </a:pPr>
+            <a:r>
+              <a:rPr lang="fr-CA" sz="1600" dirty="0"/>
+              <a:t>Propagation des incertitudes</a:t>
+            </a:r>
+          </a:p>
+          <a:p>
+            <a:pPr marL="342900" indent="-342900">
+              <a:lnSpc>
+                <a:spcPct val="100000"/>
+              </a:lnSpc>
+              <a:buFont typeface="+mj-lt"/>
+              <a:buAutoNum type="arabicPeriod"/>
+            </a:pPr>
+            <a:r>
+              <a:rPr lang="fr-CA" sz="1600" dirty="0"/>
+              <a:t>Validation</a:t>
+            </a:r>
+          </a:p>
+          <a:p>
+            <a:pPr marL="0" indent="0">
+              <a:lnSpc>
+                <a:spcPct val="100000"/>
+              </a:lnSpc>
+              <a:buNone/>
+            </a:pPr>
+            <a:endParaRPr lang="fr-CA" sz="1600" dirty="0"/>
+          </a:p>
+          <a:p>
+            <a:pPr marL="0" indent="0">
+              <a:buNone/>
+            </a:pPr>
+            <a:endParaRPr lang="en-CA" sz="1800" dirty="0"/>
+          </a:p>
+        </p:txBody>
+      </p:sp>
+      <p:sp>
+        <p:nvSpPr>
+          <p:cNvPr id="8" name="Title 1">
+            <a:extLst>
+              <a:ext uri="{FF2B5EF4-FFF2-40B4-BE49-F238E27FC236}">
+                <a16:creationId xmlns:a16="http://schemas.microsoft.com/office/drawing/2014/main" id="{131056D3-4217-EA50-3282-5A33501AC195}"/>
+              </a:ext>
+            </a:extLst>
+          </p:cNvPr>
+          <p:cNvSpPr>
+            <a:spLocks noGrp="1"/>
+          </p:cNvSpPr>
+          <p:nvPr>
+            <p:ph type="title"/>
+          </p:nvPr>
+        </p:nvSpPr>
+        <p:spPr>
+          <a:xfrm>
+            <a:off x="838200" y="365125"/>
+            <a:ext cx="9308690" cy="706591"/>
+          </a:xfrm>
+        </p:spPr>
+        <p:txBody>
+          <a:bodyPr>
+            <a:normAutofit/>
+          </a:bodyPr>
+          <a:lstStyle/>
+          <a:p>
+            <a:r>
+              <a:rPr lang="fr-FR" sz="3000" dirty="0"/>
+              <a:t>Introduction et mise en contexte</a:t>
+            </a:r>
+            <a:endParaRPr lang="en-CA" sz="3000" dirty="0"/>
+          </a:p>
+        </p:txBody>
+      </p:sp>
+      <p:sp>
+        <p:nvSpPr>
+          <p:cNvPr id="2" name="Slide Number Placeholder 1">
+            <a:extLst>
+              <a:ext uri="{FF2B5EF4-FFF2-40B4-BE49-F238E27FC236}">
+                <a16:creationId xmlns:a16="http://schemas.microsoft.com/office/drawing/2014/main" id="{4AA6C504-4B4D-1025-26A2-022591258F2E}"/>
+              </a:ext>
+            </a:extLst>
+          </p:cNvPr>
+          <p:cNvSpPr>
+            <a:spLocks noGrp="1"/>
+          </p:cNvSpPr>
+          <p:nvPr>
+            <p:ph type="sldNum" sz="quarter" idx="12"/>
+          </p:nvPr>
+        </p:nvSpPr>
+        <p:spPr/>
+        <p:txBody>
+          <a:bodyPr/>
+          <a:lstStyle/>
+          <a:p>
+            <a:fld id="{4BD3201E-7DF8-462B-AC18-61E63795AE0D}" type="slidenum">
+              <a:rPr lang="en-CA" smtClean="0"/>
+              <a:t>2</a:t>
+            </a:fld>
+            <a:endParaRPr lang="en-CA"/>
+          </a:p>
+        </p:txBody>
+      </p:sp>
+      <p:sp>
+        <p:nvSpPr>
+          <p:cNvPr id="4" name="Rectangle 3">
+            <a:extLst>
+              <a:ext uri="{FF2B5EF4-FFF2-40B4-BE49-F238E27FC236}">
+                <a16:creationId xmlns:a16="http://schemas.microsoft.com/office/drawing/2014/main" id="{D8F2C039-DBEA-E380-9132-AADB09E1E84C}"/>
+              </a:ext>
+            </a:extLst>
+          </p:cNvPr>
+          <p:cNvSpPr/>
+          <p:nvPr/>
+        </p:nvSpPr>
+        <p:spPr>
+          <a:xfrm>
+            <a:off x="0" y="365125"/>
+            <a:ext cx="678427" cy="556649"/>
+          </a:xfrm>
+          <a:prstGeom prst="rect">
+            <a:avLst/>
+          </a:prstGeom>
+          <a:solidFill>
+            <a:schemeClr val="accent6"/>
+          </a:solidFill>
+          <a:ln>
+            <a:noFill/>
+          </a:ln>
+        </p:spPr>
+        <p:style>
+          <a:lnRef idx="2">
+            <a:schemeClr val="accent1">
+              <a:shade val="15000"/>
+            </a:schemeClr>
+          </a:lnRef>
+          <a:fillRef idx="1">
+            <a:schemeClr val="accent1"/>
+          </a:fillRef>
+          <a:effectRef idx="0">
+            <a:schemeClr val="accent1"/>
+          </a:effectRef>
+          <a:fontRef idx="minor">
+            <a:schemeClr val="lt1"/>
+          </a:fontRef>
+        </p:style>
+        <p:txBody>
+          <a:bodyPr rtlCol="0" anchor="ctr"/>
+          <a:lstStyle/>
+          <a:p>
+            <a:pPr algn="ctr"/>
+            <a:endParaRPr lang="en-CA"/>
+          </a:p>
+        </p:txBody>
+      </p:sp>
+    </p:spTree>
+    <p:extLst>
+      <p:ext uri="{BB962C8B-B14F-4D97-AF65-F5344CB8AC3E}">
+        <p14:creationId xmlns:p14="http://schemas.microsoft.com/office/powerpoint/2010/main" val="2767786287"/>
+      </p:ext>
+    </p:extLst>
+  </p:cSld>
+  <p:clrMapOvr>
+    <a:masterClrMapping/>
+  </p:clrMapOvr>
+</p:sld>
+</file>
+
+<file path=ppt/slides/slide20.xml><?xml version="1.0" encoding="utf-8"?>
 <p:sld xmlns:a="http://schemas.openxmlformats.org/drawingml/2006/main" xmlns:r="http://schemas.openxmlformats.org/officeDocument/2006/relationships" xmlns:p="http://schemas.openxmlformats.org/presentationml/2006/main">
   <p:cSld>
     <p:spTree>
@@ -23255,8 +22635,8 @@
           </a:p>
         </p:txBody>
       </p:sp>
-      <mc:AlternateContent xmlns:mc="http://schemas.openxmlformats.org/markup-compatibility/2006">
-        <mc:Choice xmlns:a14="http://schemas.microsoft.com/office/drawing/2010/main" Requires="a14">
+      <mc:AlternateContent xmlns:mc="http://schemas.openxmlformats.org/markup-compatibility/2006" xmlns:a14="http://schemas.microsoft.com/office/drawing/2010/main">
+        <mc:Choice Requires="a14">
           <p:sp>
             <p:nvSpPr>
               <p:cNvPr id="3" name="Content Placeholder 2">
@@ -23970,7 +23350,7 @@
             </p:txBody>
           </p:sp>
         </mc:Choice>
-        <mc:Fallback>
+        <mc:Fallback xmlns="">
           <p:sp>
             <p:nvSpPr>
               <p:cNvPr id="3" name="Content Placeholder 2">
@@ -24014,8 +23394,8 @@
           </p:sp>
         </mc:Fallback>
       </mc:AlternateContent>
-      <mc:AlternateContent xmlns:mc="http://schemas.openxmlformats.org/markup-compatibility/2006">
-        <mc:Choice xmlns:a14="http://schemas.microsoft.com/office/drawing/2010/main" Requires="a14">
+      <mc:AlternateContent xmlns:mc="http://schemas.openxmlformats.org/markup-compatibility/2006" xmlns:a14="http://schemas.microsoft.com/office/drawing/2010/main">
+        <mc:Choice Requires="a14">
           <p:graphicFrame>
             <p:nvGraphicFramePr>
               <p:cNvPr id="4" name="Table 3">
@@ -24298,7 +23678,7 @@
             </a:graphic>
           </p:graphicFrame>
         </mc:Choice>
-        <mc:Fallback>
+        <mc:Fallback xmlns="">
           <p:graphicFrame>
             <p:nvGraphicFramePr>
               <p:cNvPr id="4" name="Table 3">
@@ -24591,7 +23971,7 @@
           <a:p>
             <a:fld id="{4BD3201E-7DF8-462B-AC18-61E63795AE0D}" type="slidenum">
               <a:rPr lang="en-CA" smtClean="0"/>
-              <a:t>21</a:t>
+              <a:t>20</a:t>
             </a:fld>
             <a:endParaRPr lang="en-CA"/>
           </a:p>
@@ -24659,7 +24039,7 @@
 </p:sld>
 </file>
 
-<file path=ppt/slides/slide22.xml><?xml version="1.0" encoding="utf-8"?>
+<file path=ppt/slides/slide21.xml><?xml version="1.0" encoding="utf-8"?>
 <p:sld xmlns:a="http://schemas.openxmlformats.org/drawingml/2006/main" xmlns:r="http://schemas.openxmlformats.org/officeDocument/2006/relationships" xmlns:p="http://schemas.openxmlformats.org/presentationml/2006/main">
   <p:cSld>
     <p:spTree>
@@ -24770,7 +24150,7 @@
                 </a:pPr>
                 <a:r>
                   <a:rPr lang="fr-CA" sz="1800" dirty="0"/>
-                  <a:t>Validation du code interne de </a:t>
+                  <a:t>Vérification du code interne de </a:t>
                 </a:r>
                 <a:r>
                   <a:rPr lang="fr-CA" sz="1800" dirty="0" err="1"/>
@@ -25180,7 +24560,7 @@
               <a:lstStyle/>
               <a:p>
                 <a:r>
-                  <a:rPr lang="en-CA">
+                  <a:rPr lang="fr-FR">
                     <a:noFill/>
                   </a:rPr>
                   <a:t> </a:t>
@@ -25213,7 +24593,7 @@
           <a:p>
             <a:fld id="{4BD3201E-7DF8-462B-AC18-61E63795AE0D}" type="slidenum">
               <a:rPr lang="en-CA" smtClean="0"/>
-              <a:t>22</a:t>
+              <a:t>21</a:t>
             </a:fld>
             <a:endParaRPr lang="en-CA"/>
           </a:p>
@@ -25284,7 +24664,7 @@
 </p:sld>
 </file>
 
-<file path=ppt/slides/slide23.xml><?xml version="1.0" encoding="utf-8"?>
+<file path=ppt/slides/slide22.xml><?xml version="1.0" encoding="utf-8"?>
 <p:sld xmlns:a="http://schemas.openxmlformats.org/drawingml/2006/main" xmlns:r="http://schemas.openxmlformats.org/officeDocument/2006/relationships" xmlns:p="http://schemas.openxmlformats.org/presentationml/2006/main">
   <p:cSld>
     <p:spTree>
@@ -25742,7 +25122,7 @@
           <a:p>
             <a:fld id="{4BD3201E-7DF8-462B-AC18-61E63795AE0D}" type="slidenum">
               <a:rPr lang="en-CA" smtClean="0"/>
-              <a:t>23</a:t>
+              <a:t>22</a:t>
             </a:fld>
             <a:endParaRPr lang="en-CA"/>
           </a:p>
@@ -25830,8 +25210,8 @@
           <a:chExt cx="0" cy="0"/>
         </a:xfrm>
       </p:grpSpPr>
-      <mc:AlternateContent xmlns:mc="http://schemas.openxmlformats.org/markup-compatibility/2006" xmlns:a14="http://schemas.microsoft.com/office/drawing/2010/main">
-        <mc:Choice Requires="a14">
+      <mc:AlternateContent xmlns:mc="http://schemas.openxmlformats.org/markup-compatibility/2006">
+        <mc:Choice xmlns:a14="http://schemas.microsoft.com/office/drawing/2010/main" Requires="a14">
           <p:sp>
             <p:nvSpPr>
               <p:cNvPr id="3" name="Content Placeholder 2">
@@ -25850,13 +25230,13 @@
             </p:nvSpPr>
             <p:spPr>
               <a:xfrm>
-                <a:off x="838200" y="1058022"/>
+                <a:off x="838200" y="944008"/>
                 <a:ext cx="10515600" cy="5478872"/>
               </a:xfrm>
             </p:spPr>
             <p:txBody>
               <a:bodyPr>
-                <a:normAutofit/>
+                <a:noAutofit/>
               </a:bodyPr>
               <a:lstStyle/>
               <a:p>
@@ -25870,43 +25250,43 @@
                   <a:buNone/>
                 </a:pPr>
                 <a:r>
-                  <a:rPr lang="fr-CA" sz="1600" dirty="0">
+                  <a:rPr lang="fr-CA" sz="1800" dirty="0">
                     <a:latin typeface="Aptos "/>
                   </a:rPr>
                   <a:t>La modélisation de la colonne vertébrale a été réalisée sur le logiciel SimCenter 3D en utilisant des éléments de type poutre ainsi que des éléments RBE2. </a:t>
                 </a:r>
                 <a:r>
-                  <a:rPr lang="en-CA" sz="1600" dirty="0">
+                  <a:rPr lang="en-CA" sz="1800" dirty="0">
                     <a:latin typeface="Aptos "/>
                   </a:rPr>
                   <a:t>Le </a:t>
                 </a:r>
                 <a:r>
-                  <a:rPr lang="en-US" sz="1600" dirty="0" err="1">
+                  <a:rPr lang="en-US" sz="1800" dirty="0" err="1">
                     <a:latin typeface="Aptos "/>
                   </a:rPr>
                   <a:t>modèle</a:t>
                 </a:r>
                 <a:r>
-                  <a:rPr lang="en-CA" sz="1600" dirty="0">
+                  <a:rPr lang="en-CA" sz="1800" dirty="0">
                     <a:latin typeface="Aptos "/>
                   </a:rPr>
                   <a:t> </a:t>
                 </a:r>
                 <a:r>
-                  <a:rPr lang="fr-CA" sz="1600" dirty="0">
+                  <a:rPr lang="fr-CA" sz="1800" dirty="0">
                     <a:latin typeface="Aptos "/>
                   </a:rPr>
                   <a:t>mathématique</a:t>
                 </a:r>
                 <a:r>
-                  <a:rPr lang="en-CA" sz="1600" dirty="0">
+                  <a:rPr lang="en-CA" sz="1800" dirty="0">
                     <a:latin typeface="Aptos "/>
                   </a:rPr>
                   <a:t> </a:t>
                 </a:r>
                 <a:r>
-                  <a:rPr lang="fr-CA" sz="1600" dirty="0">
+                  <a:rPr lang="fr-CA" sz="1800" dirty="0">
                     <a:latin typeface="Aptos "/>
                   </a:rPr>
                   <a:t>utilisé pour la modélisation des éléments poutre (PBEAM) sur SimCenter 3D est le modèle de poutre de Timoshenko dont l’équation différentielle est d’ordre 2:</a:t>
@@ -25931,7 +25311,7 @@
                       <m:f>
                         <m:fPr>
                           <m:ctrlPr>
-                            <a:rPr lang="fr-FR" sz="1600" i="1" smtClean="0">
+                            <a:rPr lang="fr-FR" sz="1800" i="1" smtClean="0">
                               <a:latin typeface="Cambria Math" panose="02040503050406030204" pitchFamily="18" charset="0"/>
                             </a:rPr>
                           </m:ctrlPr>
@@ -25940,14 +25320,14 @@
                           <m:sSup>
                             <m:sSupPr>
                               <m:ctrlPr>
-                                <a:rPr lang="fr-FR" sz="1600" i="1">
+                                <a:rPr lang="fr-FR" sz="1800" i="1">
                                   <a:latin typeface="Cambria Math" panose="02040503050406030204" pitchFamily="18" charset="0"/>
                                 </a:rPr>
                               </m:ctrlPr>
                             </m:sSupPr>
                             <m:e>
                               <m:r>
-                                <a:rPr lang="fr-FR" sz="1600" i="1">
+                                <a:rPr lang="fr-FR" sz="1800" i="1">
                                   <a:latin typeface="Cambria Math" panose="02040503050406030204" pitchFamily="18" charset="0"/>
                                 </a:rPr>
                                 <m:t>𝑑</m:t>
@@ -25955,7 +25335,7 @@
                             </m:e>
                             <m:sup>
                               <m:r>
-                                <a:rPr lang="fr-FR" sz="1600" i="1">
+                                <a:rPr lang="fr-FR" sz="1800" i="1">
                                   <a:latin typeface="Cambria Math" panose="02040503050406030204" pitchFamily="18" charset="0"/>
                                 </a:rPr>
                                 <m:t>2</m:t>
@@ -25965,7 +25345,7 @@
                         </m:num>
                         <m:den>
                           <m:r>
-                            <a:rPr lang="fr-FR" sz="1600" i="1">
+                            <a:rPr lang="fr-FR" sz="1800" i="1">
                               <a:latin typeface="Cambria Math" panose="02040503050406030204" pitchFamily="18" charset="0"/>
                             </a:rPr>
                             <m:t>𝑑</m:t>
@@ -25973,14 +25353,14 @@
                           <m:sSup>
                             <m:sSupPr>
                               <m:ctrlPr>
-                                <a:rPr lang="fr-FR" sz="1600" i="1">
+                                <a:rPr lang="fr-FR" sz="1800" i="1">
                                   <a:latin typeface="Cambria Math" panose="02040503050406030204" pitchFamily="18" charset="0"/>
                                 </a:rPr>
                               </m:ctrlPr>
                             </m:sSupPr>
                             <m:e>
                               <m:r>
-                                <a:rPr lang="fr-FR" sz="1600" i="1">
+                                <a:rPr lang="fr-FR" sz="1800" i="1">
                                   <a:latin typeface="Cambria Math" panose="02040503050406030204" pitchFamily="18" charset="0"/>
                                 </a:rPr>
                                 <m:t>𝑥</m:t>
@@ -25988,7 +25368,7 @@
                             </m:e>
                             <m:sup>
                               <m:r>
-                                <a:rPr lang="fr-FR" sz="1600" i="1">
+                                <a:rPr lang="fr-FR" sz="1800" i="1">
                                   <a:latin typeface="Cambria Math" panose="02040503050406030204" pitchFamily="18" charset="0"/>
                                 </a:rPr>
                                 <m:t>2</m:t>
@@ -26000,20 +25380,20 @@
                       <m:d>
                         <m:dPr>
                           <m:ctrlPr>
-                            <a:rPr lang="fr-FR" sz="1600" i="1">
+                            <a:rPr lang="fr-FR" sz="1800" i="1">
                               <a:latin typeface="Cambria Math" panose="02040503050406030204" pitchFamily="18" charset="0"/>
                             </a:rPr>
                           </m:ctrlPr>
                         </m:dPr>
                         <m:e>
                           <m:r>
-                            <a:rPr lang="fr-FR" sz="1600" i="1">
+                            <a:rPr lang="fr-FR" sz="1800" i="1">
                               <a:latin typeface="Cambria Math" panose="02040503050406030204" pitchFamily="18" charset="0"/>
                             </a:rPr>
                             <m:t>𝐸</m:t>
                           </m:r>
                           <m:r>
-                            <a:rPr lang="fr-FR" sz="1600" b="0" i="1" smtClean="0">
+                            <a:rPr lang="fr-FR" sz="1800" b="0" i="1" smtClean="0">
                               <a:latin typeface="Cambria Math" panose="02040503050406030204" pitchFamily="18" charset="0"/>
                             </a:rPr>
                             <m:t>𝐼</m:t>
@@ -26021,7 +25401,7 @@
                           <m:f>
                             <m:fPr>
                               <m:ctrlPr>
-                                <a:rPr lang="fr-FR" sz="1600" i="1">
+                                <a:rPr lang="fr-FR" sz="1800" i="1">
                                   <a:latin typeface="Cambria Math" panose="02040503050406030204" pitchFamily="18" charset="0"/>
                                 </a:rPr>
                               </m:ctrlPr>
@@ -26030,14 +25410,14 @@
                               <m:sSup>
                                 <m:sSupPr>
                                   <m:ctrlPr>
-                                    <a:rPr lang="fr-FR" sz="1600" i="1">
+                                    <a:rPr lang="fr-FR" sz="1800" i="1">
                                       <a:latin typeface="Cambria Math" panose="02040503050406030204" pitchFamily="18" charset="0"/>
                                     </a:rPr>
                                   </m:ctrlPr>
                                 </m:sSupPr>
                                 <m:e>
                                   <m:r>
-                                    <a:rPr lang="fr-FR" sz="1600" i="1">
+                                    <a:rPr lang="fr-FR" sz="1800" i="1">
                                       <a:latin typeface="Cambria Math" panose="02040503050406030204" pitchFamily="18" charset="0"/>
                                     </a:rPr>
                                     <m:t>𝑑</m:t>
@@ -26045,7 +25425,7 @@
                                 </m:e>
                                 <m:sup>
                                   <m:r>
-                                    <a:rPr lang="fr-FR" sz="1600" i="1">
+                                    <a:rPr lang="fr-FR" sz="1800" i="1">
                                       <a:latin typeface="Cambria Math" panose="02040503050406030204" pitchFamily="18" charset="0"/>
                                     </a:rPr>
                                     <m:t>2</m:t>
@@ -26053,7 +25433,7 @@
                                 </m:sup>
                               </m:sSup>
                               <m:r>
-                                <a:rPr lang="fr-FR" sz="1600" i="1" smtClean="0">
+                                <a:rPr lang="fr-FR" sz="1800" i="1" smtClean="0">
                                   <a:latin typeface="Cambria Math" panose="02040503050406030204" pitchFamily="18" charset="0"/>
                                   <a:ea typeface="Cambria Math" panose="02040503050406030204" pitchFamily="18" charset="0"/>
                                 </a:rPr>
@@ -26062,13 +25442,13 @@
                             </m:num>
                             <m:den>
                               <m:r>
-                                <a:rPr lang="fr-FR" sz="1600" i="1">
+                                <a:rPr lang="fr-FR" sz="1800" i="1">
                                   <a:latin typeface="Cambria Math" panose="02040503050406030204" pitchFamily="18" charset="0"/>
                                 </a:rPr>
                                 <m:t>𝑑</m:t>
                               </m:r>
                               <m:r>
-                                <a:rPr lang="fr-FR" sz="1600" b="0" i="1" smtClean="0">
+                                <a:rPr lang="fr-FR" sz="1800" b="0" i="1" smtClean="0">
                                   <a:latin typeface="Cambria Math" panose="02040503050406030204" pitchFamily="18" charset="0"/>
                                 </a:rPr>
                                 <m:t>𝑥</m:t>
@@ -26078,31 +25458,31 @@
                         </m:e>
                       </m:d>
                       <m:r>
-                        <a:rPr lang="fr-FR" sz="1600" b="0" i="1" smtClean="0">
+                        <a:rPr lang="fr-FR" sz="1800" b="0" i="1" smtClean="0">
                           <a:latin typeface="Cambria Math" panose="02040503050406030204" pitchFamily="18" charset="0"/>
                         </a:rPr>
                         <m:t>=</m:t>
                       </m:r>
                       <m:r>
-                        <a:rPr lang="fr-FR" sz="1600" b="0" i="1" smtClean="0">
+                        <a:rPr lang="fr-FR" sz="1800" b="0" i="1" smtClean="0">
                           <a:latin typeface="Cambria Math" panose="02040503050406030204" pitchFamily="18" charset="0"/>
                         </a:rPr>
                         <m:t>𝑞</m:t>
                       </m:r>
                       <m:r>
-                        <a:rPr lang="fr-FR" sz="1600" b="0" i="1" smtClean="0">
+                        <a:rPr lang="fr-FR" sz="1800" b="0" i="1" smtClean="0">
                           <a:latin typeface="Cambria Math" panose="02040503050406030204" pitchFamily="18" charset="0"/>
                         </a:rPr>
                         <m:t>(</m:t>
                       </m:r>
                       <m:r>
-                        <a:rPr lang="fr-FR" sz="1600" b="0" i="1" smtClean="0">
+                        <a:rPr lang="fr-FR" sz="1800" b="0" i="1" smtClean="0">
                           <a:latin typeface="Cambria Math" panose="02040503050406030204" pitchFamily="18" charset="0"/>
                         </a:rPr>
                         <m:t>𝑥</m:t>
                       </m:r>
                       <m:r>
-                        <a:rPr lang="fr-FR" sz="1600" b="0" i="1" smtClean="0">
+                        <a:rPr lang="fr-FR" sz="1800" b="0" i="1" smtClean="0">
                           <a:latin typeface="Cambria Math" panose="02040503050406030204" pitchFamily="18" charset="0"/>
                         </a:rPr>
                         <m:t>)</m:t>
@@ -26110,7 +25490,7 @@
                     </m:oMath>
                   </m:oMathPara>
                 </a14:m>
-                <a:endParaRPr lang="fr-CA" sz="1600" dirty="0">
+                <a:endParaRPr lang="fr-CA" sz="1800" dirty="0">
                   <a:latin typeface="Aptos "/>
                 </a:endParaRPr>
               </a:p>
@@ -26127,14 +25507,14 @@
                       <m:f>
                         <m:fPr>
                           <m:ctrlPr>
-                            <a:rPr lang="fr-FR" sz="1600" i="1">
+                            <a:rPr lang="fr-FR" sz="1800" i="1">
                               <a:latin typeface="Cambria Math" panose="02040503050406030204" pitchFamily="18" charset="0"/>
                             </a:rPr>
                           </m:ctrlPr>
                         </m:fPr>
                         <m:num>
                           <m:r>
-                            <a:rPr lang="fr-FR" sz="1600" i="1">
+                            <a:rPr lang="fr-FR" sz="1800" i="1">
                               <a:latin typeface="Cambria Math" panose="02040503050406030204" pitchFamily="18" charset="0"/>
                             </a:rPr>
                             <m:t>𝑑𝑤</m:t>
@@ -26142,7 +25522,7 @@
                         </m:num>
                         <m:den>
                           <m:r>
-                            <a:rPr lang="fr-FR" sz="1600" i="1">
+                            <a:rPr lang="fr-FR" sz="1800" i="1">
                               <a:latin typeface="Cambria Math" panose="02040503050406030204" pitchFamily="18" charset="0"/>
                             </a:rPr>
                             <m:t>𝑑𝑥</m:t>
@@ -26150,19 +25530,19 @@
                         </m:den>
                       </m:f>
                       <m:r>
-                        <a:rPr lang="fr-FR" sz="1600" i="1">
+                        <a:rPr lang="fr-FR" sz="1800" i="1">
                           <a:latin typeface="Cambria Math" panose="02040503050406030204" pitchFamily="18" charset="0"/>
                         </a:rPr>
                         <m:t>=</m:t>
                       </m:r>
                       <m:r>
-                        <a:rPr lang="fr-FR" sz="1600" i="1">
+                        <a:rPr lang="fr-FR" sz="1800" i="1">
                           <a:latin typeface="Cambria Math" panose="02040503050406030204" pitchFamily="18" charset="0"/>
                         </a:rPr>
                         <m:t>𝜌</m:t>
                       </m:r>
                       <m:r>
-                        <a:rPr lang="fr-FR" sz="1600" i="1">
+                        <a:rPr lang="fr-FR" sz="1800" i="1">
                           <a:latin typeface="Cambria Math" panose="02040503050406030204" pitchFamily="18" charset="0"/>
                         </a:rPr>
                         <m:t>−</m:t>
@@ -26170,14 +25550,14 @@
                       <m:f>
                         <m:fPr>
                           <m:ctrlPr>
-                            <a:rPr lang="fr-FR" sz="1600" i="1">
+                            <a:rPr lang="fr-FR" sz="1800" i="1">
                               <a:latin typeface="Cambria Math" panose="02040503050406030204" pitchFamily="18" charset="0"/>
                             </a:rPr>
                           </m:ctrlPr>
                         </m:fPr>
                         <m:num>
                           <m:r>
-                            <a:rPr lang="fr-FR" sz="1600" i="1">
+                            <a:rPr lang="fr-FR" sz="1800" i="1">
                               <a:latin typeface="Cambria Math" panose="02040503050406030204" pitchFamily="18" charset="0"/>
                             </a:rPr>
                             <m:t>1</m:t>
@@ -26185,13 +25565,13 @@
                         </m:num>
                         <m:den>
                           <m:r>
-                            <a:rPr lang="fr-FR" sz="1600" i="1">
+                            <a:rPr lang="fr-FR" sz="1800" i="1">
                               <a:latin typeface="Cambria Math" panose="02040503050406030204" pitchFamily="18" charset="0"/>
                             </a:rPr>
                             <m:t>𝜅</m:t>
                           </m:r>
                           <m:r>
-                            <a:rPr lang="fr-FR" sz="1600" i="1">
+                            <a:rPr lang="fr-FR" sz="1800" i="1">
                               <a:latin typeface="Cambria Math" panose="02040503050406030204" pitchFamily="18" charset="0"/>
                             </a:rPr>
                             <m:t>𝐴𝐺</m:t>
@@ -26201,14 +25581,14 @@
                       <m:f>
                         <m:fPr>
                           <m:ctrlPr>
-                            <a:rPr lang="fr-FR" sz="1600" i="1">
+                            <a:rPr lang="fr-FR" sz="1800" i="1">
                               <a:latin typeface="Cambria Math" panose="02040503050406030204" pitchFamily="18" charset="0"/>
                             </a:rPr>
                           </m:ctrlPr>
                         </m:fPr>
                         <m:num>
                           <m:r>
-                            <a:rPr lang="fr-FR" sz="1600" i="1">
+                            <a:rPr lang="fr-FR" sz="1800" i="1">
                               <a:latin typeface="Cambria Math" panose="02040503050406030204" pitchFamily="18" charset="0"/>
                             </a:rPr>
                             <m:t>𝑑</m:t>
@@ -26216,7 +25596,7 @@
                         </m:num>
                         <m:den>
                           <m:r>
-                            <a:rPr lang="fr-FR" sz="1600" i="1">
+                            <a:rPr lang="fr-FR" sz="1800" i="1">
                               <a:latin typeface="Cambria Math" panose="02040503050406030204" pitchFamily="18" charset="0"/>
                             </a:rPr>
                             <m:t>𝑑𝑥</m:t>
@@ -26226,14 +25606,14 @@
                       <m:d>
                         <m:dPr>
                           <m:ctrlPr>
-                            <a:rPr lang="fr-FR" sz="1600" i="1">
+                            <a:rPr lang="fr-FR" sz="1800" i="1">
                               <a:latin typeface="Cambria Math" panose="02040503050406030204" pitchFamily="18" charset="0"/>
                             </a:rPr>
                           </m:ctrlPr>
                         </m:dPr>
                         <m:e>
                           <m:r>
-                            <a:rPr lang="fr-FR" sz="1600" i="1">
+                            <a:rPr lang="fr-FR" sz="1800" i="1">
                               <a:latin typeface="Cambria Math" panose="02040503050406030204" pitchFamily="18" charset="0"/>
                             </a:rPr>
                             <m:t>𝐸𝐼</m:t>
@@ -26241,20 +25621,20 @@
                           <m:f>
                             <m:fPr>
                               <m:ctrlPr>
-                                <a:rPr lang="fr-FR" sz="1600" i="1">
+                                <a:rPr lang="fr-FR" sz="1800" i="1">
                                   <a:latin typeface="Cambria Math" panose="02040503050406030204" pitchFamily="18" charset="0"/>
                                 </a:rPr>
                               </m:ctrlPr>
                             </m:fPr>
                             <m:num>
                               <m:r>
-                                <a:rPr lang="fr-FR" sz="1600" i="1">
+                                <a:rPr lang="fr-FR" sz="1800" i="1">
                                   <a:latin typeface="Cambria Math" panose="02040503050406030204" pitchFamily="18" charset="0"/>
                                 </a:rPr>
                                 <m:t>𝑑</m:t>
                               </m:r>
                               <m:r>
-                                <a:rPr lang="fr-FR" sz="1600" i="1">
+                                <a:rPr lang="fr-FR" sz="1800" i="1">
                                   <a:latin typeface="Cambria Math" panose="02040503050406030204" pitchFamily="18" charset="0"/>
                                 </a:rPr>
                                 <m:t>𝜌</m:t>
@@ -26262,7 +25642,7 @@
                             </m:num>
                             <m:den>
                               <m:r>
-                                <a:rPr lang="fr-FR" sz="1600" i="1">
+                                <a:rPr lang="fr-FR" sz="1800" i="1">
                                   <a:latin typeface="Cambria Math" panose="02040503050406030204" pitchFamily="18" charset="0"/>
                                 </a:rPr>
                                 <m:t>𝑑𝑥</m:t>
@@ -26274,7 +25654,7 @@
                     </m:oMath>
                   </m:oMathPara>
                 </a14:m>
-                <a:endParaRPr lang="en-CA" sz="1600" i="1" dirty="0">
+                <a:endParaRPr lang="en-CA" sz="1800" i="1" dirty="0">
                   <a:latin typeface="Cambria Math" panose="02040503050406030204" pitchFamily="18" charset="0"/>
                 </a:endParaRPr>
               </a:p>
@@ -26283,7 +25663,7 @@
                   <a:buNone/>
                 </a:pPr>
                 <a:r>
-                  <a:rPr lang="fr-CA" sz="1600" i="1" dirty="0">
+                  <a:rPr lang="fr-CA" sz="1800" i="1" dirty="0">
                     <a:latin typeface="Aptos "/>
                   </a:rPr>
                   <a:t>Cette équation donne l’évolution de la tangente de la flèche en fonction des moment internes :</a:t>
@@ -26294,14 +25674,14 @@
                 <a14:m>
                   <m:oMath xmlns:m="http://schemas.openxmlformats.org/officeDocument/2006/math">
                     <m:r>
-                      <a:rPr lang="fr-FR" sz="1400" i="1" smtClean="0">
+                      <a:rPr lang="fr-FR" sz="1800" i="1" smtClean="0">
                         <a:latin typeface="Cambria Math" panose="02040503050406030204" pitchFamily="18" charset="0"/>
                         <a:ea typeface="Cambria Math" panose="02040503050406030204" pitchFamily="18" charset="0"/>
                       </a:rPr>
                       <m:t>𝜌</m:t>
                     </m:r>
                     <m:r>
-                      <a:rPr lang="fr-FR" sz="1400" i="1" smtClean="0">
+                      <a:rPr lang="fr-FR" sz="1800" i="1" smtClean="0">
                         <a:latin typeface="Cambria Math" panose="02040503050406030204" pitchFamily="18" charset="0"/>
                         <a:ea typeface="Cambria Math" panose="02040503050406030204" pitchFamily="18" charset="0"/>
                       </a:rPr>
@@ -26310,7 +25690,7 @@
                   </m:oMath>
                 </a14:m>
                 <a:r>
-                  <a:rPr lang="fr-FR" sz="1400" i="1" dirty="0">
+                  <a:rPr lang="fr-FR" sz="1800" i="1" dirty="0">
                     <a:latin typeface="Aptos "/>
                   </a:rPr>
                   <a:t>​ : Angle de rotation de la normale à la surface médiane de la poutre,</a:t>
@@ -26319,7 +25699,7 @@
               <a:p>
                 <a:pPr lvl="1"/>
                 <a:r>
-                  <a:rPr lang="fr-FR" sz="1400" i="1" dirty="0">
+                  <a:rPr lang="fr-FR" sz="1800" i="1" dirty="0">
                     <a:latin typeface="Aptos "/>
                   </a:rPr>
                   <a:t>q : Charge répartie sur la poutre,</a:t>
@@ -26328,7 +25708,7 @@
               <a:p>
                 <a:pPr lvl="1"/>
                 <a:r>
-                  <a:rPr lang="fr-FR" sz="1400" i="1" dirty="0">
+                  <a:rPr lang="fr-FR" sz="1800" i="1" dirty="0">
                     <a:latin typeface="Aptos "/>
                   </a:rPr>
                   <a:t>x : Coordonnée dans la direction de l'axe longitudinal de la poutre,</a:t>
@@ -26337,7 +25717,7 @@
               <a:p>
                 <a:pPr lvl="1"/>
                 <a:r>
-                  <a:rPr lang="fr-FR" sz="1400" i="1" dirty="0">
+                  <a:rPr lang="fr-FR" sz="1800" i="1" dirty="0">
                     <a:latin typeface="Aptos "/>
                   </a:rPr>
                   <a:t>E : Module d'élasticité du matériau constituant la poutre,</a:t>
@@ -26346,7 +25726,7 @@
               <a:p>
                 <a:pPr lvl="1"/>
                 <a:r>
-                  <a:rPr lang="fr-FR" sz="1400" i="1" dirty="0">
+                  <a:rPr lang="fr-FR" sz="1800" i="1" dirty="0">
                     <a:latin typeface="Aptos "/>
                   </a:rPr>
                   <a:t>G : Module de cisaillement du matériau constituant la poutre,</a:t>
@@ -26355,7 +25735,7 @@
               <a:p>
                 <a:pPr lvl="1"/>
                 <a:r>
-                  <a:rPr lang="fr-FR" sz="1400" i="1" dirty="0">
+                  <a:rPr lang="fr-FR" sz="1800" i="1" dirty="0">
                     <a:latin typeface="Aptos "/>
                   </a:rPr>
                   <a:t>J : Moment d'inertie de la section transversale de la poutre,</a:t>
@@ -26364,7 +25744,7 @@
               <a:p>
                 <a:pPr lvl="1"/>
                 <a:r>
-                  <a:rPr lang="fr-FR" sz="1400" i="1" dirty="0">
+                  <a:rPr lang="fr-FR" sz="1800" i="1" dirty="0">
                     <a:latin typeface="Aptos "/>
                   </a:rPr>
                   <a:t>I: Moment quadratique,</a:t>
@@ -26375,7 +25755,7 @@
                 <a14:m>
                   <m:oMath xmlns:m="http://schemas.openxmlformats.org/officeDocument/2006/math">
                     <m:r>
-                      <a:rPr lang="fr-FR" sz="1400" i="1" smtClean="0">
+                      <a:rPr lang="fr-FR" sz="1800" i="1" smtClean="0">
                         <a:latin typeface="Cambria Math" panose="02040503050406030204" pitchFamily="18" charset="0"/>
                       </a:rPr>
                       <m:t>𝜅</m:t>
@@ -26383,7 +25763,7 @@
                   </m:oMath>
                 </a14:m>
                 <a:r>
-                  <a:rPr lang="fr-FR" sz="1400" i="1" dirty="0">
+                  <a:rPr lang="fr-FR" sz="1800" i="1" dirty="0">
                     <a:latin typeface="Aptos "/>
                   </a:rPr>
                   <a:t>: Coefficient de Timoshenko pour le cisaillement (=5/6 pour une poutre rectangulaire),</a:t>
@@ -26392,7 +25772,7 @@
               <a:p>
                 <a:pPr lvl="1"/>
                 <a:r>
-                  <a:rPr lang="fr-FR" sz="1400" i="1" dirty="0">
+                  <a:rPr lang="fr-FR" sz="1800" i="1" dirty="0">
                     <a:latin typeface="Aptos "/>
                   </a:rPr>
                   <a:t>w : Déplacement verticale du plan médian de la poutre. </a:t>
@@ -26401,7 +25781,7 @@
             </p:txBody>
           </p:sp>
         </mc:Choice>
-        <mc:Fallback xmlns="">
+        <mc:Fallback>
           <p:sp>
             <p:nvSpPr>
               <p:cNvPr id="3" name="Content Placeholder 2">
@@ -26420,13 +25800,13 @@
             </p:nvSpPr>
             <p:spPr>
               <a:xfrm>
-                <a:off x="838200" y="1058022"/>
+                <a:off x="838200" y="944008"/>
                 <a:ext cx="10515600" cy="5478872"/>
               </a:xfrm>
               <a:blipFill>
                 <a:blip r:embed="rId2"/>
                 <a:stretch>
-                  <a:fillRect l="-348" t="-111" r="-290"/>
+                  <a:fillRect l="-522" t="-334" r="-464" b="-7898"/>
                 </a:stretch>
               </a:blipFill>
             </p:spPr>
@@ -26435,7 +25815,7 @@
               <a:lstStyle/>
               <a:p>
                 <a:r>
-                  <a:rPr lang="en-CA">
+                  <a:rPr lang="fr-FR">
                     <a:noFill/>
                   </a:rPr>
                   <a:t> </a:t>
@@ -26630,39 +26010,139 @@
           </a:bodyPr>
           <a:lstStyle/>
           <a:p>
-            <a:pPr marL="0" indent="0" algn="just">
+            <a:pPr algn="just"/>
+            <a:r>
+              <a:rPr lang="fr-CA" sz="1800" dirty="0">
+                <a:latin typeface="Aptos "/>
+              </a:rPr>
+              <a:t>Le modèle en éléments finis de la colonne vertébrale sur </a:t>
+            </a:r>
+            <a:r>
+              <a:rPr lang="fr-CA" sz="1800" dirty="0" err="1">
+                <a:latin typeface="Aptos "/>
+              </a:rPr>
+              <a:t>SimCenter</a:t>
+            </a:r>
+            <a:r>
+              <a:rPr lang="fr-CA" sz="1800" dirty="0">
+                <a:latin typeface="Aptos "/>
+              </a:rPr>
+              <a:t> 3D:</a:t>
+            </a:r>
+          </a:p>
+          <a:p>
+            <a:pPr marL="0" indent="0" algn="ctr">
               <a:buNone/>
             </a:pPr>
             <a:r>
-              <a:rPr lang="fr-CA" sz="1600" dirty="0">
+              <a:rPr lang="fr-CA" sz="1800" dirty="0">
                 <a:latin typeface="Aptos "/>
               </a:rPr>
-              <a:t>Le modèle en éléments finis de la colonne vertébrale sur SimCenter 3D consiste en un agencement d’éléments poutre (PBEAM) et d’éléments RBE2. Les poutres permettent de modéliser les disques intervertébraux élastiques alors que les liens rigides modélisent la rigidité des os (des vertèbres). Pour les éléments de type RBE2 il s’agit uniquement de fixer les déplacements en rotation et en translation de deux nœuds pour qu’ils soient égaux, en ajoutant une rigidité infinie entre deux nœuds. Sur le modèle FEM à la figure 1 ci-contre (gauche), les blocs verts représentent les PBEAM (les disques intervertébraux) et les traits qui les relient sont les RBE2 (les vertèbres).</a:t>
-            </a:r>
-            <a:endParaRPr lang="en-CA" sz="1600" dirty="0">
+              <a:t>Éléments poutre (PBEAM) : les disques intervertébraux élastiques</a:t>
+            </a:r>
+          </a:p>
+          <a:p>
+            <a:pPr marL="0" indent="0" algn="ctr">
+              <a:buNone/>
+            </a:pPr>
+            <a:r>
+              <a:rPr lang="fr-CA" sz="1800" dirty="0">
+                <a:latin typeface="Aptos "/>
+              </a:rPr>
+              <a:t>Éléments RBE2 : modélisent la rigidité des os (des vertèbres)</a:t>
+            </a:r>
+          </a:p>
+          <a:p>
+            <a:pPr marL="0" indent="0" algn="ctr">
+              <a:buNone/>
+            </a:pPr>
+            <a:endParaRPr lang="fr-CA" sz="1800" dirty="0">
               <a:latin typeface="Aptos "/>
             </a:endParaRPr>
           </a:p>
           <a:p>
-            <a:pPr marL="0" indent="0" algn="just">
-              <a:buNone/>
+            <a:pPr marL="285750" indent="-285750" algn="just">
+              <a:spcBef>
+                <a:spcPts val="400"/>
+              </a:spcBef>
+              <a:buFont typeface="Arial" panose="020B0604020202020204" pitchFamily="34" charset="0"/>
+              <a:buChar char="•"/>
             </a:pPr>
             <a:r>
-              <a:rPr lang="fr-FR" sz="1600" dirty="0"/>
-              <a:t>Le modèle de poutre 1D a été utilisé pour plusieurs raisons et la présence de corps rigides RBE2 améliore l'efficacité du modèle. Cette approche est particulièrement pertinente lors de la représentation de disques, car ils peuvent être aisément modélisés à l'aide d'éléments de poutre (qui peuvent reprendre des efforts et moments dans toutes les directions), réduisant ainsi les ressources de calcul nécessaires tout en maintenant une précision similaire à celle des éléments 3D.</a:t>
+              <a:rPr lang="fr-FR" sz="1800" dirty="0"/>
+              <a:t>L’entrée du modèle est la charge verticale exercée sur la colonne vertébrale, qui n’est autre que la portion du poids reprise par la colonne vertébrale et pas par les muscles du corps d’un individu.</a:t>
             </a:r>
           </a:p>
           <a:p>
             <a:pPr marL="0" indent="0" algn="just">
+              <a:spcBef>
+                <a:spcPts val="400"/>
+              </a:spcBef>
               <a:buNone/>
             </a:pPr>
-            <a:r>
-              <a:rPr lang="fr-FR" sz="1600" dirty="0"/>
-              <a:t>Cependant, ce choix de modélisation apporte son lot d’hypothèses et de simplifications qui vont par la suite créer une certaine erreur. Le but du processus de validation sera d’évaluer cette erreur et d’en déterminer l’intervalle d’incertitude.</a:t>
-            </a:r>
+            <a:endParaRPr lang="fr-FR" sz="1800" dirty="0"/>
           </a:p>
           <a:p>
-            <a:pPr marL="0" indent="0">
+            <a:pPr marL="285750" indent="-285750" algn="just">
+              <a:spcBef>
+                <a:spcPts val="400"/>
+              </a:spcBef>
+              <a:buFont typeface="Arial" panose="020B0604020202020204" pitchFamily="34" charset="0"/>
+              <a:buChar char="•"/>
+            </a:pPr>
+            <a:r>
+              <a:rPr lang="fr-FR" sz="1800" dirty="0"/>
+              <a:t>La sortie du modèle correspond au déplacement postérieur des vertèbres. </a:t>
+            </a:r>
+          </a:p>
+          <a:p>
+            <a:pPr marL="0" indent="0" algn="just">
+              <a:spcBef>
+                <a:spcPts val="400"/>
+              </a:spcBef>
+              <a:buNone/>
+            </a:pPr>
+            <a:endParaRPr lang="fr-FR" sz="1800" dirty="0"/>
+          </a:p>
+          <a:p>
+            <a:pPr marL="285750" indent="-285750" algn="just">
+              <a:spcBef>
+                <a:spcPts val="400"/>
+              </a:spcBef>
+              <a:buFont typeface="Arial" panose="020B0604020202020204" pitchFamily="34" charset="0"/>
+              <a:buChar char="•"/>
+            </a:pPr>
+            <a:r>
+              <a:rPr lang="fr-FR" sz="1800" dirty="0"/>
+              <a:t>Les conditions frontières de ce modèle sont:</a:t>
+            </a:r>
+          </a:p>
+          <a:p>
+            <a:pPr marL="0" indent="0" algn="just">
+              <a:spcBef>
+                <a:spcPts val="400"/>
+              </a:spcBef>
+              <a:buNone/>
+            </a:pPr>
+            <a:r>
+              <a:rPr lang="fr-FR" sz="1800" dirty="0"/>
+              <a:t>	- Encastrement au niveau de la vertèbre S1 (condition de 	Dirichlet);</a:t>
+            </a:r>
+          </a:p>
+          <a:p>
+            <a:pPr marL="0" indent="0" algn="just">
+              <a:spcBef>
+                <a:spcPts val="400"/>
+              </a:spcBef>
+              <a:buNone/>
+            </a:pPr>
+            <a:r>
+              <a:rPr lang="fr-FR" sz="1800" dirty="0"/>
+              <a:t>	- Extrémité libre au niveau de la vertèbre L1 (condition de 	Neumann).</a:t>
+            </a:r>
+          </a:p>
+          <a:p>
+            <a:pPr marL="0" indent="0" algn="just">
               <a:buNone/>
             </a:pPr>
             <a:endParaRPr lang="fr-CA" sz="1800" dirty="0"/>
@@ -27008,12 +26488,12 @@
         <p:spPr>
           <a:xfrm>
             <a:off x="838200" y="1071717"/>
-            <a:ext cx="10515600" cy="811302"/>
+            <a:ext cx="10515600" cy="1093056"/>
           </a:xfrm>
         </p:spPr>
         <p:txBody>
           <a:bodyPr>
-            <a:normAutofit fontScale="92500" lnSpcReduction="20000"/>
+            <a:normAutofit fontScale="55000" lnSpcReduction="20000"/>
           </a:bodyPr>
           <a:lstStyle/>
           <a:p>
@@ -27024,23 +26504,23 @@
               <a:buNone/>
             </a:pPr>
             <a:r>
-              <a:rPr lang="fr-FR" sz="1700" dirty="0"/>
+              <a:rPr lang="fr-FR" sz="3300" dirty="0"/>
               <a:t>Une fois le type d’éléments choisi, il faut à présent modéliser les différentes vertèbres et cela en configurant les propriétés géométriques des éléments poutres. L’article </a:t>
             </a:r>
             <a:r>
-              <a:rPr lang="fr-FR" sz="1700" i="1" dirty="0"/>
+              <a:rPr lang="fr-FR" sz="3300" i="1" dirty="0"/>
               <a:t>«</a:t>
             </a:r>
             <a:r>
-              <a:rPr lang="en-US" sz="1700" i="1" dirty="0"/>
+              <a:rPr lang="en-US" sz="3300" i="1" dirty="0"/>
               <a:t> Stability of the human spine in  neutral postures </a:t>
             </a:r>
             <a:r>
-              <a:rPr lang="fr-FR" sz="1700" i="1" dirty="0"/>
+              <a:rPr lang="fr-FR" sz="3300" i="1" dirty="0"/>
               <a:t>» (Kiefer et al., 1997) </a:t>
             </a:r>
             <a:r>
-              <a:rPr lang="fr-FR" sz="1700" dirty="0"/>
+              <a:rPr lang="fr-FR" sz="3300" dirty="0"/>
               <a:t>a été utilisé  comme référence.</a:t>
             </a:r>
           </a:p>
@@ -27074,7 +26554,7 @@
         </p:blipFill>
         <p:spPr>
           <a:xfrm>
-            <a:off x="976744" y="1883017"/>
+            <a:off x="4021281" y="2164773"/>
             <a:ext cx="3870559" cy="4191577"/>
           </a:xfrm>
           <a:prstGeom prst="rect">
@@ -27082,118 +26562,6 @@
           </a:prstGeom>
         </p:spPr>
       </p:pic>
-      <p:sp>
-        <p:nvSpPr>
-          <p:cNvPr id="13" name="ZoneTexte 12">
-            <a:extLst>
-              <a:ext uri="{FF2B5EF4-FFF2-40B4-BE49-F238E27FC236}">
-                <a16:creationId xmlns:a16="http://schemas.microsoft.com/office/drawing/2014/main" id="{0A89B34A-8F02-C6EA-B396-FDA8E978F524}"/>
-              </a:ext>
-            </a:extLst>
-          </p:cNvPr>
-          <p:cNvSpPr txBox="1"/>
-          <p:nvPr/>
-        </p:nvSpPr>
-        <p:spPr>
-          <a:xfrm>
-            <a:off x="5063613" y="2105561"/>
-            <a:ext cx="6290187" cy="4339650"/>
-          </a:xfrm>
-          <a:prstGeom prst="rect">
-            <a:avLst/>
-          </a:prstGeom>
-          <a:noFill/>
-        </p:spPr>
-        <p:txBody>
-          <a:bodyPr wrap="square" rtlCol="0">
-            <a:spAutoFit/>
-          </a:bodyPr>
-          <a:lstStyle/>
-          <a:p>
-            <a:pPr algn="just">
-              <a:spcBef>
-                <a:spcPts val="400"/>
-              </a:spcBef>
-            </a:pPr>
-            <a:r>
-              <a:rPr lang="fr-FR" sz="1600" dirty="0"/>
-              <a:t>Il est possible d’utiliser les propriétés qui figurent dans le tableau ci-contre pour calibrer le modèle. </a:t>
-            </a:r>
-          </a:p>
-          <a:p>
-            <a:pPr algn="just">
-              <a:spcBef>
-                <a:spcPts val="400"/>
-              </a:spcBef>
-            </a:pPr>
-            <a:r>
-              <a:rPr lang="fr-FR" sz="1600" dirty="0"/>
-              <a:t>Dans le cadre du présent projet de validation, on se limitera à la partie lombaire de la colonne vertébrale, c’est-à-dire que le modèle se limite à la vertèbre sacrale S1 et aux vertèbres lombaire L1 à L5 (partie verte et jaune de la fig. 1 (droite) – page 4).</a:t>
-            </a:r>
-          </a:p>
-          <a:p>
-            <a:pPr marL="285750" indent="-285750" algn="just">
-              <a:spcBef>
-                <a:spcPts val="400"/>
-              </a:spcBef>
-              <a:buFont typeface="Arial" panose="020B0604020202020204" pitchFamily="34" charset="0"/>
-              <a:buChar char="•"/>
-            </a:pPr>
-            <a:r>
-              <a:rPr lang="fr-FR" sz="1600" dirty="0"/>
-              <a:t>L’entrée du modèle est la charge verticale exercée sur la colonne vertébrale, qui n’est autre que la portion du poids reprise par la colonne vertébrale et pas par les muscles du corps d’un individu.</a:t>
-            </a:r>
-          </a:p>
-          <a:p>
-            <a:pPr marL="285750" indent="-285750" algn="just">
-              <a:spcBef>
-                <a:spcPts val="400"/>
-              </a:spcBef>
-              <a:buFont typeface="Arial" panose="020B0604020202020204" pitchFamily="34" charset="0"/>
-              <a:buChar char="•"/>
-            </a:pPr>
-            <a:r>
-              <a:rPr lang="fr-FR" sz="1600" dirty="0"/>
-              <a:t>La sortie du modèle correspond au déplacement postérieur des vertèbres. </a:t>
-            </a:r>
-          </a:p>
-          <a:p>
-            <a:pPr marL="285750" indent="-285750" algn="just">
-              <a:spcBef>
-                <a:spcPts val="400"/>
-              </a:spcBef>
-              <a:buFont typeface="Arial" panose="020B0604020202020204" pitchFamily="34" charset="0"/>
-              <a:buChar char="•"/>
-            </a:pPr>
-            <a:r>
-              <a:rPr lang="fr-FR" sz="1600" dirty="0"/>
-              <a:t>Les conditions frontières de ce modèle sont:</a:t>
-            </a:r>
-          </a:p>
-          <a:p>
-            <a:pPr algn="just">
-              <a:spcBef>
-                <a:spcPts val="400"/>
-              </a:spcBef>
-            </a:pPr>
-            <a:r>
-              <a:rPr lang="fr-FR" sz="1600" dirty="0"/>
-              <a:t>	- Encastrement au niveau de la vertèbre S1 (condition de 	Dirichlet);</a:t>
-            </a:r>
-          </a:p>
-          <a:p>
-            <a:pPr algn="just">
-              <a:spcBef>
-                <a:spcPts val="400"/>
-              </a:spcBef>
-            </a:pPr>
-            <a:r>
-              <a:rPr lang="fr-FR" sz="1600" dirty="0"/>
-              <a:t>	- Extrémité libre au niveau de la vertèbre L1 (condition de 	Neumann).</a:t>
-            </a:r>
-          </a:p>
-        </p:txBody>
-      </p:sp>
       <p:sp>
         <p:nvSpPr>
           <p:cNvPr id="2" name="Slide Number Placeholder 1">
@@ -27348,8 +26716,8 @@
           </a:p>
         </p:txBody>
       </p:sp>
-      <mc:AlternateContent xmlns:mc="http://schemas.openxmlformats.org/markup-compatibility/2006" xmlns:a14="http://schemas.microsoft.com/office/drawing/2010/main">
-        <mc:Choice Requires="a14">
+      <mc:AlternateContent xmlns:mc="http://schemas.openxmlformats.org/markup-compatibility/2006">
+        <mc:Choice xmlns:a14="http://schemas.microsoft.com/office/drawing/2010/main" Requires="a14">
           <p:sp>
             <p:nvSpPr>
               <p:cNvPr id="3" name="Content Placeholder 2">
@@ -27368,190 +26736,187 @@
             </p:nvSpPr>
             <p:spPr>
               <a:xfrm>
-                <a:off x="838200" y="1150374"/>
-                <a:ext cx="10515600" cy="5342501"/>
+                <a:off x="838200" y="1150375"/>
+                <a:ext cx="10515600" cy="3689982"/>
               </a:xfrm>
             </p:spPr>
             <p:txBody>
-              <a:bodyPr>
+              <a:bodyPr vert="horz" lIns="91440" tIns="45720" rIns="91440" bIns="45720" rtlCol="0" anchor="t">
                 <a:normAutofit/>
               </a:bodyPr>
               <a:lstStyle/>
               <a:p>
-                <a:pPr marL="0" indent="0" algn="just">
-                  <a:lnSpc>
-                    <a:spcPct val="100000"/>
-                  </a:lnSpc>
-                  <a:buNone/>
-                </a:pPr>
+                <a:pPr algn="just"/>
                 <a:r>
-                  <a:rPr lang="fr-CA" sz="1800" dirty="0"/>
-                  <a:t>Pour commencer, il faut noter que l’utilisation de SimCenter 3D confère une certaine confiance aux résultats des simulations puisque ce dernier est supposé complètement vérifié par son éditeur. </a:t>
+                  <a:rPr lang="fr-FR" sz="1800" dirty="0"/>
+                  <a:t>Utilisation de la norme L</a:t>
+                </a:r>
+                <a:r>
+                  <a:rPr lang="fr-FR" sz="1800" baseline="-25000" dirty="0"/>
+                  <a:t>2 </a:t>
                 </a:r>
               </a:p>
               <a:p>
-                <a:pPr marL="0" indent="0" algn="just">
-                  <a:lnSpc>
-                    <a:spcPct val="100000"/>
-                  </a:lnSpc>
-                  <a:buNone/>
-                </a:pPr>
+                <a:pPr algn="just"/>
                 <a:r>
-                  <a:rPr lang="fr-CA" sz="1800" dirty="0"/>
-                  <a:t>Cependant, notre modèle FEM de la colonne vertébrale est formé de 2 types d’éléments différents. Alors nous avons choisi, dans une tentative d’effectuer la vérification de code du logiciel SimCenter, de comparer la solution qu’il génère pour une poutre encastrée-libre (ce sera la solution numérique), avec le résultat la solution analytique connue d’une poutre d’Euler soit </a:t>
-                </a:r>
-                <a14:m>
-                  <m:oMath xmlns:m="http://schemas.openxmlformats.org/officeDocument/2006/math">
-                    <m:r>
-                      <a:rPr lang="fr-FR" sz="1800" b="0" i="1" smtClean="0">
-                        <a:latin typeface="Cambria Math" panose="02040503050406030204" pitchFamily="18" charset="0"/>
-                      </a:rPr>
-                      <m:t>𝑤</m:t>
-                    </m:r>
-                    <m:d>
-                      <m:dPr>
-                        <m:ctrlPr>
-                          <a:rPr lang="fr-FR" sz="1800" b="0" i="1" smtClean="0">
-                            <a:latin typeface="Cambria Math" panose="02040503050406030204" pitchFamily="18" charset="0"/>
-                          </a:rPr>
-                        </m:ctrlPr>
-                      </m:dPr>
-                      <m:e>
-                        <m:r>
-                          <a:rPr lang="fr-FR" sz="1800" b="0" i="1" smtClean="0">
-                            <a:latin typeface="Cambria Math" panose="02040503050406030204" pitchFamily="18" charset="0"/>
-                          </a:rPr>
-                          <m:t>𝑥</m:t>
-                        </m:r>
-                      </m:e>
-                    </m:d>
-                    <m:r>
-                      <a:rPr lang="fr-FR" sz="1800" b="0" i="1" smtClean="0">
-                        <a:latin typeface="Cambria Math" panose="02040503050406030204" pitchFamily="18" charset="0"/>
-                      </a:rPr>
-                      <m:t>=</m:t>
-                    </m:r>
-                    <m:f>
-                      <m:fPr>
-                        <m:ctrlPr>
-                          <a:rPr lang="fr-FR" sz="1800" b="0" i="1" smtClean="0">
-                            <a:latin typeface="Cambria Math" panose="02040503050406030204" pitchFamily="18" charset="0"/>
-                          </a:rPr>
-                        </m:ctrlPr>
-                      </m:fPr>
-                      <m:num>
-                        <m:r>
-                          <a:rPr lang="fr-FR" sz="1800" b="0" i="1" smtClean="0">
-                            <a:latin typeface="Cambria Math" panose="02040503050406030204" pitchFamily="18" charset="0"/>
-                          </a:rPr>
-                          <m:t>𝑃</m:t>
-                        </m:r>
-                        <m:sSup>
-                          <m:sSupPr>
-                            <m:ctrlPr>
-                              <a:rPr lang="fr-FR" sz="1800" b="0" i="1" smtClean="0">
-                                <a:latin typeface="Cambria Math" panose="02040503050406030204" pitchFamily="18" charset="0"/>
-                              </a:rPr>
-                            </m:ctrlPr>
-                          </m:sSupPr>
-                          <m:e>
-                            <m:r>
-                              <a:rPr lang="fr-FR" sz="1800" b="0" i="1" smtClean="0">
-                                <a:latin typeface="Cambria Math" panose="02040503050406030204" pitchFamily="18" charset="0"/>
-                              </a:rPr>
-                              <m:t>𝑥</m:t>
-                            </m:r>
-                          </m:e>
-                          <m:sup>
-                            <m:r>
-                              <a:rPr lang="fr-FR" sz="1800" b="0" i="1" smtClean="0">
-                                <a:latin typeface="Cambria Math" panose="02040503050406030204" pitchFamily="18" charset="0"/>
-                              </a:rPr>
-                              <m:t>2</m:t>
-                            </m:r>
-                          </m:sup>
-                        </m:sSup>
-                        <m:r>
-                          <a:rPr lang="fr-FR" sz="1800" b="0" i="1" smtClean="0">
-                            <a:latin typeface="Cambria Math" panose="02040503050406030204" pitchFamily="18" charset="0"/>
-                          </a:rPr>
-                          <m:t>(3</m:t>
-                        </m:r>
-                        <m:r>
-                          <a:rPr lang="fr-FR" sz="1800" b="0" i="1" smtClean="0">
-                            <a:latin typeface="Cambria Math" panose="02040503050406030204" pitchFamily="18" charset="0"/>
-                          </a:rPr>
-                          <m:t>𝐿</m:t>
-                        </m:r>
-                        <m:r>
-                          <a:rPr lang="fr-FR" sz="1800" b="0" i="1" smtClean="0">
-                            <a:latin typeface="Cambria Math" panose="02040503050406030204" pitchFamily="18" charset="0"/>
-                          </a:rPr>
-                          <m:t>−</m:t>
-                        </m:r>
-                        <m:r>
-                          <a:rPr lang="fr-FR" sz="1800" b="0" i="1" smtClean="0">
-                            <a:latin typeface="Cambria Math" panose="02040503050406030204" pitchFamily="18" charset="0"/>
-                          </a:rPr>
-                          <m:t>𝑥</m:t>
-                        </m:r>
-                        <m:r>
-                          <a:rPr lang="fr-FR" sz="1800" b="0" i="1" smtClean="0">
-                            <a:latin typeface="Cambria Math" panose="02040503050406030204" pitchFamily="18" charset="0"/>
-                          </a:rPr>
-                          <m:t>)</m:t>
-                        </m:r>
-                      </m:num>
-                      <m:den>
-                        <m:r>
-                          <a:rPr lang="fr-FR" sz="1800" b="0" i="1" smtClean="0">
-                            <a:latin typeface="Cambria Math" panose="02040503050406030204" pitchFamily="18" charset="0"/>
-                          </a:rPr>
-                          <m:t>6</m:t>
-                        </m:r>
-                        <m:r>
-                          <a:rPr lang="fr-FR" sz="1800" b="0" i="1" smtClean="0">
-                            <a:latin typeface="Cambria Math" panose="02040503050406030204" pitchFamily="18" charset="0"/>
-                          </a:rPr>
-                          <m:t>𝐸𝐼</m:t>
-                        </m:r>
-                      </m:den>
-                    </m:f>
-                    <m:r>
-                      <a:rPr lang="fr-FR" sz="1800" b="0" i="1" smtClean="0">
-                        <a:latin typeface="Cambria Math" panose="02040503050406030204" pitchFamily="18" charset="0"/>
-                      </a:rPr>
-                      <m:t> </m:t>
-                    </m:r>
-                  </m:oMath>
-                </a14:m>
-                <a:r>
-                  <a:rPr lang="fr-CA" sz="1800" dirty="0"/>
-                  <a:t>avec P la force exercée sur la poutre, L sa longueur, E son module de Young et I son moment quadratique.</a:t>
+                  <a:rPr lang="fr-FR" sz="1800" dirty="0"/>
+                  <a:t>Comparaison des données de simulations avec la solution d’Euler pour une poutre encastrée libre.</a:t>
                 </a:r>
               </a:p>
               <a:p>
-                <a:pPr marL="0" indent="0" algn="just">
-                  <a:lnSpc>
-                    <a:spcPct val="100000"/>
-                  </a:lnSpc>
+                <a:pPr marL="0" indent="0" algn="ctr">
                   <a:buNone/>
                 </a:pPr>
+                <a14:m>
+                  <m:oMathPara xmlns:m="http://schemas.openxmlformats.org/officeDocument/2006/math">
+                    <m:oMathParaPr>
+                      <m:jc m:val="centerGroup"/>
+                    </m:oMathParaPr>
+                    <m:oMath xmlns:m="http://schemas.openxmlformats.org/officeDocument/2006/math">
+                      <m:r>
+                        <a:rPr lang="fr-FR" sz="1800" b="0" i="1" smtClean="0">
+                          <a:latin typeface="Cambria Math" panose="02040503050406030204" pitchFamily="18" charset="0"/>
+                        </a:rPr>
+                        <m:t>𝑤</m:t>
+                      </m:r>
+                      <m:d>
+                        <m:dPr>
+                          <m:ctrlPr>
+                            <a:rPr lang="fr-FR" sz="1800" b="0" i="1" smtClean="0">
+                              <a:latin typeface="Cambria Math" panose="02040503050406030204" pitchFamily="18" charset="0"/>
+                            </a:rPr>
+                          </m:ctrlPr>
+                        </m:dPr>
+                        <m:e>
+                          <m:r>
+                            <a:rPr lang="fr-FR" sz="1800" b="0" i="1" smtClean="0">
+                              <a:latin typeface="Cambria Math" panose="02040503050406030204" pitchFamily="18" charset="0"/>
+                            </a:rPr>
+                            <m:t>𝑥</m:t>
+                          </m:r>
+                        </m:e>
+                      </m:d>
+                      <m:r>
+                        <a:rPr lang="fr-FR" sz="1800" b="0" i="1" smtClean="0">
+                          <a:latin typeface="Cambria Math" panose="02040503050406030204" pitchFamily="18" charset="0"/>
+                        </a:rPr>
+                        <m:t>=</m:t>
+                      </m:r>
+                      <m:f>
+                        <m:fPr>
+                          <m:ctrlPr>
+                            <a:rPr lang="fr-FR" sz="1800" b="0" i="1" smtClean="0">
+                              <a:latin typeface="Cambria Math" panose="02040503050406030204" pitchFamily="18" charset="0"/>
+                            </a:rPr>
+                          </m:ctrlPr>
+                        </m:fPr>
+                        <m:num>
+                          <m:r>
+                            <a:rPr lang="fr-FR" sz="1800" b="0" i="1" smtClean="0">
+                              <a:latin typeface="Cambria Math" panose="02040503050406030204" pitchFamily="18" charset="0"/>
+                            </a:rPr>
+                            <m:t>𝑃</m:t>
+                          </m:r>
+                          <m:sSup>
+                            <m:sSupPr>
+                              <m:ctrlPr>
+                                <a:rPr lang="fr-FR" sz="1800" b="0" i="1" smtClean="0">
+                                  <a:latin typeface="Cambria Math" panose="02040503050406030204" pitchFamily="18" charset="0"/>
+                                </a:rPr>
+                              </m:ctrlPr>
+                            </m:sSupPr>
+                            <m:e>
+                              <m:r>
+                                <a:rPr lang="fr-FR" sz="1800" b="0" i="1" smtClean="0">
+                                  <a:latin typeface="Cambria Math" panose="02040503050406030204" pitchFamily="18" charset="0"/>
+                                </a:rPr>
+                                <m:t>𝑥</m:t>
+                              </m:r>
+                            </m:e>
+                            <m:sup>
+                              <m:r>
+                                <a:rPr lang="fr-FR" sz="1800" b="0" i="1" smtClean="0">
+                                  <a:latin typeface="Cambria Math" panose="02040503050406030204" pitchFamily="18" charset="0"/>
+                                </a:rPr>
+                                <m:t>2</m:t>
+                              </m:r>
+                            </m:sup>
+                          </m:sSup>
+                          <m:r>
+                            <a:rPr lang="fr-FR" sz="1800" b="0" i="1" smtClean="0">
+                              <a:latin typeface="Cambria Math" panose="02040503050406030204" pitchFamily="18" charset="0"/>
+                            </a:rPr>
+                            <m:t>(3</m:t>
+                          </m:r>
+                          <m:r>
+                            <a:rPr lang="fr-FR" sz="1800" b="0" i="1" smtClean="0">
+                              <a:latin typeface="Cambria Math" panose="02040503050406030204" pitchFamily="18" charset="0"/>
+                            </a:rPr>
+                            <m:t>𝐿</m:t>
+                          </m:r>
+                          <m:r>
+                            <a:rPr lang="fr-FR" sz="1800" b="0" i="1" smtClean="0">
+                              <a:latin typeface="Cambria Math" panose="02040503050406030204" pitchFamily="18" charset="0"/>
+                            </a:rPr>
+                            <m:t>−</m:t>
+                          </m:r>
+                          <m:r>
+                            <a:rPr lang="fr-FR" sz="1800" b="0" i="1" smtClean="0">
+                              <a:latin typeface="Cambria Math" panose="02040503050406030204" pitchFamily="18" charset="0"/>
+                            </a:rPr>
+                            <m:t>𝑥</m:t>
+                          </m:r>
+                          <m:r>
+                            <a:rPr lang="fr-FR" sz="1800" b="0" i="1" smtClean="0">
+                              <a:latin typeface="Cambria Math" panose="02040503050406030204" pitchFamily="18" charset="0"/>
+                            </a:rPr>
+                            <m:t>)</m:t>
+                          </m:r>
+                        </m:num>
+                        <m:den>
+                          <m:r>
+                            <a:rPr lang="fr-FR" sz="1800" b="0" i="1" smtClean="0">
+                              <a:latin typeface="Cambria Math" panose="02040503050406030204" pitchFamily="18" charset="0"/>
+                            </a:rPr>
+                            <m:t>6</m:t>
+                          </m:r>
+                          <m:r>
+                            <a:rPr lang="fr-FR" sz="1800" b="0" i="1" smtClean="0">
+                              <a:latin typeface="Cambria Math" panose="02040503050406030204" pitchFamily="18" charset="0"/>
+                            </a:rPr>
+                            <m:t>𝐸𝐼</m:t>
+                          </m:r>
+                        </m:den>
+                      </m:f>
+                    </m:oMath>
+                  </m:oMathPara>
+                </a14:m>
+                <a:endParaRPr lang="fr-FR" sz="1800" dirty="0"/>
+              </a:p>
+              <a:p>
+                <a:pPr algn="just"/>
                 <a:r>
-                  <a:rPr lang="fr-CA" sz="1800" dirty="0"/>
-                  <a:t>Pour cet exercice de vérification les constantes ont été fixées aux valeurs suivantes:</a:t>
+                  <a:rPr lang="fr-FR" sz="1800" dirty="0"/>
+                  <a:t>Hypothèse que l’écart entre le modèle de Timoshenko et Euler est négligeable pour une poutre élancée. </a:t>
+                </a:r>
+              </a:p>
+              <a:p>
+                <a:pPr algn="just"/>
+                <a:r>
+                  <a:rPr lang="fr-FR" sz="1800" dirty="0"/>
+                  <a:t>Rappel : Utilisation de fonction de forme linéaire ordre p=1.</a:t>
                 </a:r>
               </a:p>
               <a:p>
                 <a:pPr marL="0" indent="0" algn="just">
                   <a:buNone/>
                 </a:pPr>
-                <a:endParaRPr lang="fr-CA" sz="1800" dirty="0"/>
+                <a:endParaRPr lang="fr-FR" sz="1800" dirty="0"/>
               </a:p>
             </p:txBody>
           </p:sp>
         </mc:Choice>
-        <mc:Fallback xmlns="">
+        <mc:Fallback>
           <p:sp>
             <p:nvSpPr>
               <p:cNvPr id="3" name="Content Placeholder 2">
@@ -27570,13 +26935,13 @@
             </p:nvSpPr>
             <p:spPr>
               <a:xfrm>
-                <a:off x="838200" y="1150374"/>
-                <a:ext cx="10515600" cy="5342501"/>
+                <a:off x="838200" y="1150375"/>
+                <a:ext cx="10515600" cy="3689982"/>
               </a:xfrm>
               <a:blipFill>
-                <a:blip r:embed="rId2"/>
+                <a:blip r:embed="rId3"/>
                 <a:stretch>
-                  <a:fillRect l="-522" t="-571" r="-464"/>
+                  <a:fillRect l="-406" t="-1653" r="-464"/>
                 </a:stretch>
               </a:blipFill>
             </p:spPr>
@@ -27585,7 +26950,7 @@
               <a:lstStyle/>
               <a:p>
                 <a:r>
-                  <a:rPr lang="en-CA">
+                  <a:rPr lang="fr-FR">
                     <a:noFill/>
                   </a:rPr>
                   <a:t> </a:t>
@@ -27595,12 +26960,95 @@
           </p:sp>
         </mc:Fallback>
       </mc:AlternateContent>
+      <p:sp>
+        <p:nvSpPr>
+          <p:cNvPr id="4" name="Slide Number Placeholder 3">
+            <a:extLst>
+              <a:ext uri="{FF2B5EF4-FFF2-40B4-BE49-F238E27FC236}">
+                <a16:creationId xmlns:a16="http://schemas.microsoft.com/office/drawing/2014/main" id="{7757CB9B-FD13-8DBD-463A-B78342F1905E}"/>
+              </a:ext>
+            </a:extLst>
+          </p:cNvPr>
+          <p:cNvSpPr>
+            <a:spLocks noGrp="1"/>
+          </p:cNvSpPr>
+          <p:nvPr>
+            <p:ph type="sldNum" sz="quarter" idx="12"/>
+          </p:nvPr>
+        </p:nvSpPr>
+        <p:spPr/>
+        <p:txBody>
+          <a:bodyPr/>
+          <a:lstStyle/>
+          <a:p>
+            <a:fld id="{4BD3201E-7DF8-462B-AC18-61E63795AE0D}" type="slidenum">
+              <a:rPr lang="en-CA" smtClean="0"/>
+              <a:t>6</a:t>
+            </a:fld>
+            <a:endParaRPr lang="en-CA"/>
+          </a:p>
+        </p:txBody>
+      </p:sp>
+      <p:sp>
+        <p:nvSpPr>
+          <p:cNvPr id="5" name="Rectangle 4">
+            <a:extLst>
+              <a:ext uri="{FF2B5EF4-FFF2-40B4-BE49-F238E27FC236}">
+                <a16:creationId xmlns:a16="http://schemas.microsoft.com/office/drawing/2014/main" id="{544778A5-36F1-5C06-BCCE-F98561D46C97}"/>
+              </a:ext>
+            </a:extLst>
+          </p:cNvPr>
+          <p:cNvSpPr/>
+          <p:nvPr/>
+        </p:nvSpPr>
+        <p:spPr>
+          <a:xfrm>
+            <a:off x="0" y="365125"/>
+            <a:ext cx="678427" cy="556649"/>
+          </a:xfrm>
+          <a:prstGeom prst="rect">
+            <a:avLst/>
+          </a:prstGeom>
+          <a:solidFill>
+            <a:schemeClr val="accent2">
+              <a:lumMod val="75000"/>
+            </a:schemeClr>
+          </a:solidFill>
+          <a:ln>
+            <a:noFill/>
+          </a:ln>
+        </p:spPr>
+        <p:style>
+          <a:lnRef idx="2">
+            <a:schemeClr val="accent1">
+              <a:shade val="15000"/>
+            </a:schemeClr>
+          </a:lnRef>
+          <a:fillRef idx="1">
+            <a:schemeClr val="accent1"/>
+          </a:fillRef>
+          <a:effectRef idx="0">
+            <a:schemeClr val="accent1"/>
+          </a:effectRef>
+          <a:fontRef idx="minor">
+            <a:schemeClr val="lt1"/>
+          </a:fontRef>
+        </p:style>
+        <p:txBody>
+          <a:bodyPr rtlCol="0" anchor="ctr"/>
+          <a:lstStyle/>
+          <a:p>
+            <a:pPr algn="ctr"/>
+            <a:endParaRPr lang="en-CA"/>
+          </a:p>
+        </p:txBody>
+      </p:sp>
       <p:graphicFrame>
         <p:nvGraphicFramePr>
-          <p:cNvPr id="7" name="Tableau 6">
+          <p:cNvPr id="6" name="Tableau 5">
             <a:extLst>
               <a:ext uri="{FF2B5EF4-FFF2-40B4-BE49-F238E27FC236}">
-                <a16:creationId xmlns:a16="http://schemas.microsoft.com/office/drawing/2014/main" id="{158B1993-4CA7-82B6-EE08-39866B522654}"/>
+                <a16:creationId xmlns:a16="http://schemas.microsoft.com/office/drawing/2014/main" id="{B00B1AD9-5795-2743-615E-91EA6DCD67CE}"/>
               </a:ext>
             </a:extLst>
           </p:cNvPr>
@@ -27610,13 +27058,13 @@
           <p:nvPr>
             <p:extLst>
               <p:ext uri="{D42A27DB-BD31-4B8C-83A1-F6EECF244321}">
-                <p14:modId xmlns:p14="http://schemas.microsoft.com/office/powerpoint/2010/main" val="1877698152"/>
+                <p14:modId xmlns:p14="http://schemas.microsoft.com/office/powerpoint/2010/main" val="1023842006"/>
               </p:ext>
             </p:extLst>
           </p:nvPr>
         </p:nvGraphicFramePr>
         <p:xfrm>
-          <a:off x="3646004" y="4477607"/>
+          <a:off x="3655836" y="3878825"/>
           <a:ext cx="4899991" cy="1828800"/>
         </p:xfrm>
         <a:graphic>
@@ -27812,10 +27260,10 @@
       </p:graphicFrame>
       <p:sp>
         <p:nvSpPr>
-          <p:cNvPr id="8" name="ZoneTexte 4">
+          <p:cNvPr id="7" name="ZoneTexte 4">
             <a:extLst>
               <a:ext uri="{FF2B5EF4-FFF2-40B4-BE49-F238E27FC236}">
-                <a16:creationId xmlns:a16="http://schemas.microsoft.com/office/drawing/2014/main" id="{7F97C545-1554-9441-74D9-073A2625BC48}"/>
+                <a16:creationId xmlns:a16="http://schemas.microsoft.com/office/drawing/2014/main" id="{E82971CF-9160-D91A-EF86-921562F3443D}"/>
               </a:ext>
             </a:extLst>
           </p:cNvPr>
@@ -27824,7 +27272,7 @@
         </p:nvSpPr>
         <p:spPr>
           <a:xfrm>
-            <a:off x="3646004" y="4141830"/>
+            <a:off x="3655836" y="3543048"/>
             <a:ext cx="5435048" cy="276999"/>
           </a:xfrm>
           <a:prstGeom prst="rect">
@@ -27878,99 +27326,21 @@
           </a:p>
         </p:txBody>
       </p:sp>
-      <p:sp>
-        <p:nvSpPr>
-          <p:cNvPr id="4" name="Slide Number Placeholder 3">
-            <a:extLst>
-              <a:ext uri="{FF2B5EF4-FFF2-40B4-BE49-F238E27FC236}">
-                <a16:creationId xmlns:a16="http://schemas.microsoft.com/office/drawing/2014/main" id="{A7773B30-F980-D850-365D-F17F09F699A1}"/>
-              </a:ext>
-            </a:extLst>
-          </p:cNvPr>
-          <p:cNvSpPr>
-            <a:spLocks noGrp="1"/>
-          </p:cNvSpPr>
-          <p:nvPr>
-            <p:ph type="sldNum" sz="quarter" idx="12"/>
-          </p:nvPr>
-        </p:nvSpPr>
-        <p:spPr/>
-        <p:txBody>
-          <a:bodyPr/>
-          <a:lstStyle/>
-          <a:p>
-            <a:fld id="{4BD3201E-7DF8-462B-AC18-61E63795AE0D}" type="slidenum">
-              <a:rPr lang="en-CA" smtClean="0"/>
-              <a:t>6</a:t>
-            </a:fld>
-            <a:endParaRPr lang="en-CA"/>
-          </a:p>
-        </p:txBody>
-      </p:sp>
-      <p:sp>
-        <p:nvSpPr>
-          <p:cNvPr id="5" name="Rectangle 4">
-            <a:extLst>
-              <a:ext uri="{FF2B5EF4-FFF2-40B4-BE49-F238E27FC236}">
-                <a16:creationId xmlns:a16="http://schemas.microsoft.com/office/drawing/2014/main" id="{BC5D9D61-CF8D-5CA1-1368-BACD995A38E1}"/>
-              </a:ext>
-            </a:extLst>
-          </p:cNvPr>
-          <p:cNvSpPr/>
-          <p:nvPr/>
-        </p:nvSpPr>
-        <p:spPr>
-          <a:xfrm>
-            <a:off x="0" y="365125"/>
-            <a:ext cx="678427" cy="556649"/>
-          </a:xfrm>
-          <a:prstGeom prst="rect">
-            <a:avLst/>
-          </a:prstGeom>
-          <a:solidFill>
-            <a:schemeClr val="accent2">
-              <a:lumMod val="75000"/>
-            </a:schemeClr>
-          </a:solidFill>
-          <a:ln>
-            <a:noFill/>
-          </a:ln>
-        </p:spPr>
-        <p:style>
-          <a:lnRef idx="2">
-            <a:schemeClr val="accent1">
-              <a:shade val="15000"/>
-            </a:schemeClr>
-          </a:lnRef>
-          <a:fillRef idx="1">
-            <a:schemeClr val="accent1"/>
-          </a:fillRef>
-          <a:effectRef idx="0">
-            <a:schemeClr val="accent1"/>
-          </a:effectRef>
-          <a:fontRef idx="minor">
-            <a:schemeClr val="lt1"/>
-          </a:fontRef>
-        </p:style>
-        <p:txBody>
-          <a:bodyPr rtlCol="0" anchor="ctr"/>
-          <a:lstStyle/>
-          <a:p>
-            <a:pPr algn="ctr"/>
-            <a:endParaRPr lang="en-CA"/>
-          </a:p>
-        </p:txBody>
-      </p:sp>
     </p:spTree>
     <p:extLst>
       <p:ext uri="{BB962C8B-B14F-4D97-AF65-F5344CB8AC3E}">
-        <p14:creationId xmlns:p14="http://schemas.microsoft.com/office/powerpoint/2010/main" val="787268651"/>
+        <p14:creationId xmlns:p14="http://schemas.microsoft.com/office/powerpoint/2010/main" val="1200750332"/>
       </p:ext>
     </p:extLst>
   </p:cSld>
   <p:clrMapOvr>
     <a:masterClrMapping/>
   </p:clrMapOvr>
+  <p:extLst>
+    <p:ext uri="{6950BFC3-D8DA-4A85-94F7-54DA5524770B}">
+      <p188:commentRel xmlns:p188="http://schemas.microsoft.com/office/powerpoint/2018/8/main" r:id="rId2"/>
+    </p:ext>
+  </p:extLst>
 </p:sld>
 </file>
 
@@ -28046,250 +27416,6 @@
         <p:spPr>
           <a:xfrm>
             <a:off x="838200" y="1150375"/>
-            <a:ext cx="10515600" cy="3689982"/>
-          </a:xfrm>
-        </p:spPr>
-        <p:txBody>
-          <a:bodyPr vert="horz" lIns="91440" tIns="45720" rIns="91440" bIns="45720" rtlCol="0" anchor="t">
-            <a:normAutofit/>
-          </a:bodyPr>
-          <a:lstStyle/>
-          <a:p>
-            <a:pPr marL="0" indent="0" algn="just">
-              <a:buNone/>
-            </a:pPr>
-            <a:r>
-              <a:rPr lang="fr-FR" sz="1800" dirty="0"/>
-              <a:t>Pour modéliser un élément Poutre, </a:t>
-            </a:r>
-            <a:r>
-              <a:rPr lang="fr-FR" sz="1800" dirty="0" err="1"/>
-              <a:t>SimCenter</a:t>
-            </a:r>
-            <a:r>
-              <a:rPr lang="fr-FR" sz="1800" dirty="0"/>
-              <a:t> utilise la formulation de Timoshenko qui est une équation différentielle d’ordre 2 (voir page 3).</a:t>
-            </a:r>
-          </a:p>
-          <a:p>
-            <a:pPr marL="0" indent="0" algn="just">
-              <a:buNone/>
-            </a:pPr>
-            <a:r>
-              <a:rPr lang="fr-FR" sz="1800" dirty="0"/>
-              <a:t>Ainsi les fonctions de forme utilisées pour l’interpolation entre deux nœuds sont, au plus, des fonctions linéaires.</a:t>
-            </a:r>
-          </a:p>
-          <a:p>
-            <a:pPr marL="0" indent="0" algn="just">
-              <a:buNone/>
-            </a:pPr>
-            <a:r>
-              <a:rPr lang="fr-FR" sz="1800" dirty="0"/>
-              <a:t>Cependant la formulation d’une poutre d’Euler est une équation différentielle de d’ordre 4, qui nécessite au minimum des fonctions de forme quadratiques.</a:t>
-            </a:r>
-          </a:p>
-          <a:p>
-            <a:pPr marL="0" indent="0" algn="just">
-              <a:buNone/>
-            </a:pPr>
-            <a:r>
-              <a:rPr lang="fr-FR" sz="1800" dirty="0"/>
-              <a:t>Ceci aurait dû annoncer dès le départ l’incompatibilité des deux formulations, mais c’est malheureusement quelque chose que nous n’avons réalisé que trop tard, quand nous ne sommes pas arrivés au bon ordre de convergence malgré tous nos essais, et après consultation du professeur David </a:t>
-            </a:r>
-            <a:r>
-              <a:rPr lang="fr-FR" sz="1800" dirty="0" err="1"/>
-              <a:t>Mélançon</a:t>
-            </a:r>
-            <a:r>
-              <a:rPr lang="fr-FR" sz="1800" dirty="0"/>
-              <a:t> qui a attiré notre attention sur cette incohérence.</a:t>
-            </a:r>
-          </a:p>
-          <a:p>
-            <a:pPr marL="0" indent="0" algn="just">
-              <a:buNone/>
-            </a:pPr>
-            <a:r>
-              <a:rPr lang="fr-FR" sz="1800" dirty="0"/>
-              <a:t>Les tentatives et résultats de notre analyse de convergence sont quand même présentés dans ce qui suit, ainsi qu’une méthode alternative basée sur l'énergie de déformation.</a:t>
-            </a:r>
-          </a:p>
-        </p:txBody>
-      </p:sp>
-      <p:sp>
-        <p:nvSpPr>
-          <p:cNvPr id="4" name="Slide Number Placeholder 3">
-            <a:extLst>
-              <a:ext uri="{FF2B5EF4-FFF2-40B4-BE49-F238E27FC236}">
-                <a16:creationId xmlns:a16="http://schemas.microsoft.com/office/drawing/2014/main" id="{7757CB9B-FD13-8DBD-463A-B78342F1905E}"/>
-              </a:ext>
-            </a:extLst>
-          </p:cNvPr>
-          <p:cNvSpPr>
-            <a:spLocks noGrp="1"/>
-          </p:cNvSpPr>
-          <p:nvPr>
-            <p:ph type="sldNum" sz="quarter" idx="12"/>
-          </p:nvPr>
-        </p:nvSpPr>
-        <p:spPr/>
-        <p:txBody>
-          <a:bodyPr/>
-          <a:lstStyle/>
-          <a:p>
-            <a:fld id="{4BD3201E-7DF8-462B-AC18-61E63795AE0D}" type="slidenum">
-              <a:rPr lang="en-CA" smtClean="0"/>
-              <a:t>7</a:t>
-            </a:fld>
-            <a:endParaRPr lang="en-CA"/>
-          </a:p>
-        </p:txBody>
-      </p:sp>
-      <p:sp>
-        <p:nvSpPr>
-          <p:cNvPr id="5" name="Rectangle 4">
-            <a:extLst>
-              <a:ext uri="{FF2B5EF4-FFF2-40B4-BE49-F238E27FC236}">
-                <a16:creationId xmlns:a16="http://schemas.microsoft.com/office/drawing/2014/main" id="{544778A5-36F1-5C06-BCCE-F98561D46C97}"/>
-              </a:ext>
-            </a:extLst>
-          </p:cNvPr>
-          <p:cNvSpPr/>
-          <p:nvPr/>
-        </p:nvSpPr>
-        <p:spPr>
-          <a:xfrm>
-            <a:off x="0" y="365125"/>
-            <a:ext cx="678427" cy="556649"/>
-          </a:xfrm>
-          <a:prstGeom prst="rect">
-            <a:avLst/>
-          </a:prstGeom>
-          <a:solidFill>
-            <a:schemeClr val="accent2">
-              <a:lumMod val="75000"/>
-            </a:schemeClr>
-          </a:solidFill>
-          <a:ln>
-            <a:noFill/>
-          </a:ln>
-        </p:spPr>
-        <p:style>
-          <a:lnRef idx="2">
-            <a:schemeClr val="accent1">
-              <a:shade val="15000"/>
-            </a:schemeClr>
-          </a:lnRef>
-          <a:fillRef idx="1">
-            <a:schemeClr val="accent1"/>
-          </a:fillRef>
-          <a:effectRef idx="0">
-            <a:schemeClr val="accent1"/>
-          </a:effectRef>
-          <a:fontRef idx="minor">
-            <a:schemeClr val="lt1"/>
-          </a:fontRef>
-        </p:style>
-        <p:txBody>
-          <a:bodyPr rtlCol="0" anchor="ctr"/>
-          <a:lstStyle/>
-          <a:p>
-            <a:pPr algn="ctr"/>
-            <a:endParaRPr lang="en-CA"/>
-          </a:p>
-        </p:txBody>
-      </p:sp>
-    </p:spTree>
-    <p:extLst>
-      <p:ext uri="{BB962C8B-B14F-4D97-AF65-F5344CB8AC3E}">
-        <p14:creationId xmlns:p14="http://schemas.microsoft.com/office/powerpoint/2010/main" val="1200750332"/>
-      </p:ext>
-    </p:extLst>
-  </p:cSld>
-  <p:clrMapOvr>
-    <a:masterClrMapping/>
-  </p:clrMapOvr>
-  <p:extLst>
-    <p:ext uri="{6950BFC3-D8DA-4A85-94F7-54DA5524770B}">
-      <p188:commentRel xmlns:p188="http://schemas.microsoft.com/office/powerpoint/2018/8/main" r:id="rId2"/>
-    </p:ext>
-  </p:extLst>
-</p:sld>
-</file>
-
-<file path=ppt/slides/slide8.xml><?xml version="1.0" encoding="utf-8"?>
-<p:sld xmlns:a="http://schemas.openxmlformats.org/drawingml/2006/main" xmlns:r="http://schemas.openxmlformats.org/officeDocument/2006/relationships" xmlns:p="http://schemas.openxmlformats.org/presentationml/2006/main">
-  <p:cSld>
-    <p:spTree>
-      <p:nvGrpSpPr>
-        <p:cNvPr id="1" name=""/>
-        <p:cNvGrpSpPr/>
-        <p:nvPr/>
-      </p:nvGrpSpPr>
-      <p:grpSpPr>
-        <a:xfrm>
-          <a:off x="0" y="0"/>
-          <a:ext cx="0" cy="0"/>
-          <a:chOff x="0" y="0"/>
-          <a:chExt cx="0" cy="0"/>
-        </a:xfrm>
-      </p:grpSpPr>
-      <p:sp>
-        <p:nvSpPr>
-          <p:cNvPr id="2" name="Title 1">
-            <a:extLst>
-              <a:ext uri="{FF2B5EF4-FFF2-40B4-BE49-F238E27FC236}">
-                <a16:creationId xmlns:a16="http://schemas.microsoft.com/office/drawing/2014/main" id="{E0220718-7085-48D6-FCCC-6D486EF513A7}"/>
-              </a:ext>
-            </a:extLst>
-          </p:cNvPr>
-          <p:cNvSpPr>
-            <a:spLocks noGrp="1"/>
-          </p:cNvSpPr>
-          <p:nvPr>
-            <p:ph type="title"/>
-          </p:nvPr>
-        </p:nvSpPr>
-        <p:spPr>
-          <a:xfrm>
-            <a:off x="838200" y="365125"/>
-            <a:ext cx="9308690" cy="706591"/>
-          </a:xfrm>
-        </p:spPr>
-        <p:txBody>
-          <a:bodyPr>
-            <a:normAutofit/>
-          </a:bodyPr>
-          <a:lstStyle/>
-          <a:p>
-            <a:r>
-              <a:rPr lang="fr-FR" sz="3000" dirty="0"/>
-              <a:t>Vérification de code</a:t>
-            </a:r>
-            <a:endParaRPr lang="en-CA" sz="3000" dirty="0"/>
-          </a:p>
-        </p:txBody>
-      </p:sp>
-      <p:sp>
-        <p:nvSpPr>
-          <p:cNvPr id="3" name="Content Placeholder 2">
-            <a:extLst>
-              <a:ext uri="{FF2B5EF4-FFF2-40B4-BE49-F238E27FC236}">
-                <a16:creationId xmlns:a16="http://schemas.microsoft.com/office/drawing/2014/main" id="{57846E6E-541E-C380-2EC3-91AF5BEE61F6}"/>
-              </a:ext>
-            </a:extLst>
-          </p:cNvPr>
-          <p:cNvSpPr>
-            <a:spLocks noGrp="1"/>
-          </p:cNvSpPr>
-          <p:nvPr>
-            <p:ph idx="1"/>
-          </p:nvPr>
-        </p:nvSpPr>
-        <p:spPr>
-          <a:xfrm>
-            <a:off x="838200" y="1150375"/>
             <a:ext cx="3183194" cy="5427406"/>
           </a:xfrm>
         </p:spPr>
@@ -28299,12 +27425,13 @@
           </a:bodyPr>
           <a:lstStyle/>
           <a:p>
-            <a:pPr marL="0" indent="0" algn="just">
-              <a:buNone/>
-            </a:pPr>
+            <a:r>
+              <a:rPr lang="fr-FR" sz="1800" dirty="0" err="1"/>
+              <a:t>Lasolution</a:t>
+            </a:r>
             <a:r>
               <a:rPr lang="fr-FR" sz="1800" dirty="0"/>
-              <a:t>En lançant les simulations avec des maillages de plus en plus fins, on observe que la solution numérique générée par </a:t>
+              <a:t> numérique générée par </a:t>
             </a:r>
             <a:r>
               <a:rPr lang="fr-FR" sz="1800" dirty="0" err="1"/>
@@ -28312,16 +27439,13 @@
             </a:r>
             <a:r>
               <a:rPr lang="fr-FR" sz="1800" dirty="0"/>
-              <a:t> se rapproche de la solution analytique de la poutre d’Euler, jusqu’à ce que les courbes deviennent confondues à partir de n=32 éléments.</a:t>
+              <a:t> se rapproche de la solution analytique de la poutre d’Euler</a:t>
             </a:r>
           </a:p>
           <a:p>
-            <a:pPr marL="0" indent="0" algn="just">
-              <a:buNone/>
-            </a:pPr>
             <a:r>
               <a:rPr lang="fr-FR" sz="1800" dirty="0"/>
-              <a:t>Cependant on note aussi, comme attendu que les interpolations entre 2 nœuds sont linéaires. Ainsi les solutions aux nœuds sont exactes mais l’erreur apparait en comparant les résultats internodaux.</a:t>
+              <a:t>Les solutions aux nœuds sont exactes mais l’erreur apparait en comparant les résultats internodaux.</a:t>
             </a:r>
           </a:p>
         </p:txBody>
@@ -28439,7 +27563,7 @@
           <a:p>
             <a:fld id="{4BD3201E-7DF8-462B-AC18-61E63795AE0D}" type="slidenum">
               <a:rPr lang="en-CA" smtClean="0"/>
-              <a:t>8</a:t>
+              <a:t>7</a:t>
             </a:fld>
             <a:endParaRPr lang="en-CA"/>
           </a:p>
@@ -28512,7 +27636,7 @@
 </p:sld>
 </file>
 
-<file path=ppt/slides/slide9.xml><?xml version="1.0" encoding="utf-8"?>
+<file path=ppt/slides/slide8.xml><?xml version="1.0" encoding="utf-8"?>
 <p:sld xmlns:a="http://schemas.openxmlformats.org/drawingml/2006/main" xmlns:r="http://schemas.openxmlformats.org/officeDocument/2006/relationships" xmlns:p="http://schemas.openxmlformats.org/presentationml/2006/main">
   <p:cSld>
     <p:spTree>
@@ -29219,7 +28343,7 @@
           <p:nvPr>
             <p:extLst>
               <p:ext uri="{D42A27DB-BD31-4B8C-83A1-F6EECF244321}">
-                <p14:modId xmlns:p14="http://schemas.microsoft.com/office/powerpoint/2010/main" val="663502251"/>
+                <p14:modId xmlns:p14="http://schemas.microsoft.com/office/powerpoint/2010/main" val="3501150075"/>
               </p:ext>
             </p:extLst>
           </p:nvPr>
@@ -29381,7 +28505,7 @@
           <a:p>
             <a:fld id="{4BD3201E-7DF8-462B-AC18-61E63795AE0D}" type="slidenum">
               <a:rPr lang="en-CA" smtClean="0"/>
-              <a:t>9</a:t>
+              <a:t>8</a:t>
             </a:fld>
             <a:endParaRPr lang="en-CA"/>
           </a:p>
@@ -29445,6 +28569,353 @@
     <p:extLst>
       <p:ext uri="{BB962C8B-B14F-4D97-AF65-F5344CB8AC3E}">
         <p14:creationId xmlns:p14="http://schemas.microsoft.com/office/powerpoint/2010/main" val="3362394878"/>
+      </p:ext>
+    </p:extLst>
+  </p:cSld>
+  <p:clrMapOvr>
+    <a:masterClrMapping/>
+  </p:clrMapOvr>
+</p:sld>
+</file>
+
+<file path=ppt/slides/slide9.xml><?xml version="1.0" encoding="utf-8"?>
+<p:sld xmlns:a="http://schemas.openxmlformats.org/drawingml/2006/main" xmlns:r="http://schemas.openxmlformats.org/officeDocument/2006/relationships" xmlns:p="http://schemas.openxmlformats.org/presentationml/2006/main">
+  <p:cSld>
+    <p:spTree>
+      <p:nvGrpSpPr>
+        <p:cNvPr id="1" name=""/>
+        <p:cNvGrpSpPr/>
+        <p:nvPr/>
+      </p:nvGrpSpPr>
+      <p:grpSpPr>
+        <a:xfrm>
+          <a:off x="0" y="0"/>
+          <a:ext cx="0" cy="0"/>
+          <a:chOff x="0" y="0"/>
+          <a:chExt cx="0" cy="0"/>
+        </a:xfrm>
+      </p:grpSpPr>
+      <p:sp>
+        <p:nvSpPr>
+          <p:cNvPr id="2" name="Title 1">
+            <a:extLst>
+              <a:ext uri="{FF2B5EF4-FFF2-40B4-BE49-F238E27FC236}">
+                <a16:creationId xmlns:a16="http://schemas.microsoft.com/office/drawing/2014/main" id="{E0220718-7085-48D6-FCCC-6D486EF513A7}"/>
+              </a:ext>
+            </a:extLst>
+          </p:cNvPr>
+          <p:cNvSpPr>
+            <a:spLocks noGrp="1"/>
+          </p:cNvSpPr>
+          <p:nvPr>
+            <p:ph type="title"/>
+          </p:nvPr>
+        </p:nvSpPr>
+        <p:spPr>
+          <a:xfrm>
+            <a:off x="838200" y="365125"/>
+            <a:ext cx="9308690" cy="706591"/>
+          </a:xfrm>
+        </p:spPr>
+        <p:txBody>
+          <a:bodyPr>
+            <a:normAutofit/>
+          </a:bodyPr>
+          <a:lstStyle/>
+          <a:p>
+            <a:r>
+              <a:rPr lang="fr-FR" sz="3000" dirty="0"/>
+              <a:t>Vérification de code</a:t>
+            </a:r>
+            <a:endParaRPr lang="en-CA" sz="3000" dirty="0"/>
+          </a:p>
+        </p:txBody>
+      </p:sp>
+      <mc:AlternateContent xmlns:mc="http://schemas.openxmlformats.org/markup-compatibility/2006" xmlns:a14="http://schemas.microsoft.com/office/drawing/2010/main">
+        <mc:Choice Requires="a14">
+          <p:sp>
+            <p:nvSpPr>
+              <p:cNvPr id="3" name="Content Placeholder 2">
+                <a:extLst>
+                  <a:ext uri="{FF2B5EF4-FFF2-40B4-BE49-F238E27FC236}">
+                    <a16:creationId xmlns:a16="http://schemas.microsoft.com/office/drawing/2014/main" id="{57846E6E-541E-C380-2EC3-91AF5BEE61F6}"/>
+                  </a:ext>
+                </a:extLst>
+              </p:cNvPr>
+              <p:cNvSpPr>
+                <a:spLocks noGrp="1"/>
+              </p:cNvSpPr>
+              <p:nvPr>
+                <p:ph idx="1"/>
+              </p:nvPr>
+            </p:nvSpPr>
+            <p:spPr>
+              <a:xfrm>
+                <a:off x="838200" y="1150374"/>
+                <a:ext cx="10515600" cy="5342501"/>
+              </a:xfrm>
+            </p:spPr>
+            <p:txBody>
+              <a:bodyPr>
+                <a:normAutofit/>
+              </a:bodyPr>
+              <a:lstStyle/>
+              <a:p>
+                <a:pPr marL="0" indent="0" algn="just">
+                  <a:buNone/>
+                </a:pPr>
+                <a:r>
+                  <a:rPr lang="fr-CA" sz="1800" dirty="0"/>
+                  <a:t>Tout d’abord il faut garder à l’esprit que l’erreur de discrétisation en éléments finis converge en O(h</a:t>
+                </a:r>
+                <a:r>
+                  <a:rPr lang="fr-CA" sz="1800" baseline="30000" dirty="0"/>
+                  <a:t>p+1</a:t>
+                </a:r>
+                <a:r>
+                  <a:rPr lang="fr-CA" sz="1800" dirty="0"/>
+                  <a:t>) avec l’erreur L2, p étant l’ordre de la fonction de forme utilisée.</a:t>
+                </a:r>
+              </a:p>
+              <a:p>
+                <a:pPr marL="0" indent="0" algn="just">
+                  <a:buNone/>
+                </a:pPr>
+                <a:r>
+                  <a:rPr lang="fr-CA" sz="1800" dirty="0"/>
+                  <a:t>Dans notre cas, </a:t>
+                </a:r>
+                <a:r>
+                  <a:rPr lang="fr-CA" sz="1800" dirty="0" err="1"/>
+                  <a:t>SimCenter</a:t>
+                </a:r>
+                <a:r>
+                  <a:rPr lang="fr-CA" sz="1800" dirty="0"/>
+                  <a:t> utilise des éléments linéaires donc l’ordre formel attendu est de </a:t>
+                </a:r>
+                <a:r>
+                  <a:rPr lang="fr-CA" sz="1800" i="1" dirty="0"/>
+                  <a:t>p</a:t>
+                </a:r>
+                <a:r>
+                  <a:rPr lang="fr-CA" sz="1800" i="1" baseline="-25000" dirty="0"/>
+                  <a:t>f</a:t>
+                </a:r>
+                <a:r>
+                  <a:rPr lang="fr-CA" sz="1800" i="1" dirty="0"/>
+                  <a:t>=2.</a:t>
+                </a:r>
+                <a:r>
+                  <a:rPr lang="fr-CA" sz="1800" dirty="0"/>
+                  <a:t> Cependant, il est possible d’observer sur l’analyse de convergence faite plus haut que l’ordre observée est de </a:t>
+                </a:r>
+                <a14:m>
+                  <m:oMath xmlns:m="http://schemas.openxmlformats.org/officeDocument/2006/math">
+                    <m:acc>
+                      <m:accPr>
+                        <m:chr m:val="̂"/>
+                        <m:ctrlPr>
+                          <a:rPr lang="fr-CA" sz="1800" i="1" smtClean="0">
+                            <a:latin typeface="Cambria Math" panose="02040503050406030204" pitchFamily="18" charset="0"/>
+                          </a:rPr>
+                        </m:ctrlPr>
+                      </m:accPr>
+                      <m:e>
+                        <m:r>
+                          <a:rPr lang="fr-FR" sz="1800" b="0" i="1" smtClean="0">
+                            <a:latin typeface="Cambria Math" panose="02040503050406030204" pitchFamily="18" charset="0"/>
+                          </a:rPr>
+                          <m:t>𝑝</m:t>
+                        </m:r>
+                      </m:e>
+                    </m:acc>
+                    <m:r>
+                      <a:rPr lang="fr-FR" sz="1800" b="0" i="1" smtClean="0">
+                        <a:latin typeface="Cambria Math" panose="02040503050406030204" pitchFamily="18" charset="0"/>
+                      </a:rPr>
+                      <m:t>=</m:t>
+                    </m:r>
+                  </m:oMath>
+                </a14:m>
+                <a:r>
+                  <a:rPr lang="fr-CA" sz="1800" dirty="0"/>
+                  <a:t>1.75.</a:t>
+                </a:r>
+              </a:p>
+              <a:p>
+                <a:pPr marL="0" indent="0" algn="just">
+                  <a:buNone/>
+                </a:pPr>
+                <a:r>
+                  <a:rPr lang="fr-CA" sz="1800" dirty="0"/>
+                  <a:t>De plus, la qualité de la régression n’est pas à remettre en question puisque le coefficient de régression dans ce cas est tel que R</a:t>
+                </a:r>
+                <a:r>
+                  <a:rPr lang="fr-CA" sz="1800" baseline="30000" dirty="0"/>
+                  <a:t>2</a:t>
+                </a:r>
+                <a:r>
+                  <a:rPr lang="fr-CA" sz="1800" dirty="0"/>
+                  <a:t>=0.9938 même si les valeurs oscillent de part et d’autre de la courbe de régression.</a:t>
+                </a:r>
+              </a:p>
+              <a:p>
+                <a:pPr marL="0" indent="0" algn="just">
+                  <a:buNone/>
+                </a:pPr>
+                <a:r>
+                  <a:rPr lang="fr-CA" sz="1800" dirty="0"/>
+                  <a:t>Donc cet écart entre les deux ordres ne peut pas être expliqué par la régression mais peut l’être par les hypothèses faites sur par la formulation des poutres d’Euler et la formulation des poutres de Timoshenko qui sont incompatibles. Cela revient à dire que c’est incorrect de comparer les résultats de </a:t>
+                </a:r>
+                <a:r>
+                  <a:rPr lang="fr-CA" sz="1800" dirty="0" err="1"/>
+                  <a:t>SimCenter</a:t>
+                </a:r>
+                <a:r>
+                  <a:rPr lang="fr-CA" sz="1800" dirty="0"/>
+                  <a:t> avec les résultats analytiques d’une poutre d’Euler conventionnelle.</a:t>
+                </a:r>
+              </a:p>
+              <a:p>
+                <a:pPr marL="0" indent="0" algn="just">
+                  <a:buNone/>
+                </a:pPr>
+                <a:endParaRPr lang="fr-CA" sz="1800" dirty="0"/>
+              </a:p>
+            </p:txBody>
+          </p:sp>
+        </mc:Choice>
+        <mc:Fallback xmlns="">
+          <p:sp>
+            <p:nvSpPr>
+              <p:cNvPr id="3" name="Content Placeholder 2">
+                <a:extLst>
+                  <a:ext uri="{FF2B5EF4-FFF2-40B4-BE49-F238E27FC236}">
+                    <a16:creationId xmlns:a16="http://schemas.microsoft.com/office/drawing/2014/main" id="{57846E6E-541E-C380-2EC3-91AF5BEE61F6}"/>
+                  </a:ext>
+                </a:extLst>
+              </p:cNvPr>
+              <p:cNvSpPr>
+                <a:spLocks noGrp="1" noRot="1" noChangeAspect="1" noMove="1" noResize="1" noEditPoints="1" noAdjustHandles="1" noChangeArrowheads="1" noChangeShapeType="1" noTextEdit="1"/>
+              </p:cNvSpPr>
+              <p:nvPr>
+                <p:ph idx="1"/>
+              </p:nvPr>
+            </p:nvSpPr>
+            <p:spPr>
+              <a:xfrm>
+                <a:off x="838200" y="1150374"/>
+                <a:ext cx="10515600" cy="5342501"/>
+              </a:xfrm>
+              <a:blipFill>
+                <a:blip r:embed="rId2"/>
+                <a:stretch>
+                  <a:fillRect l="-522" t="-1142" r="-464"/>
+                </a:stretch>
+              </a:blipFill>
+            </p:spPr>
+            <p:txBody>
+              <a:bodyPr/>
+              <a:lstStyle/>
+              <a:p>
+                <a:r>
+                  <a:rPr lang="en-CA">
+                    <a:noFill/>
+                  </a:rPr>
+                  <a:t> </a:t>
+                </a:r>
+              </a:p>
+            </p:txBody>
+          </p:sp>
+        </mc:Fallback>
+      </mc:AlternateContent>
+      <p:sp>
+        <p:nvSpPr>
+          <p:cNvPr id="4" name="Slide Number Placeholder 3">
+            <a:extLst>
+              <a:ext uri="{FF2B5EF4-FFF2-40B4-BE49-F238E27FC236}">
+                <a16:creationId xmlns:a16="http://schemas.microsoft.com/office/drawing/2014/main" id="{B38F592B-53CF-0FFE-D64B-347489E071F6}"/>
+              </a:ext>
+            </a:extLst>
+          </p:cNvPr>
+          <p:cNvSpPr>
+            <a:spLocks noGrp="1"/>
+          </p:cNvSpPr>
+          <p:nvPr>
+            <p:ph type="sldNum" sz="quarter" idx="12"/>
+          </p:nvPr>
+        </p:nvSpPr>
+        <p:spPr/>
+        <p:txBody>
+          <a:bodyPr/>
+          <a:lstStyle/>
+          <a:p>
+            <a:fld id="{4BD3201E-7DF8-462B-AC18-61E63795AE0D}" type="slidenum">
+              <a:rPr lang="en-CA" smtClean="0"/>
+              <a:t>9</a:t>
+            </a:fld>
+            <a:endParaRPr lang="en-CA"/>
+          </a:p>
+        </p:txBody>
+      </p:sp>
+      <p:sp>
+        <p:nvSpPr>
+          <p:cNvPr id="5" name="Rectangle 4">
+            <a:extLst>
+              <a:ext uri="{FF2B5EF4-FFF2-40B4-BE49-F238E27FC236}">
+                <a16:creationId xmlns:a16="http://schemas.microsoft.com/office/drawing/2014/main" id="{9BB7D0A8-FC31-AB5E-1C26-E3FAF9D0B9E2}"/>
+              </a:ext>
+            </a:extLst>
+          </p:cNvPr>
+          <p:cNvSpPr/>
+          <p:nvPr/>
+        </p:nvSpPr>
+        <p:spPr>
+          <a:xfrm>
+            <a:off x="0" y="365125"/>
+            <a:ext cx="678427" cy="556649"/>
+          </a:xfrm>
+          <a:prstGeom prst="rect">
+            <a:avLst/>
+          </a:prstGeom>
+          <a:solidFill>
+            <a:schemeClr val="accent2">
+              <a:lumMod val="75000"/>
+            </a:schemeClr>
+          </a:solidFill>
+          <a:ln>
+            <a:noFill/>
+          </a:ln>
+        </p:spPr>
+        <p:style>
+          <a:lnRef idx="2">
+            <a:schemeClr val="accent1">
+              <a:shade val="15000"/>
+            </a:schemeClr>
+          </a:lnRef>
+          <a:fillRef idx="1">
+            <a:schemeClr val="accent1"/>
+          </a:fillRef>
+          <a:effectRef idx="0">
+            <a:schemeClr val="accent1"/>
+          </a:effectRef>
+          <a:fontRef idx="minor">
+            <a:schemeClr val="lt1"/>
+          </a:fontRef>
+        </p:style>
+        <p:txBody>
+          <a:bodyPr rtlCol="0" anchor="ctr"/>
+          <a:lstStyle/>
+          <a:p>
+            <a:pPr algn="ctr"/>
+            <a:endParaRPr lang="en-CA"/>
+          </a:p>
+        </p:txBody>
+      </p:sp>
+    </p:spTree>
+    <p:extLst>
+      <p:ext uri="{BB962C8B-B14F-4D97-AF65-F5344CB8AC3E}">
+        <p14:creationId xmlns:p14="http://schemas.microsoft.com/office/powerpoint/2010/main" val="1689215659"/>
       </p:ext>
     </p:extLst>
   </p:cSld>
@@ -30280,6 +29751,15 @@
 </file>
 
 <file path=customXml/item2.xml><?xml version="1.0" encoding="utf-8"?>
+<?mso-contentType ?>
+<FormTemplates xmlns="http://schemas.microsoft.com/sharepoint/v3/contenttype/forms">
+  <Display>DocumentLibraryForm</Display>
+  <Edit>DocumentLibraryForm</Edit>
+  <New>DocumentLibraryForm</New>
+</FormTemplates>
+</file>
+
+<file path=customXml/item3.xml><?xml version="1.0" encoding="utf-8"?>
 <p:properties xmlns:p="http://schemas.microsoft.com/office/2006/metadata/properties" xmlns:xsi="http://www.w3.org/2001/XMLSchema-instance" xmlns:pc="http://schemas.microsoft.com/office/infopath/2007/PartnerControls">
   <documentManagement>
     <lcf76f155ced4ddcb4097134ff3c332f xmlns="ec825916-6f01-4646-bf11-4e97fdd06dc8">
@@ -30288,15 +29768,6 @@
     <TaxCatchAll xmlns="10202d72-3646-4d36-9cf4-1feba2c78df0" xsi:nil="true"/>
   </documentManagement>
 </p:properties>
-</file>
-
-<file path=customXml/item3.xml><?xml version="1.0" encoding="utf-8"?>
-<?mso-contentType ?>
-<FormTemplates xmlns="http://schemas.microsoft.com/sharepoint/v3/contenttype/forms">
-  <Display>DocumentLibraryForm</Display>
-  <Edit>DocumentLibraryForm</Edit>
-  <New>DocumentLibraryForm</New>
-</FormTemplates>
 </file>
 
 <file path=customXml/itemProps1.xml><?xml version="1.0" encoding="utf-8"?>
@@ -30319,6 +29790,14 @@
 </file>
 
 <file path=customXml/itemProps2.xml><?xml version="1.0" encoding="utf-8"?>
+<ds:datastoreItem xmlns:ds="http://schemas.openxmlformats.org/officeDocument/2006/customXml" ds:itemID="{73F4A501-0066-4B8E-9AA2-A07CF344BF69}">
+  <ds:schemaRefs>
+    <ds:schemaRef ds:uri="http://schemas.microsoft.com/sharepoint/v3/contenttype/forms"/>
+  </ds:schemaRefs>
+</ds:datastoreItem>
+</file>
+
+<file path=customXml/itemProps3.xml><?xml version="1.0" encoding="utf-8"?>
 <ds:datastoreItem xmlns:ds="http://schemas.openxmlformats.org/officeDocument/2006/customXml" ds:itemID="{CC0D4AF6-CA21-4510-812C-479171907BC9}">
   <ds:schemaRefs>
     <ds:schemaRef ds:uri="ec825916-6f01-4646-bf11-4e97fdd06dc8"/>
@@ -30333,12 +29812,4 @@
     <ds:schemaRef ds:uri="http://purl.org/dc/elements/1.1/"/>
   </ds:schemaRefs>
 </ds:datastoreItem>
-</file>
-
-<file path=customXml/itemProps3.xml><?xml version="1.0" encoding="utf-8"?>
-<ds:datastoreItem xmlns:ds="http://schemas.openxmlformats.org/officeDocument/2006/customXml" ds:itemID="{73F4A501-0066-4B8E-9AA2-A07CF344BF69}">
-  <ds:schemaRefs>
-    <ds:schemaRef ds:uri="http://schemas.microsoft.com/sharepoint/v3/contenttype/forms"/>
-  </ds:schemaRefs>
-</ds:datastoreItem>
 </file>
--- a/Presentation_Projet.pptx
+++ b/Presentation_Projet.pptx
@@ -10751,7 +10751,7 @@
           <a:p>
             <a:fld id="{DAB5DE69-65B2-445A-B9D2-BC2BC199D49F}" type="datetimeFigureOut">
               <a:rPr lang="en-CA" smtClean="0"/>
-              <a:t>2024-04-13</a:t>
+              <a:t>2024-04-14</a:t>
             </a:fld>
             <a:endParaRPr lang="en-CA"/>
           </a:p>
@@ -11168,7 +11168,7 @@
           <a:p>
             <a:fld id="{2A7CCEF2-C69F-4E36-B143-D7EDF5804833}" type="datetime1">
               <a:rPr lang="en-CA" smtClean="0"/>
-              <a:t>2024-04-13</a:t>
+              <a:t>2024-04-14</a:t>
             </a:fld>
             <a:endParaRPr lang="en-CA"/>
           </a:p>
@@ -11368,7 +11368,7 @@
           <a:p>
             <a:fld id="{1ADBD09C-FF50-4FD1-994D-EF0F9475051B}" type="datetime1">
               <a:rPr lang="en-CA" smtClean="0"/>
-              <a:t>2024-04-13</a:t>
+              <a:t>2024-04-14</a:t>
             </a:fld>
             <a:endParaRPr lang="en-CA"/>
           </a:p>
@@ -11578,7 +11578,7 @@
           <a:p>
             <a:fld id="{F13BACFD-6F67-41F6-B00F-BBB71923F71E}" type="datetime1">
               <a:rPr lang="en-CA" smtClean="0"/>
-              <a:t>2024-04-13</a:t>
+              <a:t>2024-04-14</a:t>
             </a:fld>
             <a:endParaRPr lang="en-CA"/>
           </a:p>
@@ -11778,7 +11778,7 @@
           <a:p>
             <a:fld id="{5058C9F4-251E-4DE2-9C11-2A3B8F78563B}" type="datetime1">
               <a:rPr lang="en-CA" smtClean="0"/>
-              <a:t>2024-04-13</a:t>
+              <a:t>2024-04-14</a:t>
             </a:fld>
             <a:endParaRPr lang="en-CA"/>
           </a:p>
@@ -12054,7 +12054,7 @@
           <a:p>
             <a:fld id="{4D3073F6-965A-4621-887D-89670704DFB4}" type="datetime1">
               <a:rPr lang="en-CA" smtClean="0"/>
-              <a:t>2024-04-13</a:t>
+              <a:t>2024-04-14</a:t>
             </a:fld>
             <a:endParaRPr lang="en-CA"/>
           </a:p>
@@ -12322,7 +12322,7 @@
           <a:p>
             <a:fld id="{EC29819C-B3B1-4251-9A48-94426B66773E}" type="datetime1">
               <a:rPr lang="en-CA" smtClean="0"/>
-              <a:t>2024-04-13</a:t>
+              <a:t>2024-04-14</a:t>
             </a:fld>
             <a:endParaRPr lang="en-CA"/>
           </a:p>
@@ -12737,7 +12737,7 @@
           <a:p>
             <a:fld id="{B1504549-8561-4C94-83E0-C906D977457F}" type="datetime1">
               <a:rPr lang="en-CA" smtClean="0"/>
-              <a:t>2024-04-13</a:t>
+              <a:t>2024-04-14</a:t>
             </a:fld>
             <a:endParaRPr lang="en-CA"/>
           </a:p>
@@ -12879,7 +12879,7 @@
           <a:p>
             <a:fld id="{A6DE78F7-A5FC-46A3-8377-658545803A23}" type="datetime1">
               <a:rPr lang="en-CA" smtClean="0"/>
-              <a:t>2024-04-13</a:t>
+              <a:t>2024-04-14</a:t>
             </a:fld>
             <a:endParaRPr lang="en-CA"/>
           </a:p>
@@ -12992,7 +12992,7 @@
           <a:p>
             <a:fld id="{AA0F9148-62B5-43B1-A5B6-5BEC21F9D988}" type="datetime1">
               <a:rPr lang="en-CA" smtClean="0"/>
-              <a:t>2024-04-13</a:t>
+              <a:t>2024-04-14</a:t>
             </a:fld>
             <a:endParaRPr lang="en-CA"/>
           </a:p>
@@ -13305,7 +13305,7 @@
           <a:p>
             <a:fld id="{39A04186-BB2B-42C3-A452-9227BB1E24B8}" type="datetime1">
               <a:rPr lang="en-CA" smtClean="0"/>
-              <a:t>2024-04-13</a:t>
+              <a:t>2024-04-14</a:t>
             </a:fld>
             <a:endParaRPr lang="en-CA"/>
           </a:p>
@@ -13594,7 +13594,7 @@
           <a:p>
             <a:fld id="{3F174ED6-FA25-4A67-8D78-BA9EC6218AB2}" type="datetime1">
               <a:rPr lang="en-CA" smtClean="0"/>
-              <a:t>2024-04-13</a:t>
+              <a:t>2024-04-14</a:t>
             </a:fld>
             <a:endParaRPr lang="en-CA"/>
           </a:p>
@@ -13837,7 +13837,7 @@
           <a:p>
             <a:fld id="{15C0A320-8816-4056-8D50-A9D48AEC0EAA}" type="datetime1">
               <a:rPr lang="en-CA" smtClean="0"/>
-              <a:t>2024-04-13</a:t>
+              <a:t>2024-04-14</a:t>
             </a:fld>
             <a:endParaRPr lang="en-CA"/>
           </a:p>
@@ -17100,8 +17100,8 @@
           </a:p>
         </p:txBody>
       </p:sp>
-      <mc:AlternateContent xmlns:mc="http://schemas.openxmlformats.org/markup-compatibility/2006">
-        <mc:Choice xmlns:a14="http://schemas.microsoft.com/office/drawing/2010/main" Requires="a14">
+      <mc:AlternateContent xmlns:mc="http://schemas.openxmlformats.org/markup-compatibility/2006" xmlns:a14="http://schemas.microsoft.com/office/drawing/2010/main">
+        <mc:Choice Requires="a14">
           <p:sp>
             <p:nvSpPr>
               <p:cNvPr id="3" name="Content Placeholder 2">
@@ -17469,7 +17469,7 @@
             </p:txBody>
           </p:sp>
         </mc:Choice>
-        <mc:Fallback>
+        <mc:Fallback xmlns="">
           <p:sp>
             <p:nvSpPr>
               <p:cNvPr id="3" name="Content Placeholder 2">
@@ -18047,8 +18047,8 @@
           </a:p>
         </p:txBody>
       </p:sp>
-      <mc:AlternateContent xmlns:mc="http://schemas.openxmlformats.org/markup-compatibility/2006">
-        <mc:Choice xmlns:a14="http://schemas.microsoft.com/office/drawing/2010/main" Requires="a14">
+      <mc:AlternateContent xmlns:mc="http://schemas.openxmlformats.org/markup-compatibility/2006" xmlns:a14="http://schemas.microsoft.com/office/drawing/2010/main">
+        <mc:Choice Requires="a14">
           <p:sp>
             <p:nvSpPr>
               <p:cNvPr id="3" name="Content Placeholder 2">
@@ -18876,7 +18876,7 @@
             </p:txBody>
           </p:sp>
         </mc:Choice>
-        <mc:Fallback>
+        <mc:Fallback xmlns="">
           <p:sp>
             <p:nvSpPr>
               <p:cNvPr id="3" name="Content Placeholder 2">
@@ -24092,8 +24092,8 @@
           </a:p>
         </p:txBody>
       </p:sp>
-      <mc:AlternateContent xmlns:mc="http://schemas.openxmlformats.org/markup-compatibility/2006">
-        <mc:Choice xmlns:a14="http://schemas.microsoft.com/office/drawing/2010/main" Requires="a14">
+      <mc:AlternateContent xmlns:mc="http://schemas.openxmlformats.org/markup-compatibility/2006" xmlns:a14="http://schemas.microsoft.com/office/drawing/2010/main">
+        <mc:Choice Requires="a14">
           <p:sp>
             <p:nvSpPr>
               <p:cNvPr id="3" name="Content Placeholder 2">
@@ -24526,7 +24526,7 @@
             </p:txBody>
           </p:sp>
         </mc:Choice>
-        <mc:Fallback>
+        <mc:Fallback xmlns="">
           <p:sp>
             <p:nvSpPr>
               <p:cNvPr id="3" name="Content Placeholder 2">
@@ -25210,8 +25210,8 @@
           <a:chExt cx="0" cy="0"/>
         </a:xfrm>
       </p:grpSpPr>
-      <mc:AlternateContent xmlns:mc="http://schemas.openxmlformats.org/markup-compatibility/2006">
-        <mc:Choice xmlns:a14="http://schemas.microsoft.com/office/drawing/2010/main" Requires="a14">
+      <mc:AlternateContent xmlns:mc="http://schemas.openxmlformats.org/markup-compatibility/2006" xmlns:a14="http://schemas.microsoft.com/office/drawing/2010/main">
+        <mc:Choice Requires="a14">
           <p:sp>
             <p:nvSpPr>
               <p:cNvPr id="3" name="Content Placeholder 2">
@@ -25781,7 +25781,7 @@
             </p:txBody>
           </p:sp>
         </mc:Choice>
-        <mc:Fallback>
+        <mc:Fallback xmlns="">
           <p:sp>
             <p:nvSpPr>
               <p:cNvPr id="3" name="Content Placeholder 2">
@@ -26031,25 +26031,25 @@
             </a:r>
           </a:p>
           <a:p>
-            <a:pPr marL="0" indent="0" algn="ctr">
+            <a:pPr marL="0" indent="0">
               <a:buNone/>
             </a:pPr>
             <a:r>
               <a:rPr lang="fr-CA" sz="1800" dirty="0">
                 <a:latin typeface="Aptos "/>
               </a:rPr>
-              <a:t>Éléments poutre (PBEAM) : les disques intervertébraux élastiques</a:t>
+              <a:t>       -Éléments poutre (PBEAM) : les disques intervertébraux élastiques</a:t>
             </a:r>
           </a:p>
           <a:p>
-            <a:pPr marL="0" indent="0" algn="ctr">
+            <a:pPr marL="0" indent="0">
               <a:buNone/>
             </a:pPr>
             <a:r>
               <a:rPr lang="fr-CA" sz="1800" dirty="0">
                 <a:latin typeface="Aptos "/>
               </a:rPr>
-              <a:t>Éléments RBE2 : modélisent la rigidité des os (des vertèbres)</a:t>
+              <a:t>       -Éléments RBE2 : modélisent la rigidité des os (des vertèbres)</a:t>
             </a:r>
           </a:p>
           <a:p>
@@ -26645,6 +26645,119 @@
           </a:p>
         </p:txBody>
       </p:sp>
+      <p:sp>
+        <p:nvSpPr>
+          <p:cNvPr id="5" name="Accolade ouvrante 4">
+            <a:extLst>
+              <a:ext uri="{FF2B5EF4-FFF2-40B4-BE49-F238E27FC236}">
+                <a16:creationId xmlns:a16="http://schemas.microsoft.com/office/drawing/2014/main" id="{A990E065-B949-166B-48E8-9331B0FEC256}"/>
+              </a:ext>
+            </a:extLst>
+          </p:cNvPr>
+          <p:cNvSpPr/>
+          <p:nvPr/>
+        </p:nvSpPr>
+        <p:spPr>
+          <a:xfrm>
+            <a:off x="3600450" y="5305425"/>
+            <a:ext cx="314325" cy="857250"/>
+          </a:xfrm>
+          <a:prstGeom prst="leftBrace">
+            <a:avLst>
+              <a:gd name="adj1" fmla="val 8333"/>
+              <a:gd name="adj2" fmla="val 48889"/>
+            </a:avLst>
+          </a:prstGeom>
+        </p:spPr>
+        <p:style>
+          <a:lnRef idx="2">
+            <a:schemeClr val="dk1"/>
+          </a:lnRef>
+          <a:fillRef idx="0">
+            <a:schemeClr val="dk1"/>
+          </a:fillRef>
+          <a:effectRef idx="1">
+            <a:schemeClr val="dk1"/>
+          </a:effectRef>
+          <a:fontRef idx="minor">
+            <a:schemeClr val="tx1"/>
+          </a:fontRef>
+        </p:style>
+        <p:txBody>
+          <a:bodyPr rtlCol="0" anchor="ctr"/>
+          <a:lstStyle/>
+          <a:p>
+            <a:pPr algn="ctr"/>
+            <a:endParaRPr lang="fr-FR">
+              <a:ln w="0"/>
+              <a:effectLst>
+                <a:outerShdw blurRad="38100" dist="19050" dir="2700000" algn="tl" rotWithShape="0">
+                  <a:schemeClr val="dk1">
+                    <a:alpha val="40000"/>
+                  </a:schemeClr>
+                </a:outerShdw>
+              </a:effectLst>
+            </a:endParaRPr>
+          </a:p>
+        </p:txBody>
+      </p:sp>
+      <p:sp>
+        <p:nvSpPr>
+          <p:cNvPr id="7" name="ZoneTexte 6">
+            <a:extLst>
+              <a:ext uri="{FF2B5EF4-FFF2-40B4-BE49-F238E27FC236}">
+                <a16:creationId xmlns:a16="http://schemas.microsoft.com/office/drawing/2014/main" id="{8BA538D5-96FC-8D2B-CEC0-EE24AA40F0A3}"/>
+              </a:ext>
+            </a:extLst>
+          </p:cNvPr>
+          <p:cNvSpPr txBox="1"/>
+          <p:nvPr/>
+        </p:nvSpPr>
+        <p:spPr>
+          <a:xfrm>
+            <a:off x="816931" y="5410884"/>
+            <a:ext cx="2783519" cy="646331"/>
+          </a:xfrm>
+          <a:prstGeom prst="rect">
+            <a:avLst/>
+          </a:prstGeom>
+          <a:noFill/>
+        </p:spPr>
+        <p:txBody>
+          <a:bodyPr wrap="none" rtlCol="0">
+            <a:spAutoFit/>
+          </a:bodyPr>
+          <a:lstStyle/>
+          <a:p>
+            <a:r>
+              <a:rPr lang="en-US" dirty="0"/>
+              <a:t>Données </a:t>
+            </a:r>
+            <a:r>
+              <a:rPr lang="fr-CA" dirty="0"/>
+              <a:t>utilisées</a:t>
+            </a:r>
+          </a:p>
+          <a:p>
+            <a:r>
+              <a:rPr lang="en-US" dirty="0"/>
+              <a:t> dans le cadre de </a:t>
+            </a:r>
+            <a:r>
+              <a:rPr lang="fr-CA" dirty="0"/>
+              <a:t>ce</a:t>
+            </a:r>
+            <a:r>
+              <a:rPr lang="en-US" dirty="0"/>
+              <a:t> </a:t>
+            </a:r>
+            <a:r>
+              <a:rPr lang="fr-CA" dirty="0"/>
+              <a:t>projet</a:t>
+            </a:r>
+          </a:p>
+        </p:txBody>
+      </p:sp>
     </p:spTree>
     <p:extLst>
       <p:ext uri="{BB962C8B-B14F-4D97-AF65-F5344CB8AC3E}">
@@ -26716,8 +26829,8 @@
           </a:p>
         </p:txBody>
       </p:sp>
-      <mc:AlternateContent xmlns:mc="http://schemas.openxmlformats.org/markup-compatibility/2006">
-        <mc:Choice xmlns:a14="http://schemas.microsoft.com/office/drawing/2010/main" Requires="a14">
+      <mc:AlternateContent xmlns:mc="http://schemas.openxmlformats.org/markup-compatibility/2006" xmlns:a14="http://schemas.microsoft.com/office/drawing/2010/main">
+        <mc:Choice Requires="a14">
           <p:sp>
             <p:nvSpPr>
               <p:cNvPr id="3" name="Content Placeholder 2">
@@ -26916,7 +27029,7 @@
             </p:txBody>
           </p:sp>
         </mc:Choice>
-        <mc:Fallback>
+        <mc:Fallback xmlns="">
           <p:sp>
             <p:nvSpPr>
               <p:cNvPr id="3" name="Content Placeholder 2">
@@ -27426,12 +27539,8 @@
           <a:lstStyle/>
           <a:p>
             <a:r>
-              <a:rPr lang="fr-FR" sz="1800" dirty="0" err="1"/>
-              <a:t>Lasolution</a:t>
-            </a:r>
-            <a:r>
               <a:rPr lang="fr-FR" sz="1800" dirty="0"/>
-              <a:t> numérique générée par </a:t>
+              <a:t>La solution numérique générée par </a:t>
             </a:r>
             <a:r>
               <a:rPr lang="fr-FR" sz="1800" dirty="0" err="1"/>
@@ -27439,7 +27548,7 @@
             </a:r>
             <a:r>
               <a:rPr lang="fr-FR" sz="1800" dirty="0"/>
-              <a:t> se rapproche de la solution analytique de la poutre d’Euler</a:t>
+              <a:t> 3D se rapproche de la solution analytique de la poutre d’Euler</a:t>
             </a:r>
           </a:p>
           <a:p>
@@ -28631,8 +28740,8 @@
           </a:p>
         </p:txBody>
       </p:sp>
-      <mc:AlternateContent xmlns:mc="http://schemas.openxmlformats.org/markup-compatibility/2006" xmlns:a14="http://schemas.microsoft.com/office/drawing/2010/main">
-        <mc:Choice Requires="a14">
+      <mc:AlternateContent xmlns:mc="http://schemas.openxmlformats.org/markup-compatibility/2006">
+        <mc:Choice xmlns:a14="http://schemas.microsoft.com/office/drawing/2010/main" Requires="a14">
           <p:sp>
             <p:nvSpPr>
               <p:cNvPr id="3" name="Content Placeholder 2">
@@ -28661,12 +28770,10 @@
               </a:bodyPr>
               <a:lstStyle/>
               <a:p>
-                <a:pPr marL="0" indent="0" algn="just">
-                  <a:buNone/>
-                </a:pPr>
+                <a:pPr algn="just"/>
                 <a:r>
                   <a:rPr lang="fr-CA" sz="1800" dirty="0"/>
-                  <a:t>Tout d’abord il faut garder à l’esprit que l’erreur de discrétisation en éléments finis converge en O(h</a:t>
+                  <a:t>L’erreur de discrétisation en éléments finis converge en O(h</a:t>
                 </a:r>
                 <a:r>
                   <a:rPr lang="fr-CA" sz="1800" baseline="30000" dirty="0"/>
@@ -28678,13 +28785,7 @@
                 </a:r>
               </a:p>
               <a:p>
-                <a:pPr marL="0" indent="0" algn="just">
-                  <a:buNone/>
-                </a:pPr>
-                <a:r>
-                  <a:rPr lang="fr-CA" sz="1800" dirty="0"/>
-                  <a:t>Dans notre cas, </a:t>
-                </a:r>
+                <a:pPr algn="just"/>
                 <a:r>
                   <a:rPr lang="fr-CA" sz="1800" dirty="0" err="1"/>
                   <a:t>SimCenter</a:t>
@@ -28743,12 +28844,10 @@
                 </a:r>
               </a:p>
               <a:p>
-                <a:pPr marL="0" indent="0" algn="just">
-                  <a:buNone/>
-                </a:pPr>
+                <a:pPr algn="just"/>
                 <a:r>
                   <a:rPr lang="fr-CA" sz="1800" dirty="0"/>
-                  <a:t>De plus, la qualité de la régression n’est pas à remettre en question puisque le coefficient de régression dans ce cas est tel que R</a:t>
+                  <a:t>La qualité de la régression n’est pas à remettre en question puisque le coefficient de régression dans ce cas est tel que R</a:t>
                 </a:r>
                 <a:r>
                   <a:rPr lang="fr-CA" sz="1800" baseline="30000" dirty="0"/>
@@ -28760,12 +28859,10 @@
                 </a:r>
               </a:p>
               <a:p>
-                <a:pPr marL="0" indent="0" algn="just">
-                  <a:buNone/>
-                </a:pPr>
+                <a:pPr algn="just"/>
                 <a:r>
                   <a:rPr lang="fr-CA" sz="1800" dirty="0"/>
-                  <a:t>Donc cet écart entre les deux ordres ne peut pas être expliqué par la régression mais peut l’être par les hypothèses faites sur par la formulation des poutres d’Euler et la formulation des poutres de Timoshenko qui sont incompatibles. Cela revient à dire que c’est incorrect de comparer les résultats de </a:t>
+                  <a:t>L’écart entre les deux ordres ne peut pas être expliqué par la régression mais peut l’être par les hypothèses faites sur par la formulation des poutres d’Euler et la formulation des poutres de Timoshenko qui sont incompatibles. Cela revient à dire que c’est incorrect de comparer les résultats de </a:t>
                 </a:r>
                 <a:r>
                   <a:rPr lang="fr-CA" sz="1800" dirty="0" err="1"/>
@@ -28785,7 +28882,7 @@
             </p:txBody>
           </p:sp>
         </mc:Choice>
-        <mc:Fallback xmlns="">
+        <mc:Fallback>
           <p:sp>
             <p:nvSpPr>
               <p:cNvPr id="3" name="Content Placeholder 2">
@@ -28810,7 +28907,7 @@
               <a:blipFill>
                 <a:blip r:embed="rId2"/>
                 <a:stretch>
-                  <a:fillRect l="-522" t="-1142" r="-464"/>
+                  <a:fillRect l="-406" t="-1142" r="-464"/>
                 </a:stretch>
               </a:blipFill>
             </p:spPr>
@@ -28819,7 +28916,7 @@
               <a:lstStyle/>
               <a:p>
                 <a:r>
-                  <a:rPr lang="en-CA">
+                  <a:rPr lang="fr-FR">
                     <a:noFill/>
                   </a:rPr>
                   <a:t> </a:t>
@@ -29556,6 +29653,15 @@
 </file>
 
 <file path=customXml/item1.xml><?xml version="1.0" encoding="utf-8"?>
+<?mso-contentType ?>
+<FormTemplates xmlns="http://schemas.microsoft.com/sharepoint/v3/contenttype/forms">
+  <Display>DocumentLibraryForm</Display>
+  <Edit>DocumentLibraryForm</Edit>
+  <New>DocumentLibraryForm</New>
+</FormTemplates>
+</file>
+
+<file path=customXml/item2.xml><?xml version="1.0" encoding="utf-8"?>
 <ct:contentTypeSchema xmlns:ct="http://schemas.microsoft.com/office/2006/metadata/contentType" xmlns:ma="http://schemas.microsoft.com/office/2006/metadata/properties/metaAttributes" ct:_="" ma:_="" ma:contentTypeName="Document" ma:contentTypeID="0x010100744768CFAF743F4A83B0523C20156377" ma:contentTypeVersion="11" ma:contentTypeDescription="Create a new document." ma:contentTypeScope="" ma:versionID="aafa440e1ffbdaf1b0956f4ac1c916a8">
   <xsd:schema xmlns:xsd="http://www.w3.org/2001/XMLSchema" xmlns:xs="http://www.w3.org/2001/XMLSchema" xmlns:p="http://schemas.microsoft.com/office/2006/metadata/properties" xmlns:ns2="ec825916-6f01-4646-bf11-4e97fdd06dc8" xmlns:ns3="10202d72-3646-4d36-9cf4-1feba2c78df0" targetNamespace="http://schemas.microsoft.com/office/2006/metadata/properties" ma:root="true" ma:fieldsID="7a73fe93b8aa32af4ca50956a2221801" ns2:_="" ns3:_="">
     <xsd:import namespace="ec825916-6f01-4646-bf11-4e97fdd06dc8"/>
@@ -29750,15 +29856,6 @@
 </ct:contentTypeSchema>
 </file>
 
-<file path=customXml/item2.xml><?xml version="1.0" encoding="utf-8"?>
-<?mso-contentType ?>
-<FormTemplates xmlns="http://schemas.microsoft.com/sharepoint/v3/contenttype/forms">
-  <Display>DocumentLibraryForm</Display>
-  <Edit>DocumentLibraryForm</Edit>
-  <New>DocumentLibraryForm</New>
-</FormTemplates>
-</file>
-
 <file path=customXml/item3.xml><?xml version="1.0" encoding="utf-8"?>
 <p:properties xmlns:p="http://schemas.microsoft.com/office/2006/metadata/properties" xmlns:xsi="http://www.w3.org/2001/XMLSchema-instance" xmlns:pc="http://schemas.microsoft.com/office/infopath/2007/PartnerControls">
   <documentManagement>
@@ -29771,6 +29868,14 @@
 </file>
 
 <file path=customXml/itemProps1.xml><?xml version="1.0" encoding="utf-8"?>
+<ds:datastoreItem xmlns:ds="http://schemas.openxmlformats.org/officeDocument/2006/customXml" ds:itemID="{73F4A501-0066-4B8E-9AA2-A07CF344BF69}">
+  <ds:schemaRefs>
+    <ds:schemaRef ds:uri="http://schemas.microsoft.com/sharepoint/v3/contenttype/forms"/>
+  </ds:schemaRefs>
+</ds:datastoreItem>
+</file>
+
+<file path=customXml/itemProps2.xml><?xml version="1.0" encoding="utf-8"?>
 <ds:datastoreItem xmlns:ds="http://schemas.openxmlformats.org/officeDocument/2006/customXml" ds:itemID="{4AB5C90D-8262-4EAC-95BF-2CC4C44D50EC}">
   <ds:schemaRefs>
     <ds:schemaRef ds:uri="10202d72-3646-4d36-9cf4-1feba2c78df0"/>
@@ -29785,14 +29890,6 @@
     <ds:schemaRef ds:uri="http://schemas.microsoft.com/office/infopath/2007/PartnerControls"/>
     <ds:schemaRef ds:uri="http://schemas.openxmlformats.org/package/2006/metadata/core-properties"/>
     <ds:schemaRef ds:uri="http://www.w3.org/2001/XMLSchema"/>
-  </ds:schemaRefs>
-</ds:datastoreItem>
-</file>
-
-<file path=customXml/itemProps2.xml><?xml version="1.0" encoding="utf-8"?>
-<ds:datastoreItem xmlns:ds="http://schemas.openxmlformats.org/officeDocument/2006/customXml" ds:itemID="{73F4A501-0066-4B8E-9AA2-A07CF344BF69}">
-  <ds:schemaRefs>
-    <ds:schemaRef ds:uri="http://schemas.microsoft.com/sharepoint/v3/contenttype/forms"/>
   </ds:schemaRefs>
 </ds:datastoreItem>
 </file>

--- a/Presentation_Projet.pptx
+++ b/Presentation_Projet.pptx
@@ -18,9 +18,9 @@
     <p:sldId id="285" r:id="rId12"/>
     <p:sldId id="288" r:id="rId13"/>
     <p:sldId id="286" r:id="rId14"/>
-    <p:sldId id="289" r:id="rId15"/>
+    <p:sldId id="292" r:id="rId15"/>
     <p:sldId id="291" r:id="rId16"/>
-    <p:sldId id="290" r:id="rId17"/>
+    <p:sldId id="293" r:id="rId17"/>
     <p:sldId id="281" r:id="rId18"/>
     <p:sldId id="280" r:id="rId19"/>
     <p:sldId id="270" r:id="rId20"/>
@@ -954,7 +954,7 @@
 <file path=ppt/charts/chart1.xml><?xml version="1.0" encoding="utf-8"?>
 <c:chartSpace xmlns:c="http://schemas.openxmlformats.org/drawingml/2006/chart" xmlns:a="http://schemas.openxmlformats.org/drawingml/2006/main" xmlns:r="http://schemas.openxmlformats.org/officeDocument/2006/relationships" xmlns:c16r2="http://schemas.microsoft.com/office/drawing/2015/06/chart">
   <c:date1904 val="0"/>
-  <c:lang val="fr-FR"/>
+  <c:lang val="en-US"/>
   <c:roundedCorners val="0"/>
   <mc:AlternateContent xmlns:mc="http://schemas.openxmlformats.org/markup-compatibility/2006">
     <mc:Choice xmlns:c14="http://schemas.microsoft.com/office/drawing/2007/8/2/chart" Requires="c14">
@@ -2080,7 +2080,7 @@
                   <a:cs typeface="+mn-cs"/>
                 </a:defRPr>
               </a:pPr>
-              <a:endParaRPr lang="fr-FR"/>
+              <a:endParaRPr lang="en-US"/>
             </a:p>
           </c:txPr>
         </c:title>
@@ -2118,7 +2118,7 @@
                 <a:cs typeface="+mn-cs"/>
               </a:defRPr>
             </a:pPr>
-            <a:endParaRPr lang="fr-FR"/>
+            <a:endParaRPr lang="en-US"/>
           </a:p>
         </c:txPr>
         <c:crossAx val="477271791"/>
@@ -2202,7 +2202,7 @@
                   <a:cs typeface="+mn-cs"/>
                 </a:defRPr>
               </a:pPr>
-              <a:endParaRPr lang="fr-FR"/>
+              <a:endParaRPr lang="en-US"/>
             </a:p>
           </c:txPr>
         </c:title>
@@ -2240,7 +2240,7 @@
                 <a:cs typeface="+mn-cs"/>
               </a:defRPr>
             </a:pPr>
-            <a:endParaRPr lang="fr-FR"/>
+            <a:endParaRPr lang="en-US"/>
           </a:p>
         </c:txPr>
         <c:crossAx val="477280911"/>
@@ -2292,7 +2292,7 @@
               <a:cs typeface="+mn-cs"/>
             </a:defRPr>
           </a:pPr>
-          <a:endParaRPr lang="fr-FR"/>
+          <a:endParaRPr lang="en-US"/>
         </a:p>
       </c:txPr>
     </c:legend>
@@ -2321,7 +2321,7 @@
       <a:pPr>
         <a:defRPr/>
       </a:pPr>
-      <a:endParaRPr lang="fr-FR"/>
+      <a:endParaRPr lang="en-US"/>
     </a:p>
   </c:txPr>
   <c:externalData r:id="rId3">
@@ -2333,7 +2333,7 @@
 <file path=ppt/charts/chart2.xml><?xml version="1.0" encoding="utf-8"?>
 <c:chartSpace xmlns:c="http://schemas.openxmlformats.org/drawingml/2006/chart" xmlns:a="http://schemas.openxmlformats.org/drawingml/2006/main" xmlns:r="http://schemas.openxmlformats.org/officeDocument/2006/relationships" xmlns:c16r2="http://schemas.microsoft.com/office/drawing/2015/06/chart">
   <c:date1904 val="0"/>
-  <c:lang val="fr-FR"/>
+  <c:lang val="en-US"/>
   <c:roundedCorners val="0"/>
   <mc:AlternateContent xmlns:mc="http://schemas.openxmlformats.org/markup-compatibility/2006">
     <mc:Choice xmlns:c14="http://schemas.microsoft.com/office/drawing/2007/8/2/chart" Requires="c14">
@@ -2408,7 +2408,7 @@
               <a:cs typeface="+mn-cs"/>
             </a:defRPr>
           </a:pPr>
-          <a:endParaRPr lang="fr-FR"/>
+          <a:endParaRPr lang="en-US"/>
         </a:p>
       </c:txPr>
     </c:title>
@@ -2499,7 +2499,7 @@
                       <a:cs typeface="+mn-cs"/>
                     </a:defRPr>
                   </a:pPr>
-                  <a:endParaRPr lang="fr-FR"/>
+                  <a:endParaRPr lang="en-US"/>
                 </a:p>
               </c:txPr>
             </c:trendlineLbl>
@@ -2642,7 +2642,7 @@
                             <a:cs typeface="+mn-cs"/>
                           </a:defRPr>
                         </a:pPr>
-                        <a:endParaRPr lang="fr-FR"/>
+                        <a:endParaRPr lang="en-US"/>
                       </a:p>
                     </c:txPr>
                   </c:trendlineLbl>
@@ -2784,7 +2784,7 @@
                   <a:cs typeface="+mn-cs"/>
                 </a:defRPr>
               </a:pPr>
-              <a:endParaRPr lang="fr-FR"/>
+              <a:endParaRPr lang="en-US"/>
             </a:p>
           </c:txPr>
         </c:title>
@@ -2822,7 +2822,7 @@
                 <a:cs typeface="+mn-cs"/>
               </a:defRPr>
             </a:pPr>
-            <a:endParaRPr lang="fr-FR"/>
+            <a:endParaRPr lang="en-US"/>
           </a:p>
         </c:txPr>
         <c:crossAx val="1420657695"/>
@@ -2906,7 +2906,7 @@
                   <a:cs typeface="+mn-cs"/>
                 </a:defRPr>
               </a:pPr>
-              <a:endParaRPr lang="fr-FR"/>
+              <a:endParaRPr lang="en-US"/>
             </a:p>
           </c:txPr>
         </c:title>
@@ -2944,7 +2944,7 @@
                 <a:cs typeface="+mn-cs"/>
               </a:defRPr>
             </a:pPr>
-            <a:endParaRPr lang="fr-FR"/>
+            <a:endParaRPr lang="en-US"/>
           </a:p>
         </c:txPr>
         <c:crossAx val="1911372511"/>
@@ -2984,7 +2984,7 @@
       <a:pPr>
         <a:defRPr/>
       </a:pPr>
-      <a:endParaRPr lang="fr-FR"/>
+      <a:endParaRPr lang="en-US"/>
     </a:p>
   </c:txPr>
   <c:externalData r:id="rId3">
@@ -2996,7 +2996,7 @@
 <file path=ppt/charts/chart3.xml><?xml version="1.0" encoding="utf-8"?>
 <c:chartSpace xmlns:c="http://schemas.openxmlformats.org/drawingml/2006/chart" xmlns:a="http://schemas.openxmlformats.org/drawingml/2006/main" xmlns:r="http://schemas.openxmlformats.org/officeDocument/2006/relationships" xmlns:c16r2="http://schemas.microsoft.com/office/drawing/2015/06/chart">
   <c:date1904 val="0"/>
-  <c:lang val="fr-FR"/>
+  <c:lang val="en-US"/>
   <c:roundedCorners val="0"/>
   <mc:AlternateContent xmlns:mc="http://schemas.openxmlformats.org/markup-compatibility/2006">
     <mc:Choice xmlns:c14="http://schemas.microsoft.com/office/drawing/2007/8/2/chart" Requires="c14">
@@ -3063,7 +3063,7 @@
               <a:cs typeface="+mn-cs"/>
             </a:defRPr>
           </a:pPr>
-          <a:endParaRPr lang="fr-FR"/>
+          <a:endParaRPr lang="en-US"/>
         </a:p>
       </c:txPr>
     </c:title>
@@ -3140,7 +3140,7 @@
                       <a:cs typeface="+mn-cs"/>
                     </a:defRPr>
                   </a:pPr>
-                  <a:endParaRPr lang="fr-FR"/>
+                  <a:endParaRPr lang="en-US"/>
                 </a:p>
               </c:txPr>
             </c:trendlineLbl>
@@ -3285,7 +3285,7 @@
                 <a:cs typeface="+mn-cs"/>
               </a:defRPr>
             </a:pPr>
-            <a:endParaRPr lang="fr-FR"/>
+            <a:endParaRPr lang="en-US"/>
           </a:p>
         </c:txPr>
         <c:crossAx val="642880048"/>
@@ -3348,7 +3348,7 @@
                 <a:cs typeface="+mn-cs"/>
               </a:defRPr>
             </a:pPr>
-            <a:endParaRPr lang="fr-FR"/>
+            <a:endParaRPr lang="en-US"/>
           </a:p>
         </c:txPr>
         <c:crossAx val="642881968"/>
@@ -3388,7 +3388,7 @@
       <a:pPr>
         <a:defRPr/>
       </a:pPr>
-      <a:endParaRPr lang="fr-FR"/>
+      <a:endParaRPr lang="en-US"/>
     </a:p>
   </c:txPr>
   <c:externalData r:id="rId3">
@@ -3400,7 +3400,7 @@
 <file path=ppt/charts/chart4.xml><?xml version="1.0" encoding="utf-8"?>
 <c:chartSpace xmlns:c="http://schemas.openxmlformats.org/drawingml/2006/chart" xmlns:a="http://schemas.openxmlformats.org/drawingml/2006/main" xmlns:r="http://schemas.openxmlformats.org/officeDocument/2006/relationships" xmlns:c16r2="http://schemas.microsoft.com/office/drawing/2015/06/chart">
   <c:date1904 val="0"/>
-  <c:lang val="fr-FR"/>
+  <c:lang val="en-US"/>
   <c:roundedCorners val="0"/>
   <mc:AlternateContent xmlns:mc="http://schemas.openxmlformats.org/markup-compatibility/2006">
     <mc:Choice xmlns:c14="http://schemas.microsoft.com/office/drawing/2007/8/2/chart" Requires="c14">
@@ -4161,7 +4161,7 @@
                   <a:cs typeface="+mn-cs"/>
                 </a:defRPr>
               </a:pPr>
-              <a:endParaRPr lang="fr-FR"/>
+              <a:endParaRPr lang="en-US"/>
             </a:p>
           </c:txPr>
         </c:title>
@@ -4199,7 +4199,7 @@
                 <a:cs typeface="+mn-cs"/>
               </a:defRPr>
             </a:pPr>
-            <a:endParaRPr lang="fr-FR"/>
+            <a:endParaRPr lang="en-US"/>
           </a:p>
         </c:txPr>
         <c:crossAx val="1457253920"/>
@@ -4279,7 +4279,7 @@
                   <a:cs typeface="+mn-cs"/>
                 </a:defRPr>
               </a:pPr>
-              <a:endParaRPr lang="fr-FR"/>
+              <a:endParaRPr lang="en-US"/>
             </a:p>
           </c:txPr>
         </c:title>
@@ -4317,7 +4317,7 @@
                 <a:cs typeface="+mn-cs"/>
               </a:defRPr>
             </a:pPr>
-            <a:endParaRPr lang="fr-FR"/>
+            <a:endParaRPr lang="en-US"/>
           </a:p>
         </c:txPr>
         <c:crossAx val="1457258720"/>
@@ -4357,7 +4357,7 @@
       <a:pPr>
         <a:defRPr/>
       </a:pPr>
-      <a:endParaRPr lang="fr-FR"/>
+      <a:endParaRPr lang="en-US"/>
     </a:p>
   </c:txPr>
   <c:externalData r:id="rId3">
@@ -4369,7 +4369,7 @@
 <file path=ppt/charts/chart5.xml><?xml version="1.0" encoding="utf-8"?>
 <c:chartSpace xmlns:c="http://schemas.openxmlformats.org/drawingml/2006/chart" xmlns:a="http://schemas.openxmlformats.org/drawingml/2006/main" xmlns:r="http://schemas.openxmlformats.org/officeDocument/2006/relationships" xmlns:c16r2="http://schemas.microsoft.com/office/drawing/2015/06/chart">
   <c:date1904 val="0"/>
-  <c:lang val="fr-FR"/>
+  <c:lang val="en-US"/>
   <c:roundedCorners val="0"/>
   <mc:AlternateContent xmlns:mc="http://schemas.openxmlformats.org/markup-compatibility/2006">
     <mc:Choice xmlns:c14="http://schemas.microsoft.com/office/drawing/2007/8/2/chart" Requires="c14">
@@ -5142,7 +5142,7 @@
                   <a:cs typeface="+mn-cs"/>
                 </a:defRPr>
               </a:pPr>
-              <a:endParaRPr lang="fr-FR"/>
+              <a:endParaRPr lang="en-US"/>
             </a:p>
           </c:txPr>
         </c:title>
@@ -5180,7 +5180,7 @@
                 <a:cs typeface="+mn-cs"/>
               </a:defRPr>
             </a:pPr>
-            <a:endParaRPr lang="fr-FR"/>
+            <a:endParaRPr lang="en-US"/>
           </a:p>
         </c:txPr>
         <c:crossAx val="2041938592"/>
@@ -5260,7 +5260,7 @@
                   <a:cs typeface="+mn-cs"/>
                 </a:defRPr>
               </a:pPr>
-              <a:endParaRPr lang="fr-FR"/>
+              <a:endParaRPr lang="en-US"/>
             </a:p>
           </c:txPr>
         </c:title>
@@ -5298,7 +5298,7 @@
                 <a:cs typeface="+mn-cs"/>
               </a:defRPr>
             </a:pPr>
-            <a:endParaRPr lang="fr-FR"/>
+            <a:endParaRPr lang="en-US"/>
           </a:p>
         </c:txPr>
         <c:crossAx val="2041944352"/>
@@ -5338,7 +5338,7 @@
       <a:pPr>
         <a:defRPr/>
       </a:pPr>
-      <a:endParaRPr lang="fr-FR"/>
+      <a:endParaRPr lang="en-US"/>
     </a:p>
   </c:txPr>
   <c:externalData r:id="rId3">
@@ -5350,7 +5350,7 @@
 <file path=ppt/charts/chart6.xml><?xml version="1.0" encoding="utf-8"?>
 <c:chartSpace xmlns:c="http://schemas.openxmlformats.org/drawingml/2006/chart" xmlns:a="http://schemas.openxmlformats.org/drawingml/2006/main" xmlns:r="http://schemas.openxmlformats.org/officeDocument/2006/relationships" xmlns:c16r2="http://schemas.microsoft.com/office/drawing/2015/06/chart">
   <c:date1904 val="0"/>
-  <c:lang val="fr-FR"/>
+  <c:lang val="en-US"/>
   <c:roundedCorners val="0"/>
   <mc:AlternateContent xmlns:mc="http://schemas.openxmlformats.org/markup-compatibility/2006">
     <mc:Choice xmlns:c14="http://schemas.microsoft.com/office/drawing/2007/8/2/chart" Requires="c14">
@@ -6157,7 +6157,7 @@
                   <a:cs typeface="+mn-cs"/>
                 </a:defRPr>
               </a:pPr>
-              <a:endParaRPr lang="fr-FR"/>
+              <a:endParaRPr lang="en-US"/>
             </a:p>
           </c:txPr>
         </c:title>
@@ -6195,7 +6195,7 @@
                 <a:cs typeface="+mn-cs"/>
               </a:defRPr>
             </a:pPr>
-            <a:endParaRPr lang="fr-FR"/>
+            <a:endParaRPr lang="en-US"/>
           </a:p>
         </c:txPr>
         <c:crossAx val="2041041472"/>
@@ -6275,7 +6275,7 @@
                   <a:cs typeface="+mn-cs"/>
                 </a:defRPr>
               </a:pPr>
-              <a:endParaRPr lang="fr-FR"/>
+              <a:endParaRPr lang="en-US"/>
             </a:p>
           </c:txPr>
         </c:title>
@@ -6313,7 +6313,7 @@
                 <a:cs typeface="+mn-cs"/>
               </a:defRPr>
             </a:pPr>
-            <a:endParaRPr lang="fr-FR"/>
+            <a:endParaRPr lang="en-US"/>
           </a:p>
         </c:txPr>
         <c:crossAx val="2041040032"/>
@@ -6353,7 +6353,7 @@
       <a:pPr>
         <a:defRPr/>
       </a:pPr>
-      <a:endParaRPr lang="fr-FR"/>
+      <a:endParaRPr lang="en-US"/>
     </a:p>
   </c:txPr>
   <c:externalData r:id="rId3">
@@ -6365,7 +6365,7 @@
 <file path=ppt/charts/chart7.xml><?xml version="1.0" encoding="utf-8"?>
 <c:chartSpace xmlns:c="http://schemas.openxmlformats.org/drawingml/2006/chart" xmlns:a="http://schemas.openxmlformats.org/drawingml/2006/main" xmlns:r="http://schemas.openxmlformats.org/officeDocument/2006/relationships" xmlns:c16r2="http://schemas.microsoft.com/office/drawing/2015/06/chart">
   <c:date1904 val="0"/>
-  <c:lang val="fr-FR"/>
+  <c:lang val="en-US"/>
   <c:roundedCorners val="0"/>
   <mc:AlternateContent xmlns:mc="http://schemas.openxmlformats.org/markup-compatibility/2006">
     <mc:Choice xmlns:c14="http://schemas.microsoft.com/office/drawing/2007/8/2/chart" Requires="c14">
@@ -6613,7 +6613,7 @@
                   <a:cs typeface="+mn-cs"/>
                 </a:defRPr>
               </a:pPr>
-              <a:endParaRPr lang="fr-FR"/>
+              <a:endParaRPr lang="en-US"/>
             </a:p>
           </c:txPr>
         </c:title>
@@ -6651,7 +6651,7 @@
                 <a:cs typeface="+mn-cs"/>
               </a:defRPr>
             </a:pPr>
-            <a:endParaRPr lang="fr-FR"/>
+            <a:endParaRPr lang="en-US"/>
           </a:p>
         </c:txPr>
         <c:crossAx val="1632011967"/>
@@ -6691,7 +6691,7 @@
       <a:pPr>
         <a:defRPr/>
       </a:pPr>
-      <a:endParaRPr lang="fr-FR"/>
+      <a:endParaRPr lang="en-US"/>
     </a:p>
   </c:txPr>
   <c:externalData r:id="rId3">
@@ -10910,7 +10910,7 @@
           <a:p>
             <a:fld id="{603E9730-38DB-4F77-A139-6CE923099591}" type="slidenum">
               <a:rPr lang="en-CA" smtClean="0"/>
-              <a:t>‹N°›</a:t>
+              <a:t>‹#›</a:t>
             </a:fld>
             <a:endParaRPr lang="en-CA"/>
           </a:p>
@@ -11222,7 +11222,7 @@
           <a:p>
             <a:fld id="{4BD3201E-7DF8-462B-AC18-61E63795AE0D}" type="slidenum">
               <a:rPr lang="en-CA" smtClean="0"/>
-              <a:t>‹N°›</a:t>
+              <a:t>‹#›</a:t>
             </a:fld>
             <a:endParaRPr lang="en-CA"/>
           </a:p>
@@ -11422,7 +11422,7 @@
           <a:p>
             <a:fld id="{4BD3201E-7DF8-462B-AC18-61E63795AE0D}" type="slidenum">
               <a:rPr lang="en-CA" smtClean="0"/>
-              <a:t>‹N°›</a:t>
+              <a:t>‹#›</a:t>
             </a:fld>
             <a:endParaRPr lang="en-CA"/>
           </a:p>
@@ -11632,7 +11632,7 @@
           <a:p>
             <a:fld id="{4BD3201E-7DF8-462B-AC18-61E63795AE0D}" type="slidenum">
               <a:rPr lang="en-CA" smtClean="0"/>
-              <a:t>‹N°›</a:t>
+              <a:t>‹#›</a:t>
             </a:fld>
             <a:endParaRPr lang="en-CA"/>
           </a:p>
@@ -11832,7 +11832,7 @@
           <a:p>
             <a:fld id="{4BD3201E-7DF8-462B-AC18-61E63795AE0D}" type="slidenum">
               <a:rPr lang="en-CA" smtClean="0"/>
-              <a:t>‹N°›</a:t>
+              <a:t>‹#›</a:t>
             </a:fld>
             <a:endParaRPr lang="en-CA"/>
           </a:p>
@@ -12108,7 +12108,7 @@
           <a:p>
             <a:fld id="{4BD3201E-7DF8-462B-AC18-61E63795AE0D}" type="slidenum">
               <a:rPr lang="en-CA" smtClean="0"/>
-              <a:t>‹N°›</a:t>
+              <a:t>‹#›</a:t>
             </a:fld>
             <a:endParaRPr lang="en-CA"/>
           </a:p>
@@ -12376,7 +12376,7 @@
           <a:p>
             <a:fld id="{4BD3201E-7DF8-462B-AC18-61E63795AE0D}" type="slidenum">
               <a:rPr lang="en-CA" smtClean="0"/>
-              <a:t>‹N°›</a:t>
+              <a:t>‹#›</a:t>
             </a:fld>
             <a:endParaRPr lang="en-CA"/>
           </a:p>
@@ -12791,7 +12791,7 @@
           <a:p>
             <a:fld id="{4BD3201E-7DF8-462B-AC18-61E63795AE0D}" type="slidenum">
               <a:rPr lang="en-CA" smtClean="0"/>
-              <a:t>‹N°›</a:t>
+              <a:t>‹#›</a:t>
             </a:fld>
             <a:endParaRPr lang="en-CA"/>
           </a:p>
@@ -12933,7 +12933,7 @@
           <a:p>
             <a:fld id="{4BD3201E-7DF8-462B-AC18-61E63795AE0D}" type="slidenum">
               <a:rPr lang="en-CA" smtClean="0"/>
-              <a:t>‹N°›</a:t>
+              <a:t>‹#›</a:t>
             </a:fld>
             <a:endParaRPr lang="en-CA"/>
           </a:p>
@@ -13046,7 +13046,7 @@
           <a:p>
             <a:fld id="{4BD3201E-7DF8-462B-AC18-61E63795AE0D}" type="slidenum">
               <a:rPr lang="en-CA" smtClean="0"/>
-              <a:t>‹N°›</a:t>
+              <a:t>‹#›</a:t>
             </a:fld>
             <a:endParaRPr lang="en-CA"/>
           </a:p>
@@ -13359,7 +13359,7 @@
           <a:p>
             <a:fld id="{4BD3201E-7DF8-462B-AC18-61E63795AE0D}" type="slidenum">
               <a:rPr lang="en-CA" smtClean="0"/>
-              <a:t>‹N°›</a:t>
+              <a:t>‹#›</a:t>
             </a:fld>
             <a:endParaRPr lang="en-CA"/>
           </a:p>
@@ -13648,7 +13648,7 @@
           <a:p>
             <a:fld id="{4BD3201E-7DF8-462B-AC18-61E63795AE0D}" type="slidenum">
               <a:rPr lang="en-CA" smtClean="0"/>
-              <a:t>‹N°›</a:t>
+              <a:t>‹#›</a:t>
             </a:fld>
             <a:endParaRPr lang="en-CA"/>
           </a:p>
@@ -13927,7 +13927,7 @@
           <a:p>
             <a:fld id="{4BD3201E-7DF8-462B-AC18-61E63795AE0D}" type="slidenum">
               <a:rPr lang="en-CA" smtClean="0"/>
-              <a:t>‹N°›</a:t>
+              <a:t>‹#›</a:t>
             </a:fld>
             <a:endParaRPr lang="en-CA"/>
           </a:p>
@@ -14997,8 +14997,8 @@
           </a:p>
         </p:txBody>
       </p:sp>
-      <mc:AlternateContent xmlns:mc="http://schemas.openxmlformats.org/markup-compatibility/2006" xmlns:a14="http://schemas.microsoft.com/office/drawing/2010/main">
-        <mc:Choice Requires="a14">
+      <mc:AlternateContent xmlns:mc="http://schemas.openxmlformats.org/markup-compatibility/2006">
+        <mc:Choice xmlns:a14="http://schemas.microsoft.com/office/drawing/2010/main" Requires="a14">
           <p:sp>
             <p:nvSpPr>
               <p:cNvPr id="3" name="Content Placeholder 2">
@@ -15018,30 +15018,32 @@
             <p:spPr>
               <a:xfrm>
                 <a:off x="838200" y="1150374"/>
-                <a:ext cx="10515600" cy="5342501"/>
+                <a:ext cx="6272814" cy="5342501"/>
               </a:xfrm>
             </p:spPr>
             <p:txBody>
               <a:bodyPr>
-                <a:normAutofit fontScale="92500" lnSpcReduction="20000"/>
+                <a:normAutofit fontScale="70000" lnSpcReduction="20000"/>
               </a:bodyPr>
               <a:lstStyle/>
               <a:p>
-                <a:pPr marL="0" indent="0" algn="just">
-                  <a:buNone/>
-                </a:pPr>
+                <a:pPr algn="just"/>
                 <a:r>
                   <a:rPr lang="fr-CA" sz="1800" dirty="0"/>
-                  <a:t>Il est donc possible de remarquer qu’une différente méthode est nécessaire afin d’effectuer la vérification de code. Pour ce faire, il est possible d’utiliser l’énergie de déformation.</a:t>
+                  <a:t>Norme L2 non-valide pour les éléments poutre</a:t>
                 </a:r>
               </a:p>
               <a:p>
                 <a:pPr marL="0" indent="0" algn="just">
                   <a:buNone/>
                 </a:pPr>
+                <a:endParaRPr lang="fr-CA" sz="1800" dirty="0"/>
+              </a:p>
+              <a:p>
+                <a:pPr algn="just"/>
                 <a:r>
                   <a:rPr lang="fr-CA" sz="1800" dirty="0"/>
-                  <a:t>L’énergie de déformation par élément linéaire est définie comme suit:</a:t>
+                  <a:t>Utilisation de l’énergie de déformation</a:t>
                 </a:r>
               </a:p>
               <a:p>
@@ -15154,12 +15156,10 @@
                 <a:endParaRPr lang="fr-CA" sz="1800" dirty="0"/>
               </a:p>
               <a:p>
-                <a:pPr marL="0" indent="0" algn="just">
-                  <a:buNone/>
-                </a:pPr>
+                <a:pPr algn="just"/>
                 <a:r>
                   <a:rPr lang="fr-CA" sz="1800" dirty="0"/>
-                  <a:t>L’erreur locale de discrétisation est définie comme étant:</a:t>
+                  <a:t>L’erreur locale de discrétisation est :</a:t>
                 </a:r>
               </a:p>
               <a:p>
@@ -15270,12 +15270,10 @@
                 <a:endParaRPr lang="fr-CA" sz="1800" dirty="0"/>
               </a:p>
               <a:p>
-                <a:pPr marL="0" indent="0" algn="just">
-                  <a:buNone/>
-                </a:pPr>
+                <a:pPr algn="just"/>
                 <a:r>
                   <a:rPr lang="fr-CA" sz="1800" dirty="0"/>
-                  <a:t>De ce fait, l’erreur locale sur l’énergie de déformation peut être définie comme étant:</a:t>
+                  <a:t>L’erreur locale sur l’énergie de déformation devient:</a:t>
                 </a:r>
               </a:p>
               <a:p>
@@ -15304,10 +15302,13 @@
                         </m:sSupPr>
                         <m:e>
                           <m:r>
-                            <a:rPr lang="fr-CA" sz="1800" b="0" i="1" smtClean="0">
+                            <m:rPr>
+                              <m:sty m:val="p"/>
+                            </m:rPr>
+                            <a:rPr lang="el-GR" sz="1800" b="0" i="1" smtClean="0">
                               <a:latin typeface="Cambria Math" panose="02040503050406030204" pitchFamily="18" charset="0"/>
                             </a:rPr>
-                            <m:t>𝐸</m:t>
+                            <m:t>ε</m:t>
                           </m:r>
                         </m:e>
                         <m:sup>
@@ -15399,13 +15400,15 @@
                 <a:endParaRPr lang="fr-CA" sz="1800" dirty="0"/>
               </a:p>
               <a:p>
-                <a:pPr marL="0" indent="0" algn="just">
-                  <a:buNone/>
-                </a:pPr>
+                <a:pPr algn="just"/>
                 <a:r>
                   <a:rPr lang="fr-CA" sz="1800" dirty="0"/>
-                  <a:t>Toutefois, elle peut également être définie à l’aide de la formulation de l’erreur de discrétisation d’une méthode par éléments finis, soit:</a:t>
+                  <a:t>À l’aide de la formulation de l’erreur de discrétisation d’une méthode par éléments finis, elle est également définie comme:</a:t>
                 </a:r>
+              </a:p>
+              <a:p>
+                <a:pPr algn="just"/>
+                <a:endParaRPr lang="fr-CA" sz="1800" dirty="0"/>
               </a:p>
               <a:p>
                 <a:pPr marL="0" indent="0" algn="just">
@@ -15418,10 +15421,11 @@
                     </m:oMathParaPr>
                     <m:oMath xmlns:m="http://schemas.openxmlformats.org/officeDocument/2006/math">
                       <m:r>
-                        <a:rPr lang="fr-CA" sz="1800" b="0" i="1" smtClean="0">
-                          <a:latin typeface="Cambria Math" panose="02040503050406030204" pitchFamily="18" charset="0"/>
-                        </a:rPr>
-                        <m:t>𝐸</m:t>
+                        <m:rPr>
+                          <m:nor/>
+                        </m:rPr>
+                        <a:rPr lang="el-GR" sz="1800" dirty="0"/>
+                        <m:t>ε</m:t>
                       </m:r>
                       <m:r>
                         <a:rPr lang="fr-CA" sz="1800" b="0" i="1" smtClean="0">
@@ -15463,12 +15467,25 @@
                 <a:pPr marL="0" indent="0" algn="just">
                   <a:buNone/>
                 </a:pPr>
+                <a:endParaRPr lang="fr-CA" sz="1800" i="1" dirty="0"/>
+              </a:p>
+              <a:p>
+                <a:pPr algn="just"/>
+                <a:r>
+                  <a:rPr lang="fr-CA" sz="1800" dirty="0"/>
+                  <a:t>En combinant les deux équations, il est alors possible de calculer l’ordre de convergence du maillage.</a:t>
+                </a:r>
+              </a:p>
+              <a:p>
+                <a:pPr marL="0" indent="0" algn="just">
+                  <a:buNone/>
+                </a:pPr>
                 <a:endParaRPr lang="fr-CA" sz="1800" dirty="0"/>
               </a:p>
             </p:txBody>
           </p:sp>
         </mc:Choice>
-        <mc:Fallback xmlns="">
+        <mc:Fallback>
           <p:sp>
             <p:nvSpPr>
               <p:cNvPr id="3" name="Content Placeholder 2">
@@ -15488,12 +15505,12 @@
             <p:spPr>
               <a:xfrm>
                 <a:off x="838200" y="1150374"/>
-                <a:ext cx="10515600" cy="5342501"/>
+                <a:ext cx="6272814" cy="5342501"/>
               </a:xfrm>
               <a:blipFill>
                 <a:blip r:embed="rId2"/>
                 <a:stretch>
-                  <a:fillRect l="-406" t="-1598" r="-348"/>
+                  <a:fillRect l="-97" t="-913" r="-97" b="-799"/>
                 </a:stretch>
               </a:blipFill>
             </p:spPr>
@@ -15595,10 +15612,506 @@
           </a:p>
         </p:txBody>
       </p:sp>
+      <mc:AlternateContent xmlns:mc="http://schemas.openxmlformats.org/markup-compatibility/2006">
+        <mc:Choice xmlns:a14="http://schemas.microsoft.com/office/drawing/2010/main" Requires="a14">
+          <p:sp>
+            <p:nvSpPr>
+              <p:cNvPr id="6" name="Content Placeholder 2">
+                <a:extLst>
+                  <a:ext uri="{FF2B5EF4-FFF2-40B4-BE49-F238E27FC236}">
+                    <a16:creationId xmlns:a16="http://schemas.microsoft.com/office/drawing/2014/main" id="{9BEE59CD-AB30-FC94-BC2C-73A1370526C9}"/>
+                  </a:ext>
+                </a:extLst>
+              </p:cNvPr>
+              <p:cNvSpPr txBox="1">
+                <a:spLocks/>
+              </p:cNvSpPr>
+              <p:nvPr/>
+            </p:nvSpPr>
+            <p:spPr>
+              <a:xfrm>
+                <a:off x="7608162" y="1071716"/>
+                <a:ext cx="4440315" cy="5342501"/>
+              </a:xfrm>
+              <a:prstGeom prst="rect">
+                <a:avLst/>
+              </a:prstGeom>
+            </p:spPr>
+            <p:txBody>
+              <a:bodyPr vert="horz" lIns="91440" tIns="45720" rIns="91440" bIns="45720" rtlCol="0">
+                <a:normAutofit/>
+              </a:bodyPr>
+              <a:lstStyle>
+                <a:lvl1pPr marL="228600" indent="-228600" algn="l" defTabSz="914400" rtl="0" eaLnBrk="1" latinLnBrk="0" hangingPunct="1">
+                  <a:lnSpc>
+                    <a:spcPct val="90000"/>
+                  </a:lnSpc>
+                  <a:spcBef>
+                    <a:spcPts val="1000"/>
+                  </a:spcBef>
+                  <a:buFont typeface="Arial" panose="020B0604020202020204" pitchFamily="34" charset="0"/>
+                  <a:buChar char="•"/>
+                  <a:defRPr sz="2800" kern="1200">
+                    <a:solidFill>
+                      <a:schemeClr val="tx1"/>
+                    </a:solidFill>
+                    <a:latin typeface="+mn-lt"/>
+                    <a:ea typeface="+mn-ea"/>
+                    <a:cs typeface="+mn-cs"/>
+                  </a:defRPr>
+                </a:lvl1pPr>
+                <a:lvl2pPr marL="685800" indent="-228600" algn="l" defTabSz="914400" rtl="0" eaLnBrk="1" latinLnBrk="0" hangingPunct="1">
+                  <a:lnSpc>
+                    <a:spcPct val="90000"/>
+                  </a:lnSpc>
+                  <a:spcBef>
+                    <a:spcPts val="500"/>
+                  </a:spcBef>
+                  <a:buFont typeface="Arial" panose="020B0604020202020204" pitchFamily="34" charset="0"/>
+                  <a:buChar char="•"/>
+                  <a:defRPr sz="2400" kern="1200">
+                    <a:solidFill>
+                      <a:schemeClr val="tx1"/>
+                    </a:solidFill>
+                    <a:latin typeface="+mn-lt"/>
+                    <a:ea typeface="+mn-ea"/>
+                    <a:cs typeface="+mn-cs"/>
+                  </a:defRPr>
+                </a:lvl2pPr>
+                <a:lvl3pPr marL="1143000" indent="-228600" algn="l" defTabSz="914400" rtl="0" eaLnBrk="1" latinLnBrk="0" hangingPunct="1">
+                  <a:lnSpc>
+                    <a:spcPct val="90000"/>
+                  </a:lnSpc>
+                  <a:spcBef>
+                    <a:spcPts val="500"/>
+                  </a:spcBef>
+                  <a:buFont typeface="Arial" panose="020B0604020202020204" pitchFamily="34" charset="0"/>
+                  <a:buChar char="•"/>
+                  <a:defRPr sz="2000" kern="1200">
+                    <a:solidFill>
+                      <a:schemeClr val="tx1"/>
+                    </a:solidFill>
+                    <a:latin typeface="+mn-lt"/>
+                    <a:ea typeface="+mn-ea"/>
+                    <a:cs typeface="+mn-cs"/>
+                  </a:defRPr>
+                </a:lvl3pPr>
+                <a:lvl4pPr marL="1600200" indent="-228600" algn="l" defTabSz="914400" rtl="0" eaLnBrk="1" latinLnBrk="0" hangingPunct="1">
+                  <a:lnSpc>
+                    <a:spcPct val="90000"/>
+                  </a:lnSpc>
+                  <a:spcBef>
+                    <a:spcPts val="500"/>
+                  </a:spcBef>
+                  <a:buFont typeface="Arial" panose="020B0604020202020204" pitchFamily="34" charset="0"/>
+                  <a:buChar char="•"/>
+                  <a:defRPr sz="1800" kern="1200">
+                    <a:solidFill>
+                      <a:schemeClr val="tx1"/>
+                    </a:solidFill>
+                    <a:latin typeface="+mn-lt"/>
+                    <a:ea typeface="+mn-ea"/>
+                    <a:cs typeface="+mn-cs"/>
+                  </a:defRPr>
+                </a:lvl4pPr>
+                <a:lvl5pPr marL="2057400" indent="-228600" algn="l" defTabSz="914400" rtl="0" eaLnBrk="1" latinLnBrk="0" hangingPunct="1">
+                  <a:lnSpc>
+                    <a:spcPct val="90000"/>
+                  </a:lnSpc>
+                  <a:spcBef>
+                    <a:spcPts val="500"/>
+                  </a:spcBef>
+                  <a:buFont typeface="Arial" panose="020B0604020202020204" pitchFamily="34" charset="0"/>
+                  <a:buChar char="•"/>
+                  <a:defRPr sz="1800" kern="1200">
+                    <a:solidFill>
+                      <a:schemeClr val="tx1"/>
+                    </a:solidFill>
+                    <a:latin typeface="+mn-lt"/>
+                    <a:ea typeface="+mn-ea"/>
+                    <a:cs typeface="+mn-cs"/>
+                  </a:defRPr>
+                </a:lvl5pPr>
+                <a:lvl6pPr marL="2514600" indent="-228600" algn="l" defTabSz="914400" rtl="0" eaLnBrk="1" latinLnBrk="0" hangingPunct="1">
+                  <a:lnSpc>
+                    <a:spcPct val="90000"/>
+                  </a:lnSpc>
+                  <a:spcBef>
+                    <a:spcPts val="500"/>
+                  </a:spcBef>
+                  <a:buFont typeface="Arial" panose="020B0604020202020204" pitchFamily="34" charset="0"/>
+                  <a:buChar char="•"/>
+                  <a:defRPr sz="1800" kern="1200">
+                    <a:solidFill>
+                      <a:schemeClr val="tx1"/>
+                    </a:solidFill>
+                    <a:latin typeface="+mn-lt"/>
+                    <a:ea typeface="+mn-ea"/>
+                    <a:cs typeface="+mn-cs"/>
+                  </a:defRPr>
+                </a:lvl6pPr>
+                <a:lvl7pPr marL="2971800" indent="-228600" algn="l" defTabSz="914400" rtl="0" eaLnBrk="1" latinLnBrk="0" hangingPunct="1">
+                  <a:lnSpc>
+                    <a:spcPct val="90000"/>
+                  </a:lnSpc>
+                  <a:spcBef>
+                    <a:spcPts val="500"/>
+                  </a:spcBef>
+                  <a:buFont typeface="Arial" panose="020B0604020202020204" pitchFamily="34" charset="0"/>
+                  <a:buChar char="•"/>
+                  <a:defRPr sz="1800" kern="1200">
+                    <a:solidFill>
+                      <a:schemeClr val="tx1"/>
+                    </a:solidFill>
+                    <a:latin typeface="+mn-lt"/>
+                    <a:ea typeface="+mn-ea"/>
+                    <a:cs typeface="+mn-cs"/>
+                  </a:defRPr>
+                </a:lvl7pPr>
+                <a:lvl8pPr marL="3429000" indent="-228600" algn="l" defTabSz="914400" rtl="0" eaLnBrk="1" latinLnBrk="0" hangingPunct="1">
+                  <a:lnSpc>
+                    <a:spcPct val="90000"/>
+                  </a:lnSpc>
+                  <a:spcBef>
+                    <a:spcPts val="500"/>
+                  </a:spcBef>
+                  <a:buFont typeface="Arial" panose="020B0604020202020204" pitchFamily="34" charset="0"/>
+                  <a:buChar char="•"/>
+                  <a:defRPr sz="1800" kern="1200">
+                    <a:solidFill>
+                      <a:schemeClr val="tx1"/>
+                    </a:solidFill>
+                    <a:latin typeface="+mn-lt"/>
+                    <a:ea typeface="+mn-ea"/>
+                    <a:cs typeface="+mn-cs"/>
+                  </a:defRPr>
+                </a:lvl8pPr>
+                <a:lvl9pPr marL="3886200" indent="-228600" algn="l" defTabSz="914400" rtl="0" eaLnBrk="1" latinLnBrk="0" hangingPunct="1">
+                  <a:lnSpc>
+                    <a:spcPct val="90000"/>
+                  </a:lnSpc>
+                  <a:spcBef>
+                    <a:spcPts val="500"/>
+                  </a:spcBef>
+                  <a:buFont typeface="Arial" panose="020B0604020202020204" pitchFamily="34" charset="0"/>
+                  <a:buChar char="•"/>
+                  <a:defRPr sz="1800" kern="1200">
+                    <a:solidFill>
+                      <a:schemeClr val="tx1"/>
+                    </a:solidFill>
+                    <a:latin typeface="+mn-lt"/>
+                    <a:ea typeface="+mn-ea"/>
+                    <a:cs typeface="+mn-cs"/>
+                  </a:defRPr>
+                </a:lvl9pPr>
+              </a:lstStyle>
+              <a:p>
+                <a:pPr algn="just"/>
+                <a14:m>
+                  <m:oMath xmlns:m="http://schemas.openxmlformats.org/officeDocument/2006/math">
+                    <m:r>
+                      <a:rPr lang="fr-CA" sz="1600" i="1" dirty="0" smtClean="0">
+                        <a:latin typeface="Cambria Math" panose="02040503050406030204" pitchFamily="18" charset="0"/>
+                      </a:rPr>
+                      <m:t>𝑈</m:t>
+                    </m:r>
+                    <m:r>
+                      <a:rPr lang="fr-CA" sz="1600" i="1" dirty="0" smtClean="0">
+                        <a:latin typeface="Cambria Math" panose="02040503050406030204" pitchFamily="18" charset="0"/>
+                      </a:rPr>
+                      <m:t> </m:t>
+                    </m:r>
+                  </m:oMath>
+                </a14:m>
+                <a:r>
+                  <a:rPr lang="fr-CA" sz="1600" i="1" dirty="0"/>
+                  <a:t>: Énergie de déformation</a:t>
+                </a:r>
+              </a:p>
+              <a:p>
+                <a:pPr algn="just"/>
+                <a14:m>
+                  <m:oMath xmlns:m="http://schemas.openxmlformats.org/officeDocument/2006/math">
+                    <m:sSub>
+                      <m:sSubPr>
+                        <m:ctrlPr>
+                          <a:rPr lang="fr-CA" sz="1600" b="0" i="1" smtClean="0">
+                            <a:latin typeface="Cambria Math" panose="02040503050406030204" pitchFamily="18" charset="0"/>
+                          </a:rPr>
+                        </m:ctrlPr>
+                      </m:sSubPr>
+                      <m:e>
+                        <m:r>
+                          <a:rPr lang="fr-CA" sz="1600" b="0" i="1" smtClean="0">
+                            <a:latin typeface="Cambria Math" panose="02040503050406030204" pitchFamily="18" charset="0"/>
+                          </a:rPr>
+                          <m:t>𝑀</m:t>
+                        </m:r>
+                      </m:e>
+                      <m:sub>
+                        <m:r>
+                          <a:rPr lang="fr-CA" sz="1600" b="0" i="1" smtClean="0">
+                            <a:latin typeface="Cambria Math" panose="02040503050406030204" pitchFamily="18" charset="0"/>
+                          </a:rPr>
+                          <m:t>𝑒𝑓</m:t>
+                        </m:r>
+                      </m:sub>
+                    </m:sSub>
+                  </m:oMath>
+                </a14:m>
+                <a:r>
+                  <a:rPr lang="fr-CA" sz="1600" i="1" dirty="0"/>
+                  <a:t> : Moment fléchissant</a:t>
+                </a:r>
+              </a:p>
+              <a:p>
+                <a:pPr algn="just"/>
+                <a14:m>
+                  <m:oMath xmlns:m="http://schemas.openxmlformats.org/officeDocument/2006/math">
+                    <m:r>
+                      <a:rPr lang="fr-CA" sz="1600" b="0" i="1" smtClean="0">
+                        <a:latin typeface="Cambria Math" panose="02040503050406030204" pitchFamily="18" charset="0"/>
+                      </a:rPr>
+                      <m:t>𝐸</m:t>
+                    </m:r>
+                  </m:oMath>
+                </a14:m>
+                <a:r>
+                  <a:rPr lang="fr-CA" sz="1600" i="1" dirty="0"/>
+                  <a:t> : Module de Young</a:t>
+                </a:r>
+              </a:p>
+              <a:p>
+                <a:pPr algn="just"/>
+                <a14:m>
+                  <m:oMath xmlns:m="http://schemas.openxmlformats.org/officeDocument/2006/math">
+                    <m:r>
+                      <a:rPr lang="fr-CA" sz="1600" b="0" i="1" smtClean="0">
+                        <a:latin typeface="Cambria Math" panose="02040503050406030204" pitchFamily="18" charset="0"/>
+                      </a:rPr>
+                      <m:t>𝐼</m:t>
+                    </m:r>
+                  </m:oMath>
+                </a14:m>
+                <a:r>
+                  <a:rPr lang="fr-CA" sz="1600" i="1" dirty="0"/>
+                  <a:t> : Moment quadratique</a:t>
+                </a:r>
+              </a:p>
+              <a:p>
+                <a:pPr algn="just"/>
+                <a14:m>
+                  <m:oMath xmlns:m="http://schemas.openxmlformats.org/officeDocument/2006/math">
+                    <m:sSub>
+                      <m:sSubPr>
+                        <m:ctrlPr>
+                          <a:rPr lang="fr-CA" sz="1600" b="0" i="1" smtClean="0">
+                            <a:latin typeface="Cambria Math" panose="02040503050406030204" pitchFamily="18" charset="0"/>
+                          </a:rPr>
+                        </m:ctrlPr>
+                      </m:sSubPr>
+                      <m:e>
+                        <m:r>
+                          <a:rPr lang="fr-CA" sz="1600" b="0" i="1" smtClean="0">
+                            <a:latin typeface="Cambria Math" panose="02040503050406030204" pitchFamily="18" charset="0"/>
+                          </a:rPr>
+                          <m:t>𝑀</m:t>
+                        </m:r>
+                      </m:e>
+                      <m:sub>
+                        <m:r>
+                          <a:rPr lang="fr-CA" sz="1600" b="0" i="1" smtClean="0">
+                            <a:latin typeface="Cambria Math" panose="02040503050406030204" pitchFamily="18" charset="0"/>
+                          </a:rPr>
+                          <m:t>𝑛𝑢𝑚</m:t>
+                        </m:r>
+                      </m:sub>
+                    </m:sSub>
+                  </m:oMath>
+                </a14:m>
+                <a:r>
+                  <a:rPr lang="fr-CA" sz="1600" i="1" dirty="0"/>
+                  <a:t> : Moment fléchissant numérique</a:t>
+                </a:r>
+              </a:p>
+              <a:p>
+                <a:pPr algn="just"/>
+                <a14:m>
+                  <m:oMath xmlns:m="http://schemas.openxmlformats.org/officeDocument/2006/math">
+                    <m:sSub>
+                      <m:sSubPr>
+                        <m:ctrlPr>
+                          <a:rPr lang="fr-CA" sz="1600" b="0" i="1" smtClean="0">
+                            <a:latin typeface="Cambria Math" panose="02040503050406030204" pitchFamily="18" charset="0"/>
+                          </a:rPr>
+                        </m:ctrlPr>
+                      </m:sSubPr>
+                      <m:e>
+                        <m:r>
+                          <a:rPr lang="fr-CA" sz="1600" b="0" i="1" smtClean="0">
+                            <a:latin typeface="Cambria Math" panose="02040503050406030204" pitchFamily="18" charset="0"/>
+                          </a:rPr>
+                          <m:t>𝑀</m:t>
+                        </m:r>
+                      </m:e>
+                      <m:sub>
+                        <m:r>
+                          <a:rPr lang="fr-CA" sz="1600" b="0" i="1" smtClean="0">
+                            <a:latin typeface="Cambria Math" panose="02040503050406030204" pitchFamily="18" charset="0"/>
+                          </a:rPr>
+                          <m:t>𝑟</m:t>
+                        </m:r>
+                        <m:r>
+                          <a:rPr lang="fr-CA" sz="1600" b="0" i="1" smtClean="0">
+                            <a:latin typeface="Cambria Math" panose="02040503050406030204" pitchFamily="18" charset="0"/>
+                          </a:rPr>
+                          <m:t>é</m:t>
+                        </m:r>
+                        <m:r>
+                          <a:rPr lang="fr-CA" sz="1600" b="0" i="1" smtClean="0">
+                            <a:latin typeface="Cambria Math" panose="02040503050406030204" pitchFamily="18" charset="0"/>
+                          </a:rPr>
+                          <m:t>𝑒𝑙</m:t>
+                        </m:r>
+                      </m:sub>
+                    </m:sSub>
+                  </m:oMath>
+                </a14:m>
+                <a:r>
+                  <a:rPr lang="fr-CA" sz="1600" i="1" dirty="0"/>
+                  <a:t> : Moment fléchissant réel</a:t>
+                </a:r>
+              </a:p>
+              <a:p>
+                <a:pPr algn="just"/>
+                <a14:m>
+                  <m:oMath xmlns:m="http://schemas.openxmlformats.org/officeDocument/2006/math">
+                    <m:r>
+                      <a:rPr lang="fr-CA" sz="1600" b="0" i="1" smtClean="0">
+                        <a:latin typeface="Cambria Math" panose="02040503050406030204" pitchFamily="18" charset="0"/>
+                      </a:rPr>
+                      <m:t>𝑒</m:t>
+                    </m:r>
+                  </m:oMath>
+                </a14:m>
+                <a:r>
+                  <a:rPr lang="fr-CA" sz="1600" i="1" dirty="0"/>
+                  <a:t> : Erreur locale de discrétisation</a:t>
+                </a:r>
+              </a:p>
+              <a:p>
+                <a:pPr algn="just"/>
+                <a14:m>
+                  <m:oMath xmlns:m="http://schemas.openxmlformats.org/officeDocument/2006/math">
+                    <m:r>
+                      <m:rPr>
+                        <m:sty m:val="p"/>
+                      </m:rPr>
+                      <a:rPr lang="el-GR" sz="1600" i="1">
+                        <a:latin typeface="Cambria Math" panose="02040503050406030204" pitchFamily="18" charset="0"/>
+                      </a:rPr>
+                      <m:t>ε</m:t>
+                    </m:r>
+                  </m:oMath>
+                </a14:m>
+                <a:r>
+                  <a:rPr lang="fr-CA" sz="1600" i="1" dirty="0"/>
+                  <a:t> : Erreur local de l’énergie de déformation</a:t>
+                </a:r>
+              </a:p>
+              <a:p>
+                <a:pPr algn="just"/>
+                <a14:m>
+                  <m:oMath xmlns:m="http://schemas.openxmlformats.org/officeDocument/2006/math">
+                    <m:r>
+                      <a:rPr lang="fr-CA" sz="1600" b="0" i="1" smtClean="0">
+                        <a:latin typeface="Cambria Math" panose="02040503050406030204" pitchFamily="18" charset="0"/>
+                      </a:rPr>
+                      <m:t>h</m:t>
+                    </m:r>
+                  </m:oMath>
+                </a14:m>
+                <a:r>
+                  <a:rPr lang="fr-CA" sz="1600" i="1" dirty="0"/>
+                  <a:t> : Taille de l’élément</a:t>
+                </a:r>
+              </a:p>
+              <a:p>
+                <a:pPr algn="just"/>
+                <a14:m>
+                  <m:oMath xmlns:m="http://schemas.openxmlformats.org/officeDocument/2006/math">
+                    <m:r>
+                      <a:rPr lang="fr-CA" sz="1600" b="0" i="1" smtClean="0">
+                        <a:latin typeface="Cambria Math" panose="02040503050406030204" pitchFamily="18" charset="0"/>
+                      </a:rPr>
+                      <m:t>𝑝</m:t>
+                    </m:r>
+                  </m:oMath>
+                </a14:m>
+                <a:r>
+                  <a:rPr lang="fr-CA" sz="1600" i="1" dirty="0"/>
+                  <a:t> : Ordre de convergence </a:t>
+                </a:r>
+              </a:p>
+              <a:p>
+                <a:pPr marL="0" indent="0" algn="just">
+                  <a:buFont typeface="Arial" panose="020B0604020202020204" pitchFamily="34" charset="0"/>
+                  <a:buNone/>
+                </a:pPr>
+                <a:endParaRPr lang="fr-CA" sz="1800" dirty="0"/>
+              </a:p>
+            </p:txBody>
+          </p:sp>
+        </mc:Choice>
+        <mc:Fallback>
+          <p:sp>
+            <p:nvSpPr>
+              <p:cNvPr id="6" name="Content Placeholder 2">
+                <a:extLst>
+                  <a:ext uri="{FF2B5EF4-FFF2-40B4-BE49-F238E27FC236}">
+                    <a16:creationId xmlns:a16="http://schemas.microsoft.com/office/drawing/2014/main" id="{9BEE59CD-AB30-FC94-BC2C-73A1370526C9}"/>
+                  </a:ext>
+                </a:extLst>
+              </p:cNvPr>
+              <p:cNvSpPr txBox="1">
+                <a:spLocks noRot="1" noChangeAspect="1" noMove="1" noResize="1" noEditPoints="1" noAdjustHandles="1" noChangeArrowheads="1" noChangeShapeType="1" noTextEdit="1"/>
+              </p:cNvSpPr>
+              <p:nvPr/>
+            </p:nvSpPr>
+            <p:spPr>
+              <a:xfrm>
+                <a:off x="7608162" y="1071716"/>
+                <a:ext cx="4440315" cy="5342501"/>
+              </a:xfrm>
+              <a:prstGeom prst="rect">
+                <a:avLst/>
+              </a:prstGeom>
+              <a:blipFill>
+                <a:blip r:embed="rId3"/>
+                <a:stretch>
+                  <a:fillRect l="-549" t="-799"/>
+                </a:stretch>
+              </a:blipFill>
+            </p:spPr>
+            <p:txBody>
+              <a:bodyPr/>
+              <a:lstStyle/>
+              <a:p>
+                <a:r>
+                  <a:rPr lang="en-CA">
+                    <a:noFill/>
+                  </a:rPr>
+                  <a:t> </a:t>
+                </a:r>
+              </a:p>
+            </p:txBody>
+          </p:sp>
+        </mc:Fallback>
+      </mc:AlternateContent>
     </p:spTree>
     <p:extLst>
       <p:ext uri="{BB962C8B-B14F-4D97-AF65-F5344CB8AC3E}">
-        <p14:creationId xmlns:p14="http://schemas.microsoft.com/office/powerpoint/2010/main" val="2581581720"/>
+        <p14:creationId xmlns:p14="http://schemas.microsoft.com/office/powerpoint/2010/main" val="3366604290"/>
       </p:ext>
     </p:extLst>
   </p:cSld>
@@ -16735,8 +17248,8 @@
           </a:p>
         </p:txBody>
       </p:sp>
-      <mc:AlternateContent xmlns:mc="http://schemas.openxmlformats.org/markup-compatibility/2006" xmlns:a14="http://schemas.microsoft.com/office/drawing/2010/main">
-        <mc:Choice Requires="a14">
+      <mc:AlternateContent xmlns:mc="http://schemas.openxmlformats.org/markup-compatibility/2006">
+        <mc:Choice xmlns:a14="http://schemas.microsoft.com/office/drawing/2010/main" Requires="a14">
           <p:sp>
             <p:nvSpPr>
               <p:cNvPr id="3" name="Content Placeholder 2">
@@ -16765,12 +17278,10 @@
               </a:bodyPr>
               <a:lstStyle/>
               <a:p>
-                <a:pPr marL="0" indent="0" algn="just">
-                  <a:buNone/>
-                </a:pPr>
+                <a:pPr algn="just"/>
                 <a:r>
                   <a:rPr lang="fr-CA" sz="1800" dirty="0"/>
-                  <a:t>Il faut noter que cette méthode converge selon </a:t>
+                  <a:t>Cette méthode converge selon </a:t>
                 </a:r>
                 <a14:m>
                   <m:oMath xmlns:m="http://schemas.openxmlformats.org/officeDocument/2006/math">
@@ -16824,22 +17335,29 @@
                 </a14:m>
                 <a:r>
                   <a:rPr lang="fr-CA" sz="1800" dirty="0"/>
-                  <a:t> où p est l’ordre de convergence. Il est donc possible de remarquer que cette méthode est beaucoup mieux adaptée pour analyser la convergence des éléments poutre. Les poutres utilisées par le logiciel Simcenter3D sont des éléments finis linéaires. Effectivement, elles ne possèdent pas de nœuds milieux permettant de prendre en compte la pente dans l’élément. </a:t>
+                  <a:t> où p est l’ordre de convergence</a:t>
                 </a:r>
               </a:p>
               <a:p>
-                <a:pPr marL="0" indent="0" algn="just">
-                  <a:buNone/>
-                </a:pPr>
+                <a:pPr algn="just"/>
                 <a:endParaRPr lang="fr-CA" sz="1800" dirty="0"/>
               </a:p>
               <a:p>
-                <a:pPr marL="0" indent="0" algn="just">
-                  <a:buNone/>
-                </a:pPr>
+                <a:pPr algn="just"/>
                 <a:r>
                   <a:rPr lang="fr-CA" sz="1800" dirty="0"/>
-                  <a:t>Il est donc possible de remarquer que les éléments se comporte tel qu’attendu étant donné que l’erreur de déformation converge selon un ordre linéaire </a:t>
+                  <a:t>Les poutres utilisées par le logiciel Simcenter3D sont des éléments finis linéaires. </a:t>
+                </a:r>
+              </a:p>
+              <a:p>
+                <a:pPr algn="just"/>
+                <a:endParaRPr lang="fr-CA" sz="1800" dirty="0"/>
+              </a:p>
+              <a:p>
+                <a:pPr algn="just"/>
+                <a:r>
+                  <a:rPr lang="fr-CA" sz="1800" dirty="0"/>
+                  <a:t>Les éléments se comporte tel qu’attendu étant donné que l’erreur de déformation converge selon un ordre linéaire </a:t>
                 </a:r>
                 <a14:m>
                   <m:oMath xmlns:m="http://schemas.openxmlformats.org/officeDocument/2006/math">
@@ -16881,12 +17399,10 @@
                 <a:endParaRPr lang="fr-CA" sz="1800" dirty="0"/>
               </a:p>
               <a:p>
-                <a:pPr marL="0" indent="0" algn="just">
-                  <a:buNone/>
-                </a:pPr>
+                <a:pPr algn="just"/>
                 <a:r>
                   <a:rPr lang="fr-CA" sz="1800" dirty="0"/>
-                  <a:t>De plus, la qualité de la régression vient ajouter de la validité à cette affirmation étant donné qu’elle est exactement de R²=1. Il est normal d’obtenir une telle régression étant donné que l’on utilise un logiciel commercial qui a dû être vérifié extensivement par Siemens.</a:t>
+                  <a:t>La qualité de la régression est normale étant donné que l’on utilise un logiciel commercial qui a dû être vérifié extensivement par Siemens.</a:t>
                 </a:r>
               </a:p>
               <a:p>
@@ -16896,18 +17412,16 @@
                 <a:endParaRPr lang="fr-CA" sz="1800" dirty="0"/>
               </a:p>
               <a:p>
-                <a:pPr marL="0" indent="0" algn="just">
-                  <a:buNone/>
-                </a:pPr>
+                <a:pPr algn="just"/>
                 <a:r>
                   <a:rPr lang="fr-CA" sz="1800" dirty="0"/>
-                  <a:t>Il est donc possible de conclure que le code résout correctement les formulations mathématiques utilisées pour définir les éléments poutre.</a:t>
+                  <a:t>Le code résout donc correctement les formulations mathématiques utilisées pour définir les éléments poutre.</a:t>
                 </a:r>
               </a:p>
             </p:txBody>
           </p:sp>
         </mc:Choice>
-        <mc:Fallback xmlns="">
+        <mc:Fallback>
           <p:sp>
             <p:nvSpPr>
               <p:cNvPr id="3" name="Content Placeholder 2">
@@ -16932,7 +17446,7 @@
               <a:blipFill>
                 <a:blip r:embed="rId2"/>
                 <a:stretch>
-                  <a:fillRect l="-522" t="-1142" r="-464"/>
+                  <a:fillRect l="-406" t="-1142" r="-464"/>
                 </a:stretch>
               </a:blipFill>
             </p:spPr>
@@ -17037,7 +17551,7 @@
     </p:spTree>
     <p:extLst>
       <p:ext uri="{BB962C8B-B14F-4D97-AF65-F5344CB8AC3E}">
-        <p14:creationId xmlns:p14="http://schemas.microsoft.com/office/powerpoint/2010/main" val="4014962709"/>
+        <p14:creationId xmlns:p14="http://schemas.microsoft.com/office/powerpoint/2010/main" val="2373151338"/>
       </p:ext>
     </p:extLst>
   </p:cSld>
@@ -28740,8 +29254,8 @@
           </a:p>
         </p:txBody>
       </p:sp>
-      <mc:AlternateContent xmlns:mc="http://schemas.openxmlformats.org/markup-compatibility/2006">
-        <mc:Choice xmlns:a14="http://schemas.microsoft.com/office/drawing/2010/main" Requires="a14">
+      <mc:AlternateContent xmlns:mc="http://schemas.openxmlformats.org/markup-compatibility/2006" xmlns:a14="http://schemas.microsoft.com/office/drawing/2010/main">
+        <mc:Choice Requires="a14">
           <p:sp>
             <p:nvSpPr>
               <p:cNvPr id="3" name="Content Placeholder 2">
@@ -28882,7 +29396,7 @@
             </p:txBody>
           </p:sp>
         </mc:Choice>
-        <mc:Fallback>
+        <mc:Fallback xmlns="">
           <p:sp>
             <p:nvSpPr>
               <p:cNvPr id="3" name="Content Placeholder 2">
@@ -29653,12 +30167,14 @@
 </file>
 
 <file path=customXml/item1.xml><?xml version="1.0" encoding="utf-8"?>
-<?mso-contentType ?>
-<FormTemplates xmlns="http://schemas.microsoft.com/sharepoint/v3/contenttype/forms">
-  <Display>DocumentLibraryForm</Display>
-  <Edit>DocumentLibraryForm</Edit>
-  <New>DocumentLibraryForm</New>
-</FormTemplates>
+<p:properties xmlns:p="http://schemas.microsoft.com/office/2006/metadata/properties" xmlns:xsi="http://www.w3.org/2001/XMLSchema-instance" xmlns:pc="http://schemas.microsoft.com/office/infopath/2007/PartnerControls">
+  <documentManagement>
+    <lcf76f155ced4ddcb4097134ff3c332f xmlns="ec825916-6f01-4646-bf11-4e97fdd06dc8">
+      <Terms xmlns="http://schemas.microsoft.com/office/infopath/2007/PartnerControls"/>
+    </lcf76f155ced4ddcb4097134ff3c332f>
+    <TaxCatchAll xmlns="10202d72-3646-4d36-9cf4-1feba2c78df0" xsi:nil="true"/>
+  </documentManagement>
+</p:properties>
 </file>
 
 <file path=customXml/item2.xml><?xml version="1.0" encoding="utf-8"?>
@@ -29857,20 +30373,27 @@
 </file>
 
 <file path=customXml/item3.xml><?xml version="1.0" encoding="utf-8"?>
-<p:properties xmlns:p="http://schemas.microsoft.com/office/2006/metadata/properties" xmlns:xsi="http://www.w3.org/2001/XMLSchema-instance" xmlns:pc="http://schemas.microsoft.com/office/infopath/2007/PartnerControls">
-  <documentManagement>
-    <lcf76f155ced4ddcb4097134ff3c332f xmlns="ec825916-6f01-4646-bf11-4e97fdd06dc8">
-      <Terms xmlns="http://schemas.microsoft.com/office/infopath/2007/PartnerControls"/>
-    </lcf76f155ced4ddcb4097134ff3c332f>
-    <TaxCatchAll xmlns="10202d72-3646-4d36-9cf4-1feba2c78df0" xsi:nil="true"/>
-  </documentManagement>
-</p:properties>
+<?mso-contentType ?>
+<FormTemplates xmlns="http://schemas.microsoft.com/sharepoint/v3/contenttype/forms">
+  <Display>DocumentLibraryForm</Display>
+  <Edit>DocumentLibraryForm</Edit>
+  <New>DocumentLibraryForm</New>
+</FormTemplates>
 </file>
 
 <file path=customXml/itemProps1.xml><?xml version="1.0" encoding="utf-8"?>
-<ds:datastoreItem xmlns:ds="http://schemas.openxmlformats.org/officeDocument/2006/customXml" ds:itemID="{73F4A501-0066-4B8E-9AA2-A07CF344BF69}">
+<ds:datastoreItem xmlns:ds="http://schemas.openxmlformats.org/officeDocument/2006/customXml" ds:itemID="{CC0D4AF6-CA21-4510-812C-479171907BC9}">
   <ds:schemaRefs>
-    <ds:schemaRef ds:uri="http://schemas.microsoft.com/sharepoint/v3/contenttype/forms"/>
+    <ds:schemaRef ds:uri="ec825916-6f01-4646-bf11-4e97fdd06dc8"/>
+    <ds:schemaRef ds:uri="http://schemas.microsoft.com/office/2006/documentManagement/types"/>
+    <ds:schemaRef ds:uri="http://purl.org/dc/dcmitype/"/>
+    <ds:schemaRef ds:uri="http://schemas.microsoft.com/office/infopath/2007/PartnerControls"/>
+    <ds:schemaRef ds:uri="http://purl.org/dc/terms/"/>
+    <ds:schemaRef ds:uri="10202d72-3646-4d36-9cf4-1feba2c78df0"/>
+    <ds:schemaRef ds:uri="http://www.w3.org/XML/1998/namespace"/>
+    <ds:schemaRef ds:uri="http://schemas.microsoft.com/office/2006/metadata/properties"/>
+    <ds:schemaRef ds:uri="http://schemas.openxmlformats.org/package/2006/metadata/core-properties"/>
+    <ds:schemaRef ds:uri="http://purl.org/dc/elements/1.1/"/>
   </ds:schemaRefs>
 </ds:datastoreItem>
 </file>
@@ -29895,18 +30418,9 @@
 </file>
 
 <file path=customXml/itemProps3.xml><?xml version="1.0" encoding="utf-8"?>
-<ds:datastoreItem xmlns:ds="http://schemas.openxmlformats.org/officeDocument/2006/customXml" ds:itemID="{CC0D4AF6-CA21-4510-812C-479171907BC9}">
+<ds:datastoreItem xmlns:ds="http://schemas.openxmlformats.org/officeDocument/2006/customXml" ds:itemID="{73F4A501-0066-4B8E-9AA2-A07CF344BF69}">
   <ds:schemaRefs>
-    <ds:schemaRef ds:uri="ec825916-6f01-4646-bf11-4e97fdd06dc8"/>
-    <ds:schemaRef ds:uri="http://schemas.microsoft.com/office/2006/documentManagement/types"/>
-    <ds:schemaRef ds:uri="http://purl.org/dc/dcmitype/"/>
-    <ds:schemaRef ds:uri="http://schemas.microsoft.com/office/infopath/2007/PartnerControls"/>
-    <ds:schemaRef ds:uri="http://purl.org/dc/terms/"/>
-    <ds:schemaRef ds:uri="10202d72-3646-4d36-9cf4-1feba2c78df0"/>
-    <ds:schemaRef ds:uri="http://www.w3.org/XML/1998/namespace"/>
-    <ds:schemaRef ds:uri="http://schemas.microsoft.com/office/2006/metadata/properties"/>
-    <ds:schemaRef ds:uri="http://schemas.openxmlformats.org/package/2006/metadata/core-properties"/>
-    <ds:schemaRef ds:uri="http://purl.org/dc/elements/1.1/"/>
+    <ds:schemaRef ds:uri="http://schemas.microsoft.com/sharepoint/v3/contenttype/forms"/>
   </ds:schemaRefs>
 </ds:datastoreItem>
 </file>
--- a/Presentation_Projet.pptx
+++ b/Presentation_Projet.pptx
@@ -10590,83 +10590,6 @@
     </cs:spPr>
   </cs:wall>
 </cs:chartStyle>
-</file>
-
-<file path=ppt/comments/modernComment_106_4791FEFC.xml><?xml version="1.0" encoding="utf-8"?>
-<p188:cmLst xmlns:a="http://schemas.openxmlformats.org/drawingml/2006/main" xmlns:r="http://schemas.openxmlformats.org/officeDocument/2006/relationships" xmlns:p188="http://schemas.microsoft.com/office/powerpoint/2018/8/main">
-  <p188:cm id="{3724C460-C9F0-49DB-9DE2-9E5AD2B8FA85}" authorId="{53E43574-7A34-154C-E512-F6CBCA51E7C2}" created="2024-04-13T02:50:35.708">
-    <ac:txMkLst xmlns:ac="http://schemas.microsoft.com/office/drawing/2013/main/command">
-      <pc:docMk xmlns:pc="http://schemas.microsoft.com/office/powerpoint/2013/main/command"/>
-      <pc:sldMk xmlns:pc="http://schemas.microsoft.com/office/powerpoint/2013/main/command" cId="1200750332" sldId="262"/>
-      <ac:spMk id="3" creationId="{57846E6E-541E-C380-2EC3-91AF5BEE61F6}"/>
-      <ac:txMk cp="0">
-        <ac:context len="323" hash="1464792153"/>
-      </ac:txMk>
-    </ac:txMkLst>
-    <p188:pos x="10506075" y="2002400"/>
-    <p188:txBody>
-      <a:bodyPr/>
-      <a:lstStyle/>
-      <a:p>
-        <a:r>
-          <a:rPr lang="en-CA"/>
-          <a:t>Est-ce qu'on garde cette partie là?</a:t>
-        </a:r>
-      </a:p>
-    </p188:txBody>
-  </p188:cm>
-</p188:cmLst>
-</file>
-
-<file path=ppt/comments/modernComment_108_E5C5E786.xml><?xml version="1.0" encoding="utf-8"?>
-<p188:cmLst xmlns:a="http://schemas.openxmlformats.org/drawingml/2006/main" xmlns:r="http://schemas.openxmlformats.org/officeDocument/2006/relationships" xmlns:p188="http://schemas.microsoft.com/office/powerpoint/2018/8/main">
-  <p188:cm id="{E208A256-2645-4215-A2E1-5835D144B8FF}" authorId="{4BB11620-EFBC-D13A-7B93-45F2C922ABDE}" created="2024-04-09T02:44:11.886">
-    <ac:txMkLst xmlns:ac="http://schemas.microsoft.com/office/drawing/2013/main/command">
-      <pc:docMk xmlns:pc="http://schemas.microsoft.com/office/powerpoint/2013/main/command"/>
-      <pc:sldMk xmlns:pc="http://schemas.microsoft.com/office/powerpoint/2013/main/command" cId="3854952326" sldId="264"/>
-      <ac:spMk id="13" creationId="{0A89B34A-8F02-C6EA-B396-FDA8E978F524}"/>
-      <ac:txMk cp="757" len="70">
-        <ac:context len="828" hash="3614477621"/>
-      </ac:txMk>
-    </ac:txMkLst>
-    <p188:replyLst>
-      <p188:reply id="{4D2E3173-7F5B-494D-9B6F-EC70F917A23F}" authorId="{E68F2F47-82E5-2BC7-0FEC-4F4EC863DDC3}" created="2024-04-11T03:56:20.273">
-        <p188:txBody>
-          <a:bodyPr/>
-          <a:lstStyle/>
-          <a:p>
-            <a:r>
-              <a:rPr lang="fr-FR"/>
-              <a:t>La force est une condition de Neumann puisqu'elle agit sur une des dérivées de la flèche (dérivée seconde). Je ne sais pas si ces deux affirmations sont compatibles  </a:t>
-            </a:r>
-          </a:p>
-        </p188:txBody>
-      </p188:reply>
-      <p188:reply id="{ED1DFAE6-706E-4F5A-9066-E3A5E6431B52}" authorId="{4BB11620-EFBC-D13A-7B93-45F2C922ABDE}" created="2024-04-11T04:53:01.967">
-        <p188:txBody>
-          <a:bodyPr/>
-          <a:lstStyle/>
-          <a:p>
-            <a:r>
-              <a:rPr lang="en-CA"/>
-              <a:t>Oui "une force" est en general une condition de neumann mais dans ce cas particulier je ne crois pas que le role de la force soit une condition frontiere car on l'utilise aussi comme variable d'entrée qui varie</a:t>
-            </a:r>
-          </a:p>
-        </p188:txBody>
-      </p188:reply>
-    </p188:replyLst>
-    <p188:txBody>
-      <a:bodyPr/>
-      <a:lstStyle/>
-      <a:p>
-        <a:r>
-          <a:rPr lang="en-CA"/>
-          <a:t>La force ne peut pas etre une condition frontiere si c'est une donne d'entree</a:t>
-        </a:r>
-      </a:p>
-    </p188:txBody>
-  </p188:cm>
-</p188:cmLst>
 </file>
 
 <file path=ppt/notesMasters/notesMaster1.xml><?xml version="1.0" encoding="utf-8"?>
@@ -15030,8 +14953,13 @@
                 <a:pPr algn="just"/>
                 <a:r>
                   <a:rPr lang="fr-CA" sz="1800" dirty="0"/>
-                  <a:t>Norme L2 non-valide pour les éléments poutre</a:t>
+                  <a:t>Norme L2 non-valide pour les éléments poutre de </a:t>
                 </a:r>
+                <a:r>
+                  <a:rPr lang="fr-CA" sz="1800" dirty="0" err="1"/>
+                  <a:t>SimCenter</a:t>
+                </a:r>
+                <a:endParaRPr lang="fr-CA" sz="1800" dirty="0"/>
               </a:p>
               <a:p>
                 <a:pPr marL="0" indent="0" algn="just">
@@ -15612,8 +15540,8 @@
           </a:p>
         </p:txBody>
       </p:sp>
-      <mc:AlternateContent xmlns:mc="http://schemas.openxmlformats.org/markup-compatibility/2006">
-        <mc:Choice xmlns:a14="http://schemas.microsoft.com/office/drawing/2010/main" Requires="a14">
+      <mc:AlternateContent xmlns:mc="http://schemas.openxmlformats.org/markup-compatibility/2006" xmlns:a14="http://schemas.microsoft.com/office/drawing/2010/main">
+        <mc:Choice Requires="a14">
           <p:sp>
             <p:nvSpPr>
               <p:cNvPr id="6" name="Content Placeholder 2">
@@ -16063,7 +15991,7 @@
             </p:txBody>
           </p:sp>
         </mc:Choice>
-        <mc:Fallback>
+        <mc:Fallback xmlns="">
           <p:sp>
             <p:nvSpPr>
               <p:cNvPr id="6" name="Content Placeholder 2">
@@ -16207,7 +16135,7 @@
             </a:pPr>
             <a:r>
               <a:rPr lang="fr-CA" sz="1800" dirty="0"/>
-              <a:t>Ainsi, en réalisant des simulations qui augmentent le nombre d’éléments (i.e. en diminuant h), on observe les résultats suivants:</a:t>
+              <a:t>Analyse de convergence par raffinement de maillage (et avec charge répartie):</a:t>
             </a:r>
           </a:p>
           <a:p>
@@ -17248,8 +17176,8 @@
           </a:p>
         </p:txBody>
       </p:sp>
-      <mc:AlternateContent xmlns:mc="http://schemas.openxmlformats.org/markup-compatibility/2006">
-        <mc:Choice xmlns:a14="http://schemas.microsoft.com/office/drawing/2010/main" Requires="a14">
+      <mc:AlternateContent xmlns:mc="http://schemas.openxmlformats.org/markup-compatibility/2006" xmlns:a14="http://schemas.microsoft.com/office/drawing/2010/main">
+        <mc:Choice Requires="a14">
           <p:sp>
             <p:nvSpPr>
               <p:cNvPr id="3" name="Content Placeholder 2">
@@ -17421,7 +17349,7 @@
             </p:txBody>
           </p:sp>
         </mc:Choice>
-        <mc:Fallback>
+        <mc:Fallback xmlns="">
           <p:sp>
             <p:nvSpPr>
               <p:cNvPr id="3" name="Content Placeholder 2">
@@ -18561,8 +18489,8 @@
           </a:p>
         </p:txBody>
       </p:sp>
-      <mc:AlternateContent xmlns:mc="http://schemas.openxmlformats.org/markup-compatibility/2006" xmlns:a14="http://schemas.microsoft.com/office/drawing/2010/main">
-        <mc:Choice Requires="a14">
+      <mc:AlternateContent xmlns:mc="http://schemas.openxmlformats.org/markup-compatibility/2006">
+        <mc:Choice xmlns:a14="http://schemas.microsoft.com/office/drawing/2010/main" Requires="a14">
           <p:sp>
             <p:nvSpPr>
               <p:cNvPr id="3" name="Content Placeholder 2">
@@ -18945,7 +18873,7 @@
                   <a:rPr lang="fr-CA" sz="1800" dirty="0">
                     <a:latin typeface="Aptos "/>
                   </a:rPr>
-                  <a:t>Dans notre cas l’écart relativement faible entre l’ordre formel et observé a permis de d’opter pour un faible facteur de sécurité </a:t>
+                  <a:t>Dans notre cas l’écart relativement faible entre l’ordre formel et observé a permis d’opter pour un faible facteur de sécurité </a:t>
                 </a:r>
                 <a14:m>
                   <m:oMath xmlns:m="http://schemas.openxmlformats.org/officeDocument/2006/math">
@@ -19319,10 +19247,10 @@
                       </m:sSubPr>
                       <m:e>
                         <m:r>
-                          <a:rPr lang="fr-FR" sz="1800" i="1">
+                          <a:rPr lang="en-CA" sz="1800" b="0" i="1" smtClean="0">
                             <a:latin typeface="Cambria Math" panose="02040503050406030204" pitchFamily="18" charset="0"/>
                           </a:rPr>
-                          <m:t>𝑈</m:t>
+                          <m:t>𝑢</m:t>
                         </m:r>
                       </m:e>
                       <m:sub>
@@ -19360,10 +19288,10 @@
                       </m:sSubPr>
                       <m:e>
                         <m:r>
-                          <a:rPr lang="fr-FR" sz="1800" i="1">
+                          <a:rPr lang="en-CA" sz="1800" b="0" i="1" smtClean="0">
                             <a:latin typeface="Cambria Math" panose="02040503050406030204" pitchFamily="18" charset="0"/>
                           </a:rPr>
-                          <m:t>𝑈</m:t>
+                          <m:t>𝑢</m:t>
                         </m:r>
                       </m:e>
                       <m:sub>
@@ -19390,7 +19318,7 @@
             </p:txBody>
           </p:sp>
         </mc:Choice>
-        <mc:Fallback xmlns="">
+        <mc:Fallback>
           <p:sp>
             <p:nvSpPr>
               <p:cNvPr id="3" name="Content Placeholder 2">
@@ -19424,7 +19352,7 @@
               <a:lstStyle/>
               <a:p>
                 <a:r>
-                  <a:rPr lang="fr-FR">
+                  <a:rPr lang="en-CA">
                     <a:noFill/>
                   </a:rPr>
                   <a:t> </a:t>
@@ -20635,8 +20563,8 @@
           </a:p>
         </p:txBody>
       </p:sp>
-      <mc:AlternateContent xmlns:mc="http://schemas.openxmlformats.org/markup-compatibility/2006" xmlns:a14="http://schemas.microsoft.com/office/drawing/2010/main">
-        <mc:Choice Requires="a14">
+      <mc:AlternateContent xmlns:mc="http://schemas.openxmlformats.org/markup-compatibility/2006">
+        <mc:Choice xmlns:a14="http://schemas.microsoft.com/office/drawing/2010/main" Requires="a14">
           <p:sp>
             <p:nvSpPr>
               <p:cNvPr id="3" name="Content Placeholder 2">
@@ -21230,7 +21158,7 @@
                 </a:pPr>
                 <a:r>
                   <a:rPr lang="fr-FR" sz="1600" dirty="0"/>
-                  <a:t>Déflexion postérieure expérimentale mesurée avec un capteur de déformations (jauge de déformations) .</a:t>
+                  <a:t>Déflexion postérieure expérimentale mesurée avec un capteur de déformations (jauge de déformation) .</a:t>
                 </a:r>
               </a:p>
               <a:p>
@@ -21368,7 +21296,7 @@
             </p:txBody>
           </p:sp>
         </mc:Choice>
-        <mc:Fallback xmlns="">
+        <mc:Fallback>
           <p:sp>
             <p:nvSpPr>
               <p:cNvPr id="3" name="Content Placeholder 2">
@@ -22768,96 +22696,45 @@
         </p:spPr>
         <p:txBody>
           <a:bodyPr vert="horz" lIns="91440" tIns="45720" rIns="91440" bIns="45720" rtlCol="0" anchor="t">
-            <a:normAutofit fontScale="92500" lnSpcReduction="10000"/>
+            <a:normAutofit/>
           </a:bodyPr>
           <a:lstStyle/>
           <a:p>
-            <a:pPr marL="0" indent="0" algn="just">
+            <a:pPr algn="just">
               <a:lnSpc>
                 <a:spcPct val="100000"/>
               </a:lnSpc>
-              <a:buNone/>
             </a:pPr>
             <a:r>
               <a:rPr lang="fr-CA" sz="1600" dirty="0"/>
-              <a:t>Le présent rapport couvre le processus de vérification et de validation d’un modèle d’éléments finis modélisant la section lombaire d’une colonne vertébrale.</a:t>
+              <a:t>Modèle d’éléments finis d’une colonne vertébrale conçu dans le cadre d’un PI3 et observation du déplacement sous l’effet d’une force verticale</a:t>
+            </a:r>
+            <a:r>
+              <a:rPr lang="fr-CA" sz="1600" dirty="0">
+                <a:sym typeface="Wingdings" panose="05000000000000000000" pitchFamily="2" charset="2"/>
+              </a:rPr>
+              <a:t> V&amp;V insuffisantes, application des méthodes vues en MEC8211.</a:t>
+            </a:r>
+            <a:endParaRPr lang="fr-CA" sz="1600" dirty="0"/>
+          </a:p>
+          <a:p>
+            <a:pPr algn="just">
+              <a:lnSpc>
+                <a:spcPct val="100000"/>
+              </a:lnSpc>
+            </a:pPr>
+            <a:r>
+              <a:rPr lang="fr-CA" sz="1600" dirty="0"/>
+              <a:t>Dans le cadre du projet, seule la partie lombaire est considérée.</a:t>
             </a:r>
           </a:p>
           <a:p>
-            <a:pPr marL="0" indent="0" algn="just">
+            <a:pPr algn="just">
               <a:lnSpc>
                 <a:spcPct val="100000"/>
               </a:lnSpc>
-              <a:buNone/>
             </a:pPr>
-            <a:r>
-              <a:rPr lang="fr-CA" sz="1600" dirty="0"/>
-              <a:t>Le modèle a été conçu dans le cadre du PI3 d’un des membres de l’équipe, et est basé sur des données expérimentales tirées des articles scientifiques </a:t>
-            </a:r>
-            <a:r>
-              <a:rPr lang="fr-FR" sz="1600" i="1" dirty="0"/>
-              <a:t>«</a:t>
-            </a:r>
-            <a:r>
-              <a:rPr lang="en-US" sz="1600" i="1" dirty="0"/>
-              <a:t> Stability of the human spine in neutral postures </a:t>
-            </a:r>
-            <a:r>
-              <a:rPr lang="fr-FR" sz="1600" i="1" dirty="0"/>
-              <a:t>» </a:t>
-            </a:r>
-            <a:r>
-              <a:rPr lang="fr-FR" sz="1600" dirty="0"/>
-              <a:t>(Kiefer et al., 1997)</a:t>
-            </a:r>
-            <a:r>
-              <a:rPr lang="fr-CA" sz="1600" dirty="0"/>
-              <a:t> et </a:t>
-            </a:r>
-            <a:r>
-              <a:rPr lang="fr-CA" sz="1600" i="1" dirty="0"/>
-              <a:t>« </a:t>
-            </a:r>
-            <a:r>
-              <a:rPr lang="en-US" sz="1600" i="1" dirty="0"/>
-              <a:t>Load-bearing and stress analysis of the human spine under a novel wrapping compression loading</a:t>
-            </a:r>
-            <a:r>
-              <a:rPr lang="fr-FR" sz="1600" i="1" dirty="0"/>
-              <a:t> »</a:t>
-            </a:r>
-            <a:r>
-              <a:rPr lang="en-US" sz="1600" i="1" dirty="0"/>
-              <a:t> </a:t>
-            </a:r>
-            <a:r>
-              <a:rPr lang="en-CA" sz="1600" dirty="0"/>
-              <a:t>(Shirazi-</a:t>
-            </a:r>
-            <a:r>
-              <a:rPr lang="en-CA" sz="1600" dirty="0" err="1"/>
-              <a:t>Adl</a:t>
-            </a:r>
-            <a:r>
-              <a:rPr lang="en-CA" sz="1600" dirty="0"/>
-              <a:t> &amp; Parnianpour, 2000), </a:t>
-            </a:r>
-            <a:r>
-              <a:rPr lang="fr-CA" sz="1600" dirty="0"/>
-              <a:t>ainsi que sur des données géométriques et propriétés physiques (coordonnées spatiales, sections, rigidités) issues des recherches personnelles de Prof. Aboulfazl Shirazi-Adl. Pour des raisons de confidentialité, ce fichier ne sera pas publié sur GitHub mais il peut être disponible sur demande.</a:t>
-            </a:r>
-          </a:p>
-          <a:p>
-            <a:pPr marL="0" indent="0" algn="just">
-              <a:lnSpc>
-                <a:spcPct val="100000"/>
-              </a:lnSpc>
-              <a:buNone/>
-            </a:pPr>
-            <a:r>
-              <a:rPr lang="fr-CA" sz="1600" dirty="0"/>
-              <a:t>En guise de validation lors du PI3, le membre de l’équipe avait simplement comparé visuellement l’allure et les ordres de grandeur des réponses obtenues par son modèle avec les courbes Force-Déplacement postérieur tirés des articles scientifiques de référence. Le projet final de MEC8211 est ainsi l’occasion idéale pour appliquer les acquis du cours et mettre à l’épreuve la validité de son modèle.</a:t>
-            </a:r>
+            <a:endParaRPr lang="fr-CA" sz="1600" dirty="0"/>
           </a:p>
           <a:p>
             <a:pPr marL="0" indent="0">
@@ -22868,7 +22745,7 @@
             </a:pPr>
             <a:r>
               <a:rPr lang="fr-CA" sz="1600" dirty="0"/>
-              <a:t>Les étapes de V&amp;V entreprises consistent en ce qui suit:</a:t>
+              <a:t>Plan de la présentation:</a:t>
             </a:r>
           </a:p>
           <a:p>
@@ -25724,8 +25601,8 @@
           <a:chExt cx="0" cy="0"/>
         </a:xfrm>
       </p:grpSpPr>
-      <mc:AlternateContent xmlns:mc="http://schemas.openxmlformats.org/markup-compatibility/2006" xmlns:a14="http://schemas.microsoft.com/office/drawing/2010/main">
-        <mc:Choice Requires="a14">
+      <mc:AlternateContent xmlns:mc="http://schemas.openxmlformats.org/markup-compatibility/2006">
+        <mc:Choice xmlns:a14="http://schemas.microsoft.com/office/drawing/2010/main" Requires="a14">
           <p:sp>
             <p:nvSpPr>
               <p:cNvPr id="3" name="Content Placeholder 2">
@@ -25767,8 +25644,31 @@
                   <a:rPr lang="fr-CA" sz="1800" dirty="0">
                     <a:latin typeface="Aptos "/>
                   </a:rPr>
-                  <a:t>La modélisation de la colonne vertébrale a été réalisée sur le logiciel SimCenter 3D en utilisant des éléments de type poutre ainsi que des éléments RBE2. </a:t>
+                  <a:t>La modélisation de la colonne vertébrale sur </a:t>
                 </a:r>
+                <a:r>
+                  <a:rPr lang="fr-CA" sz="1800" dirty="0" err="1">
+                    <a:latin typeface="Aptos "/>
+                  </a:rPr>
+                  <a:t>SimCenter</a:t>
+                </a:r>
+                <a:r>
+                  <a:rPr lang="fr-CA" sz="1800" dirty="0">
+                    <a:latin typeface="Aptos "/>
+                  </a:rPr>
+                  <a:t> 3D par éléments Poutre + RBE2.</a:t>
+                </a:r>
+              </a:p>
+              <a:p>
+                <a:pPr marL="0" indent="0" algn="just">
+                  <a:lnSpc>
+                    <a:spcPct val="110000"/>
+                  </a:lnSpc>
+                  <a:spcAft>
+                    <a:spcPts val="1200"/>
+                  </a:spcAft>
+                  <a:buNone/>
+                </a:pPr>
                 <a:r>
                   <a:rPr lang="en-CA" sz="1800" dirty="0">
                     <a:latin typeface="Aptos "/>
@@ -25807,209 +25707,10 @@
                 </a:r>
               </a:p>
               <a:p>
-                <a:pPr marL="0" indent="0">
-                  <a:spcBef>
-                    <a:spcPts val="600"/>
-                  </a:spcBef>
+                <a:pPr marL="0" indent="0" algn="ctr">
                   <a:spcAft>
-                    <a:spcPts val="1000"/>
+                    <a:spcPts val="1200"/>
                   </a:spcAft>
-                  <a:buNone/>
-                </a:pPr>
-                <a14:m>
-                  <m:oMathPara xmlns:m="http://schemas.openxmlformats.org/officeDocument/2006/math">
-                    <m:oMathParaPr>
-                      <m:jc m:val="centerGroup"/>
-                    </m:oMathParaPr>
-                    <m:oMath xmlns:m="http://schemas.openxmlformats.org/officeDocument/2006/math">
-                      <m:f>
-                        <m:fPr>
-                          <m:ctrlPr>
-                            <a:rPr lang="fr-FR" sz="1800" i="1" smtClean="0">
-                              <a:latin typeface="Cambria Math" panose="02040503050406030204" pitchFamily="18" charset="0"/>
-                            </a:rPr>
-                          </m:ctrlPr>
-                        </m:fPr>
-                        <m:num>
-                          <m:sSup>
-                            <m:sSupPr>
-                              <m:ctrlPr>
-                                <a:rPr lang="fr-FR" sz="1800" i="1">
-                                  <a:latin typeface="Cambria Math" panose="02040503050406030204" pitchFamily="18" charset="0"/>
-                                </a:rPr>
-                              </m:ctrlPr>
-                            </m:sSupPr>
-                            <m:e>
-                              <m:r>
-                                <a:rPr lang="fr-FR" sz="1800" i="1">
-                                  <a:latin typeface="Cambria Math" panose="02040503050406030204" pitchFamily="18" charset="0"/>
-                                </a:rPr>
-                                <m:t>𝑑</m:t>
-                              </m:r>
-                            </m:e>
-                            <m:sup>
-                              <m:r>
-                                <a:rPr lang="fr-FR" sz="1800" i="1">
-                                  <a:latin typeface="Cambria Math" panose="02040503050406030204" pitchFamily="18" charset="0"/>
-                                </a:rPr>
-                                <m:t>2</m:t>
-                              </m:r>
-                            </m:sup>
-                          </m:sSup>
-                        </m:num>
-                        <m:den>
-                          <m:r>
-                            <a:rPr lang="fr-FR" sz="1800" i="1">
-                              <a:latin typeface="Cambria Math" panose="02040503050406030204" pitchFamily="18" charset="0"/>
-                            </a:rPr>
-                            <m:t>𝑑</m:t>
-                          </m:r>
-                          <m:sSup>
-                            <m:sSupPr>
-                              <m:ctrlPr>
-                                <a:rPr lang="fr-FR" sz="1800" i="1">
-                                  <a:latin typeface="Cambria Math" panose="02040503050406030204" pitchFamily="18" charset="0"/>
-                                </a:rPr>
-                              </m:ctrlPr>
-                            </m:sSupPr>
-                            <m:e>
-                              <m:r>
-                                <a:rPr lang="fr-FR" sz="1800" i="1">
-                                  <a:latin typeface="Cambria Math" panose="02040503050406030204" pitchFamily="18" charset="0"/>
-                                </a:rPr>
-                                <m:t>𝑥</m:t>
-                              </m:r>
-                            </m:e>
-                            <m:sup>
-                              <m:r>
-                                <a:rPr lang="fr-FR" sz="1800" i="1">
-                                  <a:latin typeface="Cambria Math" panose="02040503050406030204" pitchFamily="18" charset="0"/>
-                                </a:rPr>
-                                <m:t>2</m:t>
-                              </m:r>
-                            </m:sup>
-                          </m:sSup>
-                        </m:den>
-                      </m:f>
-                      <m:d>
-                        <m:dPr>
-                          <m:ctrlPr>
-                            <a:rPr lang="fr-FR" sz="1800" i="1">
-                              <a:latin typeface="Cambria Math" panose="02040503050406030204" pitchFamily="18" charset="0"/>
-                            </a:rPr>
-                          </m:ctrlPr>
-                        </m:dPr>
-                        <m:e>
-                          <m:r>
-                            <a:rPr lang="fr-FR" sz="1800" i="1">
-                              <a:latin typeface="Cambria Math" panose="02040503050406030204" pitchFamily="18" charset="0"/>
-                            </a:rPr>
-                            <m:t>𝐸</m:t>
-                          </m:r>
-                          <m:r>
-                            <a:rPr lang="fr-FR" sz="1800" b="0" i="1" smtClean="0">
-                              <a:latin typeface="Cambria Math" panose="02040503050406030204" pitchFamily="18" charset="0"/>
-                            </a:rPr>
-                            <m:t>𝐼</m:t>
-                          </m:r>
-                          <m:f>
-                            <m:fPr>
-                              <m:ctrlPr>
-                                <a:rPr lang="fr-FR" sz="1800" i="1">
-                                  <a:latin typeface="Cambria Math" panose="02040503050406030204" pitchFamily="18" charset="0"/>
-                                </a:rPr>
-                              </m:ctrlPr>
-                            </m:fPr>
-                            <m:num>
-                              <m:sSup>
-                                <m:sSupPr>
-                                  <m:ctrlPr>
-                                    <a:rPr lang="fr-FR" sz="1800" i="1">
-                                      <a:latin typeface="Cambria Math" panose="02040503050406030204" pitchFamily="18" charset="0"/>
-                                    </a:rPr>
-                                  </m:ctrlPr>
-                                </m:sSupPr>
-                                <m:e>
-                                  <m:r>
-                                    <a:rPr lang="fr-FR" sz="1800" i="1">
-                                      <a:latin typeface="Cambria Math" panose="02040503050406030204" pitchFamily="18" charset="0"/>
-                                    </a:rPr>
-                                    <m:t>𝑑</m:t>
-                                  </m:r>
-                                </m:e>
-                                <m:sup>
-                                  <m:r>
-                                    <a:rPr lang="fr-FR" sz="1800" i="1">
-                                      <a:latin typeface="Cambria Math" panose="02040503050406030204" pitchFamily="18" charset="0"/>
-                                    </a:rPr>
-                                    <m:t>2</m:t>
-                                  </m:r>
-                                </m:sup>
-                              </m:sSup>
-                              <m:r>
-                                <a:rPr lang="fr-FR" sz="1800" i="1" smtClean="0">
-                                  <a:latin typeface="Cambria Math" panose="02040503050406030204" pitchFamily="18" charset="0"/>
-                                  <a:ea typeface="Cambria Math" panose="02040503050406030204" pitchFamily="18" charset="0"/>
-                                </a:rPr>
-                                <m:t>𝜌</m:t>
-                              </m:r>
-                            </m:num>
-                            <m:den>
-                              <m:r>
-                                <a:rPr lang="fr-FR" sz="1800" i="1">
-                                  <a:latin typeface="Cambria Math" panose="02040503050406030204" pitchFamily="18" charset="0"/>
-                                </a:rPr>
-                                <m:t>𝑑</m:t>
-                              </m:r>
-                              <m:r>
-                                <a:rPr lang="fr-FR" sz="1800" b="0" i="1" smtClean="0">
-                                  <a:latin typeface="Cambria Math" panose="02040503050406030204" pitchFamily="18" charset="0"/>
-                                </a:rPr>
-                                <m:t>𝑥</m:t>
-                              </m:r>
-                            </m:den>
-                          </m:f>
-                        </m:e>
-                      </m:d>
-                      <m:r>
-                        <a:rPr lang="fr-FR" sz="1800" b="0" i="1" smtClean="0">
-                          <a:latin typeface="Cambria Math" panose="02040503050406030204" pitchFamily="18" charset="0"/>
-                        </a:rPr>
-                        <m:t>=</m:t>
-                      </m:r>
-                      <m:r>
-                        <a:rPr lang="fr-FR" sz="1800" b="0" i="1" smtClean="0">
-                          <a:latin typeface="Cambria Math" panose="02040503050406030204" pitchFamily="18" charset="0"/>
-                        </a:rPr>
-                        <m:t>𝑞</m:t>
-                      </m:r>
-                      <m:r>
-                        <a:rPr lang="fr-FR" sz="1800" b="0" i="1" smtClean="0">
-                          <a:latin typeface="Cambria Math" panose="02040503050406030204" pitchFamily="18" charset="0"/>
-                        </a:rPr>
-                        <m:t>(</m:t>
-                      </m:r>
-                      <m:r>
-                        <a:rPr lang="fr-FR" sz="1800" b="0" i="1" smtClean="0">
-                          <a:latin typeface="Cambria Math" panose="02040503050406030204" pitchFamily="18" charset="0"/>
-                        </a:rPr>
-                        <m:t>𝑥</m:t>
-                      </m:r>
-                      <m:r>
-                        <a:rPr lang="fr-FR" sz="1800" b="0" i="1" smtClean="0">
-                          <a:latin typeface="Cambria Math" panose="02040503050406030204" pitchFamily="18" charset="0"/>
-                        </a:rPr>
-                        <m:t>)</m:t>
-                      </m:r>
-                    </m:oMath>
-                  </m:oMathPara>
-                </a14:m>
-                <a:endParaRPr lang="fr-CA" sz="1800" dirty="0">
-                  <a:latin typeface="Aptos "/>
-                </a:endParaRPr>
-              </a:p>
-              <a:p>
-                <a:pPr marL="0" indent="0" algn="ctr">
                   <a:buNone/>
                 </a:pPr>
                 <a14:m>
@@ -26216,15 +25917,6 @@
                   <a:rPr lang="fr-FR" sz="1800" i="1" dirty="0">
                     <a:latin typeface="Aptos "/>
                   </a:rPr>
-                  <a:t>q : Charge répartie sur la poutre,</a:t>
-                </a:r>
-              </a:p>
-              <a:p>
-                <a:pPr lvl="1"/>
-                <a:r>
-                  <a:rPr lang="fr-FR" sz="1800" i="1" dirty="0">
-                    <a:latin typeface="Aptos "/>
-                  </a:rPr>
                   <a:t>x : Coordonnée dans la direction de l'axe longitudinal de la poutre,</a:t>
                 </a:r>
               </a:p>
@@ -26266,6 +25958,15 @@
               </a:p>
               <a:p>
                 <a:pPr lvl="1"/>
+                <a:r>
+                  <a:rPr lang="fr-FR" sz="1800" i="1" dirty="0">
+                    <a:latin typeface="Aptos "/>
+                  </a:rPr>
+                  <a:t>A: section de la poutre;</a:t>
+                </a:r>
+              </a:p>
+              <a:p>
+                <a:pPr lvl="1"/>
                 <a14:m>
                   <m:oMath xmlns:m="http://schemas.openxmlformats.org/officeDocument/2006/math">
                     <m:r>
@@ -26295,7 +25996,7 @@
             </p:txBody>
           </p:sp>
         </mc:Choice>
-        <mc:Fallback xmlns="">
+        <mc:Fallback>
           <p:sp>
             <p:nvSpPr>
               <p:cNvPr id="3" name="Content Placeholder 2">
@@ -26320,7 +26021,7 @@
               <a:blipFill>
                 <a:blip r:embed="rId2"/>
                 <a:stretch>
-                  <a:fillRect l="-522" t="-334" r="-464" b="-7898"/>
+                  <a:fillRect l="-522" t="-334" r="-464"/>
                 </a:stretch>
               </a:blipFill>
             </p:spPr>
@@ -26329,7 +26030,7 @@
               <a:lstStyle/>
               <a:p>
                 <a:r>
-                  <a:rPr lang="fr-FR">
+                  <a:rPr lang="en-CA">
                     <a:noFill/>
                   </a:rPr>
                   <a:t> </a:t>
@@ -26529,19 +26230,7 @@
               <a:rPr lang="fr-CA" sz="1800" dirty="0">
                 <a:latin typeface="Aptos "/>
               </a:rPr>
-              <a:t>Le modèle en éléments finis de la colonne vertébrale sur </a:t>
-            </a:r>
-            <a:r>
-              <a:rPr lang="fr-CA" sz="1800" dirty="0" err="1">
-                <a:latin typeface="Aptos "/>
-              </a:rPr>
-              <a:t>SimCenter</a:t>
-            </a:r>
-            <a:r>
-              <a:rPr lang="fr-CA" sz="1800" dirty="0">
-                <a:latin typeface="Aptos "/>
-              </a:rPr>
-              <a:t> 3D:</a:t>
+              <a:t>MEF:</a:t>
             </a:r>
           </a:p>
           <a:p>
@@ -26584,7 +26273,7 @@
             </a:pPr>
             <a:r>
               <a:rPr lang="fr-FR" sz="1800" dirty="0"/>
-              <a:t>L’entrée du modèle est la charge verticale exercée sur la colonne vertébrale, qui n’est autre que la portion du poids reprise par la colonne vertébrale et pas par les muscles du corps d’un individu.</a:t>
+              <a:t>Entrée du modèle : force verticale exercée sur la colonne vertébrale, (portion du poids reprise par la colonne vertébrale).</a:t>
             </a:r>
           </a:p>
           <a:p>
@@ -26606,7 +26295,7 @@
             </a:pPr>
             <a:r>
               <a:rPr lang="fr-FR" sz="1800" dirty="0"/>
-              <a:t>La sortie du modèle correspond au déplacement postérieur des vertèbres. </a:t>
+              <a:t>Sortie du modèle : déplacement postérieur des vertèbres. </a:t>
             </a:r>
           </a:p>
           <a:p>
@@ -26628,7 +26317,7 @@
             </a:pPr>
             <a:r>
               <a:rPr lang="fr-FR" sz="1800" dirty="0"/>
-              <a:t>Les conditions frontières de ce modèle sont:</a:t>
+              <a:t>Conditions frontières :</a:t>
             </a:r>
           </a:p>
           <a:p>
@@ -27007,7 +26696,7 @@
         </p:spPr>
         <p:txBody>
           <a:bodyPr>
-            <a:normAutofit fontScale="55000" lnSpcReduction="20000"/>
+            <a:normAutofit/>
           </a:bodyPr>
           <a:lstStyle/>
           <a:p>
@@ -27018,31 +26707,31 @@
               <a:buNone/>
             </a:pPr>
             <a:r>
-              <a:rPr lang="fr-FR" sz="3300" dirty="0"/>
-              <a:t>Une fois le type d’éléments choisi, il faut à présent modéliser les différentes vertèbres et cela en configurant les propriétés géométriques des éléments poutres. L’article </a:t>
+              <a:rPr lang="fr-FR" sz="1800" dirty="0"/>
+              <a:t>Propriétés géométriques des éléments poutres (disques intervertébraux) tirés de l’article </a:t>
             </a:r>
             <a:r>
-              <a:rPr lang="fr-FR" sz="3300" i="1" dirty="0"/>
+              <a:rPr lang="fr-FR" sz="1800" i="1" dirty="0"/>
               <a:t>«</a:t>
             </a:r>
             <a:r>
-              <a:rPr lang="en-US" sz="3300" i="1" dirty="0"/>
+              <a:rPr lang="en-US" sz="1800" i="1" dirty="0"/>
               <a:t> Stability of the human spine in  neutral postures </a:t>
             </a:r>
             <a:r>
-              <a:rPr lang="fr-FR" sz="3300" i="1" dirty="0"/>
-              <a:t>» (Kiefer et al., 1997) </a:t>
+              <a:rPr lang="fr-FR" sz="1800" i="1" dirty="0"/>
+              <a:t>» (Kiefer et al., 1997)</a:t>
             </a:r>
             <a:r>
-              <a:rPr lang="fr-FR" sz="3300" dirty="0"/>
-              <a:t>a été utilisé  comme référence.</a:t>
+              <a:rPr lang="fr-FR" sz="1800" dirty="0"/>
+              <a:t>.</a:t>
             </a:r>
           </a:p>
           <a:p>
             <a:pPr marL="0" indent="0">
               <a:buNone/>
             </a:pPr>
-            <a:endParaRPr lang="fr-FR" dirty="0"/>
+            <a:endParaRPr lang="fr-FR" sz="1600" dirty="0"/>
           </a:p>
         </p:txBody>
       </p:sp>
@@ -27061,7 +26750,7 @@
           <p:nvPr/>
         </p:nvPicPr>
         <p:blipFill>
-          <a:blip r:embed="rId3"/>
+          <a:blip r:embed="rId2"/>
           <a:stretch>
             <a:fillRect/>
           </a:stretch>
@@ -27282,11 +26971,6 @@
   <p:clrMapOvr>
     <a:masterClrMapping/>
   </p:clrMapOvr>
-  <p:extLst>
-    <p:ext uri="{6950BFC3-D8DA-4A85-94F7-54DA5524770B}">
-      <p188:commentRel xmlns:p188="http://schemas.microsoft.com/office/powerpoint/2018/8/main" r:id="rId2"/>
-    </p:ext>
-  </p:extLst>
 </p:sld>
 </file>
 
@@ -27343,8 +27027,8 @@
           </a:p>
         </p:txBody>
       </p:sp>
-      <mc:AlternateContent xmlns:mc="http://schemas.openxmlformats.org/markup-compatibility/2006" xmlns:a14="http://schemas.microsoft.com/office/drawing/2010/main">
-        <mc:Choice Requires="a14">
+      <mc:AlternateContent xmlns:mc="http://schemas.openxmlformats.org/markup-compatibility/2006">
+        <mc:Choice xmlns:a14="http://schemas.microsoft.com/office/drawing/2010/main" Requires="a14">
           <p:sp>
             <p:nvSpPr>
               <p:cNvPr id="3" name="Content Placeholder 2">
@@ -27384,7 +27068,11 @@
                 </a:r>
               </a:p>
               <a:p>
-                <a:pPr algn="just"/>
+                <a:pPr algn="just">
+                  <a:spcAft>
+                    <a:spcPts val="1200"/>
+                  </a:spcAft>
+                </a:pPr>
                 <a:r>
                   <a:rPr lang="fr-FR" sz="1800" dirty="0"/>
                   <a:t>Comparaison des données de simulations avec la solution d’Euler pour une poutre encastrée libre.</a:t>
@@ -27392,6 +27080,12 @@
               </a:p>
               <a:p>
                 <a:pPr marL="0" indent="0" algn="ctr">
+                  <a:spcBef>
+                    <a:spcPts val="1200"/>
+                  </a:spcBef>
+                  <a:spcAft>
+                    <a:spcPts val="1200"/>
+                  </a:spcAft>
                   <a:buNone/>
                 </a:pPr>
                 <a14:m>
@@ -27531,7 +27225,7 @@
                 <a:pPr algn="just"/>
                 <a:r>
                   <a:rPr lang="fr-FR" sz="1800" dirty="0"/>
-                  <a:t>Rappel : Utilisation de fonction de forme linéaire ordre p=1.</a:t>
+                  <a:t>Rappel : Utilisation de fonctions de forme linéaires (ordre p=1).</a:t>
                 </a:r>
               </a:p>
               <a:p>
@@ -27543,7 +27237,7 @@
             </p:txBody>
           </p:sp>
         </mc:Choice>
-        <mc:Fallback xmlns="">
+        <mc:Fallback>
           <p:sp>
             <p:nvSpPr>
               <p:cNvPr id="3" name="Content Placeholder 2">
@@ -27566,7 +27260,7 @@
                 <a:ext cx="10515600" cy="3689982"/>
               </a:xfrm>
               <a:blipFill>
-                <a:blip r:embed="rId3"/>
+                <a:blip r:embed="rId2"/>
                 <a:stretch>
                   <a:fillRect l="-406" t="-1653" r="-464"/>
                 </a:stretch>
@@ -27577,7 +27271,7 @@
               <a:lstStyle/>
               <a:p>
                 <a:r>
-                  <a:rPr lang="fr-FR">
+                  <a:rPr lang="en-CA">
                     <a:noFill/>
                   </a:rPr>
                   <a:t> </a:t>
@@ -27685,13 +27379,13 @@
           <p:nvPr>
             <p:extLst>
               <p:ext uri="{D42A27DB-BD31-4B8C-83A1-F6EECF244321}">
-                <p14:modId xmlns:p14="http://schemas.microsoft.com/office/powerpoint/2010/main" val="1023842006"/>
+                <p14:modId xmlns:p14="http://schemas.microsoft.com/office/powerpoint/2010/main" val="499741281"/>
               </p:ext>
             </p:extLst>
           </p:nvPr>
         </p:nvGraphicFramePr>
         <p:xfrm>
-          <a:off x="3655836" y="3878825"/>
+          <a:off x="3646004" y="4272116"/>
           <a:ext cx="4899991" cy="1828800"/>
         </p:xfrm>
         <a:graphic>
@@ -27899,7 +27593,7 @@
         </p:nvSpPr>
         <p:spPr>
           <a:xfrm>
-            <a:off x="3655836" y="3543048"/>
+            <a:off x="3646004" y="3916458"/>
             <a:ext cx="5435048" cy="276999"/>
           </a:xfrm>
           <a:prstGeom prst="rect">
@@ -27963,11 +27657,6 @@
   <p:clrMapOvr>
     <a:masterClrMapping/>
   </p:clrMapOvr>
-  <p:extLst>
-    <p:ext uri="{6950BFC3-D8DA-4A85-94F7-54DA5524770B}">
-      <p188:commentRel xmlns:p188="http://schemas.microsoft.com/office/powerpoint/2018/8/main" r:id="rId2"/>
-    </p:ext>
-  </p:extLst>
 </p:sld>
 </file>
 
@@ -28345,7 +28034,7 @@
             </a:pPr>
             <a:r>
               <a:rPr lang="fr-CA" sz="1800" dirty="0"/>
-              <a:t>Comme mentionné précédemment, les simulations ont été réalisées en augmentant le nombre d’éléments de la poutre (i.e. en diminuant le pas en espace).</a:t>
+              <a:t>Analyse de convergence par raffinement de maillage:</a:t>
             </a:r>
           </a:p>
           <a:p>
@@ -30167,17 +29856,6 @@
 </file>
 
 <file path=customXml/item1.xml><?xml version="1.0" encoding="utf-8"?>
-<p:properties xmlns:p="http://schemas.microsoft.com/office/2006/metadata/properties" xmlns:xsi="http://www.w3.org/2001/XMLSchema-instance" xmlns:pc="http://schemas.microsoft.com/office/infopath/2007/PartnerControls">
-  <documentManagement>
-    <lcf76f155ced4ddcb4097134ff3c332f xmlns="ec825916-6f01-4646-bf11-4e97fdd06dc8">
-      <Terms xmlns="http://schemas.microsoft.com/office/infopath/2007/PartnerControls"/>
-    </lcf76f155ced4ddcb4097134ff3c332f>
-    <TaxCatchAll xmlns="10202d72-3646-4d36-9cf4-1feba2c78df0" xsi:nil="true"/>
-  </documentManagement>
-</p:properties>
-</file>
-
-<file path=customXml/item2.xml><?xml version="1.0" encoding="utf-8"?>
 <ct:contentTypeSchema xmlns:ct="http://schemas.microsoft.com/office/2006/metadata/contentType" xmlns:ma="http://schemas.microsoft.com/office/2006/metadata/properties/metaAttributes" ct:_="" ma:_="" ma:contentTypeName="Document" ma:contentTypeID="0x010100744768CFAF743F4A83B0523C20156377" ma:contentTypeVersion="11" ma:contentTypeDescription="Create a new document." ma:contentTypeScope="" ma:versionID="aafa440e1ffbdaf1b0956f4ac1c916a8">
   <xsd:schema xmlns:xsd="http://www.w3.org/2001/XMLSchema" xmlns:xs="http://www.w3.org/2001/XMLSchema" xmlns:p="http://schemas.microsoft.com/office/2006/metadata/properties" xmlns:ns2="ec825916-6f01-4646-bf11-4e97fdd06dc8" xmlns:ns3="10202d72-3646-4d36-9cf4-1feba2c78df0" targetNamespace="http://schemas.microsoft.com/office/2006/metadata/properties" ma:root="true" ma:fieldsID="7a73fe93b8aa32af4ca50956a2221801" ns2:_="" ns3:_="">
     <xsd:import namespace="ec825916-6f01-4646-bf11-4e97fdd06dc8"/>
@@ -30372,6 +30050,17 @@
 </ct:contentTypeSchema>
 </file>
 
+<file path=customXml/item2.xml><?xml version="1.0" encoding="utf-8"?>
+<p:properties xmlns:p="http://schemas.microsoft.com/office/2006/metadata/properties" xmlns:xsi="http://www.w3.org/2001/XMLSchema-instance" xmlns:pc="http://schemas.microsoft.com/office/infopath/2007/PartnerControls">
+  <documentManagement>
+    <lcf76f155ced4ddcb4097134ff3c332f xmlns="ec825916-6f01-4646-bf11-4e97fdd06dc8">
+      <Terms xmlns="http://schemas.microsoft.com/office/infopath/2007/PartnerControls"/>
+    </lcf76f155ced4ddcb4097134ff3c332f>
+    <TaxCatchAll xmlns="10202d72-3646-4d36-9cf4-1feba2c78df0" xsi:nil="true"/>
+  </documentManagement>
+</p:properties>
+</file>
+
 <file path=customXml/item3.xml><?xml version="1.0" encoding="utf-8"?>
 <?mso-contentType ?>
 <FormTemplates xmlns="http://schemas.microsoft.com/sharepoint/v3/contenttype/forms">
@@ -30382,23 +30071,6 @@
 </file>
 
 <file path=customXml/itemProps1.xml><?xml version="1.0" encoding="utf-8"?>
-<ds:datastoreItem xmlns:ds="http://schemas.openxmlformats.org/officeDocument/2006/customXml" ds:itemID="{CC0D4AF6-CA21-4510-812C-479171907BC9}">
-  <ds:schemaRefs>
-    <ds:schemaRef ds:uri="ec825916-6f01-4646-bf11-4e97fdd06dc8"/>
-    <ds:schemaRef ds:uri="http://schemas.microsoft.com/office/2006/documentManagement/types"/>
-    <ds:schemaRef ds:uri="http://purl.org/dc/dcmitype/"/>
-    <ds:schemaRef ds:uri="http://schemas.microsoft.com/office/infopath/2007/PartnerControls"/>
-    <ds:schemaRef ds:uri="http://purl.org/dc/terms/"/>
-    <ds:schemaRef ds:uri="10202d72-3646-4d36-9cf4-1feba2c78df0"/>
-    <ds:schemaRef ds:uri="http://www.w3.org/XML/1998/namespace"/>
-    <ds:schemaRef ds:uri="http://schemas.microsoft.com/office/2006/metadata/properties"/>
-    <ds:schemaRef ds:uri="http://schemas.openxmlformats.org/package/2006/metadata/core-properties"/>
-    <ds:schemaRef ds:uri="http://purl.org/dc/elements/1.1/"/>
-  </ds:schemaRefs>
-</ds:datastoreItem>
-</file>
-
-<file path=customXml/itemProps2.xml><?xml version="1.0" encoding="utf-8"?>
 <ds:datastoreItem xmlns:ds="http://schemas.openxmlformats.org/officeDocument/2006/customXml" ds:itemID="{4AB5C90D-8262-4EAC-95BF-2CC4C44D50EC}">
   <ds:schemaRefs>
     <ds:schemaRef ds:uri="10202d72-3646-4d36-9cf4-1feba2c78df0"/>
@@ -30417,6 +30089,23 @@
 </ds:datastoreItem>
 </file>
 
+<file path=customXml/itemProps2.xml><?xml version="1.0" encoding="utf-8"?>
+<ds:datastoreItem xmlns:ds="http://schemas.openxmlformats.org/officeDocument/2006/customXml" ds:itemID="{CC0D4AF6-CA21-4510-812C-479171907BC9}">
+  <ds:schemaRefs>
+    <ds:schemaRef ds:uri="ec825916-6f01-4646-bf11-4e97fdd06dc8"/>
+    <ds:schemaRef ds:uri="http://schemas.microsoft.com/office/2006/documentManagement/types"/>
+    <ds:schemaRef ds:uri="http://purl.org/dc/dcmitype/"/>
+    <ds:schemaRef ds:uri="http://schemas.microsoft.com/office/infopath/2007/PartnerControls"/>
+    <ds:schemaRef ds:uri="http://purl.org/dc/terms/"/>
+    <ds:schemaRef ds:uri="10202d72-3646-4d36-9cf4-1feba2c78df0"/>
+    <ds:schemaRef ds:uri="http://www.w3.org/XML/1998/namespace"/>
+    <ds:schemaRef ds:uri="http://schemas.microsoft.com/office/2006/metadata/properties"/>
+    <ds:schemaRef ds:uri="http://schemas.openxmlformats.org/package/2006/metadata/core-properties"/>
+    <ds:schemaRef ds:uri="http://purl.org/dc/elements/1.1/"/>
+  </ds:schemaRefs>
+</ds:datastoreItem>
+</file>
+
 <file path=customXml/itemProps3.xml><?xml version="1.0" encoding="utf-8"?>
 <ds:datastoreItem xmlns:ds="http://schemas.openxmlformats.org/officeDocument/2006/customXml" ds:itemID="{73F4A501-0066-4B8E-9AA2-A07CF344BF69}">
   <ds:schemaRefs>

--- a/Presentation_Projet.pptx
+++ b/Presentation_Projet.pptx
@@ -15540,8 +15540,8 @@
           </a:p>
         </p:txBody>
       </p:sp>
-      <mc:AlternateContent xmlns:mc="http://schemas.openxmlformats.org/markup-compatibility/2006" xmlns:a14="http://schemas.microsoft.com/office/drawing/2010/main">
-        <mc:Choice Requires="a14">
+      <mc:AlternateContent xmlns:mc="http://schemas.openxmlformats.org/markup-compatibility/2006">
+        <mc:Choice xmlns:a14="http://schemas.microsoft.com/office/drawing/2010/main" Requires="a14">
           <p:sp>
             <p:nvSpPr>
               <p:cNvPr id="6" name="Content Placeholder 2">
@@ -15944,7 +15944,7 @@
                 </a14:m>
                 <a:r>
                   <a:rPr lang="fr-CA" sz="1600" i="1" dirty="0"/>
-                  <a:t> : Erreur local de l’énergie de déformation</a:t>
+                  <a:t> : Erreur locale de l’énergie de déformation</a:t>
                 </a:r>
               </a:p>
               <a:p>
@@ -15991,7 +15991,7 @@
             </p:txBody>
           </p:sp>
         </mc:Choice>
-        <mc:Fallback xmlns="">
+        <mc:Fallback>
           <p:sp>
             <p:nvSpPr>
               <p:cNvPr id="6" name="Content Placeholder 2">
@@ -18489,8 +18489,8 @@
           </a:p>
         </p:txBody>
       </p:sp>
-      <mc:AlternateContent xmlns:mc="http://schemas.openxmlformats.org/markup-compatibility/2006">
-        <mc:Choice xmlns:a14="http://schemas.microsoft.com/office/drawing/2010/main" Requires="a14">
+      <mc:AlternateContent xmlns:mc="http://schemas.openxmlformats.org/markup-compatibility/2006" xmlns:a14="http://schemas.microsoft.com/office/drawing/2010/main">
+        <mc:Choice Requires="a14">
           <p:sp>
             <p:nvSpPr>
               <p:cNvPr id="3" name="Content Placeholder 2">
@@ -19318,7 +19318,7 @@
             </p:txBody>
           </p:sp>
         </mc:Choice>
-        <mc:Fallback>
+        <mc:Fallback xmlns="">
           <p:sp>
             <p:nvSpPr>
               <p:cNvPr id="3" name="Content Placeholder 2">
@@ -20563,8 +20563,8 @@
           </a:p>
         </p:txBody>
       </p:sp>
-      <mc:AlternateContent xmlns:mc="http://schemas.openxmlformats.org/markup-compatibility/2006">
-        <mc:Choice xmlns:a14="http://schemas.microsoft.com/office/drawing/2010/main" Requires="a14">
+      <mc:AlternateContent xmlns:mc="http://schemas.openxmlformats.org/markup-compatibility/2006" xmlns:a14="http://schemas.microsoft.com/office/drawing/2010/main">
+        <mc:Choice Requires="a14">
           <p:sp>
             <p:nvSpPr>
               <p:cNvPr id="3" name="Content Placeholder 2">
@@ -21296,7 +21296,7 @@
             </p:txBody>
           </p:sp>
         </mc:Choice>
-        <mc:Fallback>
+        <mc:Fallback xmlns="">
           <p:sp>
             <p:nvSpPr>
               <p:cNvPr id="3" name="Content Placeholder 2">
@@ -25601,8 +25601,8 @@
           <a:chExt cx="0" cy="0"/>
         </a:xfrm>
       </p:grpSpPr>
-      <mc:AlternateContent xmlns:mc="http://schemas.openxmlformats.org/markup-compatibility/2006">
-        <mc:Choice xmlns:a14="http://schemas.microsoft.com/office/drawing/2010/main" Requires="a14">
+      <mc:AlternateContent xmlns:mc="http://schemas.openxmlformats.org/markup-compatibility/2006" xmlns:a14="http://schemas.microsoft.com/office/drawing/2010/main">
+        <mc:Choice Requires="a14">
           <p:sp>
             <p:nvSpPr>
               <p:cNvPr id="3" name="Content Placeholder 2">
@@ -25996,7 +25996,7 @@
             </p:txBody>
           </p:sp>
         </mc:Choice>
-        <mc:Fallback>
+        <mc:Fallback xmlns="">
           <p:sp>
             <p:nvSpPr>
               <p:cNvPr id="3" name="Content Placeholder 2">
@@ -27027,8 +27027,8 @@
           </a:p>
         </p:txBody>
       </p:sp>
-      <mc:AlternateContent xmlns:mc="http://schemas.openxmlformats.org/markup-compatibility/2006">
-        <mc:Choice xmlns:a14="http://schemas.microsoft.com/office/drawing/2010/main" Requires="a14">
+      <mc:AlternateContent xmlns:mc="http://schemas.openxmlformats.org/markup-compatibility/2006" xmlns:a14="http://schemas.microsoft.com/office/drawing/2010/main">
+        <mc:Choice Requires="a14">
           <p:sp>
             <p:nvSpPr>
               <p:cNvPr id="3" name="Content Placeholder 2">
@@ -27237,7 +27237,7 @@
             </p:txBody>
           </p:sp>
         </mc:Choice>
-        <mc:Fallback>
+        <mc:Fallback xmlns="">
           <p:sp>
             <p:nvSpPr>
               <p:cNvPr id="3" name="Content Placeholder 2">
@@ -29856,6 +29856,26 @@
 </file>
 
 <file path=customXml/item1.xml><?xml version="1.0" encoding="utf-8"?>
+<?mso-contentType ?>
+<FormTemplates xmlns="http://schemas.microsoft.com/sharepoint/v3/contenttype/forms">
+  <Display>DocumentLibraryForm</Display>
+  <Edit>DocumentLibraryForm</Edit>
+  <New>DocumentLibraryForm</New>
+</FormTemplates>
+</file>
+
+<file path=customXml/item2.xml><?xml version="1.0" encoding="utf-8"?>
+<p:properties xmlns:p="http://schemas.microsoft.com/office/2006/metadata/properties" xmlns:xsi="http://www.w3.org/2001/XMLSchema-instance" xmlns:pc="http://schemas.microsoft.com/office/infopath/2007/PartnerControls">
+  <documentManagement>
+    <lcf76f155ced4ddcb4097134ff3c332f xmlns="ec825916-6f01-4646-bf11-4e97fdd06dc8">
+      <Terms xmlns="http://schemas.microsoft.com/office/infopath/2007/PartnerControls"/>
+    </lcf76f155ced4ddcb4097134ff3c332f>
+    <TaxCatchAll xmlns="10202d72-3646-4d36-9cf4-1feba2c78df0" xsi:nil="true"/>
+  </documentManagement>
+</p:properties>
+</file>
+
+<file path=customXml/item3.xml><?xml version="1.0" encoding="utf-8"?>
 <ct:contentTypeSchema xmlns:ct="http://schemas.microsoft.com/office/2006/metadata/contentType" xmlns:ma="http://schemas.microsoft.com/office/2006/metadata/properties/metaAttributes" ct:_="" ma:_="" ma:contentTypeName="Document" ma:contentTypeID="0x010100744768CFAF743F4A83B0523C20156377" ma:contentTypeVersion="11" ma:contentTypeDescription="Create a new document." ma:contentTypeScope="" ma:versionID="aafa440e1ffbdaf1b0956f4ac1c916a8">
   <xsd:schema xmlns:xsd="http://www.w3.org/2001/XMLSchema" xmlns:xs="http://www.w3.org/2001/XMLSchema" xmlns:p="http://schemas.microsoft.com/office/2006/metadata/properties" xmlns:ns2="ec825916-6f01-4646-bf11-4e97fdd06dc8" xmlns:ns3="10202d72-3646-4d36-9cf4-1feba2c78df0" targetNamespace="http://schemas.microsoft.com/office/2006/metadata/properties" ma:root="true" ma:fieldsID="7a73fe93b8aa32af4ca50956a2221801" ns2:_="" ns3:_="">
     <xsd:import namespace="ec825916-6f01-4646-bf11-4e97fdd06dc8"/>
@@ -30050,41 +30070,10 @@
 </ct:contentTypeSchema>
 </file>
 
-<file path=customXml/item2.xml><?xml version="1.0" encoding="utf-8"?>
-<p:properties xmlns:p="http://schemas.microsoft.com/office/2006/metadata/properties" xmlns:xsi="http://www.w3.org/2001/XMLSchema-instance" xmlns:pc="http://schemas.microsoft.com/office/infopath/2007/PartnerControls">
-  <documentManagement>
-    <lcf76f155ced4ddcb4097134ff3c332f xmlns="ec825916-6f01-4646-bf11-4e97fdd06dc8">
-      <Terms xmlns="http://schemas.microsoft.com/office/infopath/2007/PartnerControls"/>
-    </lcf76f155ced4ddcb4097134ff3c332f>
-    <TaxCatchAll xmlns="10202d72-3646-4d36-9cf4-1feba2c78df0" xsi:nil="true"/>
-  </documentManagement>
-</p:properties>
-</file>
-
-<file path=customXml/item3.xml><?xml version="1.0" encoding="utf-8"?>
-<?mso-contentType ?>
-<FormTemplates xmlns="http://schemas.microsoft.com/sharepoint/v3/contenttype/forms">
-  <Display>DocumentLibraryForm</Display>
-  <Edit>DocumentLibraryForm</Edit>
-  <New>DocumentLibraryForm</New>
-</FormTemplates>
-</file>
-
 <file path=customXml/itemProps1.xml><?xml version="1.0" encoding="utf-8"?>
-<ds:datastoreItem xmlns:ds="http://schemas.openxmlformats.org/officeDocument/2006/customXml" ds:itemID="{4AB5C90D-8262-4EAC-95BF-2CC4C44D50EC}">
+<ds:datastoreItem xmlns:ds="http://schemas.openxmlformats.org/officeDocument/2006/customXml" ds:itemID="{73F4A501-0066-4B8E-9AA2-A07CF344BF69}">
   <ds:schemaRefs>
-    <ds:schemaRef ds:uri="10202d72-3646-4d36-9cf4-1feba2c78df0"/>
-    <ds:schemaRef ds:uri="ec825916-6f01-4646-bf11-4e97fdd06dc8"/>
-    <ds:schemaRef ds:uri="http://purl.org/dc/elements/1.1/"/>
-    <ds:schemaRef ds:uri="http://purl.org/dc/terms/"/>
-    <ds:schemaRef ds:uri="http://schemas.microsoft.com/internal/obd"/>
-    <ds:schemaRef ds:uri="http://schemas.microsoft.com/office/2006/documentManagement/types"/>
-    <ds:schemaRef ds:uri="http://schemas.microsoft.com/office/2006/metadata/contentType"/>
-    <ds:schemaRef ds:uri="http://schemas.microsoft.com/office/2006/metadata/properties"/>
-    <ds:schemaRef ds:uri="http://schemas.microsoft.com/office/2006/metadata/properties/metaAttributes"/>
-    <ds:schemaRef ds:uri="http://schemas.microsoft.com/office/infopath/2007/PartnerControls"/>
-    <ds:schemaRef ds:uri="http://schemas.openxmlformats.org/package/2006/metadata/core-properties"/>
-    <ds:schemaRef ds:uri="http://www.w3.org/2001/XMLSchema"/>
+    <ds:schemaRef ds:uri="http://schemas.microsoft.com/sharepoint/v3/contenttype/forms"/>
   </ds:schemaRefs>
 </ds:datastoreItem>
 </file>
@@ -30107,9 +30096,20 @@
 </file>
 
 <file path=customXml/itemProps3.xml><?xml version="1.0" encoding="utf-8"?>
-<ds:datastoreItem xmlns:ds="http://schemas.openxmlformats.org/officeDocument/2006/customXml" ds:itemID="{73F4A501-0066-4B8E-9AA2-A07CF344BF69}">
+<ds:datastoreItem xmlns:ds="http://schemas.openxmlformats.org/officeDocument/2006/customXml" ds:itemID="{4AB5C90D-8262-4EAC-95BF-2CC4C44D50EC}">
   <ds:schemaRefs>
-    <ds:schemaRef ds:uri="http://schemas.microsoft.com/sharepoint/v3/contenttype/forms"/>
+    <ds:schemaRef ds:uri="10202d72-3646-4d36-9cf4-1feba2c78df0"/>
+    <ds:schemaRef ds:uri="ec825916-6f01-4646-bf11-4e97fdd06dc8"/>
+    <ds:schemaRef ds:uri="http://purl.org/dc/elements/1.1/"/>
+    <ds:schemaRef ds:uri="http://purl.org/dc/terms/"/>
+    <ds:schemaRef ds:uri="http://schemas.microsoft.com/internal/obd"/>
+    <ds:schemaRef ds:uri="http://schemas.microsoft.com/office/2006/documentManagement/types"/>
+    <ds:schemaRef ds:uri="http://schemas.microsoft.com/office/2006/metadata/contentType"/>
+    <ds:schemaRef ds:uri="http://schemas.microsoft.com/office/2006/metadata/properties"/>
+    <ds:schemaRef ds:uri="http://schemas.microsoft.com/office/2006/metadata/properties/metaAttributes"/>
+    <ds:schemaRef ds:uri="http://schemas.microsoft.com/office/infopath/2007/PartnerControls"/>
+    <ds:schemaRef ds:uri="http://schemas.openxmlformats.org/package/2006/metadata/core-properties"/>
+    <ds:schemaRef ds:uri="http://www.w3.org/2001/XMLSchema"/>
   </ds:schemaRefs>
 </ds:datastoreItem>
 </file>
--- a/Presentation_Projet.pptx
+++ b/Presentation_Projet.pptx
@@ -954,7 +954,7 @@
 <file path=ppt/charts/chart1.xml><?xml version="1.0" encoding="utf-8"?>
 <c:chartSpace xmlns:c="http://schemas.openxmlformats.org/drawingml/2006/chart" xmlns:a="http://schemas.openxmlformats.org/drawingml/2006/main" xmlns:r="http://schemas.openxmlformats.org/officeDocument/2006/relationships" xmlns:c16r2="http://schemas.microsoft.com/office/drawing/2015/06/chart">
   <c:date1904 val="0"/>
-  <c:lang val="en-US"/>
+  <c:lang val="fr-FR"/>
   <c:roundedCorners val="0"/>
   <mc:AlternateContent xmlns:mc="http://schemas.openxmlformats.org/markup-compatibility/2006">
     <mc:Choice xmlns:c14="http://schemas.microsoft.com/office/drawing/2007/8/2/chart" Requires="c14">
@@ -2080,7 +2080,7 @@
                   <a:cs typeface="+mn-cs"/>
                 </a:defRPr>
               </a:pPr>
-              <a:endParaRPr lang="en-US"/>
+              <a:endParaRPr lang="fr-FR"/>
             </a:p>
           </c:txPr>
         </c:title>
@@ -2118,7 +2118,7 @@
                 <a:cs typeface="+mn-cs"/>
               </a:defRPr>
             </a:pPr>
-            <a:endParaRPr lang="en-US"/>
+            <a:endParaRPr lang="fr-FR"/>
           </a:p>
         </c:txPr>
         <c:crossAx val="477271791"/>
@@ -2202,7 +2202,7 @@
                   <a:cs typeface="+mn-cs"/>
                 </a:defRPr>
               </a:pPr>
-              <a:endParaRPr lang="en-US"/>
+              <a:endParaRPr lang="fr-FR"/>
             </a:p>
           </c:txPr>
         </c:title>
@@ -2240,7 +2240,7 @@
                 <a:cs typeface="+mn-cs"/>
               </a:defRPr>
             </a:pPr>
-            <a:endParaRPr lang="en-US"/>
+            <a:endParaRPr lang="fr-FR"/>
           </a:p>
         </c:txPr>
         <c:crossAx val="477280911"/>
@@ -2292,7 +2292,7 @@
               <a:cs typeface="+mn-cs"/>
             </a:defRPr>
           </a:pPr>
-          <a:endParaRPr lang="en-US"/>
+          <a:endParaRPr lang="fr-FR"/>
         </a:p>
       </c:txPr>
     </c:legend>
@@ -2321,7 +2321,7 @@
       <a:pPr>
         <a:defRPr/>
       </a:pPr>
-      <a:endParaRPr lang="en-US"/>
+      <a:endParaRPr lang="fr-FR"/>
     </a:p>
   </c:txPr>
   <c:externalData r:id="rId3">
@@ -2333,7 +2333,7 @@
 <file path=ppt/charts/chart2.xml><?xml version="1.0" encoding="utf-8"?>
 <c:chartSpace xmlns:c="http://schemas.openxmlformats.org/drawingml/2006/chart" xmlns:a="http://schemas.openxmlformats.org/drawingml/2006/main" xmlns:r="http://schemas.openxmlformats.org/officeDocument/2006/relationships" xmlns:c16r2="http://schemas.microsoft.com/office/drawing/2015/06/chart">
   <c:date1904 val="0"/>
-  <c:lang val="en-US"/>
+  <c:lang val="fr-FR"/>
   <c:roundedCorners val="0"/>
   <mc:AlternateContent xmlns:mc="http://schemas.openxmlformats.org/markup-compatibility/2006">
     <mc:Choice xmlns:c14="http://schemas.microsoft.com/office/drawing/2007/8/2/chart" Requires="c14">
@@ -2408,7 +2408,7 @@
               <a:cs typeface="+mn-cs"/>
             </a:defRPr>
           </a:pPr>
-          <a:endParaRPr lang="en-US"/>
+          <a:endParaRPr lang="fr-FR"/>
         </a:p>
       </c:txPr>
     </c:title>
@@ -2499,7 +2499,7 @@
                       <a:cs typeface="+mn-cs"/>
                     </a:defRPr>
                   </a:pPr>
-                  <a:endParaRPr lang="en-US"/>
+                  <a:endParaRPr lang="fr-FR"/>
                 </a:p>
               </c:txPr>
             </c:trendlineLbl>
@@ -2642,7 +2642,7 @@
                             <a:cs typeface="+mn-cs"/>
                           </a:defRPr>
                         </a:pPr>
-                        <a:endParaRPr lang="en-US"/>
+                        <a:endParaRPr lang="fr-FR"/>
                       </a:p>
                     </c:txPr>
                   </c:trendlineLbl>
@@ -2784,7 +2784,7 @@
                   <a:cs typeface="+mn-cs"/>
                 </a:defRPr>
               </a:pPr>
-              <a:endParaRPr lang="en-US"/>
+              <a:endParaRPr lang="fr-FR"/>
             </a:p>
           </c:txPr>
         </c:title>
@@ -2822,7 +2822,7 @@
                 <a:cs typeface="+mn-cs"/>
               </a:defRPr>
             </a:pPr>
-            <a:endParaRPr lang="en-US"/>
+            <a:endParaRPr lang="fr-FR"/>
           </a:p>
         </c:txPr>
         <c:crossAx val="1420657695"/>
@@ -2906,7 +2906,7 @@
                   <a:cs typeface="+mn-cs"/>
                 </a:defRPr>
               </a:pPr>
-              <a:endParaRPr lang="en-US"/>
+              <a:endParaRPr lang="fr-FR"/>
             </a:p>
           </c:txPr>
         </c:title>
@@ -2944,7 +2944,7 @@
                 <a:cs typeface="+mn-cs"/>
               </a:defRPr>
             </a:pPr>
-            <a:endParaRPr lang="en-US"/>
+            <a:endParaRPr lang="fr-FR"/>
           </a:p>
         </c:txPr>
         <c:crossAx val="1911372511"/>
@@ -2984,7 +2984,7 @@
       <a:pPr>
         <a:defRPr/>
       </a:pPr>
-      <a:endParaRPr lang="en-US"/>
+      <a:endParaRPr lang="fr-FR"/>
     </a:p>
   </c:txPr>
   <c:externalData r:id="rId3">
@@ -2996,7 +2996,7 @@
 <file path=ppt/charts/chart3.xml><?xml version="1.0" encoding="utf-8"?>
 <c:chartSpace xmlns:c="http://schemas.openxmlformats.org/drawingml/2006/chart" xmlns:a="http://schemas.openxmlformats.org/drawingml/2006/main" xmlns:r="http://schemas.openxmlformats.org/officeDocument/2006/relationships" xmlns:c16r2="http://schemas.microsoft.com/office/drawing/2015/06/chart">
   <c:date1904 val="0"/>
-  <c:lang val="en-US"/>
+  <c:lang val="fr-FR"/>
   <c:roundedCorners val="0"/>
   <mc:AlternateContent xmlns:mc="http://schemas.openxmlformats.org/markup-compatibility/2006">
     <mc:Choice xmlns:c14="http://schemas.microsoft.com/office/drawing/2007/8/2/chart" Requires="c14">
@@ -3063,7 +3063,7 @@
               <a:cs typeface="+mn-cs"/>
             </a:defRPr>
           </a:pPr>
-          <a:endParaRPr lang="en-US"/>
+          <a:endParaRPr lang="fr-FR"/>
         </a:p>
       </c:txPr>
     </c:title>
@@ -3140,7 +3140,7 @@
                       <a:cs typeface="+mn-cs"/>
                     </a:defRPr>
                   </a:pPr>
-                  <a:endParaRPr lang="en-US"/>
+                  <a:endParaRPr lang="fr-FR"/>
                 </a:p>
               </c:txPr>
             </c:trendlineLbl>
@@ -3285,7 +3285,7 @@
                 <a:cs typeface="+mn-cs"/>
               </a:defRPr>
             </a:pPr>
-            <a:endParaRPr lang="en-US"/>
+            <a:endParaRPr lang="fr-FR"/>
           </a:p>
         </c:txPr>
         <c:crossAx val="642880048"/>
@@ -3348,7 +3348,7 @@
                 <a:cs typeface="+mn-cs"/>
               </a:defRPr>
             </a:pPr>
-            <a:endParaRPr lang="en-US"/>
+            <a:endParaRPr lang="fr-FR"/>
           </a:p>
         </c:txPr>
         <c:crossAx val="642881968"/>
@@ -3388,7 +3388,7 @@
       <a:pPr>
         <a:defRPr/>
       </a:pPr>
-      <a:endParaRPr lang="en-US"/>
+      <a:endParaRPr lang="fr-FR"/>
     </a:p>
   </c:txPr>
   <c:externalData r:id="rId3">
@@ -3400,7 +3400,7 @@
 <file path=ppt/charts/chart4.xml><?xml version="1.0" encoding="utf-8"?>
 <c:chartSpace xmlns:c="http://schemas.openxmlformats.org/drawingml/2006/chart" xmlns:a="http://schemas.openxmlformats.org/drawingml/2006/main" xmlns:r="http://schemas.openxmlformats.org/officeDocument/2006/relationships" xmlns:c16r2="http://schemas.microsoft.com/office/drawing/2015/06/chart">
   <c:date1904 val="0"/>
-  <c:lang val="en-US"/>
+  <c:lang val="fr-FR"/>
   <c:roundedCorners val="0"/>
   <mc:AlternateContent xmlns:mc="http://schemas.openxmlformats.org/markup-compatibility/2006">
     <mc:Choice xmlns:c14="http://schemas.microsoft.com/office/drawing/2007/8/2/chart" Requires="c14">
@@ -4161,7 +4161,7 @@
                   <a:cs typeface="+mn-cs"/>
                 </a:defRPr>
               </a:pPr>
-              <a:endParaRPr lang="en-US"/>
+              <a:endParaRPr lang="fr-FR"/>
             </a:p>
           </c:txPr>
         </c:title>
@@ -4199,7 +4199,7 @@
                 <a:cs typeface="+mn-cs"/>
               </a:defRPr>
             </a:pPr>
-            <a:endParaRPr lang="en-US"/>
+            <a:endParaRPr lang="fr-FR"/>
           </a:p>
         </c:txPr>
         <c:crossAx val="1457253920"/>
@@ -4279,7 +4279,7 @@
                   <a:cs typeface="+mn-cs"/>
                 </a:defRPr>
               </a:pPr>
-              <a:endParaRPr lang="en-US"/>
+              <a:endParaRPr lang="fr-FR"/>
             </a:p>
           </c:txPr>
         </c:title>
@@ -4317,7 +4317,7 @@
                 <a:cs typeface="+mn-cs"/>
               </a:defRPr>
             </a:pPr>
-            <a:endParaRPr lang="en-US"/>
+            <a:endParaRPr lang="fr-FR"/>
           </a:p>
         </c:txPr>
         <c:crossAx val="1457258720"/>
@@ -4357,7 +4357,7 @@
       <a:pPr>
         <a:defRPr/>
       </a:pPr>
-      <a:endParaRPr lang="en-US"/>
+      <a:endParaRPr lang="fr-FR"/>
     </a:p>
   </c:txPr>
   <c:externalData r:id="rId3">
@@ -4369,7 +4369,7 @@
 <file path=ppt/charts/chart5.xml><?xml version="1.0" encoding="utf-8"?>
 <c:chartSpace xmlns:c="http://schemas.openxmlformats.org/drawingml/2006/chart" xmlns:a="http://schemas.openxmlformats.org/drawingml/2006/main" xmlns:r="http://schemas.openxmlformats.org/officeDocument/2006/relationships" xmlns:c16r2="http://schemas.microsoft.com/office/drawing/2015/06/chart">
   <c:date1904 val="0"/>
-  <c:lang val="en-US"/>
+  <c:lang val="fr-FR"/>
   <c:roundedCorners val="0"/>
   <mc:AlternateContent xmlns:mc="http://schemas.openxmlformats.org/markup-compatibility/2006">
     <mc:Choice xmlns:c14="http://schemas.microsoft.com/office/drawing/2007/8/2/chart" Requires="c14">
@@ -5142,7 +5142,7 @@
                   <a:cs typeface="+mn-cs"/>
                 </a:defRPr>
               </a:pPr>
-              <a:endParaRPr lang="en-US"/>
+              <a:endParaRPr lang="fr-FR"/>
             </a:p>
           </c:txPr>
         </c:title>
@@ -5180,7 +5180,7 @@
                 <a:cs typeface="+mn-cs"/>
               </a:defRPr>
             </a:pPr>
-            <a:endParaRPr lang="en-US"/>
+            <a:endParaRPr lang="fr-FR"/>
           </a:p>
         </c:txPr>
         <c:crossAx val="2041938592"/>
@@ -5260,7 +5260,7 @@
                   <a:cs typeface="+mn-cs"/>
                 </a:defRPr>
               </a:pPr>
-              <a:endParaRPr lang="en-US"/>
+              <a:endParaRPr lang="fr-FR"/>
             </a:p>
           </c:txPr>
         </c:title>
@@ -5298,7 +5298,7 @@
                 <a:cs typeface="+mn-cs"/>
               </a:defRPr>
             </a:pPr>
-            <a:endParaRPr lang="en-US"/>
+            <a:endParaRPr lang="fr-FR"/>
           </a:p>
         </c:txPr>
         <c:crossAx val="2041944352"/>
@@ -5338,7 +5338,7 @@
       <a:pPr>
         <a:defRPr/>
       </a:pPr>
-      <a:endParaRPr lang="en-US"/>
+      <a:endParaRPr lang="fr-FR"/>
     </a:p>
   </c:txPr>
   <c:externalData r:id="rId3">
@@ -5350,7 +5350,7 @@
 <file path=ppt/charts/chart6.xml><?xml version="1.0" encoding="utf-8"?>
 <c:chartSpace xmlns:c="http://schemas.openxmlformats.org/drawingml/2006/chart" xmlns:a="http://schemas.openxmlformats.org/drawingml/2006/main" xmlns:r="http://schemas.openxmlformats.org/officeDocument/2006/relationships" xmlns:c16r2="http://schemas.microsoft.com/office/drawing/2015/06/chart">
   <c:date1904 val="0"/>
-  <c:lang val="en-US"/>
+  <c:lang val="fr-FR"/>
   <c:roundedCorners val="0"/>
   <mc:AlternateContent xmlns:mc="http://schemas.openxmlformats.org/markup-compatibility/2006">
     <mc:Choice xmlns:c14="http://schemas.microsoft.com/office/drawing/2007/8/2/chart" Requires="c14">
@@ -6157,7 +6157,7 @@
                   <a:cs typeface="+mn-cs"/>
                 </a:defRPr>
               </a:pPr>
-              <a:endParaRPr lang="en-US"/>
+              <a:endParaRPr lang="fr-FR"/>
             </a:p>
           </c:txPr>
         </c:title>
@@ -6195,7 +6195,7 @@
                 <a:cs typeface="+mn-cs"/>
               </a:defRPr>
             </a:pPr>
-            <a:endParaRPr lang="en-US"/>
+            <a:endParaRPr lang="fr-FR"/>
           </a:p>
         </c:txPr>
         <c:crossAx val="2041041472"/>
@@ -6275,7 +6275,7 @@
                   <a:cs typeface="+mn-cs"/>
                 </a:defRPr>
               </a:pPr>
-              <a:endParaRPr lang="en-US"/>
+              <a:endParaRPr lang="fr-FR"/>
             </a:p>
           </c:txPr>
         </c:title>
@@ -6313,7 +6313,7 @@
                 <a:cs typeface="+mn-cs"/>
               </a:defRPr>
             </a:pPr>
-            <a:endParaRPr lang="en-US"/>
+            <a:endParaRPr lang="fr-FR"/>
           </a:p>
         </c:txPr>
         <c:crossAx val="2041040032"/>
@@ -6353,7 +6353,7 @@
       <a:pPr>
         <a:defRPr/>
       </a:pPr>
-      <a:endParaRPr lang="en-US"/>
+      <a:endParaRPr lang="fr-FR"/>
     </a:p>
   </c:txPr>
   <c:externalData r:id="rId3">
@@ -6365,7 +6365,7 @@
 <file path=ppt/charts/chart7.xml><?xml version="1.0" encoding="utf-8"?>
 <c:chartSpace xmlns:c="http://schemas.openxmlformats.org/drawingml/2006/chart" xmlns:a="http://schemas.openxmlformats.org/drawingml/2006/main" xmlns:r="http://schemas.openxmlformats.org/officeDocument/2006/relationships" xmlns:c16r2="http://schemas.microsoft.com/office/drawing/2015/06/chart">
   <c:date1904 val="0"/>
-  <c:lang val="en-US"/>
+  <c:lang val="fr-FR"/>
   <c:roundedCorners val="0"/>
   <mc:AlternateContent xmlns:mc="http://schemas.openxmlformats.org/markup-compatibility/2006">
     <mc:Choice xmlns:c14="http://schemas.microsoft.com/office/drawing/2007/8/2/chart" Requires="c14">
@@ -6613,7 +6613,7 @@
                   <a:cs typeface="+mn-cs"/>
                 </a:defRPr>
               </a:pPr>
-              <a:endParaRPr lang="en-US"/>
+              <a:endParaRPr lang="fr-FR"/>
             </a:p>
           </c:txPr>
         </c:title>
@@ -6651,7 +6651,7 @@
                 <a:cs typeface="+mn-cs"/>
               </a:defRPr>
             </a:pPr>
-            <a:endParaRPr lang="en-US"/>
+            <a:endParaRPr lang="fr-FR"/>
           </a:p>
         </c:txPr>
         <c:crossAx val="1632011967"/>
@@ -6691,7 +6691,7 @@
       <a:pPr>
         <a:defRPr/>
       </a:pPr>
-      <a:endParaRPr lang="en-US"/>
+      <a:endParaRPr lang="fr-FR"/>
     </a:p>
   </c:txPr>
   <c:externalData r:id="rId3">
@@ -10833,7 +10833,7 @@
           <a:p>
             <a:fld id="{603E9730-38DB-4F77-A139-6CE923099591}" type="slidenum">
               <a:rPr lang="en-CA" smtClean="0"/>
-              <a:t>‹#›</a:t>
+              <a:t>‹N°›</a:t>
             </a:fld>
             <a:endParaRPr lang="en-CA"/>
           </a:p>
@@ -11145,7 +11145,7 @@
           <a:p>
             <a:fld id="{4BD3201E-7DF8-462B-AC18-61E63795AE0D}" type="slidenum">
               <a:rPr lang="en-CA" smtClean="0"/>
-              <a:t>‹#›</a:t>
+              <a:t>‹N°›</a:t>
             </a:fld>
             <a:endParaRPr lang="en-CA"/>
           </a:p>
@@ -11345,7 +11345,7 @@
           <a:p>
             <a:fld id="{4BD3201E-7DF8-462B-AC18-61E63795AE0D}" type="slidenum">
               <a:rPr lang="en-CA" smtClean="0"/>
-              <a:t>‹#›</a:t>
+              <a:t>‹N°›</a:t>
             </a:fld>
             <a:endParaRPr lang="en-CA"/>
           </a:p>
@@ -11555,7 +11555,7 @@
           <a:p>
             <a:fld id="{4BD3201E-7DF8-462B-AC18-61E63795AE0D}" type="slidenum">
               <a:rPr lang="en-CA" smtClean="0"/>
-              <a:t>‹#›</a:t>
+              <a:t>‹N°›</a:t>
             </a:fld>
             <a:endParaRPr lang="en-CA"/>
           </a:p>
@@ -11755,7 +11755,7 @@
           <a:p>
             <a:fld id="{4BD3201E-7DF8-462B-AC18-61E63795AE0D}" type="slidenum">
               <a:rPr lang="en-CA" smtClean="0"/>
-              <a:t>‹#›</a:t>
+              <a:t>‹N°›</a:t>
             </a:fld>
             <a:endParaRPr lang="en-CA"/>
           </a:p>
@@ -12031,7 +12031,7 @@
           <a:p>
             <a:fld id="{4BD3201E-7DF8-462B-AC18-61E63795AE0D}" type="slidenum">
               <a:rPr lang="en-CA" smtClean="0"/>
-              <a:t>‹#›</a:t>
+              <a:t>‹N°›</a:t>
             </a:fld>
             <a:endParaRPr lang="en-CA"/>
           </a:p>
@@ -12299,7 +12299,7 @@
           <a:p>
             <a:fld id="{4BD3201E-7DF8-462B-AC18-61E63795AE0D}" type="slidenum">
               <a:rPr lang="en-CA" smtClean="0"/>
-              <a:t>‹#›</a:t>
+              <a:t>‹N°›</a:t>
             </a:fld>
             <a:endParaRPr lang="en-CA"/>
           </a:p>
@@ -12714,7 +12714,7 @@
           <a:p>
             <a:fld id="{4BD3201E-7DF8-462B-AC18-61E63795AE0D}" type="slidenum">
               <a:rPr lang="en-CA" smtClean="0"/>
-              <a:t>‹#›</a:t>
+              <a:t>‹N°›</a:t>
             </a:fld>
             <a:endParaRPr lang="en-CA"/>
           </a:p>
@@ -12856,7 +12856,7 @@
           <a:p>
             <a:fld id="{4BD3201E-7DF8-462B-AC18-61E63795AE0D}" type="slidenum">
               <a:rPr lang="en-CA" smtClean="0"/>
-              <a:t>‹#›</a:t>
+              <a:t>‹N°›</a:t>
             </a:fld>
             <a:endParaRPr lang="en-CA"/>
           </a:p>
@@ -12969,7 +12969,7 @@
           <a:p>
             <a:fld id="{4BD3201E-7DF8-462B-AC18-61E63795AE0D}" type="slidenum">
               <a:rPr lang="en-CA" smtClean="0"/>
-              <a:t>‹#›</a:t>
+              <a:t>‹N°›</a:t>
             </a:fld>
             <a:endParaRPr lang="en-CA"/>
           </a:p>
@@ -13282,7 +13282,7 @@
           <a:p>
             <a:fld id="{4BD3201E-7DF8-462B-AC18-61E63795AE0D}" type="slidenum">
               <a:rPr lang="en-CA" smtClean="0"/>
-              <a:t>‹#›</a:t>
+              <a:t>‹N°›</a:t>
             </a:fld>
             <a:endParaRPr lang="en-CA"/>
           </a:p>
@@ -13571,7 +13571,7 @@
           <a:p>
             <a:fld id="{4BD3201E-7DF8-462B-AC18-61E63795AE0D}" type="slidenum">
               <a:rPr lang="en-CA" smtClean="0"/>
-              <a:t>‹#›</a:t>
+              <a:t>‹N°›</a:t>
             </a:fld>
             <a:endParaRPr lang="en-CA"/>
           </a:p>
@@ -13850,7 +13850,7 @@
           <a:p>
             <a:fld id="{4BD3201E-7DF8-462B-AC18-61E63795AE0D}" type="slidenum">
               <a:rPr lang="en-CA" smtClean="0"/>
-              <a:t>‹#›</a:t>
+              <a:t>‹N°›</a:t>
             </a:fld>
             <a:endParaRPr lang="en-CA"/>
           </a:p>
@@ -14920,8 +14920,8 @@
           </a:p>
         </p:txBody>
       </p:sp>
-      <mc:AlternateContent xmlns:mc="http://schemas.openxmlformats.org/markup-compatibility/2006">
-        <mc:Choice xmlns:a14="http://schemas.microsoft.com/office/drawing/2010/main" Requires="a14">
+      <mc:AlternateContent xmlns:mc="http://schemas.openxmlformats.org/markup-compatibility/2006" xmlns:a14="http://schemas.microsoft.com/office/drawing/2010/main">
+        <mc:Choice Requires="a14">
           <p:sp>
             <p:nvSpPr>
               <p:cNvPr id="3" name="Content Placeholder 2">
@@ -15413,7 +15413,7 @@
             </p:txBody>
           </p:sp>
         </mc:Choice>
-        <mc:Fallback>
+        <mc:Fallback xmlns="">
           <p:sp>
             <p:nvSpPr>
               <p:cNvPr id="3" name="Content Placeholder 2">
@@ -15540,8 +15540,8 @@
           </a:p>
         </p:txBody>
       </p:sp>
-      <mc:AlternateContent xmlns:mc="http://schemas.openxmlformats.org/markup-compatibility/2006">
-        <mc:Choice xmlns:a14="http://schemas.microsoft.com/office/drawing/2010/main" Requires="a14">
+      <mc:AlternateContent xmlns:mc="http://schemas.openxmlformats.org/markup-compatibility/2006" xmlns:a14="http://schemas.microsoft.com/office/drawing/2010/main">
+        <mc:Choice Requires="a14">
           <p:sp>
             <p:nvSpPr>
               <p:cNvPr id="6" name="Content Placeholder 2">
@@ -15991,7 +15991,7 @@
             </p:txBody>
           </p:sp>
         </mc:Choice>
-        <mc:Fallback>
+        <mc:Fallback xmlns="">
           <p:sp>
             <p:nvSpPr>
               <p:cNvPr id="6" name="Content Placeholder 2">
@@ -26256,6 +26256,17 @@
             </a:r>
           </a:p>
           <a:p>
+            <a:pPr marL="0" indent="0">
+              <a:buNone/>
+            </a:pPr>
+            <a:r>
+              <a:rPr lang="fr-CA" sz="1800" dirty="0">
+                <a:latin typeface="Aptos "/>
+              </a:rPr>
+              <a:t>       -Fonctions de formes linéaires pour les éléments poutre</a:t>
+            </a:r>
+          </a:p>
+          <a:p>
             <a:pPr marL="0" indent="0" algn="ctr">
               <a:buNone/>
             </a:pPr>
@@ -29856,15 +29867,6 @@
 </file>
 
 <file path=customXml/item1.xml><?xml version="1.0" encoding="utf-8"?>
-<?mso-contentType ?>
-<FormTemplates xmlns="http://schemas.microsoft.com/sharepoint/v3/contenttype/forms">
-  <Display>DocumentLibraryForm</Display>
-  <Edit>DocumentLibraryForm</Edit>
-  <New>DocumentLibraryForm</New>
-</FormTemplates>
-</file>
-
-<file path=customXml/item2.xml><?xml version="1.0" encoding="utf-8"?>
 <p:properties xmlns:p="http://schemas.microsoft.com/office/2006/metadata/properties" xmlns:xsi="http://www.w3.org/2001/XMLSchema-instance" xmlns:pc="http://schemas.microsoft.com/office/infopath/2007/PartnerControls">
   <documentManagement>
     <lcf76f155ced4ddcb4097134ff3c332f xmlns="ec825916-6f01-4646-bf11-4e97fdd06dc8">
@@ -29873,6 +29875,15 @@
     <TaxCatchAll xmlns="10202d72-3646-4d36-9cf4-1feba2c78df0" xsi:nil="true"/>
   </documentManagement>
 </p:properties>
+</file>
+
+<file path=customXml/item2.xml><?xml version="1.0" encoding="utf-8"?>
+<?mso-contentType ?>
+<FormTemplates xmlns="http://schemas.microsoft.com/sharepoint/v3/contenttype/forms">
+  <Display>DocumentLibraryForm</Display>
+  <Edit>DocumentLibraryForm</Edit>
+  <New>DocumentLibraryForm</New>
+</FormTemplates>
 </file>
 
 <file path=customXml/item3.xml><?xml version="1.0" encoding="utf-8"?>
@@ -30071,14 +30082,6 @@
 </file>
 
 <file path=customXml/itemProps1.xml><?xml version="1.0" encoding="utf-8"?>
-<ds:datastoreItem xmlns:ds="http://schemas.openxmlformats.org/officeDocument/2006/customXml" ds:itemID="{73F4A501-0066-4B8E-9AA2-A07CF344BF69}">
-  <ds:schemaRefs>
-    <ds:schemaRef ds:uri="http://schemas.microsoft.com/sharepoint/v3/contenttype/forms"/>
-  </ds:schemaRefs>
-</ds:datastoreItem>
-</file>
-
-<file path=customXml/itemProps2.xml><?xml version="1.0" encoding="utf-8"?>
 <ds:datastoreItem xmlns:ds="http://schemas.openxmlformats.org/officeDocument/2006/customXml" ds:itemID="{CC0D4AF6-CA21-4510-812C-479171907BC9}">
   <ds:schemaRefs>
     <ds:schemaRef ds:uri="ec825916-6f01-4646-bf11-4e97fdd06dc8"/>
@@ -30091,6 +30094,14 @@
     <ds:schemaRef ds:uri="http://schemas.microsoft.com/office/2006/metadata/properties"/>
     <ds:schemaRef ds:uri="http://schemas.openxmlformats.org/package/2006/metadata/core-properties"/>
     <ds:schemaRef ds:uri="http://purl.org/dc/elements/1.1/"/>
+  </ds:schemaRefs>
+</ds:datastoreItem>
+</file>
+
+<file path=customXml/itemProps2.xml><?xml version="1.0" encoding="utf-8"?>
+<ds:datastoreItem xmlns:ds="http://schemas.openxmlformats.org/officeDocument/2006/customXml" ds:itemID="{73F4A501-0066-4B8E-9AA2-A07CF344BF69}">
+  <ds:schemaRefs>
+    <ds:schemaRef ds:uri="http://schemas.microsoft.com/sharepoint/v3/contenttype/forms"/>
   </ds:schemaRefs>
 </ds:datastoreItem>
 </file>

--- a/Presentation_Projet.pptx
+++ b/Presentation_Projet.pptx
@@ -10674,7 +10674,7 @@
           <a:p>
             <a:fld id="{DAB5DE69-65B2-445A-B9D2-BC2BC199D49F}" type="datetimeFigureOut">
               <a:rPr lang="en-CA" smtClean="0"/>
-              <a:t>2024-04-14</a:t>
+              <a:t>2024-04-15</a:t>
             </a:fld>
             <a:endParaRPr lang="en-CA"/>
           </a:p>
@@ -11091,7 +11091,7 @@
           <a:p>
             <a:fld id="{2A7CCEF2-C69F-4E36-B143-D7EDF5804833}" type="datetime1">
               <a:rPr lang="en-CA" smtClean="0"/>
-              <a:t>2024-04-14</a:t>
+              <a:t>2024-04-15</a:t>
             </a:fld>
             <a:endParaRPr lang="en-CA"/>
           </a:p>
@@ -11291,7 +11291,7 @@
           <a:p>
             <a:fld id="{1ADBD09C-FF50-4FD1-994D-EF0F9475051B}" type="datetime1">
               <a:rPr lang="en-CA" smtClean="0"/>
-              <a:t>2024-04-14</a:t>
+              <a:t>2024-04-15</a:t>
             </a:fld>
             <a:endParaRPr lang="en-CA"/>
           </a:p>
@@ -11501,7 +11501,7 @@
           <a:p>
             <a:fld id="{F13BACFD-6F67-41F6-B00F-BBB71923F71E}" type="datetime1">
               <a:rPr lang="en-CA" smtClean="0"/>
-              <a:t>2024-04-14</a:t>
+              <a:t>2024-04-15</a:t>
             </a:fld>
             <a:endParaRPr lang="en-CA"/>
           </a:p>
@@ -11701,7 +11701,7 @@
           <a:p>
             <a:fld id="{5058C9F4-251E-4DE2-9C11-2A3B8F78563B}" type="datetime1">
               <a:rPr lang="en-CA" smtClean="0"/>
-              <a:t>2024-04-14</a:t>
+              <a:t>2024-04-15</a:t>
             </a:fld>
             <a:endParaRPr lang="en-CA"/>
           </a:p>
@@ -11977,7 +11977,7 @@
           <a:p>
             <a:fld id="{4D3073F6-965A-4621-887D-89670704DFB4}" type="datetime1">
               <a:rPr lang="en-CA" smtClean="0"/>
-              <a:t>2024-04-14</a:t>
+              <a:t>2024-04-15</a:t>
             </a:fld>
             <a:endParaRPr lang="en-CA"/>
           </a:p>
@@ -12245,7 +12245,7 @@
           <a:p>
             <a:fld id="{EC29819C-B3B1-4251-9A48-94426B66773E}" type="datetime1">
               <a:rPr lang="en-CA" smtClean="0"/>
-              <a:t>2024-04-14</a:t>
+              <a:t>2024-04-15</a:t>
             </a:fld>
             <a:endParaRPr lang="en-CA"/>
           </a:p>
@@ -12660,7 +12660,7 @@
           <a:p>
             <a:fld id="{B1504549-8561-4C94-83E0-C906D977457F}" type="datetime1">
               <a:rPr lang="en-CA" smtClean="0"/>
-              <a:t>2024-04-14</a:t>
+              <a:t>2024-04-15</a:t>
             </a:fld>
             <a:endParaRPr lang="en-CA"/>
           </a:p>
@@ -12802,7 +12802,7 @@
           <a:p>
             <a:fld id="{A6DE78F7-A5FC-46A3-8377-658545803A23}" type="datetime1">
               <a:rPr lang="en-CA" smtClean="0"/>
-              <a:t>2024-04-14</a:t>
+              <a:t>2024-04-15</a:t>
             </a:fld>
             <a:endParaRPr lang="en-CA"/>
           </a:p>
@@ -12915,7 +12915,7 @@
           <a:p>
             <a:fld id="{AA0F9148-62B5-43B1-A5B6-5BEC21F9D988}" type="datetime1">
               <a:rPr lang="en-CA" smtClean="0"/>
-              <a:t>2024-04-14</a:t>
+              <a:t>2024-04-15</a:t>
             </a:fld>
             <a:endParaRPr lang="en-CA"/>
           </a:p>
@@ -13228,7 +13228,7 @@
           <a:p>
             <a:fld id="{39A04186-BB2B-42C3-A452-9227BB1E24B8}" type="datetime1">
               <a:rPr lang="en-CA" smtClean="0"/>
-              <a:t>2024-04-14</a:t>
+              <a:t>2024-04-15</a:t>
             </a:fld>
             <a:endParaRPr lang="en-CA"/>
           </a:p>
@@ -13517,7 +13517,7 @@
           <a:p>
             <a:fld id="{3F174ED6-FA25-4A67-8D78-BA9EC6218AB2}" type="datetime1">
               <a:rPr lang="en-CA" smtClean="0"/>
-              <a:t>2024-04-14</a:t>
+              <a:t>2024-04-15</a:t>
             </a:fld>
             <a:endParaRPr lang="en-CA"/>
           </a:p>
@@ -13760,7 +13760,7 @@
           <a:p>
             <a:fld id="{15C0A320-8816-4056-8D50-A9D48AEC0EAA}" type="datetime1">
               <a:rPr lang="en-CA" smtClean="0"/>
-              <a:t>2024-04-14</a:t>
+              <a:t>2024-04-15</a:t>
             </a:fld>
             <a:endParaRPr lang="en-CA"/>
           </a:p>
@@ -17970,7 +17970,7 @@
           <p:nvPr>
             <p:extLst>
               <p:ext uri="{D42A27DB-BD31-4B8C-83A1-F6EECF244321}">
-                <p14:modId xmlns:p14="http://schemas.microsoft.com/office/powerpoint/2010/main" val="2729998987"/>
+                <p14:modId xmlns:p14="http://schemas.microsoft.com/office/powerpoint/2010/main" val="3583435631"/>
               </p:ext>
             </p:extLst>
           </p:nvPr>
@@ -18048,7 +18048,7 @@
                           </a:solidFill>
                           <a:effectLst/>
                         </a:rPr>
-                        <a:t>Magnitude du déplacement de L1</a:t>
+                        <a:t>Magnitude du déplacement de L1 [mm]</a:t>
                       </a:r>
                       <a:endParaRPr lang="fr-FR" sz="1300" b="1" i="0" u="none" strike="noStrike" dirty="0">
                         <a:solidFill>
@@ -18489,8 +18489,8 @@
           </a:p>
         </p:txBody>
       </p:sp>
-      <mc:AlternateContent xmlns:mc="http://schemas.openxmlformats.org/markup-compatibility/2006" xmlns:a14="http://schemas.microsoft.com/office/drawing/2010/main">
-        <mc:Choice Requires="a14">
+      <mc:AlternateContent xmlns:mc="http://schemas.openxmlformats.org/markup-compatibility/2006">
+        <mc:Choice xmlns:a14="http://schemas.microsoft.com/office/drawing/2010/main" Requires="a14">
           <p:sp>
             <p:nvSpPr>
               <p:cNvPr id="3" name="Content Placeholder 2">
@@ -19274,7 +19274,7 @@
                   <a:rPr lang="fr-CA" sz="1800" dirty="0">
                     <a:latin typeface="Aptos "/>
                   </a:rPr>
-                  <a:t>. Cette valeur de </a:t>
+                  <a:t>m. Cette valeur de </a:t>
                 </a:r>
                 <a14:m>
                   <m:oMath xmlns:m="http://schemas.openxmlformats.org/officeDocument/2006/math">
@@ -19318,7 +19318,7 @@
             </p:txBody>
           </p:sp>
         </mc:Choice>
-        <mc:Fallback xmlns="">
+        <mc:Fallback>
           <p:sp>
             <p:nvSpPr>
               <p:cNvPr id="3" name="Content Placeholder 2">
@@ -19352,7 +19352,7 @@
               <a:lstStyle/>
               <a:p>
                 <a:r>
-                  <a:rPr lang="en-CA">
+                  <a:rPr lang="fr-FR">
                     <a:noFill/>
                   </a:rPr>
                   <a:t> </a:t>
@@ -19509,8 +19509,8 @@
           </a:p>
         </p:txBody>
       </p:sp>
-      <mc:AlternateContent xmlns:mc="http://schemas.openxmlformats.org/markup-compatibility/2006" xmlns:a14="http://schemas.microsoft.com/office/drawing/2010/main">
-        <mc:Choice Requires="a14">
+      <mc:AlternateContent xmlns:mc="http://schemas.openxmlformats.org/markup-compatibility/2006">
+        <mc:Choice xmlns:a14="http://schemas.microsoft.com/office/drawing/2010/main" Requires="a14">
           <p:sp>
             <p:nvSpPr>
               <p:cNvPr id="3" name="Content Placeholder 2">
@@ -19611,7 +19611,7 @@
                 <a14:m>
                   <m:oMathPara xmlns:m="http://schemas.openxmlformats.org/officeDocument/2006/math">
                     <m:oMathParaPr>
-                      <m:jc m:val="left"/>
+                      <m:jc m:val="center"/>
                     </m:oMathParaPr>
                     <m:oMath xmlns:m="http://schemas.openxmlformats.org/officeDocument/2006/math">
                       <m:r>
@@ -19632,23 +19632,40 @@
                         </a:rPr>
                         <m:t>𝑁</m:t>
                       </m:r>
+                      <m:d>
+                        <m:dPr>
+                          <m:ctrlPr>
+                            <a:rPr lang="fr-FR" sz="1700" i="1" dirty="0" smtClean="0">
+                              <a:latin typeface="Cambria Math" panose="02040503050406030204" pitchFamily="18" charset="0"/>
+                            </a:rPr>
+                          </m:ctrlPr>
+                        </m:dPr>
+                        <m:e>
+                          <m:r>
+                            <a:rPr lang="fr-FR" sz="1700" i="1" dirty="0" smtClean="0">
+                              <a:latin typeface="Cambria Math" panose="02040503050406030204" pitchFamily="18" charset="0"/>
+                            </a:rPr>
+                            <m:t>150,</m:t>
+                          </m:r>
+                          <m:r>
+                            <a:rPr lang="fr-FR" sz="1700" i="1" dirty="0" smtClean="0">
+                              <a:latin typeface="Cambria Math" panose="02040503050406030204" pitchFamily="18" charset="0"/>
+                            </a:rPr>
+                            <m:t>𝜎</m:t>
+                          </m:r>
+                        </m:e>
+                      </m:d>
                       <m:r>
                         <a:rPr lang="fr-FR" sz="1700" i="1" dirty="0" smtClean="0">
                           <a:latin typeface="Cambria Math" panose="02040503050406030204" pitchFamily="18" charset="0"/>
                         </a:rPr>
-                        <m:t>(150,</m:t>
+                        <m:t> </m:t>
                       </m:r>
                       <m:r>
-                        <a:rPr lang="fr-FR" sz="1700" i="1" dirty="0" smtClean="0">
+                        <a:rPr lang="fr-FR" sz="1700" b="0" i="1" dirty="0" smtClean="0">
                           <a:latin typeface="Cambria Math" panose="02040503050406030204" pitchFamily="18" charset="0"/>
                         </a:rPr>
-                        <m:t>𝜎</m:t>
-                      </m:r>
-                      <m:r>
-                        <a:rPr lang="fr-FR" sz="1700" i="1" dirty="0" smtClean="0">
-                          <a:latin typeface="Cambria Math" panose="02040503050406030204" pitchFamily="18" charset="0"/>
-                        </a:rPr>
-                        <m:t>)   </m:t>
+                        <m:t>→ </m:t>
                       </m:r>
                       <m:r>
                         <a:rPr lang="fr-FR" sz="1700" i="1" dirty="0" smtClean="0">
@@ -19804,7 +19821,7 @@
             </p:txBody>
           </p:sp>
         </mc:Choice>
-        <mc:Fallback xmlns="">
+        <mc:Fallback>
           <p:sp>
             <p:nvSpPr>
               <p:cNvPr id="3" name="Content Placeholder 2">
@@ -19838,7 +19855,7 @@
               <a:lstStyle/>
               <a:p>
                 <a:r>
-                  <a:rPr lang="en-CA">
+                  <a:rPr lang="fr-FR">
                     <a:noFill/>
                   </a:rPr>
                   <a:t> </a:t>
@@ -20563,8 +20580,8 @@
           </a:p>
         </p:txBody>
       </p:sp>
-      <mc:AlternateContent xmlns:mc="http://schemas.openxmlformats.org/markup-compatibility/2006" xmlns:a14="http://schemas.microsoft.com/office/drawing/2010/main">
-        <mc:Choice Requires="a14">
+      <mc:AlternateContent xmlns:mc="http://schemas.openxmlformats.org/markup-compatibility/2006">
+        <mc:Choice xmlns:a14="http://schemas.microsoft.com/office/drawing/2010/main" Requires="a14">
           <p:sp>
             <p:nvSpPr>
               <p:cNvPr id="3" name="Content Placeholder 2">
@@ -20905,6 +20922,18 @@
                           <a:latin typeface="Cambria Math" panose="02040503050406030204" pitchFamily="18" charset="0"/>
                         </a:rPr>
                         <m:t>0.706562643</m:t>
+                      </m:r>
+                      <m:r>
+                        <a:rPr lang="fr-FR" sz="1600" b="0" i="1" smtClean="0">
+                          <a:latin typeface="Cambria Math" panose="02040503050406030204" pitchFamily="18" charset="0"/>
+                        </a:rPr>
+                        <m:t> </m:t>
+                      </m:r>
+                      <m:r>
+                        <a:rPr lang="fr-FR" sz="1600" b="0" i="1" smtClean="0">
+                          <a:latin typeface="Cambria Math" panose="02040503050406030204" pitchFamily="18" charset="0"/>
+                        </a:rPr>
+                        <m:t>𝑚𝑚</m:t>
                       </m:r>
                     </m:oMath>
                   </m:oMathPara>
@@ -21296,7 +21325,7 @@
             </p:txBody>
           </p:sp>
         </mc:Choice>
-        <mc:Fallback xmlns="">
+        <mc:Fallback>
           <p:sp>
             <p:nvSpPr>
               <p:cNvPr id="3" name="Content Placeholder 2">
@@ -21330,7 +21359,7 @@
               <a:lstStyle/>
               <a:p>
                 <a:r>
-                  <a:rPr lang="en-CA">
+                  <a:rPr lang="fr-FR">
                     <a:noFill/>
                   </a:rPr>
                   <a:t> </a:t>
@@ -23026,8 +23055,8 @@
           </a:p>
         </p:txBody>
       </p:sp>
-      <mc:AlternateContent xmlns:mc="http://schemas.openxmlformats.org/markup-compatibility/2006" xmlns:a14="http://schemas.microsoft.com/office/drawing/2010/main">
-        <mc:Choice Requires="a14">
+      <mc:AlternateContent xmlns:mc="http://schemas.openxmlformats.org/markup-compatibility/2006">
+        <mc:Choice xmlns:a14="http://schemas.microsoft.com/office/drawing/2010/main" Requires="a14">
           <p:sp>
             <p:nvSpPr>
               <p:cNvPr id="3" name="Content Placeholder 2">
@@ -23348,6 +23377,18 @@
                         </a:rPr>
                         <m:t>0.706788</m:t>
                       </m:r>
+                      <m:r>
+                        <a:rPr lang="fr-FR" sz="1700" b="0" i="1" dirty="0" smtClean="0">
+                          <a:latin typeface="Cambria Math" panose="02040503050406030204" pitchFamily="18" charset="0"/>
+                        </a:rPr>
+                        <m:t> </m:t>
+                      </m:r>
+                      <m:r>
+                        <a:rPr lang="fr-FR" sz="1700" b="0" i="1" dirty="0" smtClean="0">
+                          <a:latin typeface="Cambria Math" panose="02040503050406030204" pitchFamily="18" charset="0"/>
+                        </a:rPr>
+                        <m:t>𝑚𝑚</m:t>
+                      </m:r>
                     </m:oMath>
                   </m:oMathPara>
                 </a14:m>
@@ -23423,61 +23464,80 @@
                         <a:rPr lang="en-CA" sz="1700" b="1" i="1" dirty="0" smtClean="0">
                           <a:latin typeface="Cambria Math" panose="02040503050406030204" pitchFamily="18" charset="0"/>
                         </a:rPr>
-                        <m:t>∈[ </m:t>
+                        <m:t>∈</m:t>
                       </m:r>
+                      <m:d>
+                        <m:dPr>
+                          <m:begChr m:val="["/>
+                          <m:endChr m:val="]"/>
+                          <m:ctrlPr>
+                            <a:rPr lang="en-CA" sz="1700" b="1" i="1" dirty="0" smtClean="0">
+                              <a:latin typeface="Cambria Math" panose="02040503050406030204" pitchFamily="18" charset="0"/>
+                            </a:rPr>
+                          </m:ctrlPr>
+                        </m:dPr>
+                        <m:e>
+                          <m:r>
+                            <a:rPr lang="en-CA" sz="1700" b="1" i="1" dirty="0" smtClean="0">
+                              <a:latin typeface="Cambria Math" panose="02040503050406030204" pitchFamily="18" charset="0"/>
+                            </a:rPr>
+                            <m:t> </m:t>
+                          </m:r>
+                          <m:r>
+                            <a:rPr lang="en-US" sz="1700" b="1" i="1" dirty="0" smtClean="0">
+                              <a:latin typeface="Cambria Math" panose="02040503050406030204" pitchFamily="18" charset="0"/>
+                            </a:rPr>
+                            <m:t>−</m:t>
+                          </m:r>
+                          <m:r>
+                            <a:rPr lang="en-US" sz="1700" b="1" i="1" dirty="0" smtClean="0">
+                              <a:latin typeface="Cambria Math" panose="02040503050406030204" pitchFamily="18" charset="0"/>
+                            </a:rPr>
+                            <m:t>𝟎</m:t>
+                          </m:r>
+                          <m:r>
+                            <a:rPr lang="en-US" sz="1700" b="1" i="1" dirty="0" smtClean="0">
+                              <a:latin typeface="Cambria Math" panose="02040503050406030204" pitchFamily="18" charset="0"/>
+                            </a:rPr>
+                            <m:t>.</m:t>
+                          </m:r>
+                          <m:r>
+                            <a:rPr lang="en-US" sz="1700" b="1" i="1" dirty="0" smtClean="0">
+                              <a:latin typeface="Cambria Math" panose="02040503050406030204" pitchFamily="18" charset="0"/>
+                            </a:rPr>
+                            <m:t>𝟑𝟗𝟑𝟓𝟖</m:t>
+                          </m:r>
+                          <m:r>
+                            <a:rPr lang="en-CA" sz="1700" b="1" i="1" dirty="0" smtClean="0">
+                              <a:latin typeface="Cambria Math" panose="02040503050406030204" pitchFamily="18" charset="0"/>
+                            </a:rPr>
+                            <m:t> ;</m:t>
+                          </m:r>
+                          <m:r>
+                            <a:rPr lang="en-US" sz="1700" b="1" i="1" dirty="0" smtClean="0">
+                              <a:latin typeface="Cambria Math" panose="02040503050406030204" pitchFamily="18" charset="0"/>
+                            </a:rPr>
+                            <m:t>𝟐</m:t>
+                          </m:r>
+                          <m:r>
+                            <a:rPr lang="en-US" sz="1700" b="1" i="1" dirty="0" smtClean="0">
+                              <a:latin typeface="Cambria Math" panose="02040503050406030204" pitchFamily="18" charset="0"/>
+                            </a:rPr>
+                            <m:t>.</m:t>
+                          </m:r>
+                          <m:r>
+                            <a:rPr lang="en-US" sz="1700" b="1" i="1" dirty="0" smtClean="0">
+                              <a:latin typeface="Cambria Math" panose="02040503050406030204" pitchFamily="18" charset="0"/>
+                            </a:rPr>
+                            <m:t>𝟒𝟑𝟑𝟓𝟕𝟕</m:t>
+                          </m:r>
+                        </m:e>
+                      </m:d>
                       <m:r>
-                        <a:rPr lang="en-US" sz="1700" b="1" i="1" dirty="0" smtClean="0">
+                        <a:rPr lang="fr-FR" sz="1700" b="1" i="1" dirty="0" smtClean="0">
                           <a:latin typeface="Cambria Math" panose="02040503050406030204" pitchFamily="18" charset="0"/>
                         </a:rPr>
-                        <m:t>−</m:t>
-                      </m:r>
-                      <m:r>
-                        <a:rPr lang="en-US" sz="1700" b="1" i="1" dirty="0" smtClean="0">
-                          <a:latin typeface="Cambria Math" panose="02040503050406030204" pitchFamily="18" charset="0"/>
-                        </a:rPr>
-                        <m:t>𝟎</m:t>
-                      </m:r>
-                      <m:r>
-                        <a:rPr lang="en-US" sz="1700" b="1" i="1" dirty="0" smtClean="0">
-                          <a:latin typeface="Cambria Math" panose="02040503050406030204" pitchFamily="18" charset="0"/>
-                        </a:rPr>
-                        <m:t>.</m:t>
-                      </m:r>
-                      <m:r>
-                        <a:rPr lang="en-US" sz="1700" b="1" i="1" dirty="0" smtClean="0">
-                          <a:latin typeface="Cambria Math" panose="02040503050406030204" pitchFamily="18" charset="0"/>
-                        </a:rPr>
-                        <m:t>𝟑𝟗𝟑𝟓𝟖</m:t>
-                      </m:r>
-                      <m:r>
-                        <a:rPr lang="en-CA" sz="1700" b="1" i="1" dirty="0" smtClean="0">
-                          <a:latin typeface="Cambria Math" panose="02040503050406030204" pitchFamily="18" charset="0"/>
-                        </a:rPr>
-                        <m:t> ;</m:t>
-                      </m:r>
-                      <m:r>
-                        <a:rPr lang="en-US" sz="1700" b="1" i="1" dirty="0" smtClean="0">
-                          <a:latin typeface="Cambria Math" panose="02040503050406030204" pitchFamily="18" charset="0"/>
-                        </a:rPr>
-                        <m:t>𝟐</m:t>
-                      </m:r>
-                      <m:r>
-                        <a:rPr lang="en-US" sz="1700" b="1" i="1" dirty="0" smtClean="0">
-                          <a:latin typeface="Cambria Math" panose="02040503050406030204" pitchFamily="18" charset="0"/>
-                        </a:rPr>
-                        <m:t>.</m:t>
-                      </m:r>
-                      <m:r>
-                        <a:rPr lang="en-US" sz="1700" b="1" i="1" dirty="0" smtClean="0">
-                          <a:latin typeface="Cambria Math" panose="02040503050406030204" pitchFamily="18" charset="0"/>
-                        </a:rPr>
-                        <m:t>𝟒𝟑𝟑𝟓𝟕𝟕</m:t>
-                      </m:r>
-                      <m:r>
-                        <a:rPr lang="en-CA" sz="1700" b="1" i="1" dirty="0" smtClean="0">
-                          <a:latin typeface="Cambria Math" panose="02040503050406030204" pitchFamily="18" charset="0"/>
-                        </a:rPr>
-                        <m:t>]</m:t>
+                        <m:t>𝒎𝒎</m:t>
                       </m:r>
                     </m:oMath>
                   </m:oMathPara>
@@ -23741,7 +23801,7 @@
             </p:txBody>
           </p:sp>
         </mc:Choice>
-        <mc:Fallback xmlns="">
+        <mc:Fallback>
           <p:sp>
             <p:nvSpPr>
               <p:cNvPr id="3" name="Content Placeholder 2">
@@ -23775,7 +23835,7 @@
               <a:lstStyle/>
               <a:p>
                 <a:r>
-                  <a:rPr lang="en-CA">
+                  <a:rPr lang="fr-FR">
                     <a:noFill/>
                   </a:rPr>
                   <a:t> </a:t>
@@ -29867,6 +29927,15 @@
 </file>
 
 <file path=customXml/item1.xml><?xml version="1.0" encoding="utf-8"?>
+<?mso-contentType ?>
+<FormTemplates xmlns="http://schemas.microsoft.com/sharepoint/v3/contenttype/forms">
+  <Display>DocumentLibraryForm</Display>
+  <Edit>DocumentLibraryForm</Edit>
+  <New>DocumentLibraryForm</New>
+</FormTemplates>
+</file>
+
+<file path=customXml/item2.xml><?xml version="1.0" encoding="utf-8"?>
 <p:properties xmlns:p="http://schemas.microsoft.com/office/2006/metadata/properties" xmlns:xsi="http://www.w3.org/2001/XMLSchema-instance" xmlns:pc="http://schemas.microsoft.com/office/infopath/2007/PartnerControls">
   <documentManagement>
     <lcf76f155ced4ddcb4097134ff3c332f xmlns="ec825916-6f01-4646-bf11-4e97fdd06dc8">
@@ -29875,15 +29944,6 @@
     <TaxCatchAll xmlns="10202d72-3646-4d36-9cf4-1feba2c78df0" xsi:nil="true"/>
   </documentManagement>
 </p:properties>
-</file>
-
-<file path=customXml/item2.xml><?xml version="1.0" encoding="utf-8"?>
-<?mso-contentType ?>
-<FormTemplates xmlns="http://schemas.microsoft.com/sharepoint/v3/contenttype/forms">
-  <Display>DocumentLibraryForm</Display>
-  <Edit>DocumentLibraryForm</Edit>
-  <New>DocumentLibraryForm</New>
-</FormTemplates>
 </file>
 
 <file path=customXml/item3.xml><?xml version="1.0" encoding="utf-8"?>
@@ -30082,6 +30142,14 @@
 </file>
 
 <file path=customXml/itemProps1.xml><?xml version="1.0" encoding="utf-8"?>
+<ds:datastoreItem xmlns:ds="http://schemas.openxmlformats.org/officeDocument/2006/customXml" ds:itemID="{73F4A501-0066-4B8E-9AA2-A07CF344BF69}">
+  <ds:schemaRefs>
+    <ds:schemaRef ds:uri="http://schemas.microsoft.com/sharepoint/v3/contenttype/forms"/>
+  </ds:schemaRefs>
+</ds:datastoreItem>
+</file>
+
+<file path=customXml/itemProps2.xml><?xml version="1.0" encoding="utf-8"?>
 <ds:datastoreItem xmlns:ds="http://schemas.openxmlformats.org/officeDocument/2006/customXml" ds:itemID="{CC0D4AF6-CA21-4510-812C-479171907BC9}">
   <ds:schemaRefs>
     <ds:schemaRef ds:uri="ec825916-6f01-4646-bf11-4e97fdd06dc8"/>
@@ -30094,14 +30162,6 @@
     <ds:schemaRef ds:uri="http://schemas.microsoft.com/office/2006/metadata/properties"/>
     <ds:schemaRef ds:uri="http://schemas.openxmlformats.org/package/2006/metadata/core-properties"/>
     <ds:schemaRef ds:uri="http://purl.org/dc/elements/1.1/"/>
-  </ds:schemaRefs>
-</ds:datastoreItem>
-</file>
-
-<file path=customXml/itemProps2.xml><?xml version="1.0" encoding="utf-8"?>
-<ds:datastoreItem xmlns:ds="http://schemas.openxmlformats.org/officeDocument/2006/customXml" ds:itemID="{73F4A501-0066-4B8E-9AA2-A07CF344BF69}">
-  <ds:schemaRefs>
-    <ds:schemaRef ds:uri="http://schemas.microsoft.com/sharepoint/v3/contenttype/forms"/>
   </ds:schemaRefs>
 </ds:datastoreItem>
 </file>

--- a/Presentation_Projet.pptx
+++ b/Presentation_Projet.pptx
@@ -954,7 +954,7 @@
 <file path=ppt/charts/chart1.xml><?xml version="1.0" encoding="utf-8"?>
 <c:chartSpace xmlns:c="http://schemas.openxmlformats.org/drawingml/2006/chart" xmlns:a="http://schemas.openxmlformats.org/drawingml/2006/main" xmlns:r="http://schemas.openxmlformats.org/officeDocument/2006/relationships" xmlns:c16r2="http://schemas.microsoft.com/office/drawing/2015/06/chart">
   <c:date1904 val="0"/>
-  <c:lang val="fr-FR"/>
+  <c:lang val="en-US"/>
   <c:roundedCorners val="0"/>
   <mc:AlternateContent xmlns:mc="http://schemas.openxmlformats.org/markup-compatibility/2006">
     <mc:Choice xmlns:c14="http://schemas.microsoft.com/office/drawing/2007/8/2/chart" Requires="c14">
@@ -2080,7 +2080,7 @@
                   <a:cs typeface="+mn-cs"/>
                 </a:defRPr>
               </a:pPr>
-              <a:endParaRPr lang="fr-FR"/>
+              <a:endParaRPr lang="en-US"/>
             </a:p>
           </c:txPr>
         </c:title>
@@ -2118,7 +2118,7 @@
                 <a:cs typeface="+mn-cs"/>
               </a:defRPr>
             </a:pPr>
-            <a:endParaRPr lang="fr-FR"/>
+            <a:endParaRPr lang="en-US"/>
           </a:p>
         </c:txPr>
         <c:crossAx val="477271791"/>
@@ -2202,7 +2202,7 @@
                   <a:cs typeface="+mn-cs"/>
                 </a:defRPr>
               </a:pPr>
-              <a:endParaRPr lang="fr-FR"/>
+              <a:endParaRPr lang="en-US"/>
             </a:p>
           </c:txPr>
         </c:title>
@@ -2240,7 +2240,7 @@
                 <a:cs typeface="+mn-cs"/>
               </a:defRPr>
             </a:pPr>
-            <a:endParaRPr lang="fr-FR"/>
+            <a:endParaRPr lang="en-US"/>
           </a:p>
         </c:txPr>
         <c:crossAx val="477280911"/>
@@ -2292,7 +2292,7 @@
               <a:cs typeface="+mn-cs"/>
             </a:defRPr>
           </a:pPr>
-          <a:endParaRPr lang="fr-FR"/>
+          <a:endParaRPr lang="en-US"/>
         </a:p>
       </c:txPr>
     </c:legend>
@@ -2321,7 +2321,7 @@
       <a:pPr>
         <a:defRPr/>
       </a:pPr>
-      <a:endParaRPr lang="fr-FR"/>
+      <a:endParaRPr lang="en-US"/>
     </a:p>
   </c:txPr>
   <c:externalData r:id="rId3">
@@ -2333,7 +2333,7 @@
 <file path=ppt/charts/chart2.xml><?xml version="1.0" encoding="utf-8"?>
 <c:chartSpace xmlns:c="http://schemas.openxmlformats.org/drawingml/2006/chart" xmlns:a="http://schemas.openxmlformats.org/drawingml/2006/main" xmlns:r="http://schemas.openxmlformats.org/officeDocument/2006/relationships" xmlns:c16r2="http://schemas.microsoft.com/office/drawing/2015/06/chart">
   <c:date1904 val="0"/>
-  <c:lang val="fr-FR"/>
+  <c:lang val="en-US"/>
   <c:roundedCorners val="0"/>
   <mc:AlternateContent xmlns:mc="http://schemas.openxmlformats.org/markup-compatibility/2006">
     <mc:Choice xmlns:c14="http://schemas.microsoft.com/office/drawing/2007/8/2/chart" Requires="c14">
@@ -2408,7 +2408,7 @@
               <a:cs typeface="+mn-cs"/>
             </a:defRPr>
           </a:pPr>
-          <a:endParaRPr lang="fr-FR"/>
+          <a:endParaRPr lang="en-US"/>
         </a:p>
       </c:txPr>
     </c:title>
@@ -2499,7 +2499,7 @@
                       <a:cs typeface="+mn-cs"/>
                     </a:defRPr>
                   </a:pPr>
-                  <a:endParaRPr lang="fr-FR"/>
+                  <a:endParaRPr lang="en-US"/>
                 </a:p>
               </c:txPr>
             </c:trendlineLbl>
@@ -2642,7 +2642,7 @@
                             <a:cs typeface="+mn-cs"/>
                           </a:defRPr>
                         </a:pPr>
-                        <a:endParaRPr lang="fr-FR"/>
+                        <a:endParaRPr lang="en-US"/>
                       </a:p>
                     </c:txPr>
                   </c:trendlineLbl>
@@ -2784,7 +2784,7 @@
                   <a:cs typeface="+mn-cs"/>
                 </a:defRPr>
               </a:pPr>
-              <a:endParaRPr lang="fr-FR"/>
+              <a:endParaRPr lang="en-US"/>
             </a:p>
           </c:txPr>
         </c:title>
@@ -2822,7 +2822,7 @@
                 <a:cs typeface="+mn-cs"/>
               </a:defRPr>
             </a:pPr>
-            <a:endParaRPr lang="fr-FR"/>
+            <a:endParaRPr lang="en-US"/>
           </a:p>
         </c:txPr>
         <c:crossAx val="1420657695"/>
@@ -2906,7 +2906,7 @@
                   <a:cs typeface="+mn-cs"/>
                 </a:defRPr>
               </a:pPr>
-              <a:endParaRPr lang="fr-FR"/>
+              <a:endParaRPr lang="en-US"/>
             </a:p>
           </c:txPr>
         </c:title>
@@ -2944,7 +2944,7 @@
                 <a:cs typeface="+mn-cs"/>
               </a:defRPr>
             </a:pPr>
-            <a:endParaRPr lang="fr-FR"/>
+            <a:endParaRPr lang="en-US"/>
           </a:p>
         </c:txPr>
         <c:crossAx val="1911372511"/>
@@ -2984,7 +2984,7 @@
       <a:pPr>
         <a:defRPr/>
       </a:pPr>
-      <a:endParaRPr lang="fr-FR"/>
+      <a:endParaRPr lang="en-US"/>
     </a:p>
   </c:txPr>
   <c:externalData r:id="rId3">
@@ -2996,7 +2996,7 @@
 <file path=ppt/charts/chart3.xml><?xml version="1.0" encoding="utf-8"?>
 <c:chartSpace xmlns:c="http://schemas.openxmlformats.org/drawingml/2006/chart" xmlns:a="http://schemas.openxmlformats.org/drawingml/2006/main" xmlns:r="http://schemas.openxmlformats.org/officeDocument/2006/relationships" xmlns:c16r2="http://schemas.microsoft.com/office/drawing/2015/06/chart">
   <c:date1904 val="0"/>
-  <c:lang val="fr-FR"/>
+  <c:lang val="en-US"/>
   <c:roundedCorners val="0"/>
   <mc:AlternateContent xmlns:mc="http://schemas.openxmlformats.org/markup-compatibility/2006">
     <mc:Choice xmlns:c14="http://schemas.microsoft.com/office/drawing/2007/8/2/chart" Requires="c14">
@@ -3063,7 +3063,7 @@
               <a:cs typeface="+mn-cs"/>
             </a:defRPr>
           </a:pPr>
-          <a:endParaRPr lang="fr-FR"/>
+          <a:endParaRPr lang="en-US"/>
         </a:p>
       </c:txPr>
     </c:title>
@@ -3140,7 +3140,7 @@
                       <a:cs typeface="+mn-cs"/>
                     </a:defRPr>
                   </a:pPr>
-                  <a:endParaRPr lang="fr-FR"/>
+                  <a:endParaRPr lang="en-US"/>
                 </a:p>
               </c:txPr>
             </c:trendlineLbl>
@@ -3285,7 +3285,7 @@
                 <a:cs typeface="+mn-cs"/>
               </a:defRPr>
             </a:pPr>
-            <a:endParaRPr lang="fr-FR"/>
+            <a:endParaRPr lang="en-US"/>
           </a:p>
         </c:txPr>
         <c:crossAx val="642880048"/>
@@ -3348,7 +3348,7 @@
                 <a:cs typeface="+mn-cs"/>
               </a:defRPr>
             </a:pPr>
-            <a:endParaRPr lang="fr-FR"/>
+            <a:endParaRPr lang="en-US"/>
           </a:p>
         </c:txPr>
         <c:crossAx val="642881968"/>
@@ -3388,7 +3388,7 @@
       <a:pPr>
         <a:defRPr/>
       </a:pPr>
-      <a:endParaRPr lang="fr-FR"/>
+      <a:endParaRPr lang="en-US"/>
     </a:p>
   </c:txPr>
   <c:externalData r:id="rId3">
@@ -3400,7 +3400,7 @@
 <file path=ppt/charts/chart4.xml><?xml version="1.0" encoding="utf-8"?>
 <c:chartSpace xmlns:c="http://schemas.openxmlformats.org/drawingml/2006/chart" xmlns:a="http://schemas.openxmlformats.org/drawingml/2006/main" xmlns:r="http://schemas.openxmlformats.org/officeDocument/2006/relationships" xmlns:c16r2="http://schemas.microsoft.com/office/drawing/2015/06/chart">
   <c:date1904 val="0"/>
-  <c:lang val="fr-FR"/>
+  <c:lang val="en-US"/>
   <c:roundedCorners val="0"/>
   <mc:AlternateContent xmlns:mc="http://schemas.openxmlformats.org/markup-compatibility/2006">
     <mc:Choice xmlns:c14="http://schemas.microsoft.com/office/drawing/2007/8/2/chart" Requires="c14">
@@ -4161,7 +4161,7 @@
                   <a:cs typeface="+mn-cs"/>
                 </a:defRPr>
               </a:pPr>
-              <a:endParaRPr lang="fr-FR"/>
+              <a:endParaRPr lang="en-US"/>
             </a:p>
           </c:txPr>
         </c:title>
@@ -4199,7 +4199,7 @@
                 <a:cs typeface="+mn-cs"/>
               </a:defRPr>
             </a:pPr>
-            <a:endParaRPr lang="fr-FR"/>
+            <a:endParaRPr lang="en-US"/>
           </a:p>
         </c:txPr>
         <c:crossAx val="1457253920"/>
@@ -4279,7 +4279,7 @@
                   <a:cs typeface="+mn-cs"/>
                 </a:defRPr>
               </a:pPr>
-              <a:endParaRPr lang="fr-FR"/>
+              <a:endParaRPr lang="en-US"/>
             </a:p>
           </c:txPr>
         </c:title>
@@ -4317,7 +4317,7 @@
                 <a:cs typeface="+mn-cs"/>
               </a:defRPr>
             </a:pPr>
-            <a:endParaRPr lang="fr-FR"/>
+            <a:endParaRPr lang="en-US"/>
           </a:p>
         </c:txPr>
         <c:crossAx val="1457258720"/>
@@ -4357,7 +4357,7 @@
       <a:pPr>
         <a:defRPr/>
       </a:pPr>
-      <a:endParaRPr lang="fr-FR"/>
+      <a:endParaRPr lang="en-US"/>
     </a:p>
   </c:txPr>
   <c:externalData r:id="rId3">
@@ -4369,7 +4369,7 @@
 <file path=ppt/charts/chart5.xml><?xml version="1.0" encoding="utf-8"?>
 <c:chartSpace xmlns:c="http://schemas.openxmlformats.org/drawingml/2006/chart" xmlns:a="http://schemas.openxmlformats.org/drawingml/2006/main" xmlns:r="http://schemas.openxmlformats.org/officeDocument/2006/relationships" xmlns:c16r2="http://schemas.microsoft.com/office/drawing/2015/06/chart">
   <c:date1904 val="0"/>
-  <c:lang val="fr-FR"/>
+  <c:lang val="en-US"/>
   <c:roundedCorners val="0"/>
   <mc:AlternateContent xmlns:mc="http://schemas.openxmlformats.org/markup-compatibility/2006">
     <mc:Choice xmlns:c14="http://schemas.microsoft.com/office/drawing/2007/8/2/chart" Requires="c14">
@@ -5142,7 +5142,7 @@
                   <a:cs typeface="+mn-cs"/>
                 </a:defRPr>
               </a:pPr>
-              <a:endParaRPr lang="fr-FR"/>
+              <a:endParaRPr lang="en-US"/>
             </a:p>
           </c:txPr>
         </c:title>
@@ -5180,7 +5180,7 @@
                 <a:cs typeface="+mn-cs"/>
               </a:defRPr>
             </a:pPr>
-            <a:endParaRPr lang="fr-FR"/>
+            <a:endParaRPr lang="en-US"/>
           </a:p>
         </c:txPr>
         <c:crossAx val="2041938592"/>
@@ -5260,7 +5260,7 @@
                   <a:cs typeface="+mn-cs"/>
                 </a:defRPr>
               </a:pPr>
-              <a:endParaRPr lang="fr-FR"/>
+              <a:endParaRPr lang="en-US"/>
             </a:p>
           </c:txPr>
         </c:title>
@@ -5298,7 +5298,7 @@
                 <a:cs typeface="+mn-cs"/>
               </a:defRPr>
             </a:pPr>
-            <a:endParaRPr lang="fr-FR"/>
+            <a:endParaRPr lang="en-US"/>
           </a:p>
         </c:txPr>
         <c:crossAx val="2041944352"/>
@@ -5338,7 +5338,7 @@
       <a:pPr>
         <a:defRPr/>
       </a:pPr>
-      <a:endParaRPr lang="fr-FR"/>
+      <a:endParaRPr lang="en-US"/>
     </a:p>
   </c:txPr>
   <c:externalData r:id="rId3">
@@ -5350,7 +5350,7 @@
 <file path=ppt/charts/chart6.xml><?xml version="1.0" encoding="utf-8"?>
 <c:chartSpace xmlns:c="http://schemas.openxmlformats.org/drawingml/2006/chart" xmlns:a="http://schemas.openxmlformats.org/drawingml/2006/main" xmlns:r="http://schemas.openxmlformats.org/officeDocument/2006/relationships" xmlns:c16r2="http://schemas.microsoft.com/office/drawing/2015/06/chart">
   <c:date1904 val="0"/>
-  <c:lang val="fr-FR"/>
+  <c:lang val="en-US"/>
   <c:roundedCorners val="0"/>
   <mc:AlternateContent xmlns:mc="http://schemas.openxmlformats.org/markup-compatibility/2006">
     <mc:Choice xmlns:c14="http://schemas.microsoft.com/office/drawing/2007/8/2/chart" Requires="c14">
@@ -6157,7 +6157,7 @@
                   <a:cs typeface="+mn-cs"/>
                 </a:defRPr>
               </a:pPr>
-              <a:endParaRPr lang="fr-FR"/>
+              <a:endParaRPr lang="en-US"/>
             </a:p>
           </c:txPr>
         </c:title>
@@ -6195,7 +6195,7 @@
                 <a:cs typeface="+mn-cs"/>
               </a:defRPr>
             </a:pPr>
-            <a:endParaRPr lang="fr-FR"/>
+            <a:endParaRPr lang="en-US"/>
           </a:p>
         </c:txPr>
         <c:crossAx val="2041041472"/>
@@ -6275,7 +6275,7 @@
                   <a:cs typeface="+mn-cs"/>
                 </a:defRPr>
               </a:pPr>
-              <a:endParaRPr lang="fr-FR"/>
+              <a:endParaRPr lang="en-US"/>
             </a:p>
           </c:txPr>
         </c:title>
@@ -6313,7 +6313,7 @@
                 <a:cs typeface="+mn-cs"/>
               </a:defRPr>
             </a:pPr>
-            <a:endParaRPr lang="fr-FR"/>
+            <a:endParaRPr lang="en-US"/>
           </a:p>
         </c:txPr>
         <c:crossAx val="2041040032"/>
@@ -6353,7 +6353,7 @@
       <a:pPr>
         <a:defRPr/>
       </a:pPr>
-      <a:endParaRPr lang="fr-FR"/>
+      <a:endParaRPr lang="en-US"/>
     </a:p>
   </c:txPr>
   <c:externalData r:id="rId3">
@@ -6365,7 +6365,7 @@
 <file path=ppt/charts/chart7.xml><?xml version="1.0" encoding="utf-8"?>
 <c:chartSpace xmlns:c="http://schemas.openxmlformats.org/drawingml/2006/chart" xmlns:a="http://schemas.openxmlformats.org/drawingml/2006/main" xmlns:r="http://schemas.openxmlformats.org/officeDocument/2006/relationships" xmlns:c16r2="http://schemas.microsoft.com/office/drawing/2015/06/chart">
   <c:date1904 val="0"/>
-  <c:lang val="fr-FR"/>
+  <c:lang val="en-US"/>
   <c:roundedCorners val="0"/>
   <mc:AlternateContent xmlns:mc="http://schemas.openxmlformats.org/markup-compatibility/2006">
     <mc:Choice xmlns:c14="http://schemas.microsoft.com/office/drawing/2007/8/2/chart" Requires="c14">
@@ -6613,7 +6613,7 @@
                   <a:cs typeface="+mn-cs"/>
                 </a:defRPr>
               </a:pPr>
-              <a:endParaRPr lang="fr-FR"/>
+              <a:endParaRPr lang="en-US"/>
             </a:p>
           </c:txPr>
         </c:title>
@@ -6651,7 +6651,7 @@
                 <a:cs typeface="+mn-cs"/>
               </a:defRPr>
             </a:pPr>
-            <a:endParaRPr lang="fr-FR"/>
+            <a:endParaRPr lang="en-US"/>
           </a:p>
         </c:txPr>
         <c:crossAx val="1632011967"/>
@@ -6691,7 +6691,7 @@
       <a:pPr>
         <a:defRPr/>
       </a:pPr>
-      <a:endParaRPr lang="fr-FR"/>
+      <a:endParaRPr lang="en-US"/>
     </a:p>
   </c:txPr>
   <c:externalData r:id="rId3">
@@ -10833,7 +10833,7 @@
           <a:p>
             <a:fld id="{603E9730-38DB-4F77-A139-6CE923099591}" type="slidenum">
               <a:rPr lang="en-CA" smtClean="0"/>
-              <a:t>‹N°›</a:t>
+              <a:t>‹#›</a:t>
             </a:fld>
             <a:endParaRPr lang="en-CA"/>
           </a:p>
@@ -11145,7 +11145,7 @@
           <a:p>
             <a:fld id="{4BD3201E-7DF8-462B-AC18-61E63795AE0D}" type="slidenum">
               <a:rPr lang="en-CA" smtClean="0"/>
-              <a:t>‹N°›</a:t>
+              <a:t>‹#›</a:t>
             </a:fld>
             <a:endParaRPr lang="en-CA"/>
           </a:p>
@@ -11345,7 +11345,7 @@
           <a:p>
             <a:fld id="{4BD3201E-7DF8-462B-AC18-61E63795AE0D}" type="slidenum">
               <a:rPr lang="en-CA" smtClean="0"/>
-              <a:t>‹N°›</a:t>
+              <a:t>‹#›</a:t>
             </a:fld>
             <a:endParaRPr lang="en-CA"/>
           </a:p>
@@ -11555,7 +11555,7 @@
           <a:p>
             <a:fld id="{4BD3201E-7DF8-462B-AC18-61E63795AE0D}" type="slidenum">
               <a:rPr lang="en-CA" smtClean="0"/>
-              <a:t>‹N°›</a:t>
+              <a:t>‹#›</a:t>
             </a:fld>
             <a:endParaRPr lang="en-CA"/>
           </a:p>
@@ -11755,7 +11755,7 @@
           <a:p>
             <a:fld id="{4BD3201E-7DF8-462B-AC18-61E63795AE0D}" type="slidenum">
               <a:rPr lang="en-CA" smtClean="0"/>
-              <a:t>‹N°›</a:t>
+              <a:t>‹#›</a:t>
             </a:fld>
             <a:endParaRPr lang="en-CA"/>
           </a:p>
@@ -12031,7 +12031,7 @@
           <a:p>
             <a:fld id="{4BD3201E-7DF8-462B-AC18-61E63795AE0D}" type="slidenum">
               <a:rPr lang="en-CA" smtClean="0"/>
-              <a:t>‹N°›</a:t>
+              <a:t>‹#›</a:t>
             </a:fld>
             <a:endParaRPr lang="en-CA"/>
           </a:p>
@@ -12299,7 +12299,7 @@
           <a:p>
             <a:fld id="{4BD3201E-7DF8-462B-AC18-61E63795AE0D}" type="slidenum">
               <a:rPr lang="en-CA" smtClean="0"/>
-              <a:t>‹N°›</a:t>
+              <a:t>‹#›</a:t>
             </a:fld>
             <a:endParaRPr lang="en-CA"/>
           </a:p>
@@ -12714,7 +12714,7 @@
           <a:p>
             <a:fld id="{4BD3201E-7DF8-462B-AC18-61E63795AE0D}" type="slidenum">
               <a:rPr lang="en-CA" smtClean="0"/>
-              <a:t>‹N°›</a:t>
+              <a:t>‹#›</a:t>
             </a:fld>
             <a:endParaRPr lang="en-CA"/>
           </a:p>
@@ -12856,7 +12856,7 @@
           <a:p>
             <a:fld id="{4BD3201E-7DF8-462B-AC18-61E63795AE0D}" type="slidenum">
               <a:rPr lang="en-CA" smtClean="0"/>
-              <a:t>‹N°›</a:t>
+              <a:t>‹#›</a:t>
             </a:fld>
             <a:endParaRPr lang="en-CA"/>
           </a:p>
@@ -12969,7 +12969,7 @@
           <a:p>
             <a:fld id="{4BD3201E-7DF8-462B-AC18-61E63795AE0D}" type="slidenum">
               <a:rPr lang="en-CA" smtClean="0"/>
-              <a:t>‹N°›</a:t>
+              <a:t>‹#›</a:t>
             </a:fld>
             <a:endParaRPr lang="en-CA"/>
           </a:p>
@@ -13282,7 +13282,7 @@
           <a:p>
             <a:fld id="{4BD3201E-7DF8-462B-AC18-61E63795AE0D}" type="slidenum">
               <a:rPr lang="en-CA" smtClean="0"/>
-              <a:t>‹N°›</a:t>
+              <a:t>‹#›</a:t>
             </a:fld>
             <a:endParaRPr lang="en-CA"/>
           </a:p>
@@ -13571,7 +13571,7 @@
           <a:p>
             <a:fld id="{4BD3201E-7DF8-462B-AC18-61E63795AE0D}" type="slidenum">
               <a:rPr lang="en-CA" smtClean="0"/>
-              <a:t>‹N°›</a:t>
+              <a:t>‹#›</a:t>
             </a:fld>
             <a:endParaRPr lang="en-CA"/>
           </a:p>
@@ -13850,7 +13850,7 @@
           <a:p>
             <a:fld id="{4BD3201E-7DF8-462B-AC18-61E63795AE0D}" type="slidenum">
               <a:rPr lang="en-CA" smtClean="0"/>
-              <a:t>‹N°›</a:t>
+              <a:t>‹#›</a:t>
             </a:fld>
             <a:endParaRPr lang="en-CA"/>
           </a:p>
@@ -16170,7 +16170,7 @@
           <p:nvPr>
             <p:extLst>
               <p:ext uri="{D42A27DB-BD31-4B8C-83A1-F6EECF244321}">
-                <p14:modId xmlns:p14="http://schemas.microsoft.com/office/powerpoint/2010/main" val="2676117715"/>
+                <p14:modId xmlns:p14="http://schemas.microsoft.com/office/powerpoint/2010/main" val="1987198470"/>
               </p:ext>
             </p:extLst>
           </p:nvPr>
@@ -16246,7 +16246,7 @@
                           <a:effectLst/>
                           <a:latin typeface="Calibri" panose="020F0502020204030204" pitchFamily="34" charset="0"/>
                         </a:rPr>
-                        <a:t>Pas en espace dx [m]</a:t>
+                        <a:t>Pas en espace dx [mm]</a:t>
                       </a:r>
                     </a:p>
                   </a:txBody>
@@ -17970,7 +17970,7 @@
           <p:nvPr>
             <p:extLst>
               <p:ext uri="{D42A27DB-BD31-4B8C-83A1-F6EECF244321}">
-                <p14:modId xmlns:p14="http://schemas.microsoft.com/office/powerpoint/2010/main" val="3583435631"/>
+                <p14:modId xmlns:p14="http://schemas.microsoft.com/office/powerpoint/2010/main" val="845540636"/>
               </p:ext>
             </p:extLst>
           </p:nvPr>
@@ -18015,7 +18015,7 @@
                           </a:solidFill>
                           <a:effectLst/>
                         </a:rPr>
-                        <a:t>Taille d’élément</a:t>
+                        <a:t>Taille d’élément [mm]</a:t>
                       </a:r>
                       <a:endParaRPr lang="fr-CA" sz="1300" b="1" i="0" u="none" strike="noStrike" dirty="0">
                         <a:solidFill>
@@ -19199,15 +19199,21 @@
                         <m:t>41,54970188</m:t>
                       </m:r>
                       <m:r>
-                        <a:rPr lang="en-CA" sz="1800">
+                        <a:rPr lang="en-CA" sz="1800" b="0" i="0" smtClean="0">
                           <a:latin typeface="Cambria Math" panose="02040503050406030204" pitchFamily="18" charset="0"/>
                         </a:rPr>
-                        <m:t>𝑚</m:t>
+                        <m:t> </m:t>
+                      </m:r>
+                      <m:r>
+                        <a:rPr lang="en-CA" sz="1800" b="0" i="1" smtClean="0">
+                          <a:latin typeface="Cambria Math" panose="02040503050406030204" pitchFamily="18" charset="0"/>
+                        </a:rPr>
+                        <m:t>𝑚𝑚</m:t>
                       </m:r>
                     </m:oMath>
                   </m:oMathPara>
                 </a14:m>
-                <a:endParaRPr lang="en-CA" sz="1800" dirty="0">
+                <a:endParaRPr lang="en-CA" sz="1800" i="1" dirty="0">
                   <a:latin typeface="Cambria Math" panose="02040503050406030204" pitchFamily="18" charset="0"/>
                 </a:endParaRPr>
               </a:p>
@@ -19274,7 +19280,7 @@
                   <a:rPr lang="fr-CA" sz="1800" dirty="0">
                     <a:latin typeface="Aptos "/>
                   </a:rPr>
-                  <a:t>m. Cette valeur de </a:t>
+                  <a:t>. Cette valeur de </a:t>
                 </a:r>
                 <a14:m>
                   <m:oMath xmlns:m="http://schemas.openxmlformats.org/officeDocument/2006/math">
@@ -19352,7 +19358,7 @@
               <a:lstStyle/>
               <a:p>
                 <a:r>
-                  <a:rPr lang="fr-FR">
+                  <a:rPr lang="en-CA">
                     <a:noFill/>
                   </a:rPr>
                   <a:t> </a:t>
@@ -19509,8 +19515,8 @@
           </a:p>
         </p:txBody>
       </p:sp>
-      <mc:AlternateContent xmlns:mc="http://schemas.openxmlformats.org/markup-compatibility/2006">
-        <mc:Choice xmlns:a14="http://schemas.microsoft.com/office/drawing/2010/main" Requires="a14">
+      <mc:AlternateContent xmlns:mc="http://schemas.openxmlformats.org/markup-compatibility/2006" xmlns:a14="http://schemas.microsoft.com/office/drawing/2010/main">
+        <mc:Choice Requires="a14">
           <p:sp>
             <p:nvSpPr>
               <p:cNvPr id="3" name="Content Placeholder 2">
@@ -19821,7 +19827,7 @@
             </p:txBody>
           </p:sp>
         </mc:Choice>
-        <mc:Fallback>
+        <mc:Fallback xmlns="">
           <p:sp>
             <p:nvSpPr>
               <p:cNvPr id="3" name="Content Placeholder 2">
@@ -20580,8 +20586,8 @@
           </a:p>
         </p:txBody>
       </p:sp>
-      <mc:AlternateContent xmlns:mc="http://schemas.openxmlformats.org/markup-compatibility/2006">
-        <mc:Choice xmlns:a14="http://schemas.microsoft.com/office/drawing/2010/main" Requires="a14">
+      <mc:AlternateContent xmlns:mc="http://schemas.openxmlformats.org/markup-compatibility/2006" xmlns:a14="http://schemas.microsoft.com/office/drawing/2010/main">
+        <mc:Choice Requires="a14">
           <p:sp>
             <p:nvSpPr>
               <p:cNvPr id="3" name="Content Placeholder 2">
@@ -21325,7 +21331,7 @@
             </p:txBody>
           </p:sp>
         </mc:Choice>
-        <mc:Fallback>
+        <mc:Fallback xmlns="">
           <p:sp>
             <p:nvSpPr>
               <p:cNvPr id="3" name="Content Placeholder 2">
@@ -23534,6 +23540,12 @@
                         </m:e>
                       </m:d>
                       <m:r>
+                        <a:rPr lang="en-CA" sz="1700" b="1" i="1" dirty="0" smtClean="0">
+                          <a:latin typeface="Cambria Math" panose="02040503050406030204" pitchFamily="18" charset="0"/>
+                        </a:rPr>
+                        <m:t> </m:t>
+                      </m:r>
+                      <m:r>
                         <a:rPr lang="fr-FR" sz="1700" b="1" i="1" dirty="0" smtClean="0">
                           <a:latin typeface="Cambria Math" panose="02040503050406030204" pitchFamily="18" charset="0"/>
                         </a:rPr>
@@ -23835,7 +23847,7 @@
               <a:lstStyle/>
               <a:p>
                 <a:r>
-                  <a:rPr lang="fr-FR">
+                  <a:rPr lang="en-CA">
                     <a:noFill/>
                   </a:rPr>
                   <a:t> </a:t>
@@ -28140,7 +28152,7 @@
           <p:nvPr>
             <p:extLst>
               <p:ext uri="{D42A27DB-BD31-4B8C-83A1-F6EECF244321}">
-                <p14:modId xmlns:p14="http://schemas.microsoft.com/office/powerpoint/2010/main" val="1331906350"/>
+                <p14:modId xmlns:p14="http://schemas.microsoft.com/office/powerpoint/2010/main" val="400962649"/>
               </p:ext>
             </p:extLst>
           </p:nvPr>
@@ -28216,7 +28228,7 @@
                           <a:effectLst/>
                           <a:latin typeface="Calibri" panose="020F0502020204030204" pitchFamily="34" charset="0"/>
                         </a:rPr>
-                        <a:t>Pas en espace dx [m]</a:t>
+                        <a:t>Pas en espace dx [mm]</a:t>
                       </a:r>
                     </a:p>
                   </a:txBody>
@@ -29927,15 +29939,6 @@
 </file>
 
 <file path=customXml/item1.xml><?xml version="1.0" encoding="utf-8"?>
-<?mso-contentType ?>
-<FormTemplates xmlns="http://schemas.microsoft.com/sharepoint/v3/contenttype/forms">
-  <Display>DocumentLibraryForm</Display>
-  <Edit>DocumentLibraryForm</Edit>
-  <New>DocumentLibraryForm</New>
-</FormTemplates>
-</file>
-
-<file path=customXml/item2.xml><?xml version="1.0" encoding="utf-8"?>
 <p:properties xmlns:p="http://schemas.microsoft.com/office/2006/metadata/properties" xmlns:xsi="http://www.w3.org/2001/XMLSchema-instance" xmlns:pc="http://schemas.microsoft.com/office/infopath/2007/PartnerControls">
   <documentManagement>
     <lcf76f155ced4ddcb4097134ff3c332f xmlns="ec825916-6f01-4646-bf11-4e97fdd06dc8">
@@ -29944,6 +29947,15 @@
     <TaxCatchAll xmlns="10202d72-3646-4d36-9cf4-1feba2c78df0" xsi:nil="true"/>
   </documentManagement>
 </p:properties>
+</file>
+
+<file path=customXml/item2.xml><?xml version="1.0" encoding="utf-8"?>
+<?mso-contentType ?>
+<FormTemplates xmlns="http://schemas.microsoft.com/sharepoint/v3/contenttype/forms">
+  <Display>DocumentLibraryForm</Display>
+  <Edit>DocumentLibraryForm</Edit>
+  <New>DocumentLibraryForm</New>
+</FormTemplates>
 </file>
 
 <file path=customXml/item3.xml><?xml version="1.0" encoding="utf-8"?>
@@ -30142,14 +30154,6 @@
 </file>
 
 <file path=customXml/itemProps1.xml><?xml version="1.0" encoding="utf-8"?>
-<ds:datastoreItem xmlns:ds="http://schemas.openxmlformats.org/officeDocument/2006/customXml" ds:itemID="{73F4A501-0066-4B8E-9AA2-A07CF344BF69}">
-  <ds:schemaRefs>
-    <ds:schemaRef ds:uri="http://schemas.microsoft.com/sharepoint/v3/contenttype/forms"/>
-  </ds:schemaRefs>
-</ds:datastoreItem>
-</file>
-
-<file path=customXml/itemProps2.xml><?xml version="1.0" encoding="utf-8"?>
 <ds:datastoreItem xmlns:ds="http://schemas.openxmlformats.org/officeDocument/2006/customXml" ds:itemID="{CC0D4AF6-CA21-4510-812C-479171907BC9}">
   <ds:schemaRefs>
     <ds:schemaRef ds:uri="ec825916-6f01-4646-bf11-4e97fdd06dc8"/>
@@ -30162,6 +30166,14 @@
     <ds:schemaRef ds:uri="http://schemas.microsoft.com/office/2006/metadata/properties"/>
     <ds:schemaRef ds:uri="http://schemas.openxmlformats.org/package/2006/metadata/core-properties"/>
     <ds:schemaRef ds:uri="http://purl.org/dc/elements/1.1/"/>
+  </ds:schemaRefs>
+</ds:datastoreItem>
+</file>
+
+<file path=customXml/itemProps2.xml><?xml version="1.0" encoding="utf-8"?>
+<ds:datastoreItem xmlns:ds="http://schemas.openxmlformats.org/officeDocument/2006/customXml" ds:itemID="{73F4A501-0066-4B8E-9AA2-A07CF344BF69}">
+  <ds:schemaRefs>
+    <ds:schemaRef ds:uri="http://schemas.microsoft.com/sharepoint/v3/contenttype/forms"/>
   </ds:schemaRefs>
 </ds:datastoreItem>
 </file>

--- a/Presentation_Projet.pptx
+++ b/Presentation_Projet.pptx
@@ -18489,8 +18489,8 @@
           </a:p>
         </p:txBody>
       </p:sp>
-      <mc:AlternateContent xmlns:mc="http://schemas.openxmlformats.org/markup-compatibility/2006">
-        <mc:Choice xmlns:a14="http://schemas.microsoft.com/office/drawing/2010/main" Requires="a14">
+      <mc:AlternateContent xmlns:mc="http://schemas.openxmlformats.org/markup-compatibility/2006" xmlns:a14="http://schemas.microsoft.com/office/drawing/2010/main">
+        <mc:Choice Requires="a14">
           <p:sp>
             <p:nvSpPr>
               <p:cNvPr id="3" name="Content Placeholder 2">
@@ -19324,7 +19324,7 @@
             </p:txBody>
           </p:sp>
         </mc:Choice>
-        <mc:Fallback>
+        <mc:Fallback xmlns="">
           <p:sp>
             <p:nvSpPr>
               <p:cNvPr id="3" name="Content Placeholder 2">
@@ -21519,8 +21519,8 @@
           </a:p>
         </p:txBody>
       </p:sp>
-      <mc:AlternateContent xmlns:mc="http://schemas.openxmlformats.org/markup-compatibility/2006" xmlns:a14="http://schemas.microsoft.com/office/drawing/2010/main">
-        <mc:Choice Requires="a14">
+      <mc:AlternateContent xmlns:mc="http://schemas.openxmlformats.org/markup-compatibility/2006">
+        <mc:Choice xmlns:a14="http://schemas.microsoft.com/office/drawing/2010/main" Requires="a14">
           <p:sp>
             <p:nvSpPr>
               <p:cNvPr id="3" name="Content Placeholder 2">
@@ -21641,7 +21641,45 @@
                     </m:r>
                   </m:oMath>
                 </a14:m>
-                <a:endParaRPr lang="fr-FR" sz="1600" dirty="0"/>
+                <a:r>
+                  <a:rPr lang="fr-FR" sz="1600" dirty="0"/>
+                  <a:t> et donc à l’allongement</a:t>
+                </a:r>
+                <a:r>
+                  <a:rPr lang="en-CA" sz="1600" dirty="0"/>
+                  <a:t> </a:t>
+                </a:r>
+                <a14:m>
+                  <m:oMath xmlns:m="http://schemas.openxmlformats.org/officeDocument/2006/math">
+                    <m:r>
+                      <m:rPr>
+                        <m:sty m:val="p"/>
+                      </m:rPr>
+                      <a:rPr lang="en-CA" sz="1600">
+                        <a:latin typeface="Cambria Math" panose="02040503050406030204" pitchFamily="18" charset="0"/>
+                      </a:rPr>
+                      <m:t>Δ</m:t>
+                    </m:r>
+                    <m:r>
+                      <a:rPr lang="en-CA" sz="1600" i="1">
+                        <a:latin typeface="Cambria Math" panose="02040503050406030204" pitchFamily="18" charset="0"/>
+                      </a:rPr>
+                      <m:t>𝑙</m:t>
+                    </m:r>
+                  </m:oMath>
+                </a14:m>
+                <a:r>
+                  <a:rPr lang="fr-FR" sz="1600" dirty="0"/>
+                  <a:t> </a:t>
+                </a:r>
+                <a:r>
+                  <a:rPr lang="en-CA" sz="1600" dirty="0" err="1"/>
+                  <a:t>aussi</a:t>
+                </a:r>
+                <a:r>
+                  <a:rPr lang="fr-FR" sz="1600" dirty="0"/>
+                  <a:t>.</a:t>
+                </a:r>
               </a:p>
               <a:p>
                 <a:pPr marL="0" indent="0" algn="just">
@@ -21845,6 +21883,12 @@
                     </m:oMathParaPr>
                     <m:oMath xmlns:m="http://schemas.openxmlformats.org/officeDocument/2006/math">
                       <m:r>
+                        <a:rPr lang="en-CA" sz="1600" b="0" i="0" smtClean="0">
+                          <a:latin typeface="Cambria Math" panose="02040503050406030204" pitchFamily="18" charset="0"/>
+                        </a:rPr>
+                        <m:t>(</m:t>
+                      </m:r>
+                      <m:r>
                         <m:rPr>
                           <m:sty m:val="p"/>
                         </m:rPr>
@@ -21967,6 +22011,12 @@
                           <a:latin typeface="Cambria Math" panose="02040503050406030204" pitchFamily="18" charset="0"/>
                         </a:rPr>
                         <m:t>𝐴</m:t>
+                      </m:r>
+                      <m:r>
+                        <a:rPr lang="en-CA" sz="1600" b="0" i="1" smtClean="0">
+                          <a:latin typeface="Cambria Math" panose="02040503050406030204" pitchFamily="18" charset="0"/>
+                        </a:rPr>
+                        <m:t>)</m:t>
                       </m:r>
                     </m:oMath>
                   </m:oMathPara>
@@ -22118,7 +22168,7 @@
             </p:txBody>
           </p:sp>
         </mc:Choice>
-        <mc:Fallback xmlns="">
+        <mc:Fallback>
           <p:sp>
             <p:nvSpPr>
               <p:cNvPr id="3" name="Content Placeholder 2">
@@ -23640,10 +23690,10 @@
                       </m:e>
                     </m:d>
                     <m:r>
-                      <a:rPr lang="en-US" sz="1700" b="0" i="1" dirty="0" smtClean="0">
+                      <a:rPr lang="en-CA" sz="1700" b="0" i="1" dirty="0" smtClean="0">
                         <a:latin typeface="Cambria Math" panose="02040503050406030204" pitchFamily="18" charset="0"/>
                       </a:rPr>
-                      <m:t>≪</m:t>
+                      <m:t>&lt;</m:t>
                     </m:r>
                     <m:r>
                       <a:rPr lang="en-CA" sz="1700" b="0" i="1" dirty="0" smtClean="0">
@@ -23688,6 +23738,37 @@
                       </a:rPr>
                       <m:t>→</m:t>
                     </m:r>
+                    <m:sSub>
+                      <m:sSubPr>
+                        <m:ctrlPr>
+                          <a:rPr lang="en-CA" sz="1700" i="1" dirty="0">
+                            <a:latin typeface="Cambria Math" panose="02040503050406030204" pitchFamily="18" charset="0"/>
+                          </a:rPr>
+                        </m:ctrlPr>
+                      </m:sSubPr>
+                      <m:e>
+                        <m:r>
+                          <a:rPr lang="en-CA" sz="1700" i="1" dirty="0">
+                            <a:latin typeface="Cambria Math" panose="02040503050406030204" pitchFamily="18" charset="0"/>
+                          </a:rPr>
+                          <m:t>𝛿</m:t>
+                        </m:r>
+                      </m:e>
+                      <m:sub>
+                        <m:r>
+                          <a:rPr lang="en-CA" sz="1700" i="1" dirty="0">
+                            <a:latin typeface="Cambria Math" panose="02040503050406030204" pitchFamily="18" charset="0"/>
+                          </a:rPr>
+                          <m:t>𝑚𝑜𝑑𝑒𝑙</m:t>
+                        </m:r>
+                      </m:sub>
+                    </m:sSub>
+                    <m:r>
+                      <a:rPr lang="en-CA" sz="1700" b="0" i="1" dirty="0" smtClean="0">
+                        <a:latin typeface="Cambria Math" panose="02040503050406030204" pitchFamily="18" charset="0"/>
+                      </a:rPr>
+                      <m:t>&lt;</m:t>
+                    </m:r>
                     <m:d>
                       <m:dPr>
                         <m:begChr m:val="|"/>
@@ -23699,38 +23780,19 @@
                         </m:ctrlPr>
                       </m:dPr>
                       <m:e>
-                        <m:sSub>
-                          <m:sSubPr>
-                            <m:ctrlPr>
-                              <a:rPr lang="en-CA" sz="1700" b="0" i="1" dirty="0" smtClean="0">
-                                <a:latin typeface="Cambria Math" panose="02040503050406030204" pitchFamily="18" charset="0"/>
-                              </a:rPr>
-                            </m:ctrlPr>
-                          </m:sSubPr>
-                          <m:e>
-                            <m:r>
-                              <a:rPr lang="en-CA" sz="1700" b="0" i="1" dirty="0" smtClean="0">
-                                <a:latin typeface="Cambria Math" panose="02040503050406030204" pitchFamily="18" charset="0"/>
-                              </a:rPr>
-                              <m:t>𝛿</m:t>
-                            </m:r>
-                          </m:e>
-                          <m:sub>
-                            <m:r>
-                              <a:rPr lang="en-CA" sz="1700" b="0" i="1" dirty="0" smtClean="0">
-                                <a:latin typeface="Cambria Math" panose="02040503050406030204" pitchFamily="18" charset="0"/>
-                              </a:rPr>
-                              <m:t>𝑚𝑜𝑑𝑒𝑙</m:t>
-                            </m:r>
-                          </m:sub>
-                        </m:sSub>
+                        <m:r>
+                          <a:rPr lang="en-CA" sz="1700" b="0" i="1" dirty="0" smtClean="0">
+                            <a:latin typeface="Cambria Math" panose="02040503050406030204" pitchFamily="18" charset="0"/>
+                          </a:rPr>
+                          <m:t>𝐸</m:t>
+                        </m:r>
                       </m:e>
                     </m:d>
                     <m:r>
                       <a:rPr lang="en-CA" sz="1700" b="0" i="1" dirty="0" smtClean="0">
                         <a:latin typeface="Cambria Math" panose="02040503050406030204" pitchFamily="18" charset="0"/>
                       </a:rPr>
-                      <m:t>≤</m:t>
+                      <m:t>+</m:t>
                     </m:r>
                     <m:r>
                       <a:rPr lang="en-CA" sz="1700" b="0" i="1" dirty="0" smtClean="0">
@@ -23773,7 +23835,7 @@
                 </a14:m>
                 <a:r>
                   <a:rPr lang="fr-FR" sz="1700" dirty="0"/>
-                  <a:t>: signe d’une validation de faible qualité, nécessité de réduire  </a:t>
+                  <a:t>: modèle non concluant; signe d’une validation de faible qualité, nécessité de réduire  </a:t>
                 </a:r>
                 <a14:m>
                   <m:oMath xmlns:m="http://schemas.openxmlformats.org/officeDocument/2006/math">
@@ -29939,6 +30001,15 @@
 </file>
 
 <file path=customXml/item1.xml><?xml version="1.0" encoding="utf-8"?>
+<?mso-contentType ?>
+<FormTemplates xmlns="http://schemas.microsoft.com/sharepoint/v3/contenttype/forms">
+  <Display>DocumentLibraryForm</Display>
+  <Edit>DocumentLibraryForm</Edit>
+  <New>DocumentLibraryForm</New>
+</FormTemplates>
+</file>
+
+<file path=customXml/item2.xml><?xml version="1.0" encoding="utf-8"?>
 <p:properties xmlns:p="http://schemas.microsoft.com/office/2006/metadata/properties" xmlns:xsi="http://www.w3.org/2001/XMLSchema-instance" xmlns:pc="http://schemas.microsoft.com/office/infopath/2007/PartnerControls">
   <documentManagement>
     <lcf76f155ced4ddcb4097134ff3c332f xmlns="ec825916-6f01-4646-bf11-4e97fdd06dc8">
@@ -29947,15 +30018,6 @@
     <TaxCatchAll xmlns="10202d72-3646-4d36-9cf4-1feba2c78df0" xsi:nil="true"/>
   </documentManagement>
 </p:properties>
-</file>
-
-<file path=customXml/item2.xml><?xml version="1.0" encoding="utf-8"?>
-<?mso-contentType ?>
-<FormTemplates xmlns="http://schemas.microsoft.com/sharepoint/v3/contenttype/forms">
-  <Display>DocumentLibraryForm</Display>
-  <Edit>DocumentLibraryForm</Edit>
-  <New>DocumentLibraryForm</New>
-</FormTemplates>
 </file>
 
 <file path=customXml/item3.xml><?xml version="1.0" encoding="utf-8"?>
@@ -30154,6 +30216,14 @@
 </file>
 
 <file path=customXml/itemProps1.xml><?xml version="1.0" encoding="utf-8"?>
+<ds:datastoreItem xmlns:ds="http://schemas.openxmlformats.org/officeDocument/2006/customXml" ds:itemID="{73F4A501-0066-4B8E-9AA2-A07CF344BF69}">
+  <ds:schemaRefs>
+    <ds:schemaRef ds:uri="http://schemas.microsoft.com/sharepoint/v3/contenttype/forms"/>
+  </ds:schemaRefs>
+</ds:datastoreItem>
+</file>
+
+<file path=customXml/itemProps2.xml><?xml version="1.0" encoding="utf-8"?>
 <ds:datastoreItem xmlns:ds="http://schemas.openxmlformats.org/officeDocument/2006/customXml" ds:itemID="{CC0D4AF6-CA21-4510-812C-479171907BC9}">
   <ds:schemaRefs>
     <ds:schemaRef ds:uri="ec825916-6f01-4646-bf11-4e97fdd06dc8"/>
@@ -30166,14 +30236,6 @@
     <ds:schemaRef ds:uri="http://schemas.microsoft.com/office/2006/metadata/properties"/>
     <ds:schemaRef ds:uri="http://schemas.openxmlformats.org/package/2006/metadata/core-properties"/>
     <ds:schemaRef ds:uri="http://purl.org/dc/elements/1.1/"/>
-  </ds:schemaRefs>
-</ds:datastoreItem>
-</file>
-
-<file path=customXml/itemProps2.xml><?xml version="1.0" encoding="utf-8"?>
-<ds:datastoreItem xmlns:ds="http://schemas.openxmlformats.org/officeDocument/2006/customXml" ds:itemID="{73F4A501-0066-4B8E-9AA2-A07CF344BF69}">
-  <ds:schemaRefs>
-    <ds:schemaRef ds:uri="http://schemas.microsoft.com/sharepoint/v3/contenttype/forms"/>
   </ds:schemaRefs>
 </ds:datastoreItem>
 </file>

--- a/Presentation_Projet.pptx
+++ b/Presentation_Projet.pptx
@@ -2748,14 +2748,14 @@
                   </a:defRPr>
                 </a:pPr>
                 <a:r>
-                  <a:rPr lang="fr-CA"/>
+                  <a:rPr lang="fr-CA" dirty="0"/>
                   <a:t>dx</a:t>
                 </a:r>
                 <a:r>
-                  <a:rPr lang="fr-CA" baseline="0"/>
-                  <a:t> [m]</a:t>
+                  <a:rPr lang="fr-CA" baseline="0" dirty="0"/>
+                  <a:t> [mm]</a:t>
                 </a:r>
-                <a:endParaRPr lang="fr-CA"/>
+                <a:endParaRPr lang="fr-CA" dirty="0"/>
               </a:p>
             </c:rich>
           </c:tx>
@@ -3251,6 +3251,66 @@
             <a:effectLst/>
           </c:spPr>
         </c:majorGridlines>
+        <c:title>
+          <c:tx>
+            <c:rich>
+              <a:bodyPr rot="0" spcFirstLastPara="1" vertOverflow="ellipsis" vert="horz" wrap="square" anchor="ctr" anchorCtr="1"/>
+              <a:lstStyle/>
+              <a:p>
+                <a:pPr>
+                  <a:defRPr sz="1000" b="0" i="0" u="none" strike="noStrike" kern="1200" baseline="0">
+                    <a:solidFill>
+                      <a:schemeClr val="tx1">
+                        <a:lumMod val="65000"/>
+                        <a:lumOff val="35000"/>
+                      </a:schemeClr>
+                    </a:solidFill>
+                    <a:latin typeface="+mn-lt"/>
+                    <a:ea typeface="+mn-ea"/>
+                    <a:cs typeface="+mn-cs"/>
+                  </a:defRPr>
+                </a:pPr>
+                <a:r>
+                  <a:rPr lang="en-CA" dirty="0"/>
+                  <a:t>dx</a:t>
+                </a:r>
+                <a:r>
+                  <a:rPr lang="en-CA" baseline="0" dirty="0"/>
+                  <a:t> [mm]</a:t>
+                </a:r>
+                <a:endParaRPr lang="en-CA" dirty="0"/>
+              </a:p>
+            </c:rich>
+          </c:tx>
+          <c:overlay val="0"/>
+          <c:spPr>
+            <a:noFill/>
+            <a:ln>
+              <a:noFill/>
+            </a:ln>
+            <a:effectLst/>
+          </c:spPr>
+          <c:txPr>
+            <a:bodyPr rot="0" spcFirstLastPara="1" vertOverflow="ellipsis" vert="horz" wrap="square" anchor="ctr" anchorCtr="1"/>
+            <a:lstStyle/>
+            <a:p>
+              <a:pPr>
+                <a:defRPr sz="1000" b="0" i="0" u="none" strike="noStrike" kern="1200" baseline="0">
+                  <a:solidFill>
+                    <a:schemeClr val="tx1">
+                      <a:lumMod val="65000"/>
+                      <a:lumOff val="35000"/>
+                    </a:schemeClr>
+                  </a:solidFill>
+                  <a:latin typeface="+mn-lt"/>
+                  <a:ea typeface="+mn-ea"/>
+                  <a:cs typeface="+mn-cs"/>
+                </a:defRPr>
+              </a:pPr>
+              <a:endParaRPr lang="en-US"/>
+            </a:p>
+          </c:txPr>
+        </c:title>
         <c:numFmt formatCode="General" sourceLinked="1"/>
         <c:majorTickMark val="none"/>
         <c:minorTickMark val="none"/>
@@ -3314,6 +3374,65 @@
             <a:effectLst/>
           </c:spPr>
         </c:majorGridlines>
+        <c:title>
+          <c:tx>
+            <c:rich>
+              <a:bodyPr rot="-5400000" spcFirstLastPara="1" vertOverflow="ellipsis" vert="horz" wrap="square" anchor="ctr" anchorCtr="1"/>
+              <a:lstStyle/>
+              <a:p>
+                <a:pPr>
+                  <a:defRPr sz="1000" b="0" i="0" u="none" strike="noStrike" kern="1200" baseline="0">
+                    <a:solidFill>
+                      <a:schemeClr val="tx1">
+                        <a:lumMod val="65000"/>
+                        <a:lumOff val="35000"/>
+                      </a:schemeClr>
+                    </a:solidFill>
+                    <a:latin typeface="+mn-lt"/>
+                    <a:ea typeface="+mn-ea"/>
+                    <a:cs typeface="+mn-cs"/>
+                  </a:defRPr>
+                </a:pPr>
+                <a:r>
+                  <a:rPr lang="en-CA" dirty="0" err="1"/>
+                  <a:t>Erreur</a:t>
+                </a:r>
+                <a:r>
+                  <a:rPr lang="en-CA" dirty="0"/>
+                  <a:t> de deformation</a:t>
+                </a:r>
+              </a:p>
+            </c:rich>
+          </c:tx>
+          <c:overlay val="0"/>
+          <c:spPr>
+            <a:noFill/>
+            <a:ln>
+              <a:noFill/>
+            </a:ln>
+            <a:effectLst/>
+          </c:spPr>
+          <c:txPr>
+            <a:bodyPr rot="-5400000" spcFirstLastPara="1" vertOverflow="ellipsis" vert="horz" wrap="square" anchor="ctr" anchorCtr="1"/>
+            <a:lstStyle/>
+            <a:p>
+              <a:pPr>
+                <a:defRPr sz="1000" b="0" i="0" u="none" strike="noStrike" kern="1200" baseline="0">
+                  <a:solidFill>
+                    <a:schemeClr val="tx1">
+                      <a:lumMod val="65000"/>
+                      <a:lumOff val="35000"/>
+                    </a:schemeClr>
+                  </a:solidFill>
+                  <a:latin typeface="+mn-lt"/>
+                  <a:ea typeface="+mn-ea"/>
+                  <a:cs typeface="+mn-cs"/>
+                </a:defRPr>
+              </a:pPr>
+              <a:endParaRPr lang="en-US"/>
+            </a:p>
+          </c:txPr>
+        </c:title>
         <c:numFmt formatCode="General" sourceLinked="1"/>
         <c:majorTickMark val="none"/>
         <c:minorTickMark val="none"/>
@@ -10940,6 +11059,90 @@
     </a:lvl9pPr>
   </p:notesStyle>
 </p:notesMaster>
+</file>
+
+<file path=ppt/notesSlides/notesSlide1.xml><?xml version="1.0" encoding="utf-8"?>
+<p:notes xmlns:a="http://schemas.openxmlformats.org/drawingml/2006/main" xmlns:r="http://schemas.openxmlformats.org/officeDocument/2006/relationships" xmlns:p="http://schemas.openxmlformats.org/presentationml/2006/main">
+  <p:cSld>
+    <p:spTree>
+      <p:nvGrpSpPr>
+        <p:cNvPr id="1" name=""/>
+        <p:cNvGrpSpPr/>
+        <p:nvPr/>
+      </p:nvGrpSpPr>
+      <p:grpSpPr>
+        <a:xfrm>
+          <a:off x="0" y="0"/>
+          <a:ext cx="0" cy="0"/>
+          <a:chOff x="0" y="0"/>
+          <a:chExt cx="0" cy="0"/>
+        </a:xfrm>
+      </p:grpSpPr>
+      <p:sp>
+        <p:nvSpPr>
+          <p:cNvPr id="2" name="Slide Image Placeholder 1"/>
+          <p:cNvSpPr>
+            <a:spLocks noGrp="1" noRot="1" noChangeAspect="1"/>
+          </p:cNvSpPr>
+          <p:nvPr>
+            <p:ph type="sldImg"/>
+          </p:nvPr>
+        </p:nvSpPr>
+        <p:spPr/>
+      </p:sp>
+      <p:sp>
+        <p:nvSpPr>
+          <p:cNvPr id="3" name="Notes Placeholder 2"/>
+          <p:cNvSpPr>
+            <a:spLocks noGrp="1"/>
+          </p:cNvSpPr>
+          <p:nvPr>
+            <p:ph type="body" idx="1"/>
+          </p:nvPr>
+        </p:nvSpPr>
+        <p:spPr/>
+        <p:txBody>
+          <a:bodyPr/>
+          <a:lstStyle/>
+          <a:p>
+            <a:endParaRPr lang="en-CA" dirty="0"/>
+          </a:p>
+        </p:txBody>
+      </p:sp>
+      <p:sp>
+        <p:nvSpPr>
+          <p:cNvPr id="4" name="Slide Number Placeholder 3"/>
+          <p:cNvSpPr>
+            <a:spLocks noGrp="1"/>
+          </p:cNvSpPr>
+          <p:nvPr>
+            <p:ph type="sldNum" sz="quarter" idx="5"/>
+          </p:nvPr>
+        </p:nvSpPr>
+        <p:spPr/>
+        <p:txBody>
+          <a:bodyPr/>
+          <a:lstStyle/>
+          <a:p>
+            <a:fld id="{603E9730-38DB-4F77-A139-6CE923099591}" type="slidenum">
+              <a:rPr lang="en-CA" smtClean="0"/>
+              <a:t>15</a:t>
+            </a:fld>
+            <a:endParaRPr lang="en-CA"/>
+          </a:p>
+        </p:txBody>
+      </p:sp>
+    </p:spTree>
+    <p:extLst>
+      <p:ext uri="{BB962C8B-B14F-4D97-AF65-F5344CB8AC3E}">
+        <p14:creationId xmlns:p14="http://schemas.microsoft.com/office/powerpoint/2010/main" val="2472066556"/>
+      </p:ext>
+    </p:extLst>
+  </p:cSld>
+  <p:clrMapOvr>
+    <a:masterClrMapping/>
+  </p:clrMapOvr>
+</p:notes>
 </file>
 
 <file path=ppt/slideLayouts/slideLayout1.xml><?xml version="1.0" encoding="utf-8"?>
@@ -16170,13 +16373,13 @@
           <p:nvPr>
             <p:extLst>
               <p:ext uri="{D42A27DB-BD31-4B8C-83A1-F6EECF244321}">
-                <p14:modId xmlns:p14="http://schemas.microsoft.com/office/powerpoint/2010/main" val="1987198470"/>
+                <p14:modId xmlns:p14="http://schemas.microsoft.com/office/powerpoint/2010/main" val="2966092371"/>
               </p:ext>
             </p:extLst>
           </p:nvPr>
         </p:nvGraphicFramePr>
         <p:xfrm>
-          <a:off x="838200" y="1729331"/>
+          <a:off x="840658" y="2178104"/>
           <a:ext cx="2583426" cy="4098138"/>
         </p:xfrm>
         <a:graphic>
@@ -16943,7 +17146,7 @@
         </p:nvSpPr>
         <p:spPr>
           <a:xfrm>
-            <a:off x="776749" y="5866798"/>
+            <a:off x="768145" y="1716439"/>
             <a:ext cx="2723536" cy="461665"/>
           </a:xfrm>
           <a:prstGeom prst="rect">
@@ -17012,7 +17215,7 @@
           <p:nvPr>
             <p:extLst>
               <p:ext uri="{D42A27DB-BD31-4B8C-83A1-F6EECF244321}">
-                <p14:modId xmlns:p14="http://schemas.microsoft.com/office/powerpoint/2010/main" val="2005764556"/>
+                <p14:modId xmlns:p14="http://schemas.microsoft.com/office/powerpoint/2010/main" val="2251255793"/>
               </p:ext>
             </p:extLst>
           </p:nvPr>
@@ -18489,8 +18692,8 @@
           </a:p>
         </p:txBody>
       </p:sp>
-      <mc:AlternateContent xmlns:mc="http://schemas.openxmlformats.org/markup-compatibility/2006" xmlns:a14="http://schemas.microsoft.com/office/drawing/2010/main">
-        <mc:Choice Requires="a14">
+      <mc:AlternateContent xmlns:mc="http://schemas.openxmlformats.org/markup-compatibility/2006">
+        <mc:Choice xmlns:a14="http://schemas.microsoft.com/office/drawing/2010/main" Requires="a14">
           <p:sp>
             <p:nvSpPr>
               <p:cNvPr id="3" name="Content Placeholder 2">
@@ -18973,7 +19176,7 @@
                       <a:rPr lang="en-CA" sz="1800" b="0" i="1" smtClean="0">
                         <a:latin typeface="Cambria Math" panose="02040503050406030204" pitchFamily="18" charset="0"/>
                       </a:rPr>
-                      <m:t>.</m:t>
+                      <m:t>𝑚</m:t>
                     </m:r>
                   </m:oMath>
                 </a14:m>
@@ -19324,7 +19527,7 @@
             </p:txBody>
           </p:sp>
         </mc:Choice>
-        <mc:Fallback xmlns="">
+        <mc:Fallback>
           <p:sp>
             <p:nvSpPr>
               <p:cNvPr id="3" name="Content Placeholder 2">
@@ -19347,7 +19550,7 @@
                 <a:ext cx="10515600" cy="5342501"/>
               </a:xfrm>
               <a:blipFill>
-                <a:blip r:embed="rId2"/>
+                <a:blip r:embed="rId3"/>
                 <a:stretch>
                   <a:fillRect l="-522" r="-464"/>
                 </a:stretch>
@@ -21519,8 +21722,8 @@
           </a:p>
         </p:txBody>
       </p:sp>
-      <mc:AlternateContent xmlns:mc="http://schemas.openxmlformats.org/markup-compatibility/2006">
-        <mc:Choice xmlns:a14="http://schemas.microsoft.com/office/drawing/2010/main" Requires="a14">
+      <mc:AlternateContent xmlns:mc="http://schemas.openxmlformats.org/markup-compatibility/2006" xmlns:a14="http://schemas.microsoft.com/office/drawing/2010/main">
+        <mc:Choice Requires="a14">
           <p:sp>
             <p:nvSpPr>
               <p:cNvPr id="3" name="Content Placeholder 2">
@@ -22168,7 +22371,7 @@
             </p:txBody>
           </p:sp>
         </mc:Choice>
-        <mc:Fallback>
+        <mc:Fallback xmlns="">
           <p:sp>
             <p:nvSpPr>
               <p:cNvPr id="3" name="Content Placeholder 2">
@@ -23111,8 +23314,8 @@
           </a:p>
         </p:txBody>
       </p:sp>
-      <mc:AlternateContent xmlns:mc="http://schemas.openxmlformats.org/markup-compatibility/2006">
-        <mc:Choice xmlns:a14="http://schemas.microsoft.com/office/drawing/2010/main" Requires="a14">
+      <mc:AlternateContent xmlns:mc="http://schemas.openxmlformats.org/markup-compatibility/2006" xmlns:a14="http://schemas.microsoft.com/office/drawing/2010/main">
+        <mc:Choice Requires="a14">
           <p:sp>
             <p:nvSpPr>
               <p:cNvPr id="3" name="Content Placeholder 2">
@@ -23875,7 +24078,7 @@
             </p:txBody>
           </p:sp>
         </mc:Choice>
-        <mc:Fallback>
+        <mc:Fallback xmlns="">
           <p:sp>
             <p:nvSpPr>
               <p:cNvPr id="3" name="Content Placeholder 2">
@@ -26486,7 +26689,7 @@
             </a:pPr>
             <a:r>
               <a:rPr lang="fr-FR" sz="1800" dirty="0"/>
-              <a:t>	- Extrémité libre au niveau de la vertèbre L1 (condition de 	Neumann).</a:t>
+              <a:t>	- Force externe au niveau de la vertèbre L1 (condition de 	Neumann).</a:t>
             </a:r>
           </a:p>
           <a:p>
@@ -28164,7 +28367,7 @@
         </p:nvSpPr>
         <p:spPr>
           <a:xfrm>
-            <a:off x="838200" y="1150374"/>
+            <a:off x="838200" y="1160206"/>
             <a:ext cx="10515600" cy="5342501"/>
           </a:xfrm>
         </p:spPr>
@@ -28214,13 +28417,13 @@
           <p:nvPr>
             <p:extLst>
               <p:ext uri="{D42A27DB-BD31-4B8C-83A1-F6EECF244321}">
-                <p14:modId xmlns:p14="http://schemas.microsoft.com/office/powerpoint/2010/main" val="400962649"/>
+                <p14:modId xmlns:p14="http://schemas.microsoft.com/office/powerpoint/2010/main" val="4195041227"/>
               </p:ext>
             </p:extLst>
           </p:nvPr>
         </p:nvGraphicFramePr>
         <p:xfrm>
-          <a:off x="838200" y="1887792"/>
+          <a:off x="867696" y="2333347"/>
           <a:ext cx="2583426" cy="3819832"/>
         </p:xfrm>
         <a:graphic>
@@ -28379,12 +28582,12 @@
                     <a:p>
                       <a:pPr algn="ctr" fontAlgn="ctr"/>
                       <a:r>
-                        <a:rPr lang="fr-CA" sz="1100" u="none" strike="noStrike">
+                        <a:rPr lang="fr-CA" sz="1100" u="none" strike="noStrike" dirty="0">
                           <a:effectLst/>
                         </a:rPr>
                         <a:t>7,1184418</a:t>
                       </a:r>
-                      <a:endParaRPr lang="fr-CA" sz="1100" b="0" i="0" u="none" strike="noStrike">
+                      <a:endParaRPr lang="fr-CA" sz="1100" b="0" i="0" u="none" strike="noStrike" dirty="0">
                         <a:solidFill>
                           <a:srgbClr val="000000"/>
                         </a:solidFill>
@@ -28800,13 +29003,13 @@
           <p:nvPr>
             <p:extLst>
               <p:ext uri="{D42A27DB-BD31-4B8C-83A1-F6EECF244321}">
-                <p14:modId xmlns:p14="http://schemas.microsoft.com/office/powerpoint/2010/main" val="3501150075"/>
+                <p14:modId xmlns:p14="http://schemas.microsoft.com/office/powerpoint/2010/main" val="1840057749"/>
               </p:ext>
             </p:extLst>
           </p:nvPr>
         </p:nvGraphicFramePr>
         <p:xfrm>
-          <a:off x="3500283" y="1858297"/>
+          <a:off x="3724940" y="1858297"/>
           <a:ext cx="7355041" cy="4098140"/>
         </p:xfrm>
         <a:graphic>
@@ -28829,7 +29032,7 @@
         </p:nvSpPr>
         <p:spPr>
           <a:xfrm>
-            <a:off x="5420276" y="5866798"/>
+            <a:off x="5644933" y="5876180"/>
             <a:ext cx="5435048" cy="276999"/>
           </a:xfrm>
           <a:prstGeom prst="rect">
@@ -28893,7 +29096,7 @@
         </p:nvSpPr>
         <p:spPr>
           <a:xfrm>
-            <a:off x="1113503" y="5866798"/>
+            <a:off x="818536" y="1858297"/>
             <a:ext cx="2111477" cy="461665"/>
           </a:xfrm>
           <a:prstGeom prst="rect">
@@ -30001,15 +30204,6 @@
 </file>
 
 <file path=customXml/item1.xml><?xml version="1.0" encoding="utf-8"?>
-<?mso-contentType ?>
-<FormTemplates xmlns="http://schemas.microsoft.com/sharepoint/v3/contenttype/forms">
-  <Display>DocumentLibraryForm</Display>
-  <Edit>DocumentLibraryForm</Edit>
-  <New>DocumentLibraryForm</New>
-</FormTemplates>
-</file>
-
-<file path=customXml/item2.xml><?xml version="1.0" encoding="utf-8"?>
 <p:properties xmlns:p="http://schemas.microsoft.com/office/2006/metadata/properties" xmlns:xsi="http://www.w3.org/2001/XMLSchema-instance" xmlns:pc="http://schemas.microsoft.com/office/infopath/2007/PartnerControls">
   <documentManagement>
     <lcf76f155ced4ddcb4097134ff3c332f xmlns="ec825916-6f01-4646-bf11-4e97fdd06dc8">
@@ -30018,6 +30212,15 @@
     <TaxCatchAll xmlns="10202d72-3646-4d36-9cf4-1feba2c78df0" xsi:nil="true"/>
   </documentManagement>
 </p:properties>
+</file>
+
+<file path=customXml/item2.xml><?xml version="1.0" encoding="utf-8"?>
+<?mso-contentType ?>
+<FormTemplates xmlns="http://schemas.microsoft.com/sharepoint/v3/contenttype/forms">
+  <Display>DocumentLibraryForm</Display>
+  <Edit>DocumentLibraryForm</Edit>
+  <New>DocumentLibraryForm</New>
+</FormTemplates>
 </file>
 
 <file path=customXml/item3.xml><?xml version="1.0" encoding="utf-8"?>
@@ -30216,14 +30419,6 @@
 </file>
 
 <file path=customXml/itemProps1.xml><?xml version="1.0" encoding="utf-8"?>
-<ds:datastoreItem xmlns:ds="http://schemas.openxmlformats.org/officeDocument/2006/customXml" ds:itemID="{73F4A501-0066-4B8E-9AA2-A07CF344BF69}">
-  <ds:schemaRefs>
-    <ds:schemaRef ds:uri="http://schemas.microsoft.com/sharepoint/v3/contenttype/forms"/>
-  </ds:schemaRefs>
-</ds:datastoreItem>
-</file>
-
-<file path=customXml/itemProps2.xml><?xml version="1.0" encoding="utf-8"?>
 <ds:datastoreItem xmlns:ds="http://schemas.openxmlformats.org/officeDocument/2006/customXml" ds:itemID="{CC0D4AF6-CA21-4510-812C-479171907BC9}">
   <ds:schemaRefs>
     <ds:schemaRef ds:uri="ec825916-6f01-4646-bf11-4e97fdd06dc8"/>
@@ -30236,6 +30431,14 @@
     <ds:schemaRef ds:uri="http://schemas.microsoft.com/office/2006/metadata/properties"/>
     <ds:schemaRef ds:uri="http://schemas.openxmlformats.org/package/2006/metadata/core-properties"/>
     <ds:schemaRef ds:uri="http://purl.org/dc/elements/1.1/"/>
+  </ds:schemaRefs>
+</ds:datastoreItem>
+</file>
+
+<file path=customXml/itemProps2.xml><?xml version="1.0" encoding="utf-8"?>
+<ds:datastoreItem xmlns:ds="http://schemas.openxmlformats.org/officeDocument/2006/customXml" ds:itemID="{73F4A501-0066-4B8E-9AA2-A07CF344BF69}">
+  <ds:schemaRefs>
+    <ds:schemaRef ds:uri="http://schemas.microsoft.com/sharepoint/v3/contenttype/forms"/>
   </ds:schemaRefs>
 </ds:datastoreItem>
 </file>
